--- a/Final Report/Group1_Capstone Presentation.pptx
+++ b/Final Report/Group1_Capstone Presentation.pptx
@@ -1,25 +1,25 @@
 
 <file path=ppt/presentation.xml><?xml version="1.0" encoding="utf-8"?>
-<p:presentation xmlns:a="http://schemas.openxmlformats.org/drawingml/2006/main" xmlns:r="http://schemas.openxmlformats.org/officeDocument/2006/relationships" xmlns:p="http://schemas.openxmlformats.org/presentationml/2006/main" strictFirstAndLastChars="0" saveSubsetFonts="1" autoCompressPictures="0">
+<p:presentation xmlns:a="http://schemas.openxmlformats.org/drawingml/2006/main" xmlns:r="http://schemas.openxmlformats.org/officeDocument/2006/relationships" xmlns:p="http://schemas.openxmlformats.org/presentationml/2006/main" strictFirstAndLastChars="0" autoCompressPictures="0">
   <p:sldMasterIdLst>
-    <p:sldMasterId id="2147483670" r:id="rId1"/>
+    <p:sldMasterId id="2147483648" r:id="rId1"/>
   </p:sldMasterIdLst>
   <p:notesMasterIdLst>
-    <p:notesMasterId r:id="rId14"/>
+    <p:notesMasterId r:id="rId4"/>
   </p:notesMasterIdLst>
   <p:sldIdLst>
-    <p:sldId id="256" r:id="rId2"/>
-    <p:sldId id="258" r:id="rId3"/>
-    <p:sldId id="298" r:id="rId4"/>
-    <p:sldId id="312" r:id="rId5"/>
-    <p:sldId id="299" r:id="rId6"/>
-    <p:sldId id="300" r:id="rId7"/>
-    <p:sldId id="311" r:id="rId8"/>
-    <p:sldId id="301" r:id="rId9"/>
-    <p:sldId id="308" r:id="rId10"/>
-    <p:sldId id="310" r:id="rId11"/>
-    <p:sldId id="304" r:id="rId12"/>
-    <p:sldId id="307" r:id="rId13"/>
+    <p:sldId id="256" r:id="rId3"/>
+    <p:sldId id="258" r:id="rId5"/>
+    <p:sldId id="298" r:id="rId6"/>
+    <p:sldId id="312" r:id="rId7"/>
+    <p:sldId id="299" r:id="rId8"/>
+    <p:sldId id="300" r:id="rId9"/>
+    <p:sldId id="311" r:id="rId10"/>
+    <p:sldId id="301" r:id="rId11"/>
+    <p:sldId id="308" r:id="rId12"/>
+    <p:sldId id="310" r:id="rId13"/>
+    <p:sldId id="304" r:id="rId14"/>
+    <p:sldId id="307" r:id="rId15"/>
   </p:sldIdLst>
   <p:sldSz cx="9144000" cy="5143500" type="screen16x9"/>
   <p:notesSz cx="6858000" cy="9144000"/>
@@ -48,15 +48,15 @@
       <a:buClr>
         <a:srgbClr val="000000"/>
       </a:buClr>
-      <a:buFont typeface="Arial"/>
+      <a:buFont typeface="Arial" panose="020B0604020202090204"/>
       <a:defRPr sz="1400" b="0" i="0" u="none" strike="noStrike" cap="none">
         <a:solidFill>
           <a:srgbClr val="000000"/>
         </a:solidFill>
-        <a:latin typeface="Arial"/>
-        <a:ea typeface="Arial"/>
-        <a:cs typeface="Arial"/>
-        <a:sym typeface="Arial"/>
+        <a:latin typeface="Arial" panose="020B0604020202090204"/>
+        <a:ea typeface="Arial" panose="020B0604020202090204"/>
+        <a:cs typeface="Arial" panose="020B0604020202090204"/>
+        <a:sym typeface="Arial" panose="020B0604020202090204"/>
       </a:defRPr>
     </a:lvl1pPr>
     <a:lvl2pPr marR="0" lvl="1" algn="l" rtl="0">
@@ -72,15 +72,15 @@
       <a:buClr>
         <a:srgbClr val="000000"/>
       </a:buClr>
-      <a:buFont typeface="Arial"/>
+      <a:buFont typeface="Arial" panose="020B0604020202090204"/>
       <a:defRPr sz="1400" b="0" i="0" u="none" strike="noStrike" cap="none">
         <a:solidFill>
           <a:srgbClr val="000000"/>
         </a:solidFill>
-        <a:latin typeface="Arial"/>
-        <a:ea typeface="Arial"/>
-        <a:cs typeface="Arial"/>
-        <a:sym typeface="Arial"/>
+        <a:latin typeface="Arial" panose="020B0604020202090204"/>
+        <a:ea typeface="Arial" panose="020B0604020202090204"/>
+        <a:cs typeface="Arial" panose="020B0604020202090204"/>
+        <a:sym typeface="Arial" panose="020B0604020202090204"/>
       </a:defRPr>
     </a:lvl2pPr>
     <a:lvl3pPr marR="0" lvl="2" algn="l" rtl="0">
@@ -96,15 +96,15 @@
       <a:buClr>
         <a:srgbClr val="000000"/>
       </a:buClr>
-      <a:buFont typeface="Arial"/>
+      <a:buFont typeface="Arial" panose="020B0604020202090204"/>
       <a:defRPr sz="1400" b="0" i="0" u="none" strike="noStrike" cap="none">
         <a:solidFill>
           <a:srgbClr val="000000"/>
         </a:solidFill>
-        <a:latin typeface="Arial"/>
-        <a:ea typeface="Arial"/>
-        <a:cs typeface="Arial"/>
-        <a:sym typeface="Arial"/>
+        <a:latin typeface="Arial" panose="020B0604020202090204"/>
+        <a:ea typeface="Arial" panose="020B0604020202090204"/>
+        <a:cs typeface="Arial" panose="020B0604020202090204"/>
+        <a:sym typeface="Arial" panose="020B0604020202090204"/>
       </a:defRPr>
     </a:lvl3pPr>
     <a:lvl4pPr marR="0" lvl="3" algn="l" rtl="0">
@@ -120,15 +120,15 @@
       <a:buClr>
         <a:srgbClr val="000000"/>
       </a:buClr>
-      <a:buFont typeface="Arial"/>
+      <a:buFont typeface="Arial" panose="020B0604020202090204"/>
       <a:defRPr sz="1400" b="0" i="0" u="none" strike="noStrike" cap="none">
         <a:solidFill>
           <a:srgbClr val="000000"/>
         </a:solidFill>
-        <a:latin typeface="Arial"/>
-        <a:ea typeface="Arial"/>
-        <a:cs typeface="Arial"/>
-        <a:sym typeface="Arial"/>
+        <a:latin typeface="Arial" panose="020B0604020202090204"/>
+        <a:ea typeface="Arial" panose="020B0604020202090204"/>
+        <a:cs typeface="Arial" panose="020B0604020202090204"/>
+        <a:sym typeface="Arial" panose="020B0604020202090204"/>
       </a:defRPr>
     </a:lvl4pPr>
     <a:lvl5pPr marR="0" lvl="4" algn="l" rtl="0">
@@ -144,15 +144,15 @@
       <a:buClr>
         <a:srgbClr val="000000"/>
       </a:buClr>
-      <a:buFont typeface="Arial"/>
+      <a:buFont typeface="Arial" panose="020B0604020202090204"/>
       <a:defRPr sz="1400" b="0" i="0" u="none" strike="noStrike" cap="none">
         <a:solidFill>
           <a:srgbClr val="000000"/>
         </a:solidFill>
-        <a:latin typeface="Arial"/>
-        <a:ea typeface="Arial"/>
-        <a:cs typeface="Arial"/>
-        <a:sym typeface="Arial"/>
+        <a:latin typeface="Arial" panose="020B0604020202090204"/>
+        <a:ea typeface="Arial" panose="020B0604020202090204"/>
+        <a:cs typeface="Arial" panose="020B0604020202090204"/>
+        <a:sym typeface="Arial" panose="020B0604020202090204"/>
       </a:defRPr>
     </a:lvl5pPr>
     <a:lvl6pPr marR="0" lvl="5" algn="l" rtl="0">
@@ -168,15 +168,15 @@
       <a:buClr>
         <a:srgbClr val="000000"/>
       </a:buClr>
-      <a:buFont typeface="Arial"/>
+      <a:buFont typeface="Arial" panose="020B0604020202090204"/>
       <a:defRPr sz="1400" b="0" i="0" u="none" strike="noStrike" cap="none">
         <a:solidFill>
           <a:srgbClr val="000000"/>
         </a:solidFill>
-        <a:latin typeface="Arial"/>
-        <a:ea typeface="Arial"/>
-        <a:cs typeface="Arial"/>
-        <a:sym typeface="Arial"/>
+        <a:latin typeface="Arial" panose="020B0604020202090204"/>
+        <a:ea typeface="Arial" panose="020B0604020202090204"/>
+        <a:cs typeface="Arial" panose="020B0604020202090204"/>
+        <a:sym typeface="Arial" panose="020B0604020202090204"/>
       </a:defRPr>
     </a:lvl6pPr>
     <a:lvl7pPr marR="0" lvl="6" algn="l" rtl="0">
@@ -192,15 +192,15 @@
       <a:buClr>
         <a:srgbClr val="000000"/>
       </a:buClr>
-      <a:buFont typeface="Arial"/>
+      <a:buFont typeface="Arial" panose="020B0604020202090204"/>
       <a:defRPr sz="1400" b="0" i="0" u="none" strike="noStrike" cap="none">
         <a:solidFill>
           <a:srgbClr val="000000"/>
         </a:solidFill>
-        <a:latin typeface="Arial"/>
-        <a:ea typeface="Arial"/>
-        <a:cs typeface="Arial"/>
-        <a:sym typeface="Arial"/>
+        <a:latin typeface="Arial" panose="020B0604020202090204"/>
+        <a:ea typeface="Arial" panose="020B0604020202090204"/>
+        <a:cs typeface="Arial" panose="020B0604020202090204"/>
+        <a:sym typeface="Arial" panose="020B0604020202090204"/>
       </a:defRPr>
     </a:lvl7pPr>
     <a:lvl8pPr marR="0" lvl="7" algn="l" rtl="0">
@@ -216,15 +216,15 @@
       <a:buClr>
         <a:srgbClr val="000000"/>
       </a:buClr>
-      <a:buFont typeface="Arial"/>
+      <a:buFont typeface="Arial" panose="020B0604020202090204"/>
       <a:defRPr sz="1400" b="0" i="0" u="none" strike="noStrike" cap="none">
         <a:solidFill>
           <a:srgbClr val="000000"/>
         </a:solidFill>
-        <a:latin typeface="Arial"/>
-        <a:ea typeface="Arial"/>
-        <a:cs typeface="Arial"/>
-        <a:sym typeface="Arial"/>
+        <a:latin typeface="Arial" panose="020B0604020202090204"/>
+        <a:ea typeface="Arial" panose="020B0604020202090204"/>
+        <a:cs typeface="Arial" panose="020B0604020202090204"/>
+        <a:sym typeface="Arial" panose="020B0604020202090204"/>
       </a:defRPr>
     </a:lvl8pPr>
     <a:lvl9pPr marR="0" lvl="8" algn="l" rtl="0">
@@ -240,23 +240,18 @@
       <a:buClr>
         <a:srgbClr val="000000"/>
       </a:buClr>
-      <a:buFont typeface="Arial"/>
+      <a:buFont typeface="Arial" panose="020B0604020202090204"/>
       <a:defRPr sz="1400" b="0" i="0" u="none" strike="noStrike" cap="none">
         <a:solidFill>
           <a:srgbClr val="000000"/>
         </a:solidFill>
-        <a:latin typeface="Arial"/>
-        <a:ea typeface="Arial"/>
-        <a:cs typeface="Arial"/>
-        <a:sym typeface="Arial"/>
+        <a:latin typeface="Arial" panose="020B0604020202090204"/>
+        <a:ea typeface="Arial" panose="020B0604020202090204"/>
+        <a:cs typeface="Arial" panose="020B0604020202090204"/>
+        <a:sym typeface="Arial" panose="020B0604020202090204"/>
       </a:defRPr>
     </a:lvl9pPr>
   </p:defaultTextStyle>
-  <p:extLst>
-    <p:ext uri="{EFAFB233-063F-42B5-8137-9DF3F51BA10A}">
-      <p15:sldGuideLst xmlns:p15="http://schemas.microsoft.com/office/powerpoint/2012/main"/>
-    </p:ext>
-  </p:extLst>
 </p:presentation>
 </file>
 
@@ -267,117 +262,39 @@
   <dgm:catLst>
     <dgm:cat type="accent1" pri="11200"/>
   </dgm:catLst>
-  <dgm:styleLbl name="node0">
+  <dgm:styleLbl name="alignAcc1">
     <dgm:fillClrLst meth="repeat">
-      <a:schemeClr val="accent1"/>
-    </dgm:fillClrLst>
-    <dgm:linClrLst meth="repeat">
-      <a:schemeClr val="lt1"/>
-    </dgm:linClrLst>
-    <dgm:effectClrLst/>
-    <dgm:txLinClrLst/>
-    <dgm:txFillClrLst/>
-    <dgm:txEffectClrLst/>
-  </dgm:styleLbl>
-  <dgm:styleLbl name="alignNode1">
-    <dgm:fillClrLst meth="repeat">
-      <a:schemeClr val="accent1"/>
+      <a:schemeClr val="lt1">
+        <a:alpha val="90000"/>
+      </a:schemeClr>
     </dgm:fillClrLst>
     <dgm:linClrLst meth="repeat">
       <a:schemeClr val="accent1"/>
     </dgm:linClrLst>
     <dgm:effectClrLst/>
     <dgm:txLinClrLst/>
-    <dgm:txFillClrLst/>
+    <dgm:txFillClrLst meth="repeat">
+      <a:schemeClr val="dk1"/>
+    </dgm:txFillClrLst>
     <dgm:txEffectClrLst/>
   </dgm:styleLbl>
-  <dgm:styleLbl name="node1">
-    <dgm:fillClrLst meth="repeat">
-      <a:schemeClr val="accent1"/>
-    </dgm:fillClrLst>
-    <dgm:linClrLst meth="repeat">
-      <a:schemeClr val="lt1"/>
-    </dgm:linClrLst>
-    <dgm:effectClrLst/>
-    <dgm:txLinClrLst/>
-    <dgm:txFillClrLst/>
-    <dgm:txEffectClrLst/>
-  </dgm:styleLbl>
-  <dgm:styleLbl name="lnNode1">
-    <dgm:fillClrLst meth="repeat">
-      <a:schemeClr val="accent1"/>
-    </dgm:fillClrLst>
-    <dgm:linClrLst meth="repeat">
-      <a:schemeClr val="lt1"/>
-    </dgm:linClrLst>
-    <dgm:effectClrLst/>
-    <dgm:txLinClrLst/>
-    <dgm:txFillClrLst/>
-    <dgm:txEffectClrLst/>
-  </dgm:styleLbl>
-  <dgm:styleLbl name="vennNode1">
+  <dgm:styleLbl name="alignAccFollowNode1">
     <dgm:fillClrLst meth="repeat">
       <a:schemeClr val="accent1">
-        <a:alpha val="50000"/>
+        <a:alpha val="90000"/>
+        <a:tint val="40000"/>
       </a:schemeClr>
     </dgm:fillClrLst>
     <dgm:linClrLst meth="repeat">
-      <a:schemeClr val="lt1"/>
-    </dgm:linClrLst>
-    <dgm:effectClrLst/>
-    <dgm:txLinClrLst/>
-    <dgm:txFillClrLst/>
-    <dgm:txEffectClrLst/>
-  </dgm:styleLbl>
-  <dgm:styleLbl name="node2">
-    <dgm:fillClrLst meth="repeat">
-      <a:schemeClr val="accent1"/>
-    </dgm:fillClrLst>
-    <dgm:linClrLst meth="repeat">
-      <a:schemeClr val="lt1"/>
-    </dgm:linClrLst>
-    <dgm:effectClrLst/>
-    <dgm:txLinClrLst/>
-    <dgm:txFillClrLst/>
-    <dgm:txEffectClrLst/>
-  </dgm:styleLbl>
-  <dgm:styleLbl name="node3">
-    <dgm:fillClrLst meth="repeat">
-      <a:schemeClr val="accent1"/>
-    </dgm:fillClrLst>
-    <dgm:linClrLst meth="repeat">
-      <a:schemeClr val="lt1"/>
-    </dgm:linClrLst>
-    <dgm:effectClrLst/>
-    <dgm:txLinClrLst/>
-    <dgm:txFillClrLst/>
-    <dgm:txEffectClrLst/>
-  </dgm:styleLbl>
-  <dgm:styleLbl name="node4">
-    <dgm:fillClrLst meth="repeat">
-      <a:schemeClr val="accent1"/>
-    </dgm:fillClrLst>
-    <dgm:linClrLst meth="repeat">
-      <a:schemeClr val="lt1"/>
-    </dgm:linClrLst>
-    <dgm:effectClrLst/>
-    <dgm:txLinClrLst/>
-    <dgm:txFillClrLst/>
-    <dgm:txEffectClrLst/>
-  </dgm:styleLbl>
-  <dgm:styleLbl name="fgImgPlace1">
-    <dgm:fillClrLst meth="repeat">
       <a:schemeClr val="accent1">
-        <a:tint val="50000"/>
+        <a:alpha val="90000"/>
+        <a:tint val="40000"/>
       </a:schemeClr>
-    </dgm:fillClrLst>
-    <dgm:linClrLst meth="repeat">
-      <a:schemeClr val="lt1"/>
     </dgm:linClrLst>
     <dgm:effectClrLst/>
     <dgm:txLinClrLst/>
     <dgm:txFillClrLst meth="repeat">
-      <a:schemeClr val="lt1"/>
+      <a:schemeClr val="dk1"/>
     </dgm:txFillClrLst>
     <dgm:txEffectClrLst/>
   </dgm:styleLbl>
@@ -397,71 +314,7 @@
     </dgm:txFillClrLst>
     <dgm:txEffectClrLst/>
   </dgm:styleLbl>
-  <dgm:styleLbl name="bgImgPlace1">
-    <dgm:fillClrLst meth="repeat">
-      <a:schemeClr val="accent1">
-        <a:tint val="50000"/>
-      </a:schemeClr>
-    </dgm:fillClrLst>
-    <dgm:linClrLst meth="repeat">
-      <a:schemeClr val="lt1"/>
-    </dgm:linClrLst>
-    <dgm:effectClrLst/>
-    <dgm:txLinClrLst/>
-    <dgm:txFillClrLst meth="repeat">
-      <a:schemeClr val="lt1"/>
-    </dgm:txFillClrLst>
-    <dgm:txEffectClrLst/>
-  </dgm:styleLbl>
-  <dgm:styleLbl name="sibTrans2D1">
-    <dgm:fillClrLst meth="repeat">
-      <a:schemeClr val="accent1">
-        <a:tint val="60000"/>
-      </a:schemeClr>
-    </dgm:fillClrLst>
-    <dgm:linClrLst meth="repeat">
-      <a:schemeClr val="accent1">
-        <a:tint val="60000"/>
-      </a:schemeClr>
-    </dgm:linClrLst>
-    <dgm:effectClrLst/>
-    <dgm:txLinClrLst/>
-    <dgm:txFillClrLst/>
-    <dgm:txEffectClrLst/>
-  </dgm:styleLbl>
-  <dgm:styleLbl name="fgSibTrans2D1">
-    <dgm:fillClrLst meth="repeat">
-      <a:schemeClr val="accent1">
-        <a:tint val="60000"/>
-      </a:schemeClr>
-    </dgm:fillClrLst>
-    <dgm:linClrLst meth="repeat">
-      <a:schemeClr val="accent1">
-        <a:tint val="60000"/>
-      </a:schemeClr>
-    </dgm:linClrLst>
-    <dgm:effectClrLst/>
-    <dgm:txLinClrLst/>
-    <dgm:txFillClrLst/>
-    <dgm:txEffectClrLst/>
-  </dgm:styleLbl>
-  <dgm:styleLbl name="bgSibTrans2D1">
-    <dgm:fillClrLst meth="repeat">
-      <a:schemeClr val="accent1">
-        <a:tint val="60000"/>
-      </a:schemeClr>
-    </dgm:fillClrLst>
-    <dgm:linClrLst meth="repeat">
-      <a:schemeClr val="accent1">
-        <a:tint val="60000"/>
-      </a:schemeClr>
-    </dgm:linClrLst>
-    <dgm:effectClrLst/>
-    <dgm:txLinClrLst/>
-    <dgm:txFillClrLst/>
-    <dgm:txEffectClrLst/>
-  </dgm:styleLbl>
-  <dgm:styleLbl name="sibTrans1D1">
+  <dgm:styleLbl name="alignNode1">
     <dgm:fillClrLst meth="repeat">
       <a:schemeClr val="accent1"/>
     </dgm:fillClrLst>
@@ -470,25 +323,7 @@
     </dgm:linClrLst>
     <dgm:effectClrLst/>
     <dgm:txLinClrLst/>
-    <dgm:txFillClrLst meth="repeat">
-      <a:schemeClr val="tx1"/>
-    </dgm:txFillClrLst>
-    <dgm:txEffectClrLst/>
-  </dgm:styleLbl>
-  <dgm:styleLbl name="callout">
-    <dgm:fillClrLst meth="repeat">
-      <a:schemeClr val="accent1"/>
-    </dgm:fillClrLst>
-    <dgm:linClrLst meth="repeat">
-      <a:schemeClr val="accent1">
-        <a:tint val="50000"/>
-      </a:schemeClr>
-    </dgm:linClrLst>
-    <dgm:effectClrLst/>
-    <dgm:txLinClrLst/>
-    <dgm:txFillClrLst meth="repeat">
-      <a:schemeClr val="tx1"/>
-    </dgm:txFillClrLst>
+    <dgm:txFillClrLst/>
     <dgm:txEffectClrLst/>
   </dgm:styleLbl>
   <dgm:styleLbl name="asst0">
@@ -551,7 +386,75 @@
     <dgm:txFillClrLst/>
     <dgm:txEffectClrLst/>
   </dgm:styleLbl>
-  <dgm:styleLbl name="parChTrans2D1">
+  <dgm:styleLbl name="bgAcc1">
+    <dgm:fillClrLst meth="repeat">
+      <a:schemeClr val="lt1">
+        <a:alpha val="90000"/>
+      </a:schemeClr>
+    </dgm:fillClrLst>
+    <dgm:linClrLst meth="repeat">
+      <a:schemeClr val="accent1"/>
+    </dgm:linClrLst>
+    <dgm:effectClrLst/>
+    <dgm:txLinClrLst/>
+    <dgm:txFillClrLst meth="repeat">
+      <a:schemeClr val="dk1"/>
+    </dgm:txFillClrLst>
+    <dgm:txEffectClrLst/>
+  </dgm:styleLbl>
+  <dgm:styleLbl name="bgAccFollowNode1">
+    <dgm:fillClrLst meth="repeat">
+      <a:schemeClr val="accent1">
+        <a:alpha val="90000"/>
+        <a:tint val="40000"/>
+      </a:schemeClr>
+    </dgm:fillClrLst>
+    <dgm:linClrLst meth="repeat">
+      <a:schemeClr val="accent1">
+        <a:alpha val="90000"/>
+        <a:tint val="40000"/>
+      </a:schemeClr>
+    </dgm:linClrLst>
+    <dgm:effectClrLst/>
+    <dgm:txLinClrLst/>
+    <dgm:txFillClrLst meth="repeat">
+      <a:schemeClr val="dk1"/>
+    </dgm:txFillClrLst>
+    <dgm:txEffectClrLst/>
+  </dgm:styleLbl>
+  <dgm:styleLbl name="bgImgPlace1">
+    <dgm:fillClrLst meth="repeat">
+      <a:schemeClr val="accent1">
+        <a:tint val="50000"/>
+      </a:schemeClr>
+    </dgm:fillClrLst>
+    <dgm:linClrLst meth="repeat">
+      <a:schemeClr val="lt1"/>
+    </dgm:linClrLst>
+    <dgm:effectClrLst/>
+    <dgm:txLinClrLst/>
+    <dgm:txFillClrLst meth="repeat">
+      <a:schemeClr val="lt1"/>
+    </dgm:txFillClrLst>
+    <dgm:txEffectClrLst/>
+  </dgm:styleLbl>
+  <dgm:styleLbl name="bgShp">
+    <dgm:fillClrLst meth="repeat">
+      <a:schemeClr val="accent1">
+        <a:tint val="40000"/>
+      </a:schemeClr>
+    </dgm:fillClrLst>
+    <dgm:linClrLst meth="repeat">
+      <a:schemeClr val="accent1"/>
+    </dgm:linClrLst>
+    <dgm:effectClrLst/>
+    <dgm:txLinClrLst/>
+    <dgm:txFillClrLst meth="repeat">
+      <a:schemeClr val="dk1"/>
+    </dgm:txFillClrLst>
+    <dgm:txEffectClrLst/>
+  </dgm:styleLbl>
+  <dgm:styleLbl name="bgSibTrans2D1">
     <dgm:fillClrLst meth="repeat">
       <a:schemeClr val="accent1">
         <a:tint val="60000"/>
@@ -564,14 +467,46 @@
     </dgm:linClrLst>
     <dgm:effectClrLst/>
     <dgm:txLinClrLst/>
+    <dgm:txFillClrLst/>
+    <dgm:txEffectClrLst/>
+  </dgm:styleLbl>
+  <dgm:styleLbl name="callout">
+    <dgm:fillClrLst meth="repeat">
+      <a:schemeClr val="accent1"/>
+    </dgm:fillClrLst>
+    <dgm:linClrLst meth="repeat">
+      <a:schemeClr val="accent1">
+        <a:tint val="50000"/>
+      </a:schemeClr>
+    </dgm:linClrLst>
+    <dgm:effectClrLst/>
+    <dgm:txLinClrLst/>
     <dgm:txFillClrLst meth="repeat">
-      <a:schemeClr val="lt1"/>
+      <a:schemeClr val="tx1"/>
     </dgm:txFillClrLst>
     <dgm:txEffectClrLst/>
   </dgm:styleLbl>
-  <dgm:styleLbl name="parChTrans2D2">
+  <dgm:styleLbl name="conFgAcc1">
     <dgm:fillClrLst meth="repeat">
+      <a:schemeClr val="lt1">
+        <a:alpha val="90000"/>
+      </a:schemeClr>
+    </dgm:fillClrLst>
+    <dgm:linClrLst meth="repeat">
       <a:schemeClr val="accent1"/>
+    </dgm:linClrLst>
+    <dgm:effectClrLst/>
+    <dgm:txLinClrLst/>
+    <dgm:txFillClrLst meth="repeat">
+      <a:schemeClr val="dk1"/>
+    </dgm:txFillClrLst>
+    <dgm:txEffectClrLst/>
+  </dgm:styleLbl>
+  <dgm:styleLbl name="dkBgShp">
+    <dgm:fillClrLst meth="repeat">
+      <a:schemeClr val="accent1">
+        <a:shade val="80000"/>
+      </a:schemeClr>
     </dgm:fillClrLst>
     <dgm:linClrLst meth="repeat">
       <a:schemeClr val="accent1"/>
@@ -583,12 +518,114 @@
     </dgm:txFillClrLst>
     <dgm:txEffectClrLst/>
   </dgm:styleLbl>
-  <dgm:styleLbl name="parChTrans2D3">
+  <dgm:styleLbl name="fgAcc0">
     <dgm:fillClrLst meth="repeat">
-      <a:schemeClr val="accent1"/>
+      <a:schemeClr val="lt1">
+        <a:alpha val="90000"/>
+      </a:schemeClr>
     </dgm:fillClrLst>
     <dgm:linClrLst meth="repeat">
       <a:schemeClr val="accent1"/>
+    </dgm:linClrLst>
+    <dgm:effectClrLst/>
+    <dgm:txLinClrLst/>
+    <dgm:txFillClrLst meth="repeat">
+      <a:schemeClr val="dk1"/>
+    </dgm:txFillClrLst>
+    <dgm:txEffectClrLst/>
+  </dgm:styleLbl>
+  <dgm:styleLbl name="fgAcc1">
+    <dgm:fillClrLst meth="repeat">
+      <a:schemeClr val="lt1">
+        <a:alpha val="90000"/>
+      </a:schemeClr>
+    </dgm:fillClrLst>
+    <dgm:linClrLst meth="repeat">
+      <a:schemeClr val="accent1"/>
+    </dgm:linClrLst>
+    <dgm:effectClrLst/>
+    <dgm:txLinClrLst/>
+    <dgm:txFillClrLst meth="repeat">
+      <a:schemeClr val="dk1"/>
+    </dgm:txFillClrLst>
+    <dgm:txEffectClrLst/>
+  </dgm:styleLbl>
+  <dgm:styleLbl name="fgAcc2">
+    <dgm:fillClrLst meth="repeat">
+      <a:schemeClr val="lt1">
+        <a:alpha val="90000"/>
+      </a:schemeClr>
+    </dgm:fillClrLst>
+    <dgm:linClrLst meth="repeat">
+      <a:schemeClr val="accent1"/>
+    </dgm:linClrLst>
+    <dgm:effectClrLst/>
+    <dgm:txLinClrLst/>
+    <dgm:txFillClrLst meth="repeat">
+      <a:schemeClr val="dk1"/>
+    </dgm:txFillClrLst>
+    <dgm:txEffectClrLst/>
+  </dgm:styleLbl>
+  <dgm:styleLbl name="fgAcc3">
+    <dgm:fillClrLst meth="repeat">
+      <a:schemeClr val="lt1">
+        <a:alpha val="90000"/>
+      </a:schemeClr>
+    </dgm:fillClrLst>
+    <dgm:linClrLst meth="repeat">
+      <a:schemeClr val="accent1"/>
+    </dgm:linClrLst>
+    <dgm:effectClrLst/>
+    <dgm:txLinClrLst/>
+    <dgm:txFillClrLst meth="repeat">
+      <a:schemeClr val="dk1"/>
+    </dgm:txFillClrLst>
+    <dgm:txEffectClrLst/>
+  </dgm:styleLbl>
+  <dgm:styleLbl name="fgAcc4">
+    <dgm:fillClrLst meth="repeat">
+      <a:schemeClr val="lt1">
+        <a:alpha val="90000"/>
+      </a:schemeClr>
+    </dgm:fillClrLst>
+    <dgm:linClrLst meth="repeat">
+      <a:schemeClr val="accent1"/>
+    </dgm:linClrLst>
+    <dgm:effectClrLst/>
+    <dgm:txLinClrLst/>
+    <dgm:txFillClrLst meth="repeat">
+      <a:schemeClr val="dk1"/>
+    </dgm:txFillClrLst>
+    <dgm:txEffectClrLst/>
+  </dgm:styleLbl>
+  <dgm:styleLbl name="fgAccFollowNode1">
+    <dgm:fillClrLst meth="repeat">
+      <a:schemeClr val="accent1">
+        <a:alpha val="90000"/>
+        <a:tint val="40000"/>
+      </a:schemeClr>
+    </dgm:fillClrLst>
+    <dgm:linClrLst meth="repeat">
+      <a:schemeClr val="accent1">
+        <a:alpha val="90000"/>
+        <a:tint val="40000"/>
+      </a:schemeClr>
+    </dgm:linClrLst>
+    <dgm:effectClrLst/>
+    <dgm:txLinClrLst/>
+    <dgm:txFillClrLst meth="repeat">
+      <a:schemeClr val="dk1"/>
+    </dgm:txFillClrLst>
+    <dgm:txEffectClrLst/>
+  </dgm:styleLbl>
+  <dgm:styleLbl name="fgImgPlace1">
+    <dgm:fillClrLst meth="repeat">
+      <a:schemeClr val="accent1">
+        <a:tint val="50000"/>
+      </a:schemeClr>
+    </dgm:fillClrLst>
+    <dgm:linClrLst meth="repeat">
+      <a:schemeClr val="lt1"/>
     </dgm:linClrLst>
     <dgm:effectClrLst/>
     <dgm:txLinClrLst/>
@@ -597,18 +634,108 @@
     </dgm:txFillClrLst>
     <dgm:txEffectClrLst/>
   </dgm:styleLbl>
-  <dgm:styleLbl name="parChTrans2D4">
+  <dgm:styleLbl name="fgShp">
+    <dgm:fillClrLst meth="repeat">
+      <a:schemeClr val="accent1">
+        <a:tint val="60000"/>
+      </a:schemeClr>
+    </dgm:fillClrLst>
+    <dgm:linClrLst meth="repeat">
+      <a:schemeClr val="lt1"/>
+    </dgm:linClrLst>
+    <dgm:effectClrLst/>
+    <dgm:txLinClrLst/>
+    <dgm:txFillClrLst meth="repeat">
+      <a:schemeClr val="dk1"/>
+    </dgm:txFillClrLst>
+    <dgm:txEffectClrLst/>
+  </dgm:styleLbl>
+  <dgm:styleLbl name="fgSibTrans2D1">
+    <dgm:fillClrLst meth="repeat">
+      <a:schemeClr val="accent1">
+        <a:tint val="60000"/>
+      </a:schemeClr>
+    </dgm:fillClrLst>
+    <dgm:linClrLst meth="repeat">
+      <a:schemeClr val="accent1">
+        <a:tint val="60000"/>
+      </a:schemeClr>
+    </dgm:linClrLst>
+    <dgm:effectClrLst/>
+    <dgm:txLinClrLst/>
+    <dgm:txFillClrLst/>
+    <dgm:txEffectClrLst/>
+  </dgm:styleLbl>
+  <dgm:styleLbl name="lnNode1">
     <dgm:fillClrLst meth="repeat">
       <a:schemeClr val="accent1"/>
     </dgm:fillClrLst>
     <dgm:linClrLst meth="repeat">
-      <a:schemeClr val="accent1"/>
+      <a:schemeClr val="lt1"/>
     </dgm:linClrLst>
     <dgm:effectClrLst/>
     <dgm:txLinClrLst/>
-    <dgm:txFillClrLst meth="repeat">
+    <dgm:txFillClrLst/>
+    <dgm:txEffectClrLst/>
+  </dgm:styleLbl>
+  <dgm:styleLbl name="node0">
+    <dgm:fillClrLst meth="repeat">
+      <a:schemeClr val="accent1"/>
+    </dgm:fillClrLst>
+    <dgm:linClrLst meth="repeat">
       <a:schemeClr val="lt1"/>
-    </dgm:txFillClrLst>
+    </dgm:linClrLst>
+    <dgm:effectClrLst/>
+    <dgm:txLinClrLst/>
+    <dgm:txFillClrLst/>
+    <dgm:txEffectClrLst/>
+  </dgm:styleLbl>
+  <dgm:styleLbl name="node1">
+    <dgm:fillClrLst meth="repeat">
+      <a:schemeClr val="accent1"/>
+    </dgm:fillClrLst>
+    <dgm:linClrLst meth="repeat">
+      <a:schemeClr val="lt1"/>
+    </dgm:linClrLst>
+    <dgm:effectClrLst/>
+    <dgm:txLinClrLst/>
+    <dgm:txFillClrLst/>
+    <dgm:txEffectClrLst/>
+  </dgm:styleLbl>
+  <dgm:styleLbl name="node2">
+    <dgm:fillClrLst meth="repeat">
+      <a:schemeClr val="accent1"/>
+    </dgm:fillClrLst>
+    <dgm:linClrLst meth="repeat">
+      <a:schemeClr val="lt1"/>
+    </dgm:linClrLst>
+    <dgm:effectClrLst/>
+    <dgm:txLinClrLst/>
+    <dgm:txFillClrLst/>
+    <dgm:txEffectClrLst/>
+  </dgm:styleLbl>
+  <dgm:styleLbl name="node3">
+    <dgm:fillClrLst meth="repeat">
+      <a:schemeClr val="accent1"/>
+    </dgm:fillClrLst>
+    <dgm:linClrLst meth="repeat">
+      <a:schemeClr val="lt1"/>
+    </dgm:linClrLst>
+    <dgm:effectClrLst/>
+    <dgm:txLinClrLst/>
+    <dgm:txFillClrLst/>
+    <dgm:txEffectClrLst/>
+  </dgm:styleLbl>
+  <dgm:styleLbl name="node4">
+    <dgm:fillClrLst meth="repeat">
+      <a:schemeClr val="accent1"/>
+    </dgm:fillClrLst>
+    <dgm:linClrLst meth="repeat">
+      <a:schemeClr val="lt1"/>
+    </dgm:linClrLst>
+    <dgm:effectClrLst/>
+    <dgm:txLinClrLst/>
+    <dgm:txFillClrLst/>
     <dgm:txEffectClrLst/>
   </dgm:styleLbl>
   <dgm:styleLbl name="parChTrans1D1">
@@ -675,11 +802,27 @@
     </dgm:txFillClrLst>
     <dgm:txEffectClrLst/>
   </dgm:styleLbl>
-  <dgm:styleLbl name="fgAcc1">
+  <dgm:styleLbl name="parChTrans2D1">
     <dgm:fillClrLst meth="repeat">
-      <a:schemeClr val="lt1">
-        <a:alpha val="90000"/>
+      <a:schemeClr val="accent1">
+        <a:tint val="60000"/>
       </a:schemeClr>
+    </dgm:fillClrLst>
+    <dgm:linClrLst meth="repeat">
+      <a:schemeClr val="accent1">
+        <a:tint val="60000"/>
+      </a:schemeClr>
+    </dgm:linClrLst>
+    <dgm:effectClrLst/>
+    <dgm:txLinClrLst/>
+    <dgm:txFillClrLst meth="repeat">
+      <a:schemeClr val="lt1"/>
+    </dgm:txFillClrLst>
+    <dgm:txEffectClrLst/>
+  </dgm:styleLbl>
+  <dgm:styleLbl name="parChTrans2D2">
+    <dgm:fillClrLst meth="repeat">
+      <a:schemeClr val="accent1"/>
     </dgm:fillClrLst>
     <dgm:linClrLst meth="repeat">
       <a:schemeClr val="accent1"/>
@@ -687,15 +830,13 @@
     <dgm:effectClrLst/>
     <dgm:txLinClrLst/>
     <dgm:txFillClrLst meth="repeat">
-      <a:schemeClr val="dk1"/>
+      <a:schemeClr val="lt1"/>
     </dgm:txFillClrLst>
     <dgm:txEffectClrLst/>
   </dgm:styleLbl>
-  <dgm:styleLbl name="conFgAcc1">
+  <dgm:styleLbl name="parChTrans2D3">
     <dgm:fillClrLst meth="repeat">
-      <a:schemeClr val="lt1">
-        <a:alpha val="90000"/>
-      </a:schemeClr>
+      <a:schemeClr val="accent1"/>
     </dgm:fillClrLst>
     <dgm:linClrLst meth="repeat">
       <a:schemeClr val="accent1"/>
@@ -703,15 +844,13 @@
     <dgm:effectClrLst/>
     <dgm:txLinClrLst/>
     <dgm:txFillClrLst meth="repeat">
-      <a:schemeClr val="dk1"/>
+      <a:schemeClr val="lt1"/>
     </dgm:txFillClrLst>
     <dgm:txEffectClrLst/>
   </dgm:styleLbl>
-  <dgm:styleLbl name="alignAcc1">
+  <dgm:styleLbl name="parChTrans2D4">
     <dgm:fillClrLst meth="repeat">
-      <a:schemeClr val="lt1">
-        <a:alpha val="90000"/>
-      </a:schemeClr>
+      <a:schemeClr val="accent1"/>
     </dgm:fillClrLst>
     <dgm:linClrLst meth="repeat">
       <a:schemeClr val="accent1"/>
@@ -719,15 +858,31 @@
     <dgm:effectClrLst/>
     <dgm:txLinClrLst/>
     <dgm:txFillClrLst meth="repeat">
-      <a:schemeClr val="dk1"/>
+      <a:schemeClr val="lt1"/>
     </dgm:txFillClrLst>
     <dgm:txEffectClrLst/>
   </dgm:styleLbl>
-  <dgm:styleLbl name="trAlignAcc1">
+  <dgm:styleLbl name="revTx">
     <dgm:fillClrLst meth="repeat">
       <a:schemeClr val="lt1">
-        <a:alpha val="40000"/>
+        <a:alpha val="0"/>
       </a:schemeClr>
+    </dgm:fillClrLst>
+    <dgm:linClrLst meth="repeat">
+      <a:schemeClr val="dk1">
+        <a:alpha val="0"/>
+      </a:schemeClr>
+    </dgm:linClrLst>
+    <dgm:effectClrLst/>
+    <dgm:txLinClrLst/>
+    <dgm:txFillClrLst meth="repeat">
+      <a:schemeClr val="tx1"/>
+    </dgm:txFillClrLst>
+    <dgm:txEffectClrLst/>
+  </dgm:styleLbl>
+  <dgm:styleLbl name="sibTrans1D1">
+    <dgm:fillClrLst meth="repeat">
+      <a:schemeClr val="accent1"/>
     </dgm:fillClrLst>
     <dgm:linClrLst meth="repeat">
       <a:schemeClr val="accent1"/>
@@ -735,38 +890,24 @@
     <dgm:effectClrLst/>
     <dgm:txLinClrLst/>
     <dgm:txFillClrLst meth="repeat">
-      <a:schemeClr val="dk1"/>
+      <a:schemeClr val="tx1"/>
     </dgm:txFillClrLst>
     <dgm:txEffectClrLst/>
   </dgm:styleLbl>
-  <dgm:styleLbl name="bgAcc1">
+  <dgm:styleLbl name="sibTrans2D1">
     <dgm:fillClrLst meth="repeat">
-      <a:schemeClr val="lt1">
-        <a:alpha val="90000"/>
+      <a:schemeClr val="accent1">
+        <a:tint val="60000"/>
       </a:schemeClr>
     </dgm:fillClrLst>
     <dgm:linClrLst meth="repeat">
-      <a:schemeClr val="accent1"/>
+      <a:schemeClr val="accent1">
+        <a:tint val="60000"/>
+      </a:schemeClr>
     </dgm:linClrLst>
     <dgm:effectClrLst/>
     <dgm:txLinClrLst/>
-    <dgm:txFillClrLst meth="repeat">
-      <a:schemeClr val="dk1"/>
-    </dgm:txFillClrLst>
-    <dgm:txEffectClrLst/>
-  </dgm:styleLbl>
-  <dgm:styleLbl name="solidFgAcc1">
-    <dgm:fillClrLst meth="repeat">
-      <a:schemeClr val="lt1"/>
-    </dgm:fillClrLst>
-    <dgm:linClrLst meth="repeat">
-      <a:schemeClr val="accent1"/>
-    </dgm:linClrLst>
-    <dgm:effectClrLst/>
-    <dgm:txLinClrLst/>
-    <dgm:txFillClrLst meth="repeat">
-      <a:schemeClr val="dk1"/>
-    </dgm:txFillClrLst>
+    <dgm:txFillClrLst/>
     <dgm:txEffectClrLst/>
   </dgm:styleLbl>
   <dgm:styleLbl name="solidAlignAcc1">
@@ -797,18 +938,85 @@
     </dgm:txFillClrLst>
     <dgm:txEffectClrLst/>
   </dgm:styleLbl>
-  <dgm:styleLbl name="fgAccFollowNode1">
+  <dgm:styleLbl name="solidFgAcc1">
     <dgm:fillClrLst meth="repeat">
-      <a:schemeClr val="accent1">
-        <a:alpha val="90000"/>
-        <a:tint val="40000"/>
+      <a:schemeClr val="lt1"/>
+    </dgm:fillClrLst>
+    <dgm:linClrLst meth="repeat">
+      <a:schemeClr val="accent1"/>
+    </dgm:linClrLst>
+    <dgm:effectClrLst/>
+    <dgm:txLinClrLst/>
+    <dgm:txFillClrLst meth="repeat">
+      <a:schemeClr val="dk1"/>
+    </dgm:txFillClrLst>
+    <dgm:txEffectClrLst/>
+  </dgm:styleLbl>
+  <dgm:styleLbl name="trAlignAcc1">
+    <dgm:fillClrLst meth="repeat">
+      <a:schemeClr val="lt1">
+        <a:alpha val="40000"/>
       </a:schemeClr>
     </dgm:fillClrLst>
     <dgm:linClrLst meth="repeat">
+      <a:schemeClr val="accent1"/>
+    </dgm:linClrLst>
+    <dgm:effectClrLst/>
+    <dgm:txLinClrLst/>
+    <dgm:txFillClrLst meth="repeat">
+      <a:schemeClr val="dk1"/>
+    </dgm:txFillClrLst>
+    <dgm:txEffectClrLst/>
+  </dgm:styleLbl>
+  <dgm:styleLbl name="trBgShp">
+    <dgm:fillClrLst meth="repeat">
       <a:schemeClr val="accent1">
+        <a:tint val="50000"/>
+        <a:alpha val="40000"/>
+      </a:schemeClr>
+    </dgm:fillClrLst>
+    <dgm:linClrLst meth="repeat">
+      <a:schemeClr val="accent1"/>
+    </dgm:linClrLst>
+    <dgm:effectClrLst/>
+    <dgm:txLinClrLst/>
+    <dgm:txFillClrLst meth="repeat">
+      <a:schemeClr val="lt1"/>
+    </dgm:txFillClrLst>
+    <dgm:txEffectClrLst/>
+  </dgm:styleLbl>
+  <dgm:styleLbl name="vennNode1">
+    <dgm:fillClrLst meth="repeat">
+      <a:schemeClr val="accent1">
+        <a:alpha val="50000"/>
+      </a:schemeClr>
+    </dgm:fillClrLst>
+    <dgm:linClrLst meth="repeat">
+      <a:schemeClr val="lt1"/>
+    </dgm:linClrLst>
+    <dgm:effectClrLst/>
+    <dgm:txLinClrLst/>
+    <dgm:txFillClrLst/>
+    <dgm:txEffectClrLst/>
+  </dgm:styleLbl>
+</dgm:colorsDef>
+</file>
+
+<file path=ppt/diagrams/colors2.xml><?xml version="1.0" encoding="utf-8"?>
+<dgm:colorsDef xmlns:dgm="http://schemas.openxmlformats.org/drawingml/2006/diagram" xmlns:a="http://schemas.openxmlformats.org/drawingml/2006/main" uniqueId="urn:microsoft.com/office/officeart/2005/8/colors/accent1_2">
+  <dgm:title val=""/>
+  <dgm:desc val=""/>
+  <dgm:catLst>
+    <dgm:cat type="accent1" pri="11200"/>
+  </dgm:catLst>
+  <dgm:styleLbl name="alignAcc1">
+    <dgm:fillClrLst meth="repeat">
+      <a:schemeClr val="lt1">
         <a:alpha val="90000"/>
-        <a:tint val="40000"/>
       </a:schemeClr>
+    </dgm:fillClrLst>
+    <dgm:linClrLst meth="repeat">
+      <a:schemeClr val="accent1"/>
     </dgm:linClrLst>
     <dgm:effectClrLst/>
     <dgm:txLinClrLst/>
@@ -837,6 +1045,110 @@
     </dgm:txFillClrLst>
     <dgm:txEffectClrLst/>
   </dgm:styleLbl>
+  <dgm:styleLbl name="alignImgPlace1">
+    <dgm:fillClrLst meth="repeat">
+      <a:schemeClr val="accent1">
+        <a:tint val="50000"/>
+      </a:schemeClr>
+    </dgm:fillClrLst>
+    <dgm:linClrLst meth="repeat">
+      <a:schemeClr val="lt1"/>
+    </dgm:linClrLst>
+    <dgm:effectClrLst/>
+    <dgm:txLinClrLst/>
+    <dgm:txFillClrLst meth="repeat">
+      <a:schemeClr val="lt1"/>
+    </dgm:txFillClrLst>
+    <dgm:txEffectClrLst/>
+  </dgm:styleLbl>
+  <dgm:styleLbl name="alignNode1">
+    <dgm:fillClrLst meth="repeat">
+      <a:schemeClr val="accent1"/>
+    </dgm:fillClrLst>
+    <dgm:linClrLst meth="repeat">
+      <a:schemeClr val="accent1"/>
+    </dgm:linClrLst>
+    <dgm:effectClrLst/>
+    <dgm:txLinClrLst/>
+    <dgm:txFillClrLst/>
+    <dgm:txEffectClrLst/>
+  </dgm:styleLbl>
+  <dgm:styleLbl name="asst0">
+    <dgm:fillClrLst meth="repeat">
+      <a:schemeClr val="accent1"/>
+    </dgm:fillClrLst>
+    <dgm:linClrLst meth="repeat">
+      <a:schemeClr val="lt1"/>
+    </dgm:linClrLst>
+    <dgm:effectClrLst/>
+    <dgm:txLinClrLst/>
+    <dgm:txFillClrLst/>
+    <dgm:txEffectClrLst/>
+  </dgm:styleLbl>
+  <dgm:styleLbl name="asst1">
+    <dgm:fillClrLst meth="repeat">
+      <a:schemeClr val="accent1"/>
+    </dgm:fillClrLst>
+    <dgm:linClrLst meth="repeat">
+      <a:schemeClr val="lt1"/>
+    </dgm:linClrLst>
+    <dgm:effectClrLst/>
+    <dgm:txLinClrLst/>
+    <dgm:txFillClrLst/>
+    <dgm:txEffectClrLst/>
+  </dgm:styleLbl>
+  <dgm:styleLbl name="asst2">
+    <dgm:fillClrLst meth="repeat">
+      <a:schemeClr val="accent1"/>
+    </dgm:fillClrLst>
+    <dgm:linClrLst meth="repeat">
+      <a:schemeClr val="lt1"/>
+    </dgm:linClrLst>
+    <dgm:effectClrLst/>
+    <dgm:txLinClrLst/>
+    <dgm:txFillClrLst/>
+    <dgm:txEffectClrLst/>
+  </dgm:styleLbl>
+  <dgm:styleLbl name="asst3">
+    <dgm:fillClrLst meth="repeat">
+      <a:schemeClr val="accent1"/>
+    </dgm:fillClrLst>
+    <dgm:linClrLst meth="repeat">
+      <a:schemeClr val="lt1"/>
+    </dgm:linClrLst>
+    <dgm:effectClrLst/>
+    <dgm:txLinClrLst/>
+    <dgm:txFillClrLst/>
+    <dgm:txEffectClrLst/>
+  </dgm:styleLbl>
+  <dgm:styleLbl name="asst4">
+    <dgm:fillClrLst meth="repeat">
+      <a:schemeClr val="accent1"/>
+    </dgm:fillClrLst>
+    <dgm:linClrLst meth="repeat">
+      <a:schemeClr val="lt1"/>
+    </dgm:linClrLst>
+    <dgm:effectClrLst/>
+    <dgm:txLinClrLst/>
+    <dgm:txFillClrLst/>
+    <dgm:txEffectClrLst/>
+  </dgm:styleLbl>
+  <dgm:styleLbl name="bgAcc1">
+    <dgm:fillClrLst meth="repeat">
+      <a:schemeClr val="lt1">
+        <a:alpha val="90000"/>
+      </a:schemeClr>
+    </dgm:fillClrLst>
+    <dgm:linClrLst meth="repeat">
+      <a:schemeClr val="accent1"/>
+    </dgm:linClrLst>
+    <dgm:effectClrLst/>
+    <dgm:txLinClrLst/>
+    <dgm:txFillClrLst meth="repeat">
+      <a:schemeClr val="dk1"/>
+    </dgm:txFillClrLst>
+    <dgm:txEffectClrLst/>
+  </dgm:styleLbl>
   <dgm:styleLbl name="bgAccFollowNode1">
     <dgm:fillClrLst meth="repeat">
       <a:schemeClr val="accent1">
@@ -857,7 +1169,119 @@
     </dgm:txFillClrLst>
     <dgm:txEffectClrLst/>
   </dgm:styleLbl>
+  <dgm:styleLbl name="bgImgPlace1">
+    <dgm:fillClrLst meth="repeat">
+      <a:schemeClr val="accent1">
+        <a:tint val="50000"/>
+      </a:schemeClr>
+    </dgm:fillClrLst>
+    <dgm:linClrLst meth="repeat">
+      <a:schemeClr val="lt1"/>
+    </dgm:linClrLst>
+    <dgm:effectClrLst/>
+    <dgm:txLinClrLst/>
+    <dgm:txFillClrLst meth="repeat">
+      <a:schemeClr val="lt1"/>
+    </dgm:txFillClrLst>
+    <dgm:txEffectClrLst/>
+  </dgm:styleLbl>
+  <dgm:styleLbl name="bgShp">
+    <dgm:fillClrLst meth="repeat">
+      <a:schemeClr val="accent1">
+        <a:tint val="40000"/>
+      </a:schemeClr>
+    </dgm:fillClrLst>
+    <dgm:linClrLst meth="repeat">
+      <a:schemeClr val="accent1"/>
+    </dgm:linClrLst>
+    <dgm:effectClrLst/>
+    <dgm:txLinClrLst/>
+    <dgm:txFillClrLst meth="repeat">
+      <a:schemeClr val="dk1"/>
+    </dgm:txFillClrLst>
+    <dgm:txEffectClrLst/>
+  </dgm:styleLbl>
+  <dgm:styleLbl name="bgSibTrans2D1">
+    <dgm:fillClrLst meth="repeat">
+      <a:schemeClr val="accent1">
+        <a:tint val="60000"/>
+      </a:schemeClr>
+    </dgm:fillClrLst>
+    <dgm:linClrLst meth="repeat">
+      <a:schemeClr val="accent1">
+        <a:tint val="60000"/>
+      </a:schemeClr>
+    </dgm:linClrLst>
+    <dgm:effectClrLst/>
+    <dgm:txLinClrLst/>
+    <dgm:txFillClrLst/>
+    <dgm:txEffectClrLst/>
+  </dgm:styleLbl>
+  <dgm:styleLbl name="callout">
+    <dgm:fillClrLst meth="repeat">
+      <a:schemeClr val="accent1"/>
+    </dgm:fillClrLst>
+    <dgm:linClrLst meth="repeat">
+      <a:schemeClr val="accent1">
+        <a:tint val="50000"/>
+      </a:schemeClr>
+    </dgm:linClrLst>
+    <dgm:effectClrLst/>
+    <dgm:txLinClrLst/>
+    <dgm:txFillClrLst meth="repeat">
+      <a:schemeClr val="tx1"/>
+    </dgm:txFillClrLst>
+    <dgm:txEffectClrLst/>
+  </dgm:styleLbl>
+  <dgm:styleLbl name="conFgAcc1">
+    <dgm:fillClrLst meth="repeat">
+      <a:schemeClr val="lt1">
+        <a:alpha val="90000"/>
+      </a:schemeClr>
+    </dgm:fillClrLst>
+    <dgm:linClrLst meth="repeat">
+      <a:schemeClr val="accent1"/>
+    </dgm:linClrLst>
+    <dgm:effectClrLst/>
+    <dgm:txLinClrLst/>
+    <dgm:txFillClrLst meth="repeat">
+      <a:schemeClr val="dk1"/>
+    </dgm:txFillClrLst>
+    <dgm:txEffectClrLst/>
+  </dgm:styleLbl>
+  <dgm:styleLbl name="dkBgShp">
+    <dgm:fillClrLst meth="repeat">
+      <a:schemeClr val="accent1">
+        <a:shade val="80000"/>
+      </a:schemeClr>
+    </dgm:fillClrLst>
+    <dgm:linClrLst meth="repeat">
+      <a:schemeClr val="accent1"/>
+    </dgm:linClrLst>
+    <dgm:effectClrLst/>
+    <dgm:txLinClrLst/>
+    <dgm:txFillClrLst meth="repeat">
+      <a:schemeClr val="lt1"/>
+    </dgm:txFillClrLst>
+    <dgm:txEffectClrLst/>
+  </dgm:styleLbl>
   <dgm:styleLbl name="fgAcc0">
+    <dgm:fillClrLst meth="repeat">
+      <a:schemeClr val="lt1">
+        <a:alpha val="90000"/>
+      </a:schemeClr>
+    </dgm:fillClrLst>
+    <dgm:linClrLst meth="repeat">
+      <a:schemeClr val="accent1"/>
+    </dgm:linClrLst>
+    <dgm:effectClrLst/>
+    <dgm:txLinClrLst/>
+    <dgm:txFillClrLst meth="repeat">
+      <a:schemeClr val="dk1"/>
+    </dgm:txFillClrLst>
+    <dgm:txEffectClrLst/>
+  </dgm:styleLbl>
+  <dgm:styleLbl name="fgAcc1">
     <dgm:fillClrLst meth="repeat">
       <a:schemeClr val="lt1">
         <a:alpha val="90000"/>
@@ -921,14 +1345,18 @@
     </dgm:txFillClrLst>
     <dgm:txEffectClrLst/>
   </dgm:styleLbl>
-  <dgm:styleLbl name="bgShp">
+  <dgm:styleLbl name="fgAccFollowNode1">
     <dgm:fillClrLst meth="repeat">
       <a:schemeClr val="accent1">
+        <a:alpha val="90000"/>
         <a:tint val="40000"/>
       </a:schemeClr>
     </dgm:fillClrLst>
     <dgm:linClrLst meth="repeat">
-      <a:schemeClr val="accent1"/>
+      <a:schemeClr val="accent1">
+        <a:alpha val="90000"/>
+        <a:tint val="40000"/>
+      </a:schemeClr>
     </dgm:linClrLst>
     <dgm:effectClrLst/>
     <dgm:txLinClrLst/>
@@ -937,31 +1365,14 @@
     </dgm:txFillClrLst>
     <dgm:txEffectClrLst/>
   </dgm:styleLbl>
-  <dgm:styleLbl name="dkBgShp">
+  <dgm:styleLbl name="fgImgPlace1">
     <dgm:fillClrLst meth="repeat">
       <a:schemeClr val="accent1">
-        <a:shade val="80000"/>
+        <a:tint val="50000"/>
       </a:schemeClr>
     </dgm:fillClrLst>
     <dgm:linClrLst meth="repeat">
-      <a:schemeClr val="accent1"/>
-    </dgm:linClrLst>
-    <dgm:effectClrLst/>
-    <dgm:txLinClrLst/>
-    <dgm:txFillClrLst meth="repeat">
       <a:schemeClr val="lt1"/>
-    </dgm:txFillClrLst>
-    <dgm:txEffectClrLst/>
-  </dgm:styleLbl>
-  <dgm:styleLbl name="trBgShp">
-    <dgm:fillClrLst meth="repeat">
-      <a:schemeClr val="accent1">
-        <a:tint val="50000"/>
-        <a:alpha val="40000"/>
-      </a:schemeClr>
-    </dgm:fillClrLst>
-    <dgm:linClrLst meth="repeat">
-      <a:schemeClr val="accent1"/>
     </dgm:linClrLst>
     <dgm:effectClrLst/>
     <dgm:txLinClrLst/>
@@ -986,64 +1397,16 @@
     </dgm:txFillClrLst>
     <dgm:txEffectClrLst/>
   </dgm:styleLbl>
-  <dgm:styleLbl name="revTx">
+  <dgm:styleLbl name="fgSibTrans2D1">
     <dgm:fillClrLst meth="repeat">
-      <a:schemeClr val="lt1">
-        <a:alpha val="0"/>
+      <a:schemeClr val="accent1">
+        <a:tint val="60000"/>
       </a:schemeClr>
     </dgm:fillClrLst>
     <dgm:linClrLst meth="repeat">
-      <a:schemeClr val="dk1">
-        <a:alpha val="0"/>
+      <a:schemeClr val="accent1">
+        <a:tint val="60000"/>
       </a:schemeClr>
-    </dgm:linClrLst>
-    <dgm:effectClrLst/>
-    <dgm:txLinClrLst/>
-    <dgm:txFillClrLst meth="repeat">
-      <a:schemeClr val="tx1"/>
-    </dgm:txFillClrLst>
-    <dgm:txEffectClrLst/>
-  </dgm:styleLbl>
-</dgm:colorsDef>
-</file>
-
-<file path=ppt/diagrams/colors2.xml><?xml version="1.0" encoding="utf-8"?>
-<dgm:colorsDef xmlns:dgm="http://schemas.openxmlformats.org/drawingml/2006/diagram" xmlns:a="http://schemas.openxmlformats.org/drawingml/2006/main" uniqueId="urn:microsoft.com/office/officeart/2005/8/colors/accent1_2">
-  <dgm:title val=""/>
-  <dgm:desc val=""/>
-  <dgm:catLst>
-    <dgm:cat type="accent1" pri="11200"/>
-  </dgm:catLst>
-  <dgm:styleLbl name="node0">
-    <dgm:fillClrLst meth="repeat">
-      <a:schemeClr val="accent1"/>
-    </dgm:fillClrLst>
-    <dgm:linClrLst meth="repeat">
-      <a:schemeClr val="lt1"/>
-    </dgm:linClrLst>
-    <dgm:effectClrLst/>
-    <dgm:txLinClrLst/>
-    <dgm:txFillClrLst/>
-    <dgm:txEffectClrLst/>
-  </dgm:styleLbl>
-  <dgm:styleLbl name="alignNode1">
-    <dgm:fillClrLst meth="repeat">
-      <a:schemeClr val="accent1"/>
-    </dgm:fillClrLst>
-    <dgm:linClrLst meth="repeat">
-      <a:schemeClr val="accent1"/>
-    </dgm:linClrLst>
-    <dgm:effectClrLst/>
-    <dgm:txLinClrLst/>
-    <dgm:txFillClrLst/>
-    <dgm:txEffectClrLst/>
-  </dgm:styleLbl>
-  <dgm:styleLbl name="node1">
-    <dgm:fillClrLst meth="repeat">
-      <a:schemeClr val="accent1"/>
-    </dgm:fillClrLst>
-    <dgm:linClrLst meth="repeat">
-      <a:schemeClr val="lt1"/>
     </dgm:linClrLst>
     <dgm:effectClrLst/>
     <dgm:txLinClrLst/>
@@ -1062,11 +1425,21 @@
     <dgm:txFillClrLst/>
     <dgm:txEffectClrLst/>
   </dgm:styleLbl>
-  <dgm:styleLbl name="vennNode1">
+  <dgm:styleLbl name="node0">
     <dgm:fillClrLst meth="repeat">
-      <a:schemeClr val="accent1">
-        <a:alpha val="50000"/>
-      </a:schemeClr>
+      <a:schemeClr val="accent1"/>
+    </dgm:fillClrLst>
+    <dgm:linClrLst meth="repeat">
+      <a:schemeClr val="lt1"/>
+    </dgm:linClrLst>
+    <dgm:effectClrLst/>
+    <dgm:txLinClrLst/>
+    <dgm:txFillClrLst/>
+    <dgm:txEffectClrLst/>
+  </dgm:styleLbl>
+  <dgm:styleLbl name="node1">
+    <dgm:fillClrLst meth="repeat">
+      <a:schemeClr val="accent1"/>
     </dgm:fillClrLst>
     <dgm:linClrLst meth="repeat">
       <a:schemeClr val="lt1"/>
@@ -1110,252 +1483,6 @@
     <dgm:effectClrLst/>
     <dgm:txLinClrLst/>
     <dgm:txFillClrLst/>
-    <dgm:txEffectClrLst/>
-  </dgm:styleLbl>
-  <dgm:styleLbl name="fgImgPlace1">
-    <dgm:fillClrLst meth="repeat">
-      <a:schemeClr val="accent1">
-        <a:tint val="50000"/>
-      </a:schemeClr>
-    </dgm:fillClrLst>
-    <dgm:linClrLst meth="repeat">
-      <a:schemeClr val="lt1"/>
-    </dgm:linClrLst>
-    <dgm:effectClrLst/>
-    <dgm:txLinClrLst/>
-    <dgm:txFillClrLst meth="repeat">
-      <a:schemeClr val="lt1"/>
-    </dgm:txFillClrLst>
-    <dgm:txEffectClrLst/>
-  </dgm:styleLbl>
-  <dgm:styleLbl name="alignImgPlace1">
-    <dgm:fillClrLst meth="repeat">
-      <a:schemeClr val="accent1">
-        <a:tint val="50000"/>
-      </a:schemeClr>
-    </dgm:fillClrLst>
-    <dgm:linClrLst meth="repeat">
-      <a:schemeClr val="lt1"/>
-    </dgm:linClrLst>
-    <dgm:effectClrLst/>
-    <dgm:txLinClrLst/>
-    <dgm:txFillClrLst meth="repeat">
-      <a:schemeClr val="lt1"/>
-    </dgm:txFillClrLst>
-    <dgm:txEffectClrLst/>
-  </dgm:styleLbl>
-  <dgm:styleLbl name="bgImgPlace1">
-    <dgm:fillClrLst meth="repeat">
-      <a:schemeClr val="accent1">
-        <a:tint val="50000"/>
-      </a:schemeClr>
-    </dgm:fillClrLst>
-    <dgm:linClrLst meth="repeat">
-      <a:schemeClr val="lt1"/>
-    </dgm:linClrLst>
-    <dgm:effectClrLst/>
-    <dgm:txLinClrLst/>
-    <dgm:txFillClrLst meth="repeat">
-      <a:schemeClr val="lt1"/>
-    </dgm:txFillClrLst>
-    <dgm:txEffectClrLst/>
-  </dgm:styleLbl>
-  <dgm:styleLbl name="sibTrans2D1">
-    <dgm:fillClrLst meth="repeat">
-      <a:schemeClr val="accent1">
-        <a:tint val="60000"/>
-      </a:schemeClr>
-    </dgm:fillClrLst>
-    <dgm:linClrLst meth="repeat">
-      <a:schemeClr val="accent1">
-        <a:tint val="60000"/>
-      </a:schemeClr>
-    </dgm:linClrLst>
-    <dgm:effectClrLst/>
-    <dgm:txLinClrLst/>
-    <dgm:txFillClrLst/>
-    <dgm:txEffectClrLst/>
-  </dgm:styleLbl>
-  <dgm:styleLbl name="fgSibTrans2D1">
-    <dgm:fillClrLst meth="repeat">
-      <a:schemeClr val="accent1">
-        <a:tint val="60000"/>
-      </a:schemeClr>
-    </dgm:fillClrLst>
-    <dgm:linClrLst meth="repeat">
-      <a:schemeClr val="accent1">
-        <a:tint val="60000"/>
-      </a:schemeClr>
-    </dgm:linClrLst>
-    <dgm:effectClrLst/>
-    <dgm:txLinClrLst/>
-    <dgm:txFillClrLst/>
-    <dgm:txEffectClrLst/>
-  </dgm:styleLbl>
-  <dgm:styleLbl name="bgSibTrans2D1">
-    <dgm:fillClrLst meth="repeat">
-      <a:schemeClr val="accent1">
-        <a:tint val="60000"/>
-      </a:schemeClr>
-    </dgm:fillClrLst>
-    <dgm:linClrLst meth="repeat">
-      <a:schemeClr val="accent1">
-        <a:tint val="60000"/>
-      </a:schemeClr>
-    </dgm:linClrLst>
-    <dgm:effectClrLst/>
-    <dgm:txLinClrLst/>
-    <dgm:txFillClrLst/>
-    <dgm:txEffectClrLst/>
-  </dgm:styleLbl>
-  <dgm:styleLbl name="sibTrans1D1">
-    <dgm:fillClrLst meth="repeat">
-      <a:schemeClr val="accent1"/>
-    </dgm:fillClrLst>
-    <dgm:linClrLst meth="repeat">
-      <a:schemeClr val="accent1"/>
-    </dgm:linClrLst>
-    <dgm:effectClrLst/>
-    <dgm:txLinClrLst/>
-    <dgm:txFillClrLst meth="repeat">
-      <a:schemeClr val="tx1"/>
-    </dgm:txFillClrLst>
-    <dgm:txEffectClrLst/>
-  </dgm:styleLbl>
-  <dgm:styleLbl name="callout">
-    <dgm:fillClrLst meth="repeat">
-      <a:schemeClr val="accent1"/>
-    </dgm:fillClrLst>
-    <dgm:linClrLst meth="repeat">
-      <a:schemeClr val="accent1">
-        <a:tint val="50000"/>
-      </a:schemeClr>
-    </dgm:linClrLst>
-    <dgm:effectClrLst/>
-    <dgm:txLinClrLst/>
-    <dgm:txFillClrLst meth="repeat">
-      <a:schemeClr val="tx1"/>
-    </dgm:txFillClrLst>
-    <dgm:txEffectClrLst/>
-  </dgm:styleLbl>
-  <dgm:styleLbl name="asst0">
-    <dgm:fillClrLst meth="repeat">
-      <a:schemeClr val="accent1"/>
-    </dgm:fillClrLst>
-    <dgm:linClrLst meth="repeat">
-      <a:schemeClr val="lt1"/>
-    </dgm:linClrLst>
-    <dgm:effectClrLst/>
-    <dgm:txLinClrLst/>
-    <dgm:txFillClrLst/>
-    <dgm:txEffectClrLst/>
-  </dgm:styleLbl>
-  <dgm:styleLbl name="asst1">
-    <dgm:fillClrLst meth="repeat">
-      <a:schemeClr val="accent1"/>
-    </dgm:fillClrLst>
-    <dgm:linClrLst meth="repeat">
-      <a:schemeClr val="lt1"/>
-    </dgm:linClrLst>
-    <dgm:effectClrLst/>
-    <dgm:txLinClrLst/>
-    <dgm:txFillClrLst/>
-    <dgm:txEffectClrLst/>
-  </dgm:styleLbl>
-  <dgm:styleLbl name="asst2">
-    <dgm:fillClrLst meth="repeat">
-      <a:schemeClr val="accent1"/>
-    </dgm:fillClrLst>
-    <dgm:linClrLst meth="repeat">
-      <a:schemeClr val="lt1"/>
-    </dgm:linClrLst>
-    <dgm:effectClrLst/>
-    <dgm:txLinClrLst/>
-    <dgm:txFillClrLst/>
-    <dgm:txEffectClrLst/>
-  </dgm:styleLbl>
-  <dgm:styleLbl name="asst3">
-    <dgm:fillClrLst meth="repeat">
-      <a:schemeClr val="accent1"/>
-    </dgm:fillClrLst>
-    <dgm:linClrLst meth="repeat">
-      <a:schemeClr val="lt1"/>
-    </dgm:linClrLst>
-    <dgm:effectClrLst/>
-    <dgm:txLinClrLst/>
-    <dgm:txFillClrLst/>
-    <dgm:txEffectClrLst/>
-  </dgm:styleLbl>
-  <dgm:styleLbl name="asst4">
-    <dgm:fillClrLst meth="repeat">
-      <a:schemeClr val="accent1"/>
-    </dgm:fillClrLst>
-    <dgm:linClrLst meth="repeat">
-      <a:schemeClr val="lt1"/>
-    </dgm:linClrLst>
-    <dgm:effectClrLst/>
-    <dgm:txLinClrLst/>
-    <dgm:txFillClrLst/>
-    <dgm:txEffectClrLst/>
-  </dgm:styleLbl>
-  <dgm:styleLbl name="parChTrans2D1">
-    <dgm:fillClrLst meth="repeat">
-      <a:schemeClr val="accent1">
-        <a:tint val="60000"/>
-      </a:schemeClr>
-    </dgm:fillClrLst>
-    <dgm:linClrLst meth="repeat">
-      <a:schemeClr val="accent1">
-        <a:tint val="60000"/>
-      </a:schemeClr>
-    </dgm:linClrLst>
-    <dgm:effectClrLst/>
-    <dgm:txLinClrLst/>
-    <dgm:txFillClrLst meth="repeat">
-      <a:schemeClr val="lt1"/>
-    </dgm:txFillClrLst>
-    <dgm:txEffectClrLst/>
-  </dgm:styleLbl>
-  <dgm:styleLbl name="parChTrans2D2">
-    <dgm:fillClrLst meth="repeat">
-      <a:schemeClr val="accent1"/>
-    </dgm:fillClrLst>
-    <dgm:linClrLst meth="repeat">
-      <a:schemeClr val="accent1"/>
-    </dgm:linClrLst>
-    <dgm:effectClrLst/>
-    <dgm:txLinClrLst/>
-    <dgm:txFillClrLst meth="repeat">
-      <a:schemeClr val="lt1"/>
-    </dgm:txFillClrLst>
-    <dgm:txEffectClrLst/>
-  </dgm:styleLbl>
-  <dgm:styleLbl name="parChTrans2D3">
-    <dgm:fillClrLst meth="repeat">
-      <a:schemeClr val="accent1"/>
-    </dgm:fillClrLst>
-    <dgm:linClrLst meth="repeat">
-      <a:schemeClr val="accent1"/>
-    </dgm:linClrLst>
-    <dgm:effectClrLst/>
-    <dgm:txLinClrLst/>
-    <dgm:txFillClrLst meth="repeat">
-      <a:schemeClr val="lt1"/>
-    </dgm:txFillClrLst>
-    <dgm:txEffectClrLst/>
-  </dgm:styleLbl>
-  <dgm:styleLbl name="parChTrans2D4">
-    <dgm:fillClrLst meth="repeat">
-      <a:schemeClr val="accent1"/>
-    </dgm:fillClrLst>
-    <dgm:linClrLst meth="repeat">
-      <a:schemeClr val="accent1"/>
-    </dgm:linClrLst>
-    <dgm:effectClrLst/>
-    <dgm:txLinClrLst/>
-    <dgm:txFillClrLst meth="repeat">
-      <a:schemeClr val="lt1"/>
-    </dgm:txFillClrLst>
     <dgm:txEffectClrLst/>
   </dgm:styleLbl>
   <dgm:styleLbl name="parChTrans1D1">
@@ -1422,11 +1549,27 @@
     </dgm:txFillClrLst>
     <dgm:txEffectClrLst/>
   </dgm:styleLbl>
-  <dgm:styleLbl name="fgAcc1">
+  <dgm:styleLbl name="parChTrans2D1">
     <dgm:fillClrLst meth="repeat">
-      <a:schemeClr val="lt1">
-        <a:alpha val="90000"/>
+      <a:schemeClr val="accent1">
+        <a:tint val="60000"/>
       </a:schemeClr>
+    </dgm:fillClrLst>
+    <dgm:linClrLst meth="repeat">
+      <a:schemeClr val="accent1">
+        <a:tint val="60000"/>
+      </a:schemeClr>
+    </dgm:linClrLst>
+    <dgm:effectClrLst/>
+    <dgm:txLinClrLst/>
+    <dgm:txFillClrLst meth="repeat">
+      <a:schemeClr val="lt1"/>
+    </dgm:txFillClrLst>
+    <dgm:txEffectClrLst/>
+  </dgm:styleLbl>
+  <dgm:styleLbl name="parChTrans2D2">
+    <dgm:fillClrLst meth="repeat">
+      <a:schemeClr val="accent1"/>
     </dgm:fillClrLst>
     <dgm:linClrLst meth="repeat">
       <a:schemeClr val="accent1"/>
@@ -1434,15 +1577,13 @@
     <dgm:effectClrLst/>
     <dgm:txLinClrLst/>
     <dgm:txFillClrLst meth="repeat">
-      <a:schemeClr val="dk1"/>
+      <a:schemeClr val="lt1"/>
     </dgm:txFillClrLst>
     <dgm:txEffectClrLst/>
   </dgm:styleLbl>
-  <dgm:styleLbl name="conFgAcc1">
+  <dgm:styleLbl name="parChTrans2D3">
     <dgm:fillClrLst meth="repeat">
-      <a:schemeClr val="lt1">
-        <a:alpha val="90000"/>
-      </a:schemeClr>
+      <a:schemeClr val="accent1"/>
     </dgm:fillClrLst>
     <dgm:linClrLst meth="repeat">
       <a:schemeClr val="accent1"/>
@@ -1450,15 +1591,13 @@
     <dgm:effectClrLst/>
     <dgm:txLinClrLst/>
     <dgm:txFillClrLst meth="repeat">
-      <a:schemeClr val="dk1"/>
+      <a:schemeClr val="lt1"/>
     </dgm:txFillClrLst>
     <dgm:txEffectClrLst/>
   </dgm:styleLbl>
-  <dgm:styleLbl name="alignAcc1">
+  <dgm:styleLbl name="parChTrans2D4">
     <dgm:fillClrLst meth="repeat">
-      <a:schemeClr val="lt1">
-        <a:alpha val="90000"/>
-      </a:schemeClr>
+      <a:schemeClr val="accent1"/>
     </dgm:fillClrLst>
     <dgm:linClrLst meth="repeat">
       <a:schemeClr val="accent1"/>
@@ -1466,15 +1605,31 @@
     <dgm:effectClrLst/>
     <dgm:txLinClrLst/>
     <dgm:txFillClrLst meth="repeat">
-      <a:schemeClr val="dk1"/>
+      <a:schemeClr val="lt1"/>
     </dgm:txFillClrLst>
     <dgm:txEffectClrLst/>
   </dgm:styleLbl>
-  <dgm:styleLbl name="trAlignAcc1">
+  <dgm:styleLbl name="revTx">
     <dgm:fillClrLst meth="repeat">
       <a:schemeClr val="lt1">
-        <a:alpha val="40000"/>
+        <a:alpha val="0"/>
       </a:schemeClr>
+    </dgm:fillClrLst>
+    <dgm:linClrLst meth="repeat">
+      <a:schemeClr val="dk1">
+        <a:alpha val="0"/>
+      </a:schemeClr>
+    </dgm:linClrLst>
+    <dgm:effectClrLst/>
+    <dgm:txLinClrLst/>
+    <dgm:txFillClrLst meth="repeat">
+      <a:schemeClr val="tx1"/>
+    </dgm:txFillClrLst>
+    <dgm:txEffectClrLst/>
+  </dgm:styleLbl>
+  <dgm:styleLbl name="sibTrans1D1">
+    <dgm:fillClrLst meth="repeat">
+      <a:schemeClr val="accent1"/>
     </dgm:fillClrLst>
     <dgm:linClrLst meth="repeat">
       <a:schemeClr val="accent1"/>
@@ -1482,38 +1637,24 @@
     <dgm:effectClrLst/>
     <dgm:txLinClrLst/>
     <dgm:txFillClrLst meth="repeat">
-      <a:schemeClr val="dk1"/>
+      <a:schemeClr val="tx1"/>
     </dgm:txFillClrLst>
     <dgm:txEffectClrLst/>
   </dgm:styleLbl>
-  <dgm:styleLbl name="bgAcc1">
+  <dgm:styleLbl name="sibTrans2D1">
     <dgm:fillClrLst meth="repeat">
-      <a:schemeClr val="lt1">
-        <a:alpha val="90000"/>
+      <a:schemeClr val="accent1">
+        <a:tint val="60000"/>
       </a:schemeClr>
     </dgm:fillClrLst>
     <dgm:linClrLst meth="repeat">
-      <a:schemeClr val="accent1"/>
+      <a:schemeClr val="accent1">
+        <a:tint val="60000"/>
+      </a:schemeClr>
     </dgm:linClrLst>
     <dgm:effectClrLst/>
     <dgm:txLinClrLst/>
-    <dgm:txFillClrLst meth="repeat">
-      <a:schemeClr val="dk1"/>
-    </dgm:txFillClrLst>
-    <dgm:txEffectClrLst/>
-  </dgm:styleLbl>
-  <dgm:styleLbl name="solidFgAcc1">
-    <dgm:fillClrLst meth="repeat">
-      <a:schemeClr val="lt1"/>
-    </dgm:fillClrLst>
-    <dgm:linClrLst meth="repeat">
-      <a:schemeClr val="accent1"/>
-    </dgm:linClrLst>
-    <dgm:effectClrLst/>
-    <dgm:txLinClrLst/>
-    <dgm:txFillClrLst meth="repeat">
-      <a:schemeClr val="dk1"/>
-    </dgm:txFillClrLst>
+    <dgm:txFillClrLst/>
     <dgm:txEffectClrLst/>
   </dgm:styleLbl>
   <dgm:styleLbl name="solidAlignAcc1">
@@ -1544,71 +1685,9 @@
     </dgm:txFillClrLst>
     <dgm:txEffectClrLst/>
   </dgm:styleLbl>
-  <dgm:styleLbl name="fgAccFollowNode1">
+  <dgm:styleLbl name="solidFgAcc1">
     <dgm:fillClrLst meth="repeat">
-      <a:schemeClr val="accent1">
-        <a:alpha val="90000"/>
-        <a:tint val="40000"/>
-      </a:schemeClr>
-    </dgm:fillClrLst>
-    <dgm:linClrLst meth="repeat">
-      <a:schemeClr val="accent1">
-        <a:alpha val="90000"/>
-        <a:tint val="40000"/>
-      </a:schemeClr>
-    </dgm:linClrLst>
-    <dgm:effectClrLst/>
-    <dgm:txLinClrLst/>
-    <dgm:txFillClrLst meth="repeat">
-      <a:schemeClr val="dk1"/>
-    </dgm:txFillClrLst>
-    <dgm:txEffectClrLst/>
-  </dgm:styleLbl>
-  <dgm:styleLbl name="alignAccFollowNode1">
-    <dgm:fillClrLst meth="repeat">
-      <a:schemeClr val="accent1">
-        <a:alpha val="90000"/>
-        <a:tint val="40000"/>
-      </a:schemeClr>
-    </dgm:fillClrLst>
-    <dgm:linClrLst meth="repeat">
-      <a:schemeClr val="accent1">
-        <a:alpha val="90000"/>
-        <a:tint val="40000"/>
-      </a:schemeClr>
-    </dgm:linClrLst>
-    <dgm:effectClrLst/>
-    <dgm:txLinClrLst/>
-    <dgm:txFillClrLst meth="repeat">
-      <a:schemeClr val="dk1"/>
-    </dgm:txFillClrLst>
-    <dgm:txEffectClrLst/>
-  </dgm:styleLbl>
-  <dgm:styleLbl name="bgAccFollowNode1">
-    <dgm:fillClrLst meth="repeat">
-      <a:schemeClr val="accent1">
-        <a:alpha val="90000"/>
-        <a:tint val="40000"/>
-      </a:schemeClr>
-    </dgm:fillClrLst>
-    <dgm:linClrLst meth="repeat">
-      <a:schemeClr val="accent1">
-        <a:alpha val="90000"/>
-        <a:tint val="40000"/>
-      </a:schemeClr>
-    </dgm:linClrLst>
-    <dgm:effectClrLst/>
-    <dgm:txLinClrLst/>
-    <dgm:txFillClrLst meth="repeat">
-      <a:schemeClr val="dk1"/>
-    </dgm:txFillClrLst>
-    <dgm:txEffectClrLst/>
-  </dgm:styleLbl>
-  <dgm:styleLbl name="fgAcc0">
-    <dgm:fillClrLst meth="repeat">
-      <a:schemeClr val="lt1">
-        <a:alpha val="90000"/>
-      </a:schemeClr>
+      <a:schemeClr val="lt1"/>
     </dgm:fillClrLst>
     <dgm:linClrLst meth="repeat">
       <a:schemeClr val="accent1"/>
@@ -1620,10 +1699,10 @@
     </dgm:txFillClrLst>
     <dgm:txEffectClrLst/>
   </dgm:styleLbl>
-  <dgm:styleLbl name="fgAcc2">
+  <dgm:styleLbl name="trAlignAcc1">
     <dgm:fillClrLst meth="repeat">
       <a:schemeClr val="lt1">
-        <a:alpha val="90000"/>
+        <a:alpha val="40000"/>
       </a:schemeClr>
     </dgm:fillClrLst>
     <dgm:linClrLst meth="repeat">
@@ -1633,70 +1712,6 @@
     <dgm:txLinClrLst/>
     <dgm:txFillClrLst meth="repeat">
       <a:schemeClr val="dk1"/>
-    </dgm:txFillClrLst>
-    <dgm:txEffectClrLst/>
-  </dgm:styleLbl>
-  <dgm:styleLbl name="fgAcc3">
-    <dgm:fillClrLst meth="repeat">
-      <a:schemeClr val="lt1">
-        <a:alpha val="90000"/>
-      </a:schemeClr>
-    </dgm:fillClrLst>
-    <dgm:linClrLst meth="repeat">
-      <a:schemeClr val="accent1"/>
-    </dgm:linClrLst>
-    <dgm:effectClrLst/>
-    <dgm:txLinClrLst/>
-    <dgm:txFillClrLst meth="repeat">
-      <a:schemeClr val="dk1"/>
-    </dgm:txFillClrLst>
-    <dgm:txEffectClrLst/>
-  </dgm:styleLbl>
-  <dgm:styleLbl name="fgAcc4">
-    <dgm:fillClrLst meth="repeat">
-      <a:schemeClr val="lt1">
-        <a:alpha val="90000"/>
-      </a:schemeClr>
-    </dgm:fillClrLst>
-    <dgm:linClrLst meth="repeat">
-      <a:schemeClr val="accent1"/>
-    </dgm:linClrLst>
-    <dgm:effectClrLst/>
-    <dgm:txLinClrLst/>
-    <dgm:txFillClrLst meth="repeat">
-      <a:schemeClr val="dk1"/>
-    </dgm:txFillClrLst>
-    <dgm:txEffectClrLst/>
-  </dgm:styleLbl>
-  <dgm:styleLbl name="bgShp">
-    <dgm:fillClrLst meth="repeat">
-      <a:schemeClr val="accent1">
-        <a:tint val="40000"/>
-      </a:schemeClr>
-    </dgm:fillClrLst>
-    <dgm:linClrLst meth="repeat">
-      <a:schemeClr val="accent1"/>
-    </dgm:linClrLst>
-    <dgm:effectClrLst/>
-    <dgm:txLinClrLst/>
-    <dgm:txFillClrLst meth="repeat">
-      <a:schemeClr val="dk1"/>
-    </dgm:txFillClrLst>
-    <dgm:txEffectClrLst/>
-  </dgm:styleLbl>
-  <dgm:styleLbl name="dkBgShp">
-    <dgm:fillClrLst meth="repeat">
-      <a:schemeClr val="accent1">
-        <a:shade val="80000"/>
-      </a:schemeClr>
-    </dgm:fillClrLst>
-    <dgm:linClrLst meth="repeat">
-      <a:schemeClr val="accent1"/>
-    </dgm:linClrLst>
-    <dgm:effectClrLst/>
-    <dgm:txLinClrLst/>
-    <dgm:txFillClrLst meth="repeat">
-      <a:schemeClr val="lt1"/>
     </dgm:txFillClrLst>
     <dgm:txEffectClrLst/>
   </dgm:styleLbl>
@@ -1717,10 +1732,10 @@
     </dgm:txFillClrLst>
     <dgm:txEffectClrLst/>
   </dgm:styleLbl>
-  <dgm:styleLbl name="fgShp">
+  <dgm:styleLbl name="vennNode1">
     <dgm:fillClrLst meth="repeat">
       <a:schemeClr val="accent1">
-        <a:tint val="60000"/>
+        <a:alpha val="50000"/>
       </a:schemeClr>
     </dgm:fillClrLst>
     <dgm:linClrLst meth="repeat">
@@ -1728,27 +1743,7 @@
     </dgm:linClrLst>
     <dgm:effectClrLst/>
     <dgm:txLinClrLst/>
-    <dgm:txFillClrLst meth="repeat">
-      <a:schemeClr val="dk1"/>
-    </dgm:txFillClrLst>
-    <dgm:txEffectClrLst/>
-  </dgm:styleLbl>
-  <dgm:styleLbl name="revTx">
-    <dgm:fillClrLst meth="repeat">
-      <a:schemeClr val="lt1">
-        <a:alpha val="0"/>
-      </a:schemeClr>
-    </dgm:fillClrLst>
-    <dgm:linClrLst meth="repeat">
-      <a:schemeClr val="dk1">
-        <a:alpha val="0"/>
-      </a:schemeClr>
-    </dgm:linClrLst>
-    <dgm:effectClrLst/>
-    <dgm:txLinClrLst/>
-    <dgm:txFillClrLst meth="repeat">
-      <a:schemeClr val="tx1"/>
-    </dgm:txFillClrLst>
+    <dgm:txFillClrLst/>
     <dgm:txEffectClrLst/>
   </dgm:styleLbl>
 </dgm:colorsDef>
@@ -1787,7 +1782,7 @@
         </a:p>
       </dgm:t>
     </dgm:pt>
-    <dgm:pt modelId="{F2C26BD9-3D5D-4B78-936C-09BDE6C257E2}" type="parTrans" cxnId="{67771482-9679-4D78-84E3-A25C73F463FA}">
+    <dgm:pt modelId="{F2C26BD9-3D5D-4B78-936C-09BDE6C257E2}" cxnId="{67771482-9679-4D78-84E3-A25C73F463FA}" type="parTrans">
       <dgm:prSet/>
       <dgm:spPr/>
       <dgm:t>
@@ -1800,7 +1795,7 @@
         </a:p>
       </dgm:t>
     </dgm:pt>
-    <dgm:pt modelId="{D62FE332-B1A5-4E9D-838F-D11F8BBE44E6}" type="sibTrans" cxnId="{67771482-9679-4D78-84E3-A25C73F463FA}">
+    <dgm:pt modelId="{D62FE332-B1A5-4E9D-838F-D11F8BBE44E6}" cxnId="{67771482-9679-4D78-84E3-A25C73F463FA}" type="sibTrans">
       <dgm:prSet/>
       <dgm:spPr/>
       <dgm:t>
@@ -1832,7 +1827,7 @@
         </a:p>
       </dgm:t>
     </dgm:pt>
-    <dgm:pt modelId="{A85305A7-2EB7-40EF-BF6E-2BAA6ADA4FBF}" type="parTrans" cxnId="{7ACA5FE4-7E5B-4391-9BCD-DF8D0BFEBA2F}">
+    <dgm:pt modelId="{A85305A7-2EB7-40EF-BF6E-2BAA6ADA4FBF}" cxnId="{7ACA5FE4-7E5B-4391-9BCD-DF8D0BFEBA2F}" type="parTrans">
       <dgm:prSet/>
       <dgm:spPr/>
       <dgm:t>
@@ -1845,7 +1840,7 @@
         </a:p>
       </dgm:t>
     </dgm:pt>
-    <dgm:pt modelId="{DE4675D1-E5DB-49B7-81F1-56862A039D41}" type="sibTrans" cxnId="{7ACA5FE4-7E5B-4391-9BCD-DF8D0BFEBA2F}">
+    <dgm:pt modelId="{DE4675D1-E5DB-49B7-81F1-56862A039D41}" cxnId="{7ACA5FE4-7E5B-4391-9BCD-DF8D0BFEBA2F}" type="sibTrans">
       <dgm:prSet/>
       <dgm:spPr/>
       <dgm:t>
@@ -1877,7 +1872,7 @@
         </a:p>
       </dgm:t>
     </dgm:pt>
-    <dgm:pt modelId="{87E94E06-F62D-4B7C-A8AE-14366224DF95}" type="parTrans" cxnId="{C5A882DA-DA0D-4AC6-A28D-9E7652F8A064}">
+    <dgm:pt modelId="{87E94E06-F62D-4B7C-A8AE-14366224DF95}" cxnId="{C5A882DA-DA0D-4AC6-A28D-9E7652F8A064}" type="parTrans">
       <dgm:prSet/>
       <dgm:spPr/>
       <dgm:t>
@@ -1890,7 +1885,7 @@
         </a:p>
       </dgm:t>
     </dgm:pt>
-    <dgm:pt modelId="{288DF0AF-F2DB-4A21-A6BA-E9FB948A2088}" type="sibTrans" cxnId="{C5A882DA-DA0D-4AC6-A28D-9E7652F8A064}">
+    <dgm:pt modelId="{288DF0AF-F2DB-4A21-A6BA-E9FB948A2088}" cxnId="{C5A882DA-DA0D-4AC6-A28D-9E7652F8A064}" type="sibTrans">
       <dgm:prSet/>
       <dgm:spPr/>
       <dgm:t>
@@ -1922,7 +1917,7 @@
         </a:p>
       </dgm:t>
     </dgm:pt>
-    <dgm:pt modelId="{579EDC06-34A6-4842-89F2-92C8116AEFD7}" type="parTrans" cxnId="{07FAD98D-5DC1-4A8F-A710-82F99A2B26AB}">
+    <dgm:pt modelId="{579EDC06-34A6-4842-89F2-92C8116AEFD7}" cxnId="{07FAD98D-5DC1-4A8F-A710-82F99A2B26AB}" type="parTrans">
       <dgm:prSet/>
       <dgm:spPr/>
       <dgm:t>
@@ -1935,7 +1930,7 @@
         </a:p>
       </dgm:t>
     </dgm:pt>
-    <dgm:pt modelId="{3FEE04CE-8998-477E-A1DF-10C192B6AB7E}" type="sibTrans" cxnId="{07FAD98D-5DC1-4A8F-A710-82F99A2B26AB}">
+    <dgm:pt modelId="{3FEE04CE-8998-477E-A1DF-10C192B6AB7E}" cxnId="{07FAD98D-5DC1-4A8F-A710-82F99A2B26AB}" type="sibTrans">
       <dgm:prSet/>
       <dgm:spPr/>
       <dgm:t>
@@ -1967,7 +1962,7 @@
         </a:p>
       </dgm:t>
     </dgm:pt>
-    <dgm:pt modelId="{6EECA72B-3039-4AE8-B242-DA2D03CFCDDD}" type="parTrans" cxnId="{EA852C9B-D606-404E-8E06-21D42E061099}">
+    <dgm:pt modelId="{6EECA72B-3039-4AE8-B242-DA2D03CFCDDD}" cxnId="{EA852C9B-D606-404E-8E06-21D42E061099}" type="parTrans">
       <dgm:prSet/>
       <dgm:spPr/>
       <dgm:t>
@@ -1980,7 +1975,7 @@
         </a:p>
       </dgm:t>
     </dgm:pt>
-    <dgm:pt modelId="{BFCF4358-380E-4912-8992-BEDBF17E0877}" type="sibTrans" cxnId="{EA852C9B-D606-404E-8E06-21D42E061099}">
+    <dgm:pt modelId="{BFCF4358-380E-4912-8992-BEDBF17E0877}" cxnId="{EA852C9B-D606-404E-8E06-21D42E061099}" type="sibTrans">
       <dgm:prSet/>
       <dgm:spPr/>
       <dgm:t>
@@ -2012,7 +2007,7 @@
         </a:p>
       </dgm:t>
     </dgm:pt>
-    <dgm:pt modelId="{EB31BD8C-C785-4ADE-9ACB-4C882EBA3EC4}" type="parTrans" cxnId="{960D7879-1254-46A5-8E05-E51A18E51A06}">
+    <dgm:pt modelId="{EB31BD8C-C785-4ADE-9ACB-4C882EBA3EC4}" cxnId="{960D7879-1254-46A5-8E05-E51A18E51A06}" type="parTrans">
       <dgm:prSet/>
       <dgm:spPr/>
       <dgm:t>
@@ -2025,7 +2020,7 @@
         </a:p>
       </dgm:t>
     </dgm:pt>
-    <dgm:pt modelId="{32E8A228-7016-4F44-8C95-76EBF81C9349}" type="sibTrans" cxnId="{960D7879-1254-46A5-8E05-E51A18E51A06}">
+    <dgm:pt modelId="{32E8A228-7016-4F44-8C95-76EBF81C9349}" cxnId="{960D7879-1254-46A5-8E05-E51A18E51A06}" type="sibTrans">
       <dgm:prSet/>
       <dgm:spPr/>
       <dgm:t>
@@ -2278,7 +2273,7 @@
   <dgm:whole/>
   <dgm:extLst>
     <a:ext uri="http://schemas.microsoft.com/office/drawing/2008/diagram">
-      <dsp:dataModelExt xmlns:dsp="http://schemas.microsoft.com/office/drawing/2008/diagram" relId="rId7" minVer="http://schemas.openxmlformats.org/drawingml/2006/diagram"/>
+      <dsp:dataModelExt xmlns:dsp="http://schemas.microsoft.com/office/drawing/2008/diagram" relId="rId5" minVer="http://schemas.openxmlformats.org/drawingml/2006/diagram"/>
     </a:ext>
   </dgm:extLst>
 </dgm:dataModel>
@@ -2323,7 +2318,7 @@
         </a:p>
       </dgm:t>
     </dgm:pt>
-    <dgm:pt modelId="{45D0C74E-D0E9-4F09-9D2F-45BF15ED565C}" type="parTrans" cxnId="{6D0EEF2A-9D7D-488C-A6E9-0F27221CF3B0}">
+    <dgm:pt modelId="{45D0C74E-D0E9-4F09-9D2F-45BF15ED565C}" cxnId="{6D0EEF2A-9D7D-488C-A6E9-0F27221CF3B0}" type="parTrans">
       <dgm:prSet/>
       <dgm:spPr/>
       <dgm:t>
@@ -2334,7 +2329,7 @@
         </a:p>
       </dgm:t>
     </dgm:pt>
-    <dgm:pt modelId="{273F033C-C285-44FF-AA06-BAE07905C2EA}" type="sibTrans" cxnId="{6D0EEF2A-9D7D-488C-A6E9-0F27221CF3B0}">
+    <dgm:pt modelId="{273F033C-C285-44FF-AA06-BAE07905C2EA}" cxnId="{6D0EEF2A-9D7D-488C-A6E9-0F27221CF3B0}" type="sibTrans">
       <dgm:prSet/>
       <dgm:spPr/>
       <dgm:t>
@@ -2364,7 +2359,7 @@
         </a:p>
       </dgm:t>
     </dgm:pt>
-    <dgm:pt modelId="{3595A648-D5C1-4525-AA8E-1B50EBDFCCFC}" type="parTrans" cxnId="{42FF2C4F-7F63-440E-BEFE-3C4A9B8F8272}">
+    <dgm:pt modelId="{3595A648-D5C1-4525-AA8E-1B50EBDFCCFC}" cxnId="{42FF2C4F-7F63-440E-BEFE-3C4A9B8F8272}" type="parTrans">
       <dgm:prSet/>
       <dgm:spPr/>
       <dgm:t>
@@ -2375,7 +2370,7 @@
         </a:p>
       </dgm:t>
     </dgm:pt>
-    <dgm:pt modelId="{4E68B69C-3AA4-4A2C-BCC3-BD656E0E0C78}" type="sibTrans" cxnId="{42FF2C4F-7F63-440E-BEFE-3C4A9B8F8272}">
+    <dgm:pt modelId="{4E68B69C-3AA4-4A2C-BCC3-BD656E0E0C78}" cxnId="{42FF2C4F-7F63-440E-BEFE-3C4A9B8F8272}" type="sibTrans">
       <dgm:prSet/>
       <dgm:spPr/>
       <dgm:t>
@@ -2405,7 +2400,7 @@
         </a:p>
       </dgm:t>
     </dgm:pt>
-    <dgm:pt modelId="{9A40ED57-D38B-4190-9A45-5803EE6EB56D}" type="parTrans" cxnId="{05BADB10-C267-41B6-9164-8E661BF8C10B}">
+    <dgm:pt modelId="{9A40ED57-D38B-4190-9A45-5803EE6EB56D}" cxnId="{05BADB10-C267-41B6-9164-8E661BF8C10B}" type="parTrans">
       <dgm:prSet/>
       <dgm:spPr/>
       <dgm:t>
@@ -2416,7 +2411,7 @@
         </a:p>
       </dgm:t>
     </dgm:pt>
-    <dgm:pt modelId="{5DF84EE3-88EA-4A26-BE48-B99EB2798C27}" type="sibTrans" cxnId="{05BADB10-C267-41B6-9164-8E661BF8C10B}">
+    <dgm:pt modelId="{5DF84EE3-88EA-4A26-BE48-B99EB2798C27}" cxnId="{05BADB10-C267-41B6-9164-8E661BF8C10B}" type="sibTrans">
       <dgm:prSet/>
       <dgm:spPr/>
       <dgm:t>
@@ -2452,7 +2447,7 @@
         </a:p>
       </dgm:t>
     </dgm:pt>
-    <dgm:pt modelId="{B256D001-6D3B-4074-8C9F-FE4D40784E69}" type="parTrans" cxnId="{2DF2FA9A-184B-455F-A559-CB78A9EB6E42}">
+    <dgm:pt modelId="{B256D001-6D3B-4074-8C9F-FE4D40784E69}" cxnId="{2DF2FA9A-184B-455F-A559-CB78A9EB6E42}" type="parTrans">
       <dgm:prSet/>
       <dgm:spPr/>
       <dgm:t>
@@ -2463,7 +2458,7 @@
         </a:p>
       </dgm:t>
     </dgm:pt>
-    <dgm:pt modelId="{F084822C-1D1A-406F-A08B-86BB075F2FCF}" type="sibTrans" cxnId="{2DF2FA9A-184B-455F-A559-CB78A9EB6E42}">
+    <dgm:pt modelId="{F084822C-1D1A-406F-A08B-86BB075F2FCF}" cxnId="{2DF2FA9A-184B-455F-A559-CB78A9EB6E42}" type="sibTrans">
       <dgm:prSet/>
       <dgm:spPr/>
       <dgm:t>
@@ -2493,7 +2488,7 @@
         </a:p>
       </dgm:t>
     </dgm:pt>
-    <dgm:pt modelId="{2EDB8603-FD95-447E-8CF4-0EE06B354ABC}" type="parTrans" cxnId="{85DC2E53-D5D3-4795-B6BC-8607A74CF3C6}">
+    <dgm:pt modelId="{2EDB8603-FD95-447E-8CF4-0EE06B354ABC}" cxnId="{85DC2E53-D5D3-4795-B6BC-8607A74CF3C6}" type="parTrans">
       <dgm:prSet/>
       <dgm:spPr/>
       <dgm:t>
@@ -2504,7 +2499,7 @@
         </a:p>
       </dgm:t>
     </dgm:pt>
-    <dgm:pt modelId="{3A0CCC1B-5DFA-43EE-9EA4-173A9D4CD596}" type="sibTrans" cxnId="{85DC2E53-D5D3-4795-B6BC-8607A74CF3C6}">
+    <dgm:pt modelId="{3A0CCC1B-5DFA-43EE-9EA4-173A9D4CD596}" cxnId="{85DC2E53-D5D3-4795-B6BC-8607A74CF3C6}" type="sibTrans">
       <dgm:prSet/>
       <dgm:spPr/>
       <dgm:t>
@@ -2540,7 +2535,7 @@
         </a:p>
       </dgm:t>
     </dgm:pt>
-    <dgm:pt modelId="{3CECC440-829A-47EA-B334-3298F63E1B49}" type="parTrans" cxnId="{C68B8C20-7893-4B98-B3D6-B41FBFC6BF5A}">
+    <dgm:pt modelId="{3CECC440-829A-47EA-B334-3298F63E1B49}" cxnId="{C68B8C20-7893-4B98-B3D6-B41FBFC6BF5A}" type="parTrans">
       <dgm:prSet/>
       <dgm:spPr/>
       <dgm:t>
@@ -2551,7 +2546,7 @@
         </a:p>
       </dgm:t>
     </dgm:pt>
-    <dgm:pt modelId="{495752BF-2396-43F4-8875-FD752CF2D107}" type="sibTrans" cxnId="{C68B8C20-7893-4B98-B3D6-B41FBFC6BF5A}">
+    <dgm:pt modelId="{495752BF-2396-43F4-8875-FD752CF2D107}" cxnId="{C68B8C20-7893-4B98-B3D6-B41FBFC6BF5A}" type="sibTrans">
       <dgm:prSet/>
       <dgm:spPr/>
       <dgm:t>
@@ -2581,7 +2576,7 @@
         </a:p>
       </dgm:t>
     </dgm:pt>
-    <dgm:pt modelId="{BEFB91BF-27AF-4787-9BA8-E66457DAA93E}" type="parTrans" cxnId="{0F02EC99-D377-446D-9403-9D9A085D6120}">
+    <dgm:pt modelId="{BEFB91BF-27AF-4787-9BA8-E66457DAA93E}" cxnId="{0F02EC99-D377-446D-9403-9D9A085D6120}" type="parTrans">
       <dgm:prSet/>
       <dgm:spPr/>
       <dgm:t>
@@ -2592,7 +2587,7 @@
         </a:p>
       </dgm:t>
     </dgm:pt>
-    <dgm:pt modelId="{05991C90-EBE6-4903-9C16-6283AA3A6192}" type="sibTrans" cxnId="{0F02EC99-D377-446D-9403-9D9A085D6120}">
+    <dgm:pt modelId="{05991C90-EBE6-4903-9C16-6283AA3A6192}" cxnId="{0F02EC99-D377-446D-9403-9D9A085D6120}" type="sibTrans">
       <dgm:prSet/>
       <dgm:spPr/>
       <dgm:t>
@@ -2622,7 +2617,7 @@
         </a:p>
       </dgm:t>
     </dgm:pt>
-    <dgm:pt modelId="{19016A23-EF8B-42D2-A816-8A79BCDCBF3C}" type="parTrans" cxnId="{3699932A-CAE1-4A90-875F-FC9D4C5CAADB}">
+    <dgm:pt modelId="{19016A23-EF8B-42D2-A816-8A79BCDCBF3C}" cxnId="{3699932A-CAE1-4A90-875F-FC9D4C5CAADB}" type="parTrans">
       <dgm:prSet/>
       <dgm:spPr/>
       <dgm:t>
@@ -2633,7 +2628,7 @@
         </a:p>
       </dgm:t>
     </dgm:pt>
-    <dgm:pt modelId="{0FEADB40-45B3-4AE5-8666-9612DDEC7022}" type="sibTrans" cxnId="{3699932A-CAE1-4A90-875F-FC9D4C5CAADB}">
+    <dgm:pt modelId="{0FEADB40-45B3-4AE5-8666-9612DDEC7022}" cxnId="{3699932A-CAE1-4A90-875F-FC9D4C5CAADB}" type="sibTrans">
       <dgm:prSet/>
       <dgm:spPr/>
       <dgm:t>
@@ -2663,7 +2658,7 @@
         </a:p>
       </dgm:t>
     </dgm:pt>
-    <dgm:pt modelId="{0EFFB03F-1913-4A65-9922-D591F37EF332}" type="parTrans" cxnId="{1F3F1957-7104-4C6A-949F-9F5771001EE4}">
+    <dgm:pt modelId="{0EFFB03F-1913-4A65-9922-D591F37EF332}" cxnId="{1F3F1957-7104-4C6A-949F-9F5771001EE4}" type="parTrans">
       <dgm:prSet/>
       <dgm:spPr/>
       <dgm:t>
@@ -2674,7 +2669,7 @@
         </a:p>
       </dgm:t>
     </dgm:pt>
-    <dgm:pt modelId="{D4D009A7-DA2B-4D67-95C2-345965817A87}" type="sibTrans" cxnId="{1F3F1957-7104-4C6A-949F-9F5771001EE4}">
+    <dgm:pt modelId="{D4D009A7-DA2B-4D67-95C2-345965817A87}" cxnId="{1F3F1957-7104-4C6A-949F-9F5771001EE4}" type="sibTrans">
       <dgm:prSet/>
       <dgm:spPr/>
       <dgm:t>
@@ -2704,7 +2699,7 @@
         </a:p>
       </dgm:t>
     </dgm:pt>
-    <dgm:pt modelId="{DAE24923-986E-4EB5-86FF-1F8F2773992D}" type="parTrans" cxnId="{259BB541-C3BD-4ED8-A231-2988E094EBBA}">
+    <dgm:pt modelId="{DAE24923-986E-4EB5-86FF-1F8F2773992D}" cxnId="{259BB541-C3BD-4ED8-A231-2988E094EBBA}" type="parTrans">
       <dgm:prSet/>
       <dgm:spPr/>
       <dgm:t>
@@ -2715,7 +2710,7 @@
         </a:p>
       </dgm:t>
     </dgm:pt>
-    <dgm:pt modelId="{EC3517C3-5843-4B8E-98AC-FF76D3F9182F}" type="sibTrans" cxnId="{259BB541-C3BD-4ED8-A231-2988E094EBBA}">
+    <dgm:pt modelId="{EC3517C3-5843-4B8E-98AC-FF76D3F9182F}" cxnId="{259BB541-C3BD-4ED8-A231-2988E094EBBA}" type="sibTrans">
       <dgm:prSet/>
       <dgm:spPr/>
       <dgm:t>
@@ -2745,7 +2740,7 @@
         </a:p>
       </dgm:t>
     </dgm:pt>
-    <dgm:pt modelId="{0B8D0EA2-5CA8-4459-9952-50C66A0132D5}" type="parTrans" cxnId="{9293AACD-6017-4F4E-B76A-D16D5802A853}">
+    <dgm:pt modelId="{0B8D0EA2-5CA8-4459-9952-50C66A0132D5}" cxnId="{9293AACD-6017-4F4E-B76A-D16D5802A853}" type="parTrans">
       <dgm:prSet/>
       <dgm:spPr/>
       <dgm:t>
@@ -2756,7 +2751,7 @@
         </a:p>
       </dgm:t>
     </dgm:pt>
-    <dgm:pt modelId="{5C82D558-6BBC-4484-AF42-979EB0FCF5E2}" type="sibTrans" cxnId="{9293AACD-6017-4F4E-B76A-D16D5802A853}">
+    <dgm:pt modelId="{5C82D558-6BBC-4484-AF42-979EB0FCF5E2}" cxnId="{9293AACD-6017-4F4E-B76A-D16D5802A853}" type="sibTrans">
       <dgm:prSet/>
       <dgm:spPr/>
       <dgm:t>
@@ -2786,7 +2781,7 @@
         </a:p>
       </dgm:t>
     </dgm:pt>
-    <dgm:pt modelId="{CA28E2E0-3CBE-4456-AB4E-51BC61214F1A}" type="parTrans" cxnId="{CE8EB61E-0325-44FF-9218-3B5DCA63E949}">
+    <dgm:pt modelId="{CA28E2E0-3CBE-4456-AB4E-51BC61214F1A}" cxnId="{CE8EB61E-0325-44FF-9218-3B5DCA63E949}" type="parTrans">
       <dgm:prSet/>
       <dgm:spPr/>
       <dgm:t>
@@ -2797,7 +2792,7 @@
         </a:p>
       </dgm:t>
     </dgm:pt>
-    <dgm:pt modelId="{D2EE3ECA-ACDF-40B0-B81D-1A8C4FE58FE8}" type="sibTrans" cxnId="{CE8EB61E-0325-44FF-9218-3B5DCA63E949}">
+    <dgm:pt modelId="{D2EE3ECA-ACDF-40B0-B81D-1A8C4FE58FE8}" cxnId="{CE8EB61E-0325-44FF-9218-3B5DCA63E949}" type="sibTrans">
       <dgm:prSet/>
       <dgm:spPr/>
       <dgm:t>
@@ -2935,7 +2930,7 @@
   <dgm:whole/>
   <dgm:extLst>
     <a:ext uri="http://schemas.microsoft.com/office/drawing/2008/diagram">
-      <dsp:dataModelExt xmlns:dsp="http://schemas.microsoft.com/office/drawing/2008/diagram" relId="rId7" minVer="http://schemas.openxmlformats.org/drawingml/2006/diagram"/>
+      <dsp:dataModelExt xmlns:dsp="http://schemas.microsoft.com/office/drawing/2008/diagram" relId="rId5" minVer="http://schemas.openxmlformats.org/drawingml/2006/diagram"/>
     </a:ext>
   </dgm:extLst>
 </dgm:dataModel>
@@ -4828,15 +4823,503 @@
     <a:camera prst="orthographicFront"/>
     <a:lightRig rig="threePt" dir="t"/>
   </dgm:scene3d>
-  <dgm:styleLbl name="node0">
+  <dgm:styleLbl name="alignAcc1">
     <dgm:scene3d>
       <a:camera prst="orthographicFront"/>
       <a:lightRig rig="threePt" dir="t"/>
     </dgm:scene3d>
-    <dgm:sp3d/>
     <dgm:txPr/>
     <dgm:style>
       <a:lnRef idx="2">
+        <a:scrgbClr r="0" g="0" b="0"/>
+      </a:lnRef>
+      <a:fillRef idx="1">
+        <a:scrgbClr r="0" g="0" b="0"/>
+      </a:fillRef>
+      <a:effectRef idx="0">
+        <a:scrgbClr r="0" g="0" b="0"/>
+      </a:effectRef>
+      <a:fontRef idx="minor"/>
+    </dgm:style>
+  </dgm:styleLbl>
+  <dgm:styleLbl name="alignAccFollowNode1">
+    <dgm:scene3d>
+      <a:camera prst="orthographicFront"/>
+      <a:lightRig rig="threePt" dir="t"/>
+    </dgm:scene3d>
+    <dgm:txPr/>
+    <dgm:style>
+      <a:lnRef idx="2">
+        <a:scrgbClr r="0" g="0" b="0"/>
+      </a:lnRef>
+      <a:fillRef idx="1">
+        <a:scrgbClr r="0" g="0" b="0"/>
+      </a:fillRef>
+      <a:effectRef idx="0">
+        <a:scrgbClr r="0" g="0" b="0"/>
+      </a:effectRef>
+      <a:fontRef idx="minor"/>
+    </dgm:style>
+  </dgm:styleLbl>
+  <dgm:styleLbl name="alignImgPlace1">
+    <dgm:scene3d>
+      <a:camera prst="orthographicFront"/>
+      <a:lightRig rig="threePt" dir="t"/>
+    </dgm:scene3d>
+    <dgm:txPr/>
+    <dgm:style>
+      <a:lnRef idx="2">
+        <a:scrgbClr r="0" g="0" b="0"/>
+      </a:lnRef>
+      <a:fillRef idx="1">
+        <a:scrgbClr r="0" g="0" b="0"/>
+      </a:fillRef>
+      <a:effectRef idx="0">
+        <a:scrgbClr r="0" g="0" b="0"/>
+      </a:effectRef>
+      <a:fontRef idx="minor"/>
+    </dgm:style>
+  </dgm:styleLbl>
+  <dgm:styleLbl name="alignNode1">
+    <dgm:scene3d>
+      <a:camera prst="orthographicFront"/>
+      <a:lightRig rig="threePt" dir="t"/>
+    </dgm:scene3d>
+    <dgm:txPr/>
+    <dgm:style>
+      <a:lnRef idx="2">
+        <a:scrgbClr r="0" g="0" b="0"/>
+      </a:lnRef>
+      <a:fillRef idx="1">
+        <a:scrgbClr r="0" g="0" b="0"/>
+      </a:fillRef>
+      <a:effectRef idx="0">
+        <a:scrgbClr r="0" g="0" b="0"/>
+      </a:effectRef>
+      <a:fontRef idx="minor">
+        <a:schemeClr val="lt1"/>
+      </a:fontRef>
+    </dgm:style>
+  </dgm:styleLbl>
+  <dgm:styleLbl name="asst0">
+    <dgm:scene3d>
+      <a:camera prst="orthographicFront"/>
+      <a:lightRig rig="threePt" dir="t"/>
+    </dgm:scene3d>
+    <dgm:txPr/>
+    <dgm:style>
+      <a:lnRef idx="2">
+        <a:scrgbClr r="0" g="0" b="0"/>
+      </a:lnRef>
+      <a:fillRef idx="1">
+        <a:scrgbClr r="0" g="0" b="0"/>
+      </a:fillRef>
+      <a:effectRef idx="0">
+        <a:scrgbClr r="0" g="0" b="0"/>
+      </a:effectRef>
+      <a:fontRef idx="minor">
+        <a:schemeClr val="lt1"/>
+      </a:fontRef>
+    </dgm:style>
+  </dgm:styleLbl>
+  <dgm:styleLbl name="asst1">
+    <dgm:scene3d>
+      <a:camera prst="orthographicFront"/>
+      <a:lightRig rig="threePt" dir="t"/>
+    </dgm:scene3d>
+    <dgm:txPr/>
+    <dgm:style>
+      <a:lnRef idx="2">
+        <a:scrgbClr r="0" g="0" b="0"/>
+      </a:lnRef>
+      <a:fillRef idx="1">
+        <a:scrgbClr r="0" g="0" b="0"/>
+      </a:fillRef>
+      <a:effectRef idx="0">
+        <a:scrgbClr r="0" g="0" b="0"/>
+      </a:effectRef>
+      <a:fontRef idx="minor">
+        <a:schemeClr val="lt1"/>
+      </a:fontRef>
+    </dgm:style>
+  </dgm:styleLbl>
+  <dgm:styleLbl name="asst2">
+    <dgm:scene3d>
+      <a:camera prst="orthographicFront"/>
+      <a:lightRig rig="threePt" dir="t"/>
+    </dgm:scene3d>
+    <dgm:txPr/>
+    <dgm:style>
+      <a:lnRef idx="2">
+        <a:scrgbClr r="0" g="0" b="0"/>
+      </a:lnRef>
+      <a:fillRef idx="1">
+        <a:scrgbClr r="0" g="0" b="0"/>
+      </a:fillRef>
+      <a:effectRef idx="0">
+        <a:scrgbClr r="0" g="0" b="0"/>
+      </a:effectRef>
+      <a:fontRef idx="minor">
+        <a:schemeClr val="lt1"/>
+      </a:fontRef>
+    </dgm:style>
+  </dgm:styleLbl>
+  <dgm:styleLbl name="asst3">
+    <dgm:scene3d>
+      <a:camera prst="orthographicFront"/>
+      <a:lightRig rig="threePt" dir="t"/>
+    </dgm:scene3d>
+    <dgm:txPr/>
+    <dgm:style>
+      <a:lnRef idx="2">
+        <a:scrgbClr r="0" g="0" b="0"/>
+      </a:lnRef>
+      <a:fillRef idx="1">
+        <a:scrgbClr r="0" g="0" b="0"/>
+      </a:fillRef>
+      <a:effectRef idx="0">
+        <a:scrgbClr r="0" g="0" b="0"/>
+      </a:effectRef>
+      <a:fontRef idx="minor">
+        <a:schemeClr val="lt1"/>
+      </a:fontRef>
+    </dgm:style>
+  </dgm:styleLbl>
+  <dgm:styleLbl name="asst4">
+    <dgm:scene3d>
+      <a:camera prst="orthographicFront"/>
+      <a:lightRig rig="threePt" dir="t"/>
+    </dgm:scene3d>
+    <dgm:txPr/>
+    <dgm:style>
+      <a:lnRef idx="2">
+        <a:scrgbClr r="0" g="0" b="0"/>
+      </a:lnRef>
+      <a:fillRef idx="1">
+        <a:scrgbClr r="0" g="0" b="0"/>
+      </a:fillRef>
+      <a:effectRef idx="0">
+        <a:scrgbClr r="0" g="0" b="0"/>
+      </a:effectRef>
+      <a:fontRef idx="minor">
+        <a:schemeClr val="lt1"/>
+      </a:fontRef>
+    </dgm:style>
+  </dgm:styleLbl>
+  <dgm:styleLbl name="bgAcc1">
+    <dgm:scene3d>
+      <a:camera prst="orthographicFront"/>
+      <a:lightRig rig="threePt" dir="t"/>
+    </dgm:scene3d>
+    <dgm:txPr/>
+    <dgm:style>
+      <a:lnRef idx="2">
+        <a:scrgbClr r="0" g="0" b="0"/>
+      </a:lnRef>
+      <a:fillRef idx="1">
+        <a:scrgbClr r="0" g="0" b="0"/>
+      </a:fillRef>
+      <a:effectRef idx="0">
+        <a:scrgbClr r="0" g="0" b="0"/>
+      </a:effectRef>
+      <a:fontRef idx="minor"/>
+    </dgm:style>
+  </dgm:styleLbl>
+  <dgm:styleLbl name="bgAccFollowNode1">
+    <dgm:scene3d>
+      <a:camera prst="orthographicFront"/>
+      <a:lightRig rig="threePt" dir="t"/>
+    </dgm:scene3d>
+    <dgm:txPr/>
+    <dgm:style>
+      <a:lnRef idx="2">
+        <a:scrgbClr r="0" g="0" b="0"/>
+      </a:lnRef>
+      <a:fillRef idx="1">
+        <a:scrgbClr r="0" g="0" b="0"/>
+      </a:fillRef>
+      <a:effectRef idx="0">
+        <a:scrgbClr r="0" g="0" b="0"/>
+      </a:effectRef>
+      <a:fontRef idx="minor"/>
+    </dgm:style>
+  </dgm:styleLbl>
+  <dgm:styleLbl name="bgImgPlace1">
+    <dgm:scene3d>
+      <a:camera prst="orthographicFront"/>
+      <a:lightRig rig="threePt" dir="t"/>
+    </dgm:scene3d>
+    <dgm:txPr/>
+    <dgm:style>
+      <a:lnRef idx="2">
+        <a:scrgbClr r="0" g="0" b="0"/>
+      </a:lnRef>
+      <a:fillRef idx="1">
+        <a:scrgbClr r="0" g="0" b="0"/>
+      </a:fillRef>
+      <a:effectRef idx="0">
+        <a:scrgbClr r="0" g="0" b="0"/>
+      </a:effectRef>
+      <a:fontRef idx="minor"/>
+    </dgm:style>
+  </dgm:styleLbl>
+  <dgm:styleLbl name="bgShp">
+    <dgm:scene3d>
+      <a:camera prst="orthographicFront"/>
+      <a:lightRig rig="threePt" dir="t"/>
+    </dgm:scene3d>
+    <dgm:txPr/>
+    <dgm:style>
+      <a:lnRef idx="0">
+        <a:scrgbClr r="0" g="0" b="0"/>
+      </a:lnRef>
+      <a:fillRef idx="1">
+        <a:scrgbClr r="0" g="0" b="0"/>
+      </a:fillRef>
+      <a:effectRef idx="0">
+        <a:scrgbClr r="0" g="0" b="0"/>
+      </a:effectRef>
+      <a:fontRef idx="minor"/>
+    </dgm:style>
+  </dgm:styleLbl>
+  <dgm:styleLbl name="bgSibTrans2D1">
+    <dgm:scene3d>
+      <a:camera prst="orthographicFront"/>
+      <a:lightRig rig="threePt" dir="t"/>
+    </dgm:scene3d>
+    <dgm:txPr/>
+    <dgm:style>
+      <a:lnRef idx="0">
+        <a:scrgbClr r="0" g="0" b="0"/>
+      </a:lnRef>
+      <a:fillRef idx="1">
+        <a:scrgbClr r="0" g="0" b="0"/>
+      </a:fillRef>
+      <a:effectRef idx="0">
+        <a:scrgbClr r="0" g="0" b="0"/>
+      </a:effectRef>
+      <a:fontRef idx="minor">
+        <a:schemeClr val="lt1"/>
+      </a:fontRef>
+    </dgm:style>
+  </dgm:styleLbl>
+  <dgm:styleLbl name="callout">
+    <dgm:scene3d>
+      <a:camera prst="orthographicFront"/>
+      <a:lightRig rig="threePt" dir="t"/>
+    </dgm:scene3d>
+    <dgm:txPr/>
+    <dgm:style>
+      <a:lnRef idx="2">
+        <a:scrgbClr r="0" g="0" b="0"/>
+      </a:lnRef>
+      <a:fillRef idx="1">
+        <a:scrgbClr r="0" g="0" b="0"/>
+      </a:fillRef>
+      <a:effectRef idx="0">
+        <a:scrgbClr r="0" g="0" b="0"/>
+      </a:effectRef>
+      <a:fontRef idx="minor"/>
+    </dgm:style>
+  </dgm:styleLbl>
+  <dgm:styleLbl name="conFgAcc1">
+    <dgm:scene3d>
+      <a:camera prst="orthographicFront"/>
+      <a:lightRig rig="threePt" dir="t"/>
+    </dgm:scene3d>
+    <dgm:txPr/>
+    <dgm:style>
+      <a:lnRef idx="2">
+        <a:scrgbClr r="0" g="0" b="0"/>
+      </a:lnRef>
+      <a:fillRef idx="1">
+        <a:scrgbClr r="0" g="0" b="0"/>
+      </a:fillRef>
+      <a:effectRef idx="0">
+        <a:scrgbClr r="0" g="0" b="0"/>
+      </a:effectRef>
+      <a:fontRef idx="minor"/>
+    </dgm:style>
+  </dgm:styleLbl>
+  <dgm:styleLbl name="dkBgShp">
+    <dgm:scene3d>
+      <a:camera prst="orthographicFront"/>
+      <a:lightRig rig="threePt" dir="t"/>
+    </dgm:scene3d>
+    <dgm:txPr/>
+    <dgm:style>
+      <a:lnRef idx="0">
+        <a:scrgbClr r="0" g="0" b="0"/>
+      </a:lnRef>
+      <a:fillRef idx="1">
+        <a:scrgbClr r="0" g="0" b="0"/>
+      </a:fillRef>
+      <a:effectRef idx="0">
+        <a:scrgbClr r="0" g="0" b="0"/>
+      </a:effectRef>
+      <a:fontRef idx="minor"/>
+    </dgm:style>
+  </dgm:styleLbl>
+  <dgm:styleLbl name="fgAcc0">
+    <dgm:scene3d>
+      <a:camera prst="orthographicFront"/>
+      <a:lightRig rig="threePt" dir="t"/>
+    </dgm:scene3d>
+    <dgm:txPr/>
+    <dgm:style>
+      <a:lnRef idx="2">
+        <a:scrgbClr r="0" g="0" b="0"/>
+      </a:lnRef>
+      <a:fillRef idx="1">
+        <a:scrgbClr r="0" g="0" b="0"/>
+      </a:fillRef>
+      <a:effectRef idx="0">
+        <a:scrgbClr r="0" g="0" b="0"/>
+      </a:effectRef>
+      <a:fontRef idx="minor"/>
+    </dgm:style>
+  </dgm:styleLbl>
+  <dgm:styleLbl name="fgAcc1">
+    <dgm:scene3d>
+      <a:camera prst="orthographicFront"/>
+      <a:lightRig rig="threePt" dir="t"/>
+    </dgm:scene3d>
+    <dgm:txPr/>
+    <dgm:style>
+      <a:lnRef idx="2">
+        <a:scrgbClr r="0" g="0" b="0"/>
+      </a:lnRef>
+      <a:fillRef idx="1">
+        <a:scrgbClr r="0" g="0" b="0"/>
+      </a:fillRef>
+      <a:effectRef idx="0">
+        <a:scrgbClr r="0" g="0" b="0"/>
+      </a:effectRef>
+      <a:fontRef idx="minor"/>
+    </dgm:style>
+  </dgm:styleLbl>
+  <dgm:styleLbl name="fgAcc2">
+    <dgm:scene3d>
+      <a:camera prst="orthographicFront"/>
+      <a:lightRig rig="threePt" dir="t"/>
+    </dgm:scene3d>
+    <dgm:txPr/>
+    <dgm:style>
+      <a:lnRef idx="2">
+        <a:scrgbClr r="0" g="0" b="0"/>
+      </a:lnRef>
+      <a:fillRef idx="1">
+        <a:scrgbClr r="0" g="0" b="0"/>
+      </a:fillRef>
+      <a:effectRef idx="0">
+        <a:scrgbClr r="0" g="0" b="0"/>
+      </a:effectRef>
+      <a:fontRef idx="minor"/>
+    </dgm:style>
+  </dgm:styleLbl>
+  <dgm:styleLbl name="fgAcc3">
+    <dgm:scene3d>
+      <a:camera prst="orthographicFront"/>
+      <a:lightRig rig="threePt" dir="t"/>
+    </dgm:scene3d>
+    <dgm:txPr/>
+    <dgm:style>
+      <a:lnRef idx="2">
+        <a:scrgbClr r="0" g="0" b="0"/>
+      </a:lnRef>
+      <a:fillRef idx="1">
+        <a:scrgbClr r="0" g="0" b="0"/>
+      </a:fillRef>
+      <a:effectRef idx="0">
+        <a:scrgbClr r="0" g="0" b="0"/>
+      </a:effectRef>
+      <a:fontRef idx="minor"/>
+    </dgm:style>
+  </dgm:styleLbl>
+  <dgm:styleLbl name="fgAcc4">
+    <dgm:scene3d>
+      <a:camera prst="orthographicFront"/>
+      <a:lightRig rig="threePt" dir="t"/>
+    </dgm:scene3d>
+    <dgm:txPr/>
+    <dgm:style>
+      <a:lnRef idx="2">
+        <a:scrgbClr r="0" g="0" b="0"/>
+      </a:lnRef>
+      <a:fillRef idx="1">
+        <a:scrgbClr r="0" g="0" b="0"/>
+      </a:fillRef>
+      <a:effectRef idx="0">
+        <a:scrgbClr r="0" g="0" b="0"/>
+      </a:effectRef>
+      <a:fontRef idx="minor"/>
+    </dgm:style>
+  </dgm:styleLbl>
+  <dgm:styleLbl name="fgAccFollowNode1">
+    <dgm:scene3d>
+      <a:camera prst="orthographicFront"/>
+      <a:lightRig rig="threePt" dir="t"/>
+    </dgm:scene3d>
+    <dgm:txPr/>
+    <dgm:style>
+      <a:lnRef idx="2">
+        <a:scrgbClr r="0" g="0" b="0"/>
+      </a:lnRef>
+      <a:fillRef idx="1">
+        <a:scrgbClr r="0" g="0" b="0"/>
+      </a:fillRef>
+      <a:effectRef idx="0">
+        <a:scrgbClr r="0" g="0" b="0"/>
+      </a:effectRef>
+      <a:fontRef idx="minor"/>
+    </dgm:style>
+  </dgm:styleLbl>
+  <dgm:styleLbl name="fgImgPlace1">
+    <dgm:scene3d>
+      <a:camera prst="orthographicFront"/>
+      <a:lightRig rig="threePt" dir="t"/>
+    </dgm:scene3d>
+    <dgm:txPr/>
+    <dgm:style>
+      <a:lnRef idx="2">
+        <a:scrgbClr r="0" g="0" b="0"/>
+      </a:lnRef>
+      <a:fillRef idx="1">
+        <a:scrgbClr r="0" g="0" b="0"/>
+      </a:fillRef>
+      <a:effectRef idx="0">
+        <a:scrgbClr r="0" g="0" b="0"/>
+      </a:effectRef>
+      <a:fontRef idx="minor"/>
+    </dgm:style>
+  </dgm:styleLbl>
+  <dgm:styleLbl name="fgShp">
+    <dgm:scene3d>
+      <a:camera prst="orthographicFront"/>
+      <a:lightRig rig="threePt" dir="t"/>
+    </dgm:scene3d>
+    <dgm:txPr/>
+    <dgm:style>
+      <a:lnRef idx="2">
+        <a:scrgbClr r="0" g="0" b="0"/>
+      </a:lnRef>
+      <a:fillRef idx="1">
+        <a:scrgbClr r="0" g="0" b="0"/>
+      </a:fillRef>
+      <a:effectRef idx="0">
+        <a:scrgbClr r="0" g="0" b="0"/>
+      </a:effectRef>
+      <a:fontRef idx="minor"/>
+    </dgm:style>
+  </dgm:styleLbl>
+  <dgm:styleLbl name="fgSibTrans2D1">
+    <dgm:scene3d>
+      <a:camera prst="orthographicFront"/>
+      <a:lightRig rig="threePt" dir="t"/>
+    </dgm:scene3d>
+    <dgm:txPr/>
+    <dgm:style>
+      <a:lnRef idx="0">
         <a:scrgbClr r="0" g="0" b="0"/>
       </a:lnRef>
       <a:fillRef idx="1">
@@ -4855,7 +5338,6 @@
       <a:camera prst="orthographicFront"/>
       <a:lightRig rig="threePt" dir="t"/>
     </dgm:scene3d>
-    <dgm:sp3d/>
     <dgm:txPr/>
     <dgm:style>
       <a:lnRef idx="2">
@@ -4872,34 +5354,11 @@
       </a:fontRef>
     </dgm:style>
   </dgm:styleLbl>
-  <dgm:styleLbl name="vennNode1">
+  <dgm:styleLbl name="node0">
     <dgm:scene3d>
       <a:camera prst="orthographicFront"/>
       <a:lightRig rig="threePt" dir="t"/>
     </dgm:scene3d>
-    <dgm:sp3d/>
-    <dgm:txPr/>
-    <dgm:style>
-      <a:lnRef idx="2">
-        <a:scrgbClr r="0" g="0" b="0"/>
-      </a:lnRef>
-      <a:fillRef idx="1">
-        <a:scrgbClr r="0" g="0" b="0"/>
-      </a:fillRef>
-      <a:effectRef idx="0">
-        <a:scrgbClr r="0" g="0" b="0"/>
-      </a:effectRef>
-      <a:fontRef idx="minor">
-        <a:schemeClr val="tx1"/>
-      </a:fontRef>
-    </dgm:style>
-  </dgm:styleLbl>
-  <dgm:styleLbl name="alignNode1">
-    <dgm:scene3d>
-      <a:camera prst="orthographicFront"/>
-      <a:lightRig rig="threePt" dir="t"/>
-    </dgm:scene3d>
-    <dgm:sp3d/>
     <dgm:txPr/>
     <dgm:style>
       <a:lnRef idx="2">
@@ -4921,7 +5380,6 @@
       <a:camera prst="orthographicFront"/>
       <a:lightRig rig="threePt" dir="t"/>
     </dgm:scene3d>
-    <dgm:sp3d/>
     <dgm:txPr/>
     <dgm:style>
       <a:lnRef idx="2">
@@ -4943,7 +5401,6 @@
       <a:camera prst="orthographicFront"/>
       <a:lightRig rig="threePt" dir="t"/>
     </dgm:scene3d>
-    <dgm:sp3d/>
     <dgm:txPr/>
     <dgm:style>
       <a:lnRef idx="2">
@@ -4965,7 +5422,6 @@
       <a:camera prst="orthographicFront"/>
       <a:lightRig rig="threePt" dir="t"/>
     </dgm:scene3d>
-    <dgm:sp3d/>
     <dgm:txPr/>
     <dgm:style>
       <a:lnRef idx="2">
@@ -4987,7 +5443,6 @@
       <a:camera prst="orthographicFront"/>
       <a:lightRig rig="threePt" dir="t"/>
     </dgm:scene3d>
-    <dgm:sp3d/>
     <dgm:txPr/>
     <dgm:style>
       <a:lnRef idx="2">
@@ -5004,12 +5459,379 @@
       </a:fontRef>
     </dgm:style>
   </dgm:styleLbl>
-  <dgm:styleLbl name="fgImgPlace1">
+  <dgm:styleLbl name="parChTrans1D1">
     <dgm:scene3d>
       <a:camera prst="orthographicFront"/>
       <a:lightRig rig="threePt" dir="t"/>
     </dgm:scene3d>
-    <dgm:sp3d/>
+    <dgm:txPr/>
+    <dgm:style>
+      <a:lnRef idx="2">
+        <a:scrgbClr r="0" g="0" b="0"/>
+      </a:lnRef>
+      <a:fillRef idx="0">
+        <a:scrgbClr r="0" g="0" b="0"/>
+      </a:fillRef>
+      <a:effectRef idx="0">
+        <a:scrgbClr r="0" g="0" b="0"/>
+      </a:effectRef>
+      <a:fontRef idx="minor"/>
+    </dgm:style>
+  </dgm:styleLbl>
+  <dgm:styleLbl name="parChTrans1D2">
+    <dgm:scene3d>
+      <a:camera prst="orthographicFront"/>
+      <a:lightRig rig="threePt" dir="t"/>
+    </dgm:scene3d>
+    <dgm:txPr/>
+    <dgm:style>
+      <a:lnRef idx="2">
+        <a:scrgbClr r="0" g="0" b="0"/>
+      </a:lnRef>
+      <a:fillRef idx="0">
+        <a:scrgbClr r="0" g="0" b="0"/>
+      </a:fillRef>
+      <a:effectRef idx="0">
+        <a:scrgbClr r="0" g="0" b="0"/>
+      </a:effectRef>
+      <a:fontRef idx="minor"/>
+    </dgm:style>
+  </dgm:styleLbl>
+  <dgm:styleLbl name="parChTrans1D3">
+    <dgm:scene3d>
+      <a:camera prst="orthographicFront"/>
+      <a:lightRig rig="threePt" dir="t"/>
+    </dgm:scene3d>
+    <dgm:txPr/>
+    <dgm:style>
+      <a:lnRef idx="2">
+        <a:scrgbClr r="0" g="0" b="0"/>
+      </a:lnRef>
+      <a:fillRef idx="0">
+        <a:scrgbClr r="0" g="0" b="0"/>
+      </a:fillRef>
+      <a:effectRef idx="0">
+        <a:scrgbClr r="0" g="0" b="0"/>
+      </a:effectRef>
+      <a:fontRef idx="minor"/>
+    </dgm:style>
+  </dgm:styleLbl>
+  <dgm:styleLbl name="parChTrans1D4">
+    <dgm:scene3d>
+      <a:camera prst="orthographicFront"/>
+      <a:lightRig rig="threePt" dir="t"/>
+    </dgm:scene3d>
+    <dgm:txPr/>
+    <dgm:style>
+      <a:lnRef idx="2">
+        <a:scrgbClr r="0" g="0" b="0"/>
+      </a:lnRef>
+      <a:fillRef idx="0">
+        <a:scrgbClr r="0" g="0" b="0"/>
+      </a:fillRef>
+      <a:effectRef idx="0">
+        <a:scrgbClr r="0" g="0" b="0"/>
+      </a:effectRef>
+      <a:fontRef idx="minor"/>
+    </dgm:style>
+  </dgm:styleLbl>
+  <dgm:styleLbl name="parChTrans2D1">
+    <dgm:scene3d>
+      <a:camera prst="orthographicFront"/>
+      <a:lightRig rig="threePt" dir="t"/>
+    </dgm:scene3d>
+    <dgm:txPr/>
+    <dgm:style>
+      <a:lnRef idx="2">
+        <a:scrgbClr r="0" g="0" b="0"/>
+      </a:lnRef>
+      <a:fillRef idx="1">
+        <a:scrgbClr r="0" g="0" b="0"/>
+      </a:fillRef>
+      <a:effectRef idx="0">
+        <a:scrgbClr r="0" g="0" b="0"/>
+      </a:effectRef>
+      <a:fontRef idx="minor">
+        <a:schemeClr val="lt1"/>
+      </a:fontRef>
+    </dgm:style>
+  </dgm:styleLbl>
+  <dgm:styleLbl name="parChTrans2D2">
+    <dgm:scene3d>
+      <a:camera prst="orthographicFront"/>
+      <a:lightRig rig="threePt" dir="t"/>
+    </dgm:scene3d>
+    <dgm:txPr/>
+    <dgm:style>
+      <a:lnRef idx="2">
+        <a:scrgbClr r="0" g="0" b="0"/>
+      </a:lnRef>
+      <a:fillRef idx="1">
+        <a:scrgbClr r="0" g="0" b="0"/>
+      </a:fillRef>
+      <a:effectRef idx="0">
+        <a:scrgbClr r="0" g="0" b="0"/>
+      </a:effectRef>
+      <a:fontRef idx="minor">
+        <a:schemeClr val="lt1"/>
+      </a:fontRef>
+    </dgm:style>
+  </dgm:styleLbl>
+  <dgm:styleLbl name="parChTrans2D3">
+    <dgm:scene3d>
+      <a:camera prst="orthographicFront"/>
+      <a:lightRig rig="threePt" dir="t"/>
+    </dgm:scene3d>
+    <dgm:txPr/>
+    <dgm:style>
+      <a:lnRef idx="2">
+        <a:scrgbClr r="0" g="0" b="0"/>
+      </a:lnRef>
+      <a:fillRef idx="1">
+        <a:scrgbClr r="0" g="0" b="0"/>
+      </a:fillRef>
+      <a:effectRef idx="0">
+        <a:scrgbClr r="0" g="0" b="0"/>
+      </a:effectRef>
+      <a:fontRef idx="minor">
+        <a:schemeClr val="lt1"/>
+      </a:fontRef>
+    </dgm:style>
+  </dgm:styleLbl>
+  <dgm:styleLbl name="parChTrans2D4">
+    <dgm:scene3d>
+      <a:camera prst="orthographicFront"/>
+      <a:lightRig rig="threePt" dir="t"/>
+    </dgm:scene3d>
+    <dgm:txPr/>
+    <dgm:style>
+      <a:lnRef idx="2">
+        <a:scrgbClr r="0" g="0" b="0"/>
+      </a:lnRef>
+      <a:fillRef idx="1">
+        <a:scrgbClr r="0" g="0" b="0"/>
+      </a:fillRef>
+      <a:effectRef idx="0">
+        <a:scrgbClr r="0" g="0" b="0"/>
+      </a:effectRef>
+      <a:fontRef idx="minor">
+        <a:schemeClr val="lt1"/>
+      </a:fontRef>
+    </dgm:style>
+  </dgm:styleLbl>
+  <dgm:styleLbl name="revTx">
+    <dgm:scene3d>
+      <a:camera prst="orthographicFront"/>
+      <a:lightRig rig="threePt" dir="t"/>
+    </dgm:scene3d>
+    <dgm:txPr/>
+    <dgm:style>
+      <a:lnRef idx="0">
+        <a:scrgbClr r="0" g="0" b="0"/>
+      </a:lnRef>
+      <a:fillRef idx="0">
+        <a:scrgbClr r="0" g="0" b="0"/>
+      </a:fillRef>
+      <a:effectRef idx="0">
+        <a:scrgbClr r="0" g="0" b="0"/>
+      </a:effectRef>
+      <a:fontRef idx="minor"/>
+    </dgm:style>
+  </dgm:styleLbl>
+  <dgm:styleLbl name="sibTrans1D1">
+    <dgm:scene3d>
+      <a:camera prst="orthographicFront"/>
+      <a:lightRig rig="threePt" dir="t"/>
+    </dgm:scene3d>
+    <dgm:txPr/>
+    <dgm:style>
+      <a:lnRef idx="1">
+        <a:scrgbClr r="0" g="0" b="0"/>
+      </a:lnRef>
+      <a:fillRef idx="0">
+        <a:scrgbClr r="0" g="0" b="0"/>
+      </a:fillRef>
+      <a:effectRef idx="0">
+        <a:scrgbClr r="0" g="0" b="0"/>
+      </a:effectRef>
+      <a:fontRef idx="minor"/>
+    </dgm:style>
+  </dgm:styleLbl>
+  <dgm:styleLbl name="sibTrans2D1">
+    <dgm:scene3d>
+      <a:camera prst="orthographicFront"/>
+      <a:lightRig rig="threePt" dir="t"/>
+    </dgm:scene3d>
+    <dgm:txPr/>
+    <dgm:style>
+      <a:lnRef idx="0">
+        <a:scrgbClr r="0" g="0" b="0"/>
+      </a:lnRef>
+      <a:fillRef idx="1">
+        <a:scrgbClr r="0" g="0" b="0"/>
+      </a:fillRef>
+      <a:effectRef idx="0">
+        <a:scrgbClr r="0" g="0" b="0"/>
+      </a:effectRef>
+      <a:fontRef idx="minor">
+        <a:schemeClr val="lt1"/>
+      </a:fontRef>
+    </dgm:style>
+  </dgm:styleLbl>
+  <dgm:styleLbl name="solidAlignAcc1">
+    <dgm:scene3d>
+      <a:camera prst="orthographicFront"/>
+      <a:lightRig rig="threePt" dir="t"/>
+    </dgm:scene3d>
+    <dgm:txPr/>
+    <dgm:style>
+      <a:lnRef idx="2">
+        <a:scrgbClr r="0" g="0" b="0"/>
+      </a:lnRef>
+      <a:fillRef idx="1">
+        <a:scrgbClr r="0" g="0" b="0"/>
+      </a:fillRef>
+      <a:effectRef idx="0">
+        <a:scrgbClr r="0" g="0" b="0"/>
+      </a:effectRef>
+      <a:fontRef idx="minor"/>
+    </dgm:style>
+  </dgm:styleLbl>
+  <dgm:styleLbl name="solidBgAcc1">
+    <dgm:scene3d>
+      <a:camera prst="orthographicFront"/>
+      <a:lightRig rig="threePt" dir="t"/>
+    </dgm:scene3d>
+    <dgm:txPr/>
+    <dgm:style>
+      <a:lnRef idx="2">
+        <a:scrgbClr r="0" g="0" b="0"/>
+      </a:lnRef>
+      <a:fillRef idx="1">
+        <a:scrgbClr r="0" g="0" b="0"/>
+      </a:fillRef>
+      <a:effectRef idx="0">
+        <a:scrgbClr r="0" g="0" b="0"/>
+      </a:effectRef>
+      <a:fontRef idx="minor"/>
+    </dgm:style>
+  </dgm:styleLbl>
+  <dgm:styleLbl name="solidFgAcc1">
+    <dgm:scene3d>
+      <a:camera prst="orthographicFront"/>
+      <a:lightRig rig="threePt" dir="t"/>
+    </dgm:scene3d>
+    <dgm:txPr/>
+    <dgm:style>
+      <a:lnRef idx="2">
+        <a:scrgbClr r="0" g="0" b="0"/>
+      </a:lnRef>
+      <a:fillRef idx="1">
+        <a:scrgbClr r="0" g="0" b="0"/>
+      </a:fillRef>
+      <a:effectRef idx="0">
+        <a:scrgbClr r="0" g="0" b="0"/>
+      </a:effectRef>
+      <a:fontRef idx="minor"/>
+    </dgm:style>
+  </dgm:styleLbl>
+  <dgm:styleLbl name="trAlignAcc1">
+    <dgm:scene3d>
+      <a:camera prst="orthographicFront"/>
+      <a:lightRig rig="threePt" dir="t"/>
+    </dgm:scene3d>
+    <dgm:txPr/>
+    <dgm:style>
+      <a:lnRef idx="1">
+        <a:scrgbClr r="0" g="0" b="0"/>
+      </a:lnRef>
+      <a:fillRef idx="1">
+        <a:scrgbClr r="0" g="0" b="0"/>
+      </a:fillRef>
+      <a:effectRef idx="0">
+        <a:scrgbClr r="0" g="0" b="0"/>
+      </a:effectRef>
+      <a:fontRef idx="minor"/>
+    </dgm:style>
+  </dgm:styleLbl>
+  <dgm:styleLbl name="trBgShp">
+    <dgm:scene3d>
+      <a:camera prst="orthographicFront"/>
+      <a:lightRig rig="threePt" dir="t"/>
+    </dgm:scene3d>
+    <dgm:txPr/>
+    <dgm:style>
+      <a:lnRef idx="0">
+        <a:scrgbClr r="0" g="0" b="0"/>
+      </a:lnRef>
+      <a:fillRef idx="1">
+        <a:scrgbClr r="0" g="0" b="0"/>
+      </a:fillRef>
+      <a:effectRef idx="0">
+        <a:scrgbClr r="0" g="0" b="0"/>
+      </a:effectRef>
+      <a:fontRef idx="minor"/>
+    </dgm:style>
+  </dgm:styleLbl>
+  <dgm:styleLbl name="vennNode1">
+    <dgm:scene3d>
+      <a:camera prst="orthographicFront"/>
+      <a:lightRig rig="threePt" dir="t"/>
+    </dgm:scene3d>
+    <dgm:txPr/>
+    <dgm:style>
+      <a:lnRef idx="2">
+        <a:scrgbClr r="0" g="0" b="0"/>
+      </a:lnRef>
+      <a:fillRef idx="1">
+        <a:scrgbClr r="0" g="0" b="0"/>
+      </a:fillRef>
+      <a:effectRef idx="0">
+        <a:scrgbClr r="0" g="0" b="0"/>
+      </a:effectRef>
+      <a:fontRef idx="minor">
+        <a:schemeClr val="tx1"/>
+      </a:fontRef>
+    </dgm:style>
+  </dgm:styleLbl>
+</dgm:styleDef>
+</file>
+
+<file path=ppt/diagrams/quickStyle2.xml><?xml version="1.0" encoding="utf-8"?>
+<dgm:styleDef xmlns:dgm="http://schemas.openxmlformats.org/drawingml/2006/diagram" xmlns:a="http://schemas.openxmlformats.org/drawingml/2006/main" uniqueId="urn:microsoft.com/office/officeart/2005/8/quickstyle/simple1">
+  <dgm:title val=""/>
+  <dgm:desc val=""/>
+  <dgm:catLst>
+    <dgm:cat type="simple" pri="10100"/>
+  </dgm:catLst>
+  <dgm:scene3d>
+    <a:camera prst="orthographicFront"/>
+    <a:lightRig rig="threePt" dir="t"/>
+  </dgm:scene3d>
+  <dgm:styleLbl name="alignAcc1">
+    <dgm:scene3d>
+      <a:camera prst="orthographicFront"/>
+      <a:lightRig rig="threePt" dir="t"/>
+    </dgm:scene3d>
+    <dgm:txPr/>
+    <dgm:style>
+      <a:lnRef idx="2">
+        <a:scrgbClr r="0" g="0" b="0"/>
+      </a:lnRef>
+      <a:fillRef idx="1">
+        <a:scrgbClr r="0" g="0" b="0"/>
+      </a:fillRef>
+      <a:effectRef idx="0">
+        <a:scrgbClr r="0" g="0" b="0"/>
+      </a:effectRef>
+      <a:fontRef idx="minor"/>
+    </dgm:style>
+  </dgm:styleLbl>
+  <dgm:styleLbl name="alignAccFollowNode1">
+    <dgm:scene3d>
+      <a:camera prst="orthographicFront"/>
+      <a:lightRig rig="threePt" dir="t"/>
+    </dgm:scene3d>
     <dgm:txPr/>
     <dgm:style>
       <a:lnRef idx="2">
@@ -5029,7 +5851,6 @@
       <a:camera prst="orthographicFront"/>
       <a:lightRig rig="threePt" dir="t"/>
     </dgm:scene3d>
-    <dgm:sp3d/>
     <dgm:txPr/>
     <dgm:style>
       <a:lnRef idx="2">
@@ -5044,35 +5865,14 @@
       <a:fontRef idx="minor"/>
     </dgm:style>
   </dgm:styleLbl>
-  <dgm:styleLbl name="bgImgPlace1">
+  <dgm:styleLbl name="alignNode1">
     <dgm:scene3d>
       <a:camera prst="orthographicFront"/>
       <a:lightRig rig="threePt" dir="t"/>
     </dgm:scene3d>
-    <dgm:sp3d/>
     <dgm:txPr/>
     <dgm:style>
       <a:lnRef idx="2">
-        <a:scrgbClr r="0" g="0" b="0"/>
-      </a:lnRef>
-      <a:fillRef idx="1">
-        <a:scrgbClr r="0" g="0" b="0"/>
-      </a:fillRef>
-      <a:effectRef idx="0">
-        <a:scrgbClr r="0" g="0" b="0"/>
-      </a:effectRef>
-      <a:fontRef idx="minor"/>
-    </dgm:style>
-  </dgm:styleLbl>
-  <dgm:styleLbl name="sibTrans2D1">
-    <dgm:scene3d>
-      <a:camera prst="orthographicFront"/>
-      <a:lightRig rig="threePt" dir="t"/>
-    </dgm:scene3d>
-    <dgm:sp3d/>
-    <dgm:txPr/>
-    <dgm:style>
-      <a:lnRef idx="0">
         <a:scrgbClr r="0" g="0" b="0"/>
       </a:lnRef>
       <a:fillRef idx="1">
@@ -5086,96 +5886,11 @@
       </a:fontRef>
     </dgm:style>
   </dgm:styleLbl>
-  <dgm:styleLbl name="fgSibTrans2D1">
-    <dgm:scene3d>
-      <a:camera prst="orthographicFront"/>
-      <a:lightRig rig="threePt" dir="t"/>
-    </dgm:scene3d>
-    <dgm:sp3d/>
-    <dgm:txPr/>
-    <dgm:style>
-      <a:lnRef idx="0">
-        <a:scrgbClr r="0" g="0" b="0"/>
-      </a:lnRef>
-      <a:fillRef idx="1">
-        <a:scrgbClr r="0" g="0" b="0"/>
-      </a:fillRef>
-      <a:effectRef idx="0">
-        <a:scrgbClr r="0" g="0" b="0"/>
-      </a:effectRef>
-      <a:fontRef idx="minor">
-        <a:schemeClr val="lt1"/>
-      </a:fontRef>
-    </dgm:style>
-  </dgm:styleLbl>
-  <dgm:styleLbl name="bgSibTrans2D1">
-    <dgm:scene3d>
-      <a:camera prst="orthographicFront"/>
-      <a:lightRig rig="threePt" dir="t"/>
-    </dgm:scene3d>
-    <dgm:sp3d/>
-    <dgm:txPr/>
-    <dgm:style>
-      <a:lnRef idx="0">
-        <a:scrgbClr r="0" g="0" b="0"/>
-      </a:lnRef>
-      <a:fillRef idx="1">
-        <a:scrgbClr r="0" g="0" b="0"/>
-      </a:fillRef>
-      <a:effectRef idx="0">
-        <a:scrgbClr r="0" g="0" b="0"/>
-      </a:effectRef>
-      <a:fontRef idx="minor">
-        <a:schemeClr val="lt1"/>
-      </a:fontRef>
-    </dgm:style>
-  </dgm:styleLbl>
-  <dgm:styleLbl name="sibTrans1D1">
-    <dgm:scene3d>
-      <a:camera prst="orthographicFront"/>
-      <a:lightRig rig="threePt" dir="t"/>
-    </dgm:scene3d>
-    <dgm:sp3d/>
-    <dgm:txPr/>
-    <dgm:style>
-      <a:lnRef idx="1">
-        <a:scrgbClr r="0" g="0" b="0"/>
-      </a:lnRef>
-      <a:fillRef idx="0">
-        <a:scrgbClr r="0" g="0" b="0"/>
-      </a:fillRef>
-      <a:effectRef idx="0">
-        <a:scrgbClr r="0" g="0" b="0"/>
-      </a:effectRef>
-      <a:fontRef idx="minor"/>
-    </dgm:style>
-  </dgm:styleLbl>
-  <dgm:styleLbl name="callout">
-    <dgm:scene3d>
-      <a:camera prst="orthographicFront"/>
-      <a:lightRig rig="threePt" dir="t"/>
-    </dgm:scene3d>
-    <dgm:sp3d/>
-    <dgm:txPr/>
-    <dgm:style>
-      <a:lnRef idx="2">
-        <a:scrgbClr r="0" g="0" b="0"/>
-      </a:lnRef>
-      <a:fillRef idx="1">
-        <a:scrgbClr r="0" g="0" b="0"/>
-      </a:fillRef>
-      <a:effectRef idx="0">
-        <a:scrgbClr r="0" g="0" b="0"/>
-      </a:effectRef>
-      <a:fontRef idx="minor"/>
-    </dgm:style>
-  </dgm:styleLbl>
   <dgm:styleLbl name="asst0">
     <dgm:scene3d>
       <a:camera prst="orthographicFront"/>
       <a:lightRig rig="threePt" dir="t"/>
     </dgm:scene3d>
-    <dgm:sp3d/>
     <dgm:txPr/>
     <dgm:style>
       <a:lnRef idx="2">
@@ -5197,7 +5912,6 @@
       <a:camera prst="orthographicFront"/>
       <a:lightRig rig="threePt" dir="t"/>
     </dgm:scene3d>
-    <dgm:sp3d/>
     <dgm:txPr/>
     <dgm:style>
       <a:lnRef idx="2">
@@ -5219,7 +5933,6 @@
       <a:camera prst="orthographicFront"/>
       <a:lightRig rig="threePt" dir="t"/>
     </dgm:scene3d>
-    <dgm:sp3d/>
     <dgm:txPr/>
     <dgm:style>
       <a:lnRef idx="2">
@@ -5241,7 +5954,6 @@
       <a:camera prst="orthographicFront"/>
       <a:lightRig rig="threePt" dir="t"/>
     </dgm:scene3d>
-    <dgm:sp3d/>
     <dgm:txPr/>
     <dgm:style>
       <a:lnRef idx="2">
@@ -5263,7 +5975,6 @@
       <a:camera prst="orthographicFront"/>
       <a:lightRig rig="threePt" dir="t"/>
     </dgm:scene3d>
-    <dgm:sp3d/>
     <dgm:txPr/>
     <dgm:style>
       <a:lnRef idx="2">
@@ -5280,12 +5991,540 @@
       </a:fontRef>
     </dgm:style>
   </dgm:styleLbl>
+  <dgm:styleLbl name="bgAcc1">
+    <dgm:scene3d>
+      <a:camera prst="orthographicFront"/>
+      <a:lightRig rig="threePt" dir="t"/>
+    </dgm:scene3d>
+    <dgm:txPr/>
+    <dgm:style>
+      <a:lnRef idx="2">
+        <a:scrgbClr r="0" g="0" b="0"/>
+      </a:lnRef>
+      <a:fillRef idx="1">
+        <a:scrgbClr r="0" g="0" b="0"/>
+      </a:fillRef>
+      <a:effectRef idx="0">
+        <a:scrgbClr r="0" g="0" b="0"/>
+      </a:effectRef>
+      <a:fontRef idx="minor"/>
+    </dgm:style>
+  </dgm:styleLbl>
+  <dgm:styleLbl name="bgAccFollowNode1">
+    <dgm:scene3d>
+      <a:camera prst="orthographicFront"/>
+      <a:lightRig rig="threePt" dir="t"/>
+    </dgm:scene3d>
+    <dgm:txPr/>
+    <dgm:style>
+      <a:lnRef idx="2">
+        <a:scrgbClr r="0" g="0" b="0"/>
+      </a:lnRef>
+      <a:fillRef idx="1">
+        <a:scrgbClr r="0" g="0" b="0"/>
+      </a:fillRef>
+      <a:effectRef idx="0">
+        <a:scrgbClr r="0" g="0" b="0"/>
+      </a:effectRef>
+      <a:fontRef idx="minor"/>
+    </dgm:style>
+  </dgm:styleLbl>
+  <dgm:styleLbl name="bgImgPlace1">
+    <dgm:scene3d>
+      <a:camera prst="orthographicFront"/>
+      <a:lightRig rig="threePt" dir="t"/>
+    </dgm:scene3d>
+    <dgm:txPr/>
+    <dgm:style>
+      <a:lnRef idx="2">
+        <a:scrgbClr r="0" g="0" b="0"/>
+      </a:lnRef>
+      <a:fillRef idx="1">
+        <a:scrgbClr r="0" g="0" b="0"/>
+      </a:fillRef>
+      <a:effectRef idx="0">
+        <a:scrgbClr r="0" g="0" b="0"/>
+      </a:effectRef>
+      <a:fontRef idx="minor"/>
+    </dgm:style>
+  </dgm:styleLbl>
+  <dgm:styleLbl name="bgShp">
+    <dgm:scene3d>
+      <a:camera prst="orthographicFront"/>
+      <a:lightRig rig="threePt" dir="t"/>
+    </dgm:scene3d>
+    <dgm:txPr/>
+    <dgm:style>
+      <a:lnRef idx="0">
+        <a:scrgbClr r="0" g="0" b="0"/>
+      </a:lnRef>
+      <a:fillRef idx="1">
+        <a:scrgbClr r="0" g="0" b="0"/>
+      </a:fillRef>
+      <a:effectRef idx="0">
+        <a:scrgbClr r="0" g="0" b="0"/>
+      </a:effectRef>
+      <a:fontRef idx="minor"/>
+    </dgm:style>
+  </dgm:styleLbl>
+  <dgm:styleLbl name="bgSibTrans2D1">
+    <dgm:scene3d>
+      <a:camera prst="orthographicFront"/>
+      <a:lightRig rig="threePt" dir="t"/>
+    </dgm:scene3d>
+    <dgm:txPr/>
+    <dgm:style>
+      <a:lnRef idx="0">
+        <a:scrgbClr r="0" g="0" b="0"/>
+      </a:lnRef>
+      <a:fillRef idx="1">
+        <a:scrgbClr r="0" g="0" b="0"/>
+      </a:fillRef>
+      <a:effectRef idx="0">
+        <a:scrgbClr r="0" g="0" b="0"/>
+      </a:effectRef>
+      <a:fontRef idx="minor">
+        <a:schemeClr val="lt1"/>
+      </a:fontRef>
+    </dgm:style>
+  </dgm:styleLbl>
+  <dgm:styleLbl name="callout">
+    <dgm:scene3d>
+      <a:camera prst="orthographicFront"/>
+      <a:lightRig rig="threePt" dir="t"/>
+    </dgm:scene3d>
+    <dgm:txPr/>
+    <dgm:style>
+      <a:lnRef idx="2">
+        <a:scrgbClr r="0" g="0" b="0"/>
+      </a:lnRef>
+      <a:fillRef idx="1">
+        <a:scrgbClr r="0" g="0" b="0"/>
+      </a:fillRef>
+      <a:effectRef idx="0">
+        <a:scrgbClr r="0" g="0" b="0"/>
+      </a:effectRef>
+      <a:fontRef idx="minor"/>
+    </dgm:style>
+  </dgm:styleLbl>
+  <dgm:styleLbl name="conFgAcc1">
+    <dgm:scene3d>
+      <a:camera prst="orthographicFront"/>
+      <a:lightRig rig="threePt" dir="t"/>
+    </dgm:scene3d>
+    <dgm:txPr/>
+    <dgm:style>
+      <a:lnRef idx="2">
+        <a:scrgbClr r="0" g="0" b="0"/>
+      </a:lnRef>
+      <a:fillRef idx="1">
+        <a:scrgbClr r="0" g="0" b="0"/>
+      </a:fillRef>
+      <a:effectRef idx="0">
+        <a:scrgbClr r="0" g="0" b="0"/>
+      </a:effectRef>
+      <a:fontRef idx="minor"/>
+    </dgm:style>
+  </dgm:styleLbl>
+  <dgm:styleLbl name="dkBgShp">
+    <dgm:scene3d>
+      <a:camera prst="orthographicFront"/>
+      <a:lightRig rig="threePt" dir="t"/>
+    </dgm:scene3d>
+    <dgm:txPr/>
+    <dgm:style>
+      <a:lnRef idx="0">
+        <a:scrgbClr r="0" g="0" b="0"/>
+      </a:lnRef>
+      <a:fillRef idx="1">
+        <a:scrgbClr r="0" g="0" b="0"/>
+      </a:fillRef>
+      <a:effectRef idx="0">
+        <a:scrgbClr r="0" g="0" b="0"/>
+      </a:effectRef>
+      <a:fontRef idx="minor"/>
+    </dgm:style>
+  </dgm:styleLbl>
+  <dgm:styleLbl name="fgAcc0">
+    <dgm:scene3d>
+      <a:camera prst="orthographicFront"/>
+      <a:lightRig rig="threePt" dir="t"/>
+    </dgm:scene3d>
+    <dgm:txPr/>
+    <dgm:style>
+      <a:lnRef idx="2">
+        <a:scrgbClr r="0" g="0" b="0"/>
+      </a:lnRef>
+      <a:fillRef idx="1">
+        <a:scrgbClr r="0" g="0" b="0"/>
+      </a:fillRef>
+      <a:effectRef idx="0">
+        <a:scrgbClr r="0" g="0" b="0"/>
+      </a:effectRef>
+      <a:fontRef idx="minor"/>
+    </dgm:style>
+  </dgm:styleLbl>
+  <dgm:styleLbl name="fgAcc1">
+    <dgm:scene3d>
+      <a:camera prst="orthographicFront"/>
+      <a:lightRig rig="threePt" dir="t"/>
+    </dgm:scene3d>
+    <dgm:txPr/>
+    <dgm:style>
+      <a:lnRef idx="2">
+        <a:scrgbClr r="0" g="0" b="0"/>
+      </a:lnRef>
+      <a:fillRef idx="1">
+        <a:scrgbClr r="0" g="0" b="0"/>
+      </a:fillRef>
+      <a:effectRef idx="0">
+        <a:scrgbClr r="0" g="0" b="0"/>
+      </a:effectRef>
+      <a:fontRef idx="minor"/>
+    </dgm:style>
+  </dgm:styleLbl>
+  <dgm:styleLbl name="fgAcc2">
+    <dgm:scene3d>
+      <a:camera prst="orthographicFront"/>
+      <a:lightRig rig="threePt" dir="t"/>
+    </dgm:scene3d>
+    <dgm:txPr/>
+    <dgm:style>
+      <a:lnRef idx="2">
+        <a:scrgbClr r="0" g="0" b="0"/>
+      </a:lnRef>
+      <a:fillRef idx="1">
+        <a:scrgbClr r="0" g="0" b="0"/>
+      </a:fillRef>
+      <a:effectRef idx="0">
+        <a:scrgbClr r="0" g="0" b="0"/>
+      </a:effectRef>
+      <a:fontRef idx="minor"/>
+    </dgm:style>
+  </dgm:styleLbl>
+  <dgm:styleLbl name="fgAcc3">
+    <dgm:scene3d>
+      <a:camera prst="orthographicFront"/>
+      <a:lightRig rig="threePt" dir="t"/>
+    </dgm:scene3d>
+    <dgm:txPr/>
+    <dgm:style>
+      <a:lnRef idx="2">
+        <a:scrgbClr r="0" g="0" b="0"/>
+      </a:lnRef>
+      <a:fillRef idx="1">
+        <a:scrgbClr r="0" g="0" b="0"/>
+      </a:fillRef>
+      <a:effectRef idx="0">
+        <a:scrgbClr r="0" g="0" b="0"/>
+      </a:effectRef>
+      <a:fontRef idx="minor"/>
+    </dgm:style>
+  </dgm:styleLbl>
+  <dgm:styleLbl name="fgAcc4">
+    <dgm:scene3d>
+      <a:camera prst="orthographicFront"/>
+      <a:lightRig rig="threePt" dir="t"/>
+    </dgm:scene3d>
+    <dgm:txPr/>
+    <dgm:style>
+      <a:lnRef idx="2">
+        <a:scrgbClr r="0" g="0" b="0"/>
+      </a:lnRef>
+      <a:fillRef idx="1">
+        <a:scrgbClr r="0" g="0" b="0"/>
+      </a:fillRef>
+      <a:effectRef idx="0">
+        <a:scrgbClr r="0" g="0" b="0"/>
+      </a:effectRef>
+      <a:fontRef idx="minor"/>
+    </dgm:style>
+  </dgm:styleLbl>
+  <dgm:styleLbl name="fgAccFollowNode1">
+    <dgm:scene3d>
+      <a:camera prst="orthographicFront"/>
+      <a:lightRig rig="threePt" dir="t"/>
+    </dgm:scene3d>
+    <dgm:txPr/>
+    <dgm:style>
+      <a:lnRef idx="2">
+        <a:scrgbClr r="0" g="0" b="0"/>
+      </a:lnRef>
+      <a:fillRef idx="1">
+        <a:scrgbClr r="0" g="0" b="0"/>
+      </a:fillRef>
+      <a:effectRef idx="0">
+        <a:scrgbClr r="0" g="0" b="0"/>
+      </a:effectRef>
+      <a:fontRef idx="minor"/>
+    </dgm:style>
+  </dgm:styleLbl>
+  <dgm:styleLbl name="fgImgPlace1">
+    <dgm:scene3d>
+      <a:camera prst="orthographicFront"/>
+      <a:lightRig rig="threePt" dir="t"/>
+    </dgm:scene3d>
+    <dgm:txPr/>
+    <dgm:style>
+      <a:lnRef idx="2">
+        <a:scrgbClr r="0" g="0" b="0"/>
+      </a:lnRef>
+      <a:fillRef idx="1">
+        <a:scrgbClr r="0" g="0" b="0"/>
+      </a:fillRef>
+      <a:effectRef idx="0">
+        <a:scrgbClr r="0" g="0" b="0"/>
+      </a:effectRef>
+      <a:fontRef idx="minor"/>
+    </dgm:style>
+  </dgm:styleLbl>
+  <dgm:styleLbl name="fgShp">
+    <dgm:scene3d>
+      <a:camera prst="orthographicFront"/>
+      <a:lightRig rig="threePt" dir="t"/>
+    </dgm:scene3d>
+    <dgm:txPr/>
+    <dgm:style>
+      <a:lnRef idx="2">
+        <a:scrgbClr r="0" g="0" b="0"/>
+      </a:lnRef>
+      <a:fillRef idx="1">
+        <a:scrgbClr r="0" g="0" b="0"/>
+      </a:fillRef>
+      <a:effectRef idx="0">
+        <a:scrgbClr r="0" g="0" b="0"/>
+      </a:effectRef>
+      <a:fontRef idx="minor"/>
+    </dgm:style>
+  </dgm:styleLbl>
+  <dgm:styleLbl name="fgSibTrans2D1">
+    <dgm:scene3d>
+      <a:camera prst="orthographicFront"/>
+      <a:lightRig rig="threePt" dir="t"/>
+    </dgm:scene3d>
+    <dgm:txPr/>
+    <dgm:style>
+      <a:lnRef idx="0">
+        <a:scrgbClr r="0" g="0" b="0"/>
+      </a:lnRef>
+      <a:fillRef idx="1">
+        <a:scrgbClr r="0" g="0" b="0"/>
+      </a:fillRef>
+      <a:effectRef idx="0">
+        <a:scrgbClr r="0" g="0" b="0"/>
+      </a:effectRef>
+      <a:fontRef idx="minor">
+        <a:schemeClr val="lt1"/>
+      </a:fontRef>
+    </dgm:style>
+  </dgm:styleLbl>
+  <dgm:styleLbl name="lnNode1">
+    <dgm:scene3d>
+      <a:camera prst="orthographicFront"/>
+      <a:lightRig rig="threePt" dir="t"/>
+    </dgm:scene3d>
+    <dgm:txPr/>
+    <dgm:style>
+      <a:lnRef idx="2">
+        <a:scrgbClr r="0" g="0" b="0"/>
+      </a:lnRef>
+      <a:fillRef idx="1">
+        <a:scrgbClr r="0" g="0" b="0"/>
+      </a:fillRef>
+      <a:effectRef idx="0">
+        <a:scrgbClr r="0" g="0" b="0"/>
+      </a:effectRef>
+      <a:fontRef idx="minor">
+        <a:schemeClr val="lt1"/>
+      </a:fontRef>
+    </dgm:style>
+  </dgm:styleLbl>
+  <dgm:styleLbl name="node0">
+    <dgm:scene3d>
+      <a:camera prst="orthographicFront"/>
+      <a:lightRig rig="threePt" dir="t"/>
+    </dgm:scene3d>
+    <dgm:txPr/>
+    <dgm:style>
+      <a:lnRef idx="2">
+        <a:scrgbClr r="0" g="0" b="0"/>
+      </a:lnRef>
+      <a:fillRef idx="1">
+        <a:scrgbClr r="0" g="0" b="0"/>
+      </a:fillRef>
+      <a:effectRef idx="0">
+        <a:scrgbClr r="0" g="0" b="0"/>
+      </a:effectRef>
+      <a:fontRef idx="minor">
+        <a:schemeClr val="lt1"/>
+      </a:fontRef>
+    </dgm:style>
+  </dgm:styleLbl>
+  <dgm:styleLbl name="node1">
+    <dgm:scene3d>
+      <a:camera prst="orthographicFront"/>
+      <a:lightRig rig="threePt" dir="t"/>
+    </dgm:scene3d>
+    <dgm:txPr/>
+    <dgm:style>
+      <a:lnRef idx="2">
+        <a:scrgbClr r="0" g="0" b="0"/>
+      </a:lnRef>
+      <a:fillRef idx="1">
+        <a:scrgbClr r="0" g="0" b="0"/>
+      </a:fillRef>
+      <a:effectRef idx="0">
+        <a:scrgbClr r="0" g="0" b="0"/>
+      </a:effectRef>
+      <a:fontRef idx="minor">
+        <a:schemeClr val="lt1"/>
+      </a:fontRef>
+    </dgm:style>
+  </dgm:styleLbl>
+  <dgm:styleLbl name="node2">
+    <dgm:scene3d>
+      <a:camera prst="orthographicFront"/>
+      <a:lightRig rig="threePt" dir="t"/>
+    </dgm:scene3d>
+    <dgm:txPr/>
+    <dgm:style>
+      <a:lnRef idx="2">
+        <a:scrgbClr r="0" g="0" b="0"/>
+      </a:lnRef>
+      <a:fillRef idx="1">
+        <a:scrgbClr r="0" g="0" b="0"/>
+      </a:fillRef>
+      <a:effectRef idx="0">
+        <a:scrgbClr r="0" g="0" b="0"/>
+      </a:effectRef>
+      <a:fontRef idx="minor">
+        <a:schemeClr val="lt1"/>
+      </a:fontRef>
+    </dgm:style>
+  </dgm:styleLbl>
+  <dgm:styleLbl name="node3">
+    <dgm:scene3d>
+      <a:camera prst="orthographicFront"/>
+      <a:lightRig rig="threePt" dir="t"/>
+    </dgm:scene3d>
+    <dgm:txPr/>
+    <dgm:style>
+      <a:lnRef idx="2">
+        <a:scrgbClr r="0" g="0" b="0"/>
+      </a:lnRef>
+      <a:fillRef idx="1">
+        <a:scrgbClr r="0" g="0" b="0"/>
+      </a:fillRef>
+      <a:effectRef idx="0">
+        <a:scrgbClr r="0" g="0" b="0"/>
+      </a:effectRef>
+      <a:fontRef idx="minor">
+        <a:schemeClr val="lt1"/>
+      </a:fontRef>
+    </dgm:style>
+  </dgm:styleLbl>
+  <dgm:styleLbl name="node4">
+    <dgm:scene3d>
+      <a:camera prst="orthographicFront"/>
+      <a:lightRig rig="threePt" dir="t"/>
+    </dgm:scene3d>
+    <dgm:txPr/>
+    <dgm:style>
+      <a:lnRef idx="2">
+        <a:scrgbClr r="0" g="0" b="0"/>
+      </a:lnRef>
+      <a:fillRef idx="1">
+        <a:scrgbClr r="0" g="0" b="0"/>
+      </a:fillRef>
+      <a:effectRef idx="0">
+        <a:scrgbClr r="0" g="0" b="0"/>
+      </a:effectRef>
+      <a:fontRef idx="minor">
+        <a:schemeClr val="lt1"/>
+      </a:fontRef>
+    </dgm:style>
+  </dgm:styleLbl>
+  <dgm:styleLbl name="parChTrans1D1">
+    <dgm:scene3d>
+      <a:camera prst="orthographicFront"/>
+      <a:lightRig rig="threePt" dir="t"/>
+    </dgm:scene3d>
+    <dgm:txPr/>
+    <dgm:style>
+      <a:lnRef idx="2">
+        <a:scrgbClr r="0" g="0" b="0"/>
+      </a:lnRef>
+      <a:fillRef idx="0">
+        <a:scrgbClr r="0" g="0" b="0"/>
+      </a:fillRef>
+      <a:effectRef idx="0">
+        <a:scrgbClr r="0" g="0" b="0"/>
+      </a:effectRef>
+      <a:fontRef idx="minor"/>
+    </dgm:style>
+  </dgm:styleLbl>
+  <dgm:styleLbl name="parChTrans1D2">
+    <dgm:scene3d>
+      <a:camera prst="orthographicFront"/>
+      <a:lightRig rig="threePt" dir="t"/>
+    </dgm:scene3d>
+    <dgm:txPr/>
+    <dgm:style>
+      <a:lnRef idx="2">
+        <a:scrgbClr r="0" g="0" b="0"/>
+      </a:lnRef>
+      <a:fillRef idx="0">
+        <a:scrgbClr r="0" g="0" b="0"/>
+      </a:fillRef>
+      <a:effectRef idx="0">
+        <a:scrgbClr r="0" g="0" b="0"/>
+      </a:effectRef>
+      <a:fontRef idx="minor"/>
+    </dgm:style>
+  </dgm:styleLbl>
+  <dgm:styleLbl name="parChTrans1D3">
+    <dgm:scene3d>
+      <a:camera prst="orthographicFront"/>
+      <a:lightRig rig="threePt" dir="t"/>
+    </dgm:scene3d>
+    <dgm:txPr/>
+    <dgm:style>
+      <a:lnRef idx="2">
+        <a:scrgbClr r="0" g="0" b="0"/>
+      </a:lnRef>
+      <a:fillRef idx="0">
+        <a:scrgbClr r="0" g="0" b="0"/>
+      </a:fillRef>
+      <a:effectRef idx="0">
+        <a:scrgbClr r="0" g="0" b="0"/>
+      </a:effectRef>
+      <a:fontRef idx="minor"/>
+    </dgm:style>
+  </dgm:styleLbl>
+  <dgm:styleLbl name="parChTrans1D4">
+    <dgm:scene3d>
+      <a:camera prst="orthographicFront"/>
+      <a:lightRig rig="threePt" dir="t"/>
+    </dgm:scene3d>
+    <dgm:txPr/>
+    <dgm:style>
+      <a:lnRef idx="2">
+        <a:scrgbClr r="0" g="0" b="0"/>
+      </a:lnRef>
+      <a:fillRef idx="0">
+        <a:scrgbClr r="0" g="0" b="0"/>
+      </a:fillRef>
+      <a:effectRef idx="0">
+        <a:scrgbClr r="0" g="0" b="0"/>
+      </a:effectRef>
+      <a:fontRef idx="minor"/>
+    </dgm:style>
+  </dgm:styleLbl>
   <dgm:styleLbl name="parChTrans2D1">
     <dgm:scene3d>
       <a:camera prst="orthographicFront"/>
       <a:lightRig rig="threePt" dir="t"/>
     </dgm:scene3d>
-    <dgm:sp3d/>
     <dgm:txPr/>
     <dgm:style>
       <a:lnRef idx="2">
@@ -5307,7 +6546,6 @@
       <a:camera prst="orthographicFront"/>
       <a:lightRig rig="threePt" dir="t"/>
     </dgm:scene3d>
-    <dgm:sp3d/>
     <dgm:txPr/>
     <dgm:style>
       <a:lnRef idx="2">
@@ -5329,7 +6567,6 @@
       <a:camera prst="orthographicFront"/>
       <a:lightRig rig="threePt" dir="t"/>
     </dgm:scene3d>
-    <dgm:sp3d/>
     <dgm:txPr/>
     <dgm:style>
       <a:lnRef idx="2">
@@ -5351,7 +6588,6 @@
       <a:camera prst="orthographicFront"/>
       <a:lightRig rig="threePt" dir="t"/>
     </dgm:scene3d>
-    <dgm:sp3d/>
     <dgm:txPr/>
     <dgm:style>
       <a:lnRef idx="2">
@@ -5368,15 +6604,14 @@
       </a:fontRef>
     </dgm:style>
   </dgm:styleLbl>
-  <dgm:styleLbl name="parChTrans1D1">
+  <dgm:styleLbl name="revTx">
     <dgm:scene3d>
       <a:camera prst="orthographicFront"/>
       <a:lightRig rig="threePt" dir="t"/>
     </dgm:scene3d>
-    <dgm:sp3d/>
     <dgm:txPr/>
     <dgm:style>
-      <a:lnRef idx="2">
+      <a:lnRef idx="0">
         <a:scrgbClr r="0" g="0" b="0"/>
       </a:lnRef>
       <a:fillRef idx="0">
@@ -5388,15 +6623,14 @@
       <a:fontRef idx="minor"/>
     </dgm:style>
   </dgm:styleLbl>
-  <dgm:styleLbl name="parChTrans1D2">
+  <dgm:styleLbl name="sibTrans1D1">
     <dgm:scene3d>
       <a:camera prst="orthographicFront"/>
       <a:lightRig rig="threePt" dir="t"/>
     </dgm:scene3d>
-    <dgm:sp3d/>
     <dgm:txPr/>
     <dgm:style>
-      <a:lnRef idx="2">
+      <a:lnRef idx="1">
         <a:scrgbClr r="0" g="0" b="0"/>
       </a:lnRef>
       <a:fillRef idx="0">
@@ -5408,52 +6642,32 @@
       <a:fontRef idx="minor"/>
     </dgm:style>
   </dgm:styleLbl>
-  <dgm:styleLbl name="parChTrans1D3">
+  <dgm:styleLbl name="sibTrans2D1">
     <dgm:scene3d>
       <a:camera prst="orthographicFront"/>
       <a:lightRig rig="threePt" dir="t"/>
     </dgm:scene3d>
-    <dgm:sp3d/>
     <dgm:txPr/>
     <dgm:style>
-      <a:lnRef idx="2">
+      <a:lnRef idx="0">
         <a:scrgbClr r="0" g="0" b="0"/>
       </a:lnRef>
-      <a:fillRef idx="0">
+      <a:fillRef idx="1">
         <a:scrgbClr r="0" g="0" b="0"/>
       </a:fillRef>
       <a:effectRef idx="0">
         <a:scrgbClr r="0" g="0" b="0"/>
       </a:effectRef>
-      <a:fontRef idx="minor"/>
+      <a:fontRef idx="minor">
+        <a:schemeClr val="lt1"/>
+      </a:fontRef>
     </dgm:style>
   </dgm:styleLbl>
-  <dgm:styleLbl name="parChTrans1D4">
+  <dgm:styleLbl name="solidAlignAcc1">
     <dgm:scene3d>
       <a:camera prst="orthographicFront"/>
       <a:lightRig rig="threePt" dir="t"/>
     </dgm:scene3d>
-    <dgm:sp3d/>
-    <dgm:txPr/>
-    <dgm:style>
-      <a:lnRef idx="2">
-        <a:scrgbClr r="0" g="0" b="0"/>
-      </a:lnRef>
-      <a:fillRef idx="0">
-        <a:scrgbClr r="0" g="0" b="0"/>
-      </a:fillRef>
-      <a:effectRef idx="0">
-        <a:scrgbClr r="0" g="0" b="0"/>
-      </a:effectRef>
-      <a:fontRef idx="minor"/>
-    </dgm:style>
-  </dgm:styleLbl>
-  <dgm:styleLbl name="fgAcc1">
-    <dgm:scene3d>
-      <a:camera prst="orthographicFront"/>
-      <a:lightRig rig="threePt" dir="t"/>
-    </dgm:scene3d>
-    <dgm:sp3d/>
     <dgm:txPr/>
     <dgm:style>
       <a:lnRef idx="2">
@@ -5468,12 +6682,11 @@
       <a:fontRef idx="minor"/>
     </dgm:style>
   </dgm:styleLbl>
-  <dgm:styleLbl name="conFgAcc1">
+  <dgm:styleLbl name="solidBgAcc1">
     <dgm:scene3d>
       <a:camera prst="orthographicFront"/>
       <a:lightRig rig="threePt" dir="t"/>
     </dgm:scene3d>
-    <dgm:sp3d/>
     <dgm:txPr/>
     <dgm:style>
       <a:lnRef idx="2">
@@ -5488,12 +6701,11 @@
       <a:fontRef idx="minor"/>
     </dgm:style>
   </dgm:styleLbl>
-  <dgm:styleLbl name="alignAcc1">
+  <dgm:styleLbl name="solidFgAcc1">
     <dgm:scene3d>
       <a:camera prst="orthographicFront"/>
       <a:lightRig rig="threePt" dir="t"/>
     </dgm:scene3d>
-    <dgm:sp3d/>
     <dgm:txPr/>
     <dgm:style>
       <a:lnRef idx="2">
@@ -5513,270 +6725,9 @@
       <a:camera prst="orthographicFront"/>
       <a:lightRig rig="threePt" dir="t"/>
     </dgm:scene3d>
-    <dgm:sp3d/>
     <dgm:txPr/>
     <dgm:style>
       <a:lnRef idx="1">
-        <a:scrgbClr r="0" g="0" b="0"/>
-      </a:lnRef>
-      <a:fillRef idx="1">
-        <a:scrgbClr r="0" g="0" b="0"/>
-      </a:fillRef>
-      <a:effectRef idx="0">
-        <a:scrgbClr r="0" g="0" b="0"/>
-      </a:effectRef>
-      <a:fontRef idx="minor"/>
-    </dgm:style>
-  </dgm:styleLbl>
-  <dgm:styleLbl name="bgAcc1">
-    <dgm:scene3d>
-      <a:camera prst="orthographicFront"/>
-      <a:lightRig rig="threePt" dir="t"/>
-    </dgm:scene3d>
-    <dgm:sp3d/>
-    <dgm:txPr/>
-    <dgm:style>
-      <a:lnRef idx="2">
-        <a:scrgbClr r="0" g="0" b="0"/>
-      </a:lnRef>
-      <a:fillRef idx="1">
-        <a:scrgbClr r="0" g="0" b="0"/>
-      </a:fillRef>
-      <a:effectRef idx="0">
-        <a:scrgbClr r="0" g="0" b="0"/>
-      </a:effectRef>
-      <a:fontRef idx="minor"/>
-    </dgm:style>
-  </dgm:styleLbl>
-  <dgm:styleLbl name="solidFgAcc1">
-    <dgm:scene3d>
-      <a:camera prst="orthographicFront"/>
-      <a:lightRig rig="threePt" dir="t"/>
-    </dgm:scene3d>
-    <dgm:sp3d/>
-    <dgm:txPr/>
-    <dgm:style>
-      <a:lnRef idx="2">
-        <a:scrgbClr r="0" g="0" b="0"/>
-      </a:lnRef>
-      <a:fillRef idx="1">
-        <a:scrgbClr r="0" g="0" b="0"/>
-      </a:fillRef>
-      <a:effectRef idx="0">
-        <a:scrgbClr r="0" g="0" b="0"/>
-      </a:effectRef>
-      <a:fontRef idx="minor"/>
-    </dgm:style>
-  </dgm:styleLbl>
-  <dgm:styleLbl name="solidAlignAcc1">
-    <dgm:scene3d>
-      <a:camera prst="orthographicFront"/>
-      <a:lightRig rig="threePt" dir="t"/>
-    </dgm:scene3d>
-    <dgm:sp3d/>
-    <dgm:txPr/>
-    <dgm:style>
-      <a:lnRef idx="2">
-        <a:scrgbClr r="0" g="0" b="0"/>
-      </a:lnRef>
-      <a:fillRef idx="1">
-        <a:scrgbClr r="0" g="0" b="0"/>
-      </a:fillRef>
-      <a:effectRef idx="0">
-        <a:scrgbClr r="0" g="0" b="0"/>
-      </a:effectRef>
-      <a:fontRef idx="minor"/>
-    </dgm:style>
-  </dgm:styleLbl>
-  <dgm:styleLbl name="solidBgAcc1">
-    <dgm:scene3d>
-      <a:camera prst="orthographicFront"/>
-      <a:lightRig rig="threePt" dir="t"/>
-    </dgm:scene3d>
-    <dgm:sp3d/>
-    <dgm:txPr/>
-    <dgm:style>
-      <a:lnRef idx="2">
-        <a:scrgbClr r="0" g="0" b="0"/>
-      </a:lnRef>
-      <a:fillRef idx="1">
-        <a:scrgbClr r="0" g="0" b="0"/>
-      </a:fillRef>
-      <a:effectRef idx="0">
-        <a:scrgbClr r="0" g="0" b="0"/>
-      </a:effectRef>
-      <a:fontRef idx="minor"/>
-    </dgm:style>
-  </dgm:styleLbl>
-  <dgm:styleLbl name="fgAccFollowNode1">
-    <dgm:scene3d>
-      <a:camera prst="orthographicFront"/>
-      <a:lightRig rig="threePt" dir="t"/>
-    </dgm:scene3d>
-    <dgm:sp3d/>
-    <dgm:txPr/>
-    <dgm:style>
-      <a:lnRef idx="2">
-        <a:scrgbClr r="0" g="0" b="0"/>
-      </a:lnRef>
-      <a:fillRef idx="1">
-        <a:scrgbClr r="0" g="0" b="0"/>
-      </a:fillRef>
-      <a:effectRef idx="0">
-        <a:scrgbClr r="0" g="0" b="0"/>
-      </a:effectRef>
-      <a:fontRef idx="minor"/>
-    </dgm:style>
-  </dgm:styleLbl>
-  <dgm:styleLbl name="alignAccFollowNode1">
-    <dgm:scene3d>
-      <a:camera prst="orthographicFront"/>
-      <a:lightRig rig="threePt" dir="t"/>
-    </dgm:scene3d>
-    <dgm:sp3d/>
-    <dgm:txPr/>
-    <dgm:style>
-      <a:lnRef idx="2">
-        <a:scrgbClr r="0" g="0" b="0"/>
-      </a:lnRef>
-      <a:fillRef idx="1">
-        <a:scrgbClr r="0" g="0" b="0"/>
-      </a:fillRef>
-      <a:effectRef idx="0">
-        <a:scrgbClr r="0" g="0" b="0"/>
-      </a:effectRef>
-      <a:fontRef idx="minor"/>
-    </dgm:style>
-  </dgm:styleLbl>
-  <dgm:styleLbl name="bgAccFollowNode1">
-    <dgm:scene3d>
-      <a:camera prst="orthographicFront"/>
-      <a:lightRig rig="threePt" dir="t"/>
-    </dgm:scene3d>
-    <dgm:sp3d/>
-    <dgm:txPr/>
-    <dgm:style>
-      <a:lnRef idx="2">
-        <a:scrgbClr r="0" g="0" b="0"/>
-      </a:lnRef>
-      <a:fillRef idx="1">
-        <a:scrgbClr r="0" g="0" b="0"/>
-      </a:fillRef>
-      <a:effectRef idx="0">
-        <a:scrgbClr r="0" g="0" b="0"/>
-      </a:effectRef>
-      <a:fontRef idx="minor"/>
-    </dgm:style>
-  </dgm:styleLbl>
-  <dgm:styleLbl name="fgAcc0">
-    <dgm:scene3d>
-      <a:camera prst="orthographicFront"/>
-      <a:lightRig rig="threePt" dir="t"/>
-    </dgm:scene3d>
-    <dgm:sp3d/>
-    <dgm:txPr/>
-    <dgm:style>
-      <a:lnRef idx="2">
-        <a:scrgbClr r="0" g="0" b="0"/>
-      </a:lnRef>
-      <a:fillRef idx="1">
-        <a:scrgbClr r="0" g="0" b="0"/>
-      </a:fillRef>
-      <a:effectRef idx="0">
-        <a:scrgbClr r="0" g="0" b="0"/>
-      </a:effectRef>
-      <a:fontRef idx="minor"/>
-    </dgm:style>
-  </dgm:styleLbl>
-  <dgm:styleLbl name="fgAcc2">
-    <dgm:scene3d>
-      <a:camera prst="orthographicFront"/>
-      <a:lightRig rig="threePt" dir="t"/>
-    </dgm:scene3d>
-    <dgm:sp3d/>
-    <dgm:txPr/>
-    <dgm:style>
-      <a:lnRef idx="2">
-        <a:scrgbClr r="0" g="0" b="0"/>
-      </a:lnRef>
-      <a:fillRef idx="1">
-        <a:scrgbClr r="0" g="0" b="0"/>
-      </a:fillRef>
-      <a:effectRef idx="0">
-        <a:scrgbClr r="0" g="0" b="0"/>
-      </a:effectRef>
-      <a:fontRef idx="minor"/>
-    </dgm:style>
-  </dgm:styleLbl>
-  <dgm:styleLbl name="fgAcc3">
-    <dgm:scene3d>
-      <a:camera prst="orthographicFront"/>
-      <a:lightRig rig="threePt" dir="t"/>
-    </dgm:scene3d>
-    <dgm:sp3d/>
-    <dgm:txPr/>
-    <dgm:style>
-      <a:lnRef idx="2">
-        <a:scrgbClr r="0" g="0" b="0"/>
-      </a:lnRef>
-      <a:fillRef idx="1">
-        <a:scrgbClr r="0" g="0" b="0"/>
-      </a:fillRef>
-      <a:effectRef idx="0">
-        <a:scrgbClr r="0" g="0" b="0"/>
-      </a:effectRef>
-      <a:fontRef idx="minor"/>
-    </dgm:style>
-  </dgm:styleLbl>
-  <dgm:styleLbl name="fgAcc4">
-    <dgm:scene3d>
-      <a:camera prst="orthographicFront"/>
-      <a:lightRig rig="threePt" dir="t"/>
-    </dgm:scene3d>
-    <dgm:sp3d/>
-    <dgm:txPr/>
-    <dgm:style>
-      <a:lnRef idx="2">
-        <a:scrgbClr r="0" g="0" b="0"/>
-      </a:lnRef>
-      <a:fillRef idx="1">
-        <a:scrgbClr r="0" g="0" b="0"/>
-      </a:fillRef>
-      <a:effectRef idx="0">
-        <a:scrgbClr r="0" g="0" b="0"/>
-      </a:effectRef>
-      <a:fontRef idx="minor"/>
-    </dgm:style>
-  </dgm:styleLbl>
-  <dgm:styleLbl name="bgShp">
-    <dgm:scene3d>
-      <a:camera prst="orthographicFront"/>
-      <a:lightRig rig="threePt" dir="t"/>
-    </dgm:scene3d>
-    <dgm:sp3d/>
-    <dgm:txPr/>
-    <dgm:style>
-      <a:lnRef idx="0">
-        <a:scrgbClr r="0" g="0" b="0"/>
-      </a:lnRef>
-      <a:fillRef idx="1">
-        <a:scrgbClr r="0" g="0" b="0"/>
-      </a:fillRef>
-      <a:effectRef idx="0">
-        <a:scrgbClr r="0" g="0" b="0"/>
-      </a:effectRef>
-      <a:fontRef idx="minor"/>
-    </dgm:style>
-  </dgm:styleLbl>
-  <dgm:styleLbl name="dkBgShp">
-    <dgm:scene3d>
-      <a:camera prst="orthographicFront"/>
-      <a:lightRig rig="threePt" dir="t"/>
-    </dgm:scene3d>
-    <dgm:sp3d/>
-    <dgm:txPr/>
-    <dgm:style>
-      <a:lnRef idx="0">
         <a:scrgbClr r="0" g="0" b="0"/>
       </a:lnRef>
       <a:fillRef idx="1">
@@ -5793,7 +6744,6 @@
       <a:camera prst="orthographicFront"/>
       <a:lightRig rig="threePt" dir="t"/>
     </dgm:scene3d>
-    <dgm:sp3d/>
     <dgm:txPr/>
     <dgm:style>
       <a:lnRef idx="0">
@@ -5808,110 +6758,11 @@
       <a:fontRef idx="minor"/>
     </dgm:style>
   </dgm:styleLbl>
-  <dgm:styleLbl name="fgShp">
-    <dgm:scene3d>
-      <a:camera prst="orthographicFront"/>
-      <a:lightRig rig="threePt" dir="t"/>
-    </dgm:scene3d>
-    <dgm:sp3d/>
-    <dgm:txPr/>
-    <dgm:style>
-      <a:lnRef idx="2">
-        <a:scrgbClr r="0" g="0" b="0"/>
-      </a:lnRef>
-      <a:fillRef idx="1">
-        <a:scrgbClr r="0" g="0" b="0"/>
-      </a:fillRef>
-      <a:effectRef idx="0">
-        <a:scrgbClr r="0" g="0" b="0"/>
-      </a:effectRef>
-      <a:fontRef idx="minor"/>
-    </dgm:style>
-  </dgm:styleLbl>
-  <dgm:styleLbl name="revTx">
-    <dgm:scene3d>
-      <a:camera prst="orthographicFront"/>
-      <a:lightRig rig="threePt" dir="t"/>
-    </dgm:scene3d>
-    <dgm:sp3d/>
-    <dgm:txPr/>
-    <dgm:style>
-      <a:lnRef idx="0">
-        <a:scrgbClr r="0" g="0" b="0"/>
-      </a:lnRef>
-      <a:fillRef idx="0">
-        <a:scrgbClr r="0" g="0" b="0"/>
-      </a:fillRef>
-      <a:effectRef idx="0">
-        <a:scrgbClr r="0" g="0" b="0"/>
-      </a:effectRef>
-      <a:fontRef idx="minor"/>
-    </dgm:style>
-  </dgm:styleLbl>
-</dgm:styleDef>
-</file>
-
-<file path=ppt/diagrams/quickStyle2.xml><?xml version="1.0" encoding="utf-8"?>
-<dgm:styleDef xmlns:dgm="http://schemas.openxmlformats.org/drawingml/2006/diagram" xmlns:a="http://schemas.openxmlformats.org/drawingml/2006/main" uniqueId="urn:microsoft.com/office/officeart/2005/8/quickstyle/simple1">
-  <dgm:title val=""/>
-  <dgm:desc val=""/>
-  <dgm:catLst>
-    <dgm:cat type="simple" pri="10100"/>
-  </dgm:catLst>
-  <dgm:scene3d>
-    <a:camera prst="orthographicFront"/>
-    <a:lightRig rig="threePt" dir="t"/>
-  </dgm:scene3d>
-  <dgm:styleLbl name="node0">
-    <dgm:scene3d>
-      <a:camera prst="orthographicFront"/>
-      <a:lightRig rig="threePt" dir="t"/>
-    </dgm:scene3d>
-    <dgm:sp3d/>
-    <dgm:txPr/>
-    <dgm:style>
-      <a:lnRef idx="2">
-        <a:scrgbClr r="0" g="0" b="0"/>
-      </a:lnRef>
-      <a:fillRef idx="1">
-        <a:scrgbClr r="0" g="0" b="0"/>
-      </a:fillRef>
-      <a:effectRef idx="0">
-        <a:scrgbClr r="0" g="0" b="0"/>
-      </a:effectRef>
-      <a:fontRef idx="minor">
-        <a:schemeClr val="lt1"/>
-      </a:fontRef>
-    </dgm:style>
-  </dgm:styleLbl>
-  <dgm:styleLbl name="lnNode1">
-    <dgm:scene3d>
-      <a:camera prst="orthographicFront"/>
-      <a:lightRig rig="threePt" dir="t"/>
-    </dgm:scene3d>
-    <dgm:sp3d/>
-    <dgm:txPr/>
-    <dgm:style>
-      <a:lnRef idx="2">
-        <a:scrgbClr r="0" g="0" b="0"/>
-      </a:lnRef>
-      <a:fillRef idx="1">
-        <a:scrgbClr r="0" g="0" b="0"/>
-      </a:fillRef>
-      <a:effectRef idx="0">
-        <a:scrgbClr r="0" g="0" b="0"/>
-      </a:effectRef>
-      <a:fontRef idx="minor">
-        <a:schemeClr val="lt1"/>
-      </a:fontRef>
-    </dgm:style>
-  </dgm:styleLbl>
   <dgm:styleLbl name="vennNode1">
     <dgm:scene3d>
       <a:camera prst="orthographicFront"/>
       <a:lightRig rig="threePt" dir="t"/>
     </dgm:scene3d>
-    <dgm:sp3d/>
     <dgm:txPr/>
     <dgm:style>
       <a:lnRef idx="2">
@@ -5926,960 +6777,6 @@
       <a:fontRef idx="minor">
         <a:schemeClr val="tx1"/>
       </a:fontRef>
-    </dgm:style>
-  </dgm:styleLbl>
-  <dgm:styleLbl name="alignNode1">
-    <dgm:scene3d>
-      <a:camera prst="orthographicFront"/>
-      <a:lightRig rig="threePt" dir="t"/>
-    </dgm:scene3d>
-    <dgm:sp3d/>
-    <dgm:txPr/>
-    <dgm:style>
-      <a:lnRef idx="2">
-        <a:scrgbClr r="0" g="0" b="0"/>
-      </a:lnRef>
-      <a:fillRef idx="1">
-        <a:scrgbClr r="0" g="0" b="0"/>
-      </a:fillRef>
-      <a:effectRef idx="0">
-        <a:scrgbClr r="0" g="0" b="0"/>
-      </a:effectRef>
-      <a:fontRef idx="minor">
-        <a:schemeClr val="lt1"/>
-      </a:fontRef>
-    </dgm:style>
-  </dgm:styleLbl>
-  <dgm:styleLbl name="node1">
-    <dgm:scene3d>
-      <a:camera prst="orthographicFront"/>
-      <a:lightRig rig="threePt" dir="t"/>
-    </dgm:scene3d>
-    <dgm:sp3d/>
-    <dgm:txPr/>
-    <dgm:style>
-      <a:lnRef idx="2">
-        <a:scrgbClr r="0" g="0" b="0"/>
-      </a:lnRef>
-      <a:fillRef idx="1">
-        <a:scrgbClr r="0" g="0" b="0"/>
-      </a:fillRef>
-      <a:effectRef idx="0">
-        <a:scrgbClr r="0" g="0" b="0"/>
-      </a:effectRef>
-      <a:fontRef idx="minor">
-        <a:schemeClr val="lt1"/>
-      </a:fontRef>
-    </dgm:style>
-  </dgm:styleLbl>
-  <dgm:styleLbl name="node2">
-    <dgm:scene3d>
-      <a:camera prst="orthographicFront"/>
-      <a:lightRig rig="threePt" dir="t"/>
-    </dgm:scene3d>
-    <dgm:sp3d/>
-    <dgm:txPr/>
-    <dgm:style>
-      <a:lnRef idx="2">
-        <a:scrgbClr r="0" g="0" b="0"/>
-      </a:lnRef>
-      <a:fillRef idx="1">
-        <a:scrgbClr r="0" g="0" b="0"/>
-      </a:fillRef>
-      <a:effectRef idx="0">
-        <a:scrgbClr r="0" g="0" b="0"/>
-      </a:effectRef>
-      <a:fontRef idx="minor">
-        <a:schemeClr val="lt1"/>
-      </a:fontRef>
-    </dgm:style>
-  </dgm:styleLbl>
-  <dgm:styleLbl name="node3">
-    <dgm:scene3d>
-      <a:camera prst="orthographicFront"/>
-      <a:lightRig rig="threePt" dir="t"/>
-    </dgm:scene3d>
-    <dgm:sp3d/>
-    <dgm:txPr/>
-    <dgm:style>
-      <a:lnRef idx="2">
-        <a:scrgbClr r="0" g="0" b="0"/>
-      </a:lnRef>
-      <a:fillRef idx="1">
-        <a:scrgbClr r="0" g="0" b="0"/>
-      </a:fillRef>
-      <a:effectRef idx="0">
-        <a:scrgbClr r="0" g="0" b="0"/>
-      </a:effectRef>
-      <a:fontRef idx="minor">
-        <a:schemeClr val="lt1"/>
-      </a:fontRef>
-    </dgm:style>
-  </dgm:styleLbl>
-  <dgm:styleLbl name="node4">
-    <dgm:scene3d>
-      <a:camera prst="orthographicFront"/>
-      <a:lightRig rig="threePt" dir="t"/>
-    </dgm:scene3d>
-    <dgm:sp3d/>
-    <dgm:txPr/>
-    <dgm:style>
-      <a:lnRef idx="2">
-        <a:scrgbClr r="0" g="0" b="0"/>
-      </a:lnRef>
-      <a:fillRef idx="1">
-        <a:scrgbClr r="0" g="0" b="0"/>
-      </a:fillRef>
-      <a:effectRef idx="0">
-        <a:scrgbClr r="0" g="0" b="0"/>
-      </a:effectRef>
-      <a:fontRef idx="minor">
-        <a:schemeClr val="lt1"/>
-      </a:fontRef>
-    </dgm:style>
-  </dgm:styleLbl>
-  <dgm:styleLbl name="fgImgPlace1">
-    <dgm:scene3d>
-      <a:camera prst="orthographicFront"/>
-      <a:lightRig rig="threePt" dir="t"/>
-    </dgm:scene3d>
-    <dgm:sp3d/>
-    <dgm:txPr/>
-    <dgm:style>
-      <a:lnRef idx="2">
-        <a:scrgbClr r="0" g="0" b="0"/>
-      </a:lnRef>
-      <a:fillRef idx="1">
-        <a:scrgbClr r="0" g="0" b="0"/>
-      </a:fillRef>
-      <a:effectRef idx="0">
-        <a:scrgbClr r="0" g="0" b="0"/>
-      </a:effectRef>
-      <a:fontRef idx="minor"/>
-    </dgm:style>
-  </dgm:styleLbl>
-  <dgm:styleLbl name="alignImgPlace1">
-    <dgm:scene3d>
-      <a:camera prst="orthographicFront"/>
-      <a:lightRig rig="threePt" dir="t"/>
-    </dgm:scene3d>
-    <dgm:sp3d/>
-    <dgm:txPr/>
-    <dgm:style>
-      <a:lnRef idx="2">
-        <a:scrgbClr r="0" g="0" b="0"/>
-      </a:lnRef>
-      <a:fillRef idx="1">
-        <a:scrgbClr r="0" g="0" b="0"/>
-      </a:fillRef>
-      <a:effectRef idx="0">
-        <a:scrgbClr r="0" g="0" b="0"/>
-      </a:effectRef>
-      <a:fontRef idx="minor"/>
-    </dgm:style>
-  </dgm:styleLbl>
-  <dgm:styleLbl name="bgImgPlace1">
-    <dgm:scene3d>
-      <a:camera prst="orthographicFront"/>
-      <a:lightRig rig="threePt" dir="t"/>
-    </dgm:scene3d>
-    <dgm:sp3d/>
-    <dgm:txPr/>
-    <dgm:style>
-      <a:lnRef idx="2">
-        <a:scrgbClr r="0" g="0" b="0"/>
-      </a:lnRef>
-      <a:fillRef idx="1">
-        <a:scrgbClr r="0" g="0" b="0"/>
-      </a:fillRef>
-      <a:effectRef idx="0">
-        <a:scrgbClr r="0" g="0" b="0"/>
-      </a:effectRef>
-      <a:fontRef idx="minor"/>
-    </dgm:style>
-  </dgm:styleLbl>
-  <dgm:styleLbl name="sibTrans2D1">
-    <dgm:scene3d>
-      <a:camera prst="orthographicFront"/>
-      <a:lightRig rig="threePt" dir="t"/>
-    </dgm:scene3d>
-    <dgm:sp3d/>
-    <dgm:txPr/>
-    <dgm:style>
-      <a:lnRef idx="0">
-        <a:scrgbClr r="0" g="0" b="0"/>
-      </a:lnRef>
-      <a:fillRef idx="1">
-        <a:scrgbClr r="0" g="0" b="0"/>
-      </a:fillRef>
-      <a:effectRef idx="0">
-        <a:scrgbClr r="0" g="0" b="0"/>
-      </a:effectRef>
-      <a:fontRef idx="minor">
-        <a:schemeClr val="lt1"/>
-      </a:fontRef>
-    </dgm:style>
-  </dgm:styleLbl>
-  <dgm:styleLbl name="fgSibTrans2D1">
-    <dgm:scene3d>
-      <a:camera prst="orthographicFront"/>
-      <a:lightRig rig="threePt" dir="t"/>
-    </dgm:scene3d>
-    <dgm:sp3d/>
-    <dgm:txPr/>
-    <dgm:style>
-      <a:lnRef idx="0">
-        <a:scrgbClr r="0" g="0" b="0"/>
-      </a:lnRef>
-      <a:fillRef idx="1">
-        <a:scrgbClr r="0" g="0" b="0"/>
-      </a:fillRef>
-      <a:effectRef idx="0">
-        <a:scrgbClr r="0" g="0" b="0"/>
-      </a:effectRef>
-      <a:fontRef idx="minor">
-        <a:schemeClr val="lt1"/>
-      </a:fontRef>
-    </dgm:style>
-  </dgm:styleLbl>
-  <dgm:styleLbl name="bgSibTrans2D1">
-    <dgm:scene3d>
-      <a:camera prst="orthographicFront"/>
-      <a:lightRig rig="threePt" dir="t"/>
-    </dgm:scene3d>
-    <dgm:sp3d/>
-    <dgm:txPr/>
-    <dgm:style>
-      <a:lnRef idx="0">
-        <a:scrgbClr r="0" g="0" b="0"/>
-      </a:lnRef>
-      <a:fillRef idx="1">
-        <a:scrgbClr r="0" g="0" b="0"/>
-      </a:fillRef>
-      <a:effectRef idx="0">
-        <a:scrgbClr r="0" g="0" b="0"/>
-      </a:effectRef>
-      <a:fontRef idx="minor">
-        <a:schemeClr val="lt1"/>
-      </a:fontRef>
-    </dgm:style>
-  </dgm:styleLbl>
-  <dgm:styleLbl name="sibTrans1D1">
-    <dgm:scene3d>
-      <a:camera prst="orthographicFront"/>
-      <a:lightRig rig="threePt" dir="t"/>
-    </dgm:scene3d>
-    <dgm:sp3d/>
-    <dgm:txPr/>
-    <dgm:style>
-      <a:lnRef idx="1">
-        <a:scrgbClr r="0" g="0" b="0"/>
-      </a:lnRef>
-      <a:fillRef idx="0">
-        <a:scrgbClr r="0" g="0" b="0"/>
-      </a:fillRef>
-      <a:effectRef idx="0">
-        <a:scrgbClr r="0" g="0" b="0"/>
-      </a:effectRef>
-      <a:fontRef idx="minor"/>
-    </dgm:style>
-  </dgm:styleLbl>
-  <dgm:styleLbl name="callout">
-    <dgm:scene3d>
-      <a:camera prst="orthographicFront"/>
-      <a:lightRig rig="threePt" dir="t"/>
-    </dgm:scene3d>
-    <dgm:sp3d/>
-    <dgm:txPr/>
-    <dgm:style>
-      <a:lnRef idx="2">
-        <a:scrgbClr r="0" g="0" b="0"/>
-      </a:lnRef>
-      <a:fillRef idx="1">
-        <a:scrgbClr r="0" g="0" b="0"/>
-      </a:fillRef>
-      <a:effectRef idx="0">
-        <a:scrgbClr r="0" g="0" b="0"/>
-      </a:effectRef>
-      <a:fontRef idx="minor"/>
-    </dgm:style>
-  </dgm:styleLbl>
-  <dgm:styleLbl name="asst0">
-    <dgm:scene3d>
-      <a:camera prst="orthographicFront"/>
-      <a:lightRig rig="threePt" dir="t"/>
-    </dgm:scene3d>
-    <dgm:sp3d/>
-    <dgm:txPr/>
-    <dgm:style>
-      <a:lnRef idx="2">
-        <a:scrgbClr r="0" g="0" b="0"/>
-      </a:lnRef>
-      <a:fillRef idx="1">
-        <a:scrgbClr r="0" g="0" b="0"/>
-      </a:fillRef>
-      <a:effectRef idx="0">
-        <a:scrgbClr r="0" g="0" b="0"/>
-      </a:effectRef>
-      <a:fontRef idx="minor">
-        <a:schemeClr val="lt1"/>
-      </a:fontRef>
-    </dgm:style>
-  </dgm:styleLbl>
-  <dgm:styleLbl name="asst1">
-    <dgm:scene3d>
-      <a:camera prst="orthographicFront"/>
-      <a:lightRig rig="threePt" dir="t"/>
-    </dgm:scene3d>
-    <dgm:sp3d/>
-    <dgm:txPr/>
-    <dgm:style>
-      <a:lnRef idx="2">
-        <a:scrgbClr r="0" g="0" b="0"/>
-      </a:lnRef>
-      <a:fillRef idx="1">
-        <a:scrgbClr r="0" g="0" b="0"/>
-      </a:fillRef>
-      <a:effectRef idx="0">
-        <a:scrgbClr r="0" g="0" b="0"/>
-      </a:effectRef>
-      <a:fontRef idx="minor">
-        <a:schemeClr val="lt1"/>
-      </a:fontRef>
-    </dgm:style>
-  </dgm:styleLbl>
-  <dgm:styleLbl name="asst2">
-    <dgm:scene3d>
-      <a:camera prst="orthographicFront"/>
-      <a:lightRig rig="threePt" dir="t"/>
-    </dgm:scene3d>
-    <dgm:sp3d/>
-    <dgm:txPr/>
-    <dgm:style>
-      <a:lnRef idx="2">
-        <a:scrgbClr r="0" g="0" b="0"/>
-      </a:lnRef>
-      <a:fillRef idx="1">
-        <a:scrgbClr r="0" g="0" b="0"/>
-      </a:fillRef>
-      <a:effectRef idx="0">
-        <a:scrgbClr r="0" g="0" b="0"/>
-      </a:effectRef>
-      <a:fontRef idx="minor">
-        <a:schemeClr val="lt1"/>
-      </a:fontRef>
-    </dgm:style>
-  </dgm:styleLbl>
-  <dgm:styleLbl name="asst3">
-    <dgm:scene3d>
-      <a:camera prst="orthographicFront"/>
-      <a:lightRig rig="threePt" dir="t"/>
-    </dgm:scene3d>
-    <dgm:sp3d/>
-    <dgm:txPr/>
-    <dgm:style>
-      <a:lnRef idx="2">
-        <a:scrgbClr r="0" g="0" b="0"/>
-      </a:lnRef>
-      <a:fillRef idx="1">
-        <a:scrgbClr r="0" g="0" b="0"/>
-      </a:fillRef>
-      <a:effectRef idx="0">
-        <a:scrgbClr r="0" g="0" b="0"/>
-      </a:effectRef>
-      <a:fontRef idx="minor">
-        <a:schemeClr val="lt1"/>
-      </a:fontRef>
-    </dgm:style>
-  </dgm:styleLbl>
-  <dgm:styleLbl name="asst4">
-    <dgm:scene3d>
-      <a:camera prst="orthographicFront"/>
-      <a:lightRig rig="threePt" dir="t"/>
-    </dgm:scene3d>
-    <dgm:sp3d/>
-    <dgm:txPr/>
-    <dgm:style>
-      <a:lnRef idx="2">
-        <a:scrgbClr r="0" g="0" b="0"/>
-      </a:lnRef>
-      <a:fillRef idx="1">
-        <a:scrgbClr r="0" g="0" b="0"/>
-      </a:fillRef>
-      <a:effectRef idx="0">
-        <a:scrgbClr r="0" g="0" b="0"/>
-      </a:effectRef>
-      <a:fontRef idx="minor">
-        <a:schemeClr val="lt1"/>
-      </a:fontRef>
-    </dgm:style>
-  </dgm:styleLbl>
-  <dgm:styleLbl name="parChTrans2D1">
-    <dgm:scene3d>
-      <a:camera prst="orthographicFront"/>
-      <a:lightRig rig="threePt" dir="t"/>
-    </dgm:scene3d>
-    <dgm:sp3d/>
-    <dgm:txPr/>
-    <dgm:style>
-      <a:lnRef idx="2">
-        <a:scrgbClr r="0" g="0" b="0"/>
-      </a:lnRef>
-      <a:fillRef idx="1">
-        <a:scrgbClr r="0" g="0" b="0"/>
-      </a:fillRef>
-      <a:effectRef idx="0">
-        <a:scrgbClr r="0" g="0" b="0"/>
-      </a:effectRef>
-      <a:fontRef idx="minor">
-        <a:schemeClr val="lt1"/>
-      </a:fontRef>
-    </dgm:style>
-  </dgm:styleLbl>
-  <dgm:styleLbl name="parChTrans2D2">
-    <dgm:scene3d>
-      <a:camera prst="orthographicFront"/>
-      <a:lightRig rig="threePt" dir="t"/>
-    </dgm:scene3d>
-    <dgm:sp3d/>
-    <dgm:txPr/>
-    <dgm:style>
-      <a:lnRef idx="2">
-        <a:scrgbClr r="0" g="0" b="0"/>
-      </a:lnRef>
-      <a:fillRef idx="1">
-        <a:scrgbClr r="0" g="0" b="0"/>
-      </a:fillRef>
-      <a:effectRef idx="0">
-        <a:scrgbClr r="0" g="0" b="0"/>
-      </a:effectRef>
-      <a:fontRef idx="minor">
-        <a:schemeClr val="lt1"/>
-      </a:fontRef>
-    </dgm:style>
-  </dgm:styleLbl>
-  <dgm:styleLbl name="parChTrans2D3">
-    <dgm:scene3d>
-      <a:camera prst="orthographicFront"/>
-      <a:lightRig rig="threePt" dir="t"/>
-    </dgm:scene3d>
-    <dgm:sp3d/>
-    <dgm:txPr/>
-    <dgm:style>
-      <a:lnRef idx="2">
-        <a:scrgbClr r="0" g="0" b="0"/>
-      </a:lnRef>
-      <a:fillRef idx="1">
-        <a:scrgbClr r="0" g="0" b="0"/>
-      </a:fillRef>
-      <a:effectRef idx="0">
-        <a:scrgbClr r="0" g="0" b="0"/>
-      </a:effectRef>
-      <a:fontRef idx="minor">
-        <a:schemeClr val="lt1"/>
-      </a:fontRef>
-    </dgm:style>
-  </dgm:styleLbl>
-  <dgm:styleLbl name="parChTrans2D4">
-    <dgm:scene3d>
-      <a:camera prst="orthographicFront"/>
-      <a:lightRig rig="threePt" dir="t"/>
-    </dgm:scene3d>
-    <dgm:sp3d/>
-    <dgm:txPr/>
-    <dgm:style>
-      <a:lnRef idx="2">
-        <a:scrgbClr r="0" g="0" b="0"/>
-      </a:lnRef>
-      <a:fillRef idx="1">
-        <a:scrgbClr r="0" g="0" b="0"/>
-      </a:fillRef>
-      <a:effectRef idx="0">
-        <a:scrgbClr r="0" g="0" b="0"/>
-      </a:effectRef>
-      <a:fontRef idx="minor">
-        <a:schemeClr val="lt1"/>
-      </a:fontRef>
-    </dgm:style>
-  </dgm:styleLbl>
-  <dgm:styleLbl name="parChTrans1D1">
-    <dgm:scene3d>
-      <a:camera prst="orthographicFront"/>
-      <a:lightRig rig="threePt" dir="t"/>
-    </dgm:scene3d>
-    <dgm:sp3d/>
-    <dgm:txPr/>
-    <dgm:style>
-      <a:lnRef idx="2">
-        <a:scrgbClr r="0" g="0" b="0"/>
-      </a:lnRef>
-      <a:fillRef idx="0">
-        <a:scrgbClr r="0" g="0" b="0"/>
-      </a:fillRef>
-      <a:effectRef idx="0">
-        <a:scrgbClr r="0" g="0" b="0"/>
-      </a:effectRef>
-      <a:fontRef idx="minor"/>
-    </dgm:style>
-  </dgm:styleLbl>
-  <dgm:styleLbl name="parChTrans1D2">
-    <dgm:scene3d>
-      <a:camera prst="orthographicFront"/>
-      <a:lightRig rig="threePt" dir="t"/>
-    </dgm:scene3d>
-    <dgm:sp3d/>
-    <dgm:txPr/>
-    <dgm:style>
-      <a:lnRef idx="2">
-        <a:scrgbClr r="0" g="0" b="0"/>
-      </a:lnRef>
-      <a:fillRef idx="0">
-        <a:scrgbClr r="0" g="0" b="0"/>
-      </a:fillRef>
-      <a:effectRef idx="0">
-        <a:scrgbClr r="0" g="0" b="0"/>
-      </a:effectRef>
-      <a:fontRef idx="minor"/>
-    </dgm:style>
-  </dgm:styleLbl>
-  <dgm:styleLbl name="parChTrans1D3">
-    <dgm:scene3d>
-      <a:camera prst="orthographicFront"/>
-      <a:lightRig rig="threePt" dir="t"/>
-    </dgm:scene3d>
-    <dgm:sp3d/>
-    <dgm:txPr/>
-    <dgm:style>
-      <a:lnRef idx="2">
-        <a:scrgbClr r="0" g="0" b="0"/>
-      </a:lnRef>
-      <a:fillRef idx="0">
-        <a:scrgbClr r="0" g="0" b="0"/>
-      </a:fillRef>
-      <a:effectRef idx="0">
-        <a:scrgbClr r="0" g="0" b="0"/>
-      </a:effectRef>
-      <a:fontRef idx="minor"/>
-    </dgm:style>
-  </dgm:styleLbl>
-  <dgm:styleLbl name="parChTrans1D4">
-    <dgm:scene3d>
-      <a:camera prst="orthographicFront"/>
-      <a:lightRig rig="threePt" dir="t"/>
-    </dgm:scene3d>
-    <dgm:sp3d/>
-    <dgm:txPr/>
-    <dgm:style>
-      <a:lnRef idx="2">
-        <a:scrgbClr r="0" g="0" b="0"/>
-      </a:lnRef>
-      <a:fillRef idx="0">
-        <a:scrgbClr r="0" g="0" b="0"/>
-      </a:fillRef>
-      <a:effectRef idx="0">
-        <a:scrgbClr r="0" g="0" b="0"/>
-      </a:effectRef>
-      <a:fontRef idx="minor"/>
-    </dgm:style>
-  </dgm:styleLbl>
-  <dgm:styleLbl name="fgAcc1">
-    <dgm:scene3d>
-      <a:camera prst="orthographicFront"/>
-      <a:lightRig rig="threePt" dir="t"/>
-    </dgm:scene3d>
-    <dgm:sp3d/>
-    <dgm:txPr/>
-    <dgm:style>
-      <a:lnRef idx="2">
-        <a:scrgbClr r="0" g="0" b="0"/>
-      </a:lnRef>
-      <a:fillRef idx="1">
-        <a:scrgbClr r="0" g="0" b="0"/>
-      </a:fillRef>
-      <a:effectRef idx="0">
-        <a:scrgbClr r="0" g="0" b="0"/>
-      </a:effectRef>
-      <a:fontRef idx="minor"/>
-    </dgm:style>
-  </dgm:styleLbl>
-  <dgm:styleLbl name="conFgAcc1">
-    <dgm:scene3d>
-      <a:camera prst="orthographicFront"/>
-      <a:lightRig rig="threePt" dir="t"/>
-    </dgm:scene3d>
-    <dgm:sp3d/>
-    <dgm:txPr/>
-    <dgm:style>
-      <a:lnRef idx="2">
-        <a:scrgbClr r="0" g="0" b="0"/>
-      </a:lnRef>
-      <a:fillRef idx="1">
-        <a:scrgbClr r="0" g="0" b="0"/>
-      </a:fillRef>
-      <a:effectRef idx="0">
-        <a:scrgbClr r="0" g="0" b="0"/>
-      </a:effectRef>
-      <a:fontRef idx="minor"/>
-    </dgm:style>
-  </dgm:styleLbl>
-  <dgm:styleLbl name="alignAcc1">
-    <dgm:scene3d>
-      <a:camera prst="orthographicFront"/>
-      <a:lightRig rig="threePt" dir="t"/>
-    </dgm:scene3d>
-    <dgm:sp3d/>
-    <dgm:txPr/>
-    <dgm:style>
-      <a:lnRef idx="2">
-        <a:scrgbClr r="0" g="0" b="0"/>
-      </a:lnRef>
-      <a:fillRef idx="1">
-        <a:scrgbClr r="0" g="0" b="0"/>
-      </a:fillRef>
-      <a:effectRef idx="0">
-        <a:scrgbClr r="0" g="0" b="0"/>
-      </a:effectRef>
-      <a:fontRef idx="minor"/>
-    </dgm:style>
-  </dgm:styleLbl>
-  <dgm:styleLbl name="trAlignAcc1">
-    <dgm:scene3d>
-      <a:camera prst="orthographicFront"/>
-      <a:lightRig rig="threePt" dir="t"/>
-    </dgm:scene3d>
-    <dgm:sp3d/>
-    <dgm:txPr/>
-    <dgm:style>
-      <a:lnRef idx="1">
-        <a:scrgbClr r="0" g="0" b="0"/>
-      </a:lnRef>
-      <a:fillRef idx="1">
-        <a:scrgbClr r="0" g="0" b="0"/>
-      </a:fillRef>
-      <a:effectRef idx="0">
-        <a:scrgbClr r="0" g="0" b="0"/>
-      </a:effectRef>
-      <a:fontRef idx="minor"/>
-    </dgm:style>
-  </dgm:styleLbl>
-  <dgm:styleLbl name="bgAcc1">
-    <dgm:scene3d>
-      <a:camera prst="orthographicFront"/>
-      <a:lightRig rig="threePt" dir="t"/>
-    </dgm:scene3d>
-    <dgm:sp3d/>
-    <dgm:txPr/>
-    <dgm:style>
-      <a:lnRef idx="2">
-        <a:scrgbClr r="0" g="0" b="0"/>
-      </a:lnRef>
-      <a:fillRef idx="1">
-        <a:scrgbClr r="0" g="0" b="0"/>
-      </a:fillRef>
-      <a:effectRef idx="0">
-        <a:scrgbClr r="0" g="0" b="0"/>
-      </a:effectRef>
-      <a:fontRef idx="minor"/>
-    </dgm:style>
-  </dgm:styleLbl>
-  <dgm:styleLbl name="solidFgAcc1">
-    <dgm:scene3d>
-      <a:camera prst="orthographicFront"/>
-      <a:lightRig rig="threePt" dir="t"/>
-    </dgm:scene3d>
-    <dgm:sp3d/>
-    <dgm:txPr/>
-    <dgm:style>
-      <a:lnRef idx="2">
-        <a:scrgbClr r="0" g="0" b="0"/>
-      </a:lnRef>
-      <a:fillRef idx="1">
-        <a:scrgbClr r="0" g="0" b="0"/>
-      </a:fillRef>
-      <a:effectRef idx="0">
-        <a:scrgbClr r="0" g="0" b="0"/>
-      </a:effectRef>
-      <a:fontRef idx="minor"/>
-    </dgm:style>
-  </dgm:styleLbl>
-  <dgm:styleLbl name="solidAlignAcc1">
-    <dgm:scene3d>
-      <a:camera prst="orthographicFront"/>
-      <a:lightRig rig="threePt" dir="t"/>
-    </dgm:scene3d>
-    <dgm:sp3d/>
-    <dgm:txPr/>
-    <dgm:style>
-      <a:lnRef idx="2">
-        <a:scrgbClr r="0" g="0" b="0"/>
-      </a:lnRef>
-      <a:fillRef idx="1">
-        <a:scrgbClr r="0" g="0" b="0"/>
-      </a:fillRef>
-      <a:effectRef idx="0">
-        <a:scrgbClr r="0" g="0" b="0"/>
-      </a:effectRef>
-      <a:fontRef idx="minor"/>
-    </dgm:style>
-  </dgm:styleLbl>
-  <dgm:styleLbl name="solidBgAcc1">
-    <dgm:scene3d>
-      <a:camera prst="orthographicFront"/>
-      <a:lightRig rig="threePt" dir="t"/>
-    </dgm:scene3d>
-    <dgm:sp3d/>
-    <dgm:txPr/>
-    <dgm:style>
-      <a:lnRef idx="2">
-        <a:scrgbClr r="0" g="0" b="0"/>
-      </a:lnRef>
-      <a:fillRef idx="1">
-        <a:scrgbClr r="0" g="0" b="0"/>
-      </a:fillRef>
-      <a:effectRef idx="0">
-        <a:scrgbClr r="0" g="0" b="0"/>
-      </a:effectRef>
-      <a:fontRef idx="minor"/>
-    </dgm:style>
-  </dgm:styleLbl>
-  <dgm:styleLbl name="fgAccFollowNode1">
-    <dgm:scene3d>
-      <a:camera prst="orthographicFront"/>
-      <a:lightRig rig="threePt" dir="t"/>
-    </dgm:scene3d>
-    <dgm:sp3d/>
-    <dgm:txPr/>
-    <dgm:style>
-      <a:lnRef idx="2">
-        <a:scrgbClr r="0" g="0" b="0"/>
-      </a:lnRef>
-      <a:fillRef idx="1">
-        <a:scrgbClr r="0" g="0" b="0"/>
-      </a:fillRef>
-      <a:effectRef idx="0">
-        <a:scrgbClr r="0" g="0" b="0"/>
-      </a:effectRef>
-      <a:fontRef idx="minor"/>
-    </dgm:style>
-  </dgm:styleLbl>
-  <dgm:styleLbl name="alignAccFollowNode1">
-    <dgm:scene3d>
-      <a:camera prst="orthographicFront"/>
-      <a:lightRig rig="threePt" dir="t"/>
-    </dgm:scene3d>
-    <dgm:sp3d/>
-    <dgm:txPr/>
-    <dgm:style>
-      <a:lnRef idx="2">
-        <a:scrgbClr r="0" g="0" b="0"/>
-      </a:lnRef>
-      <a:fillRef idx="1">
-        <a:scrgbClr r="0" g="0" b="0"/>
-      </a:fillRef>
-      <a:effectRef idx="0">
-        <a:scrgbClr r="0" g="0" b="0"/>
-      </a:effectRef>
-      <a:fontRef idx="minor"/>
-    </dgm:style>
-  </dgm:styleLbl>
-  <dgm:styleLbl name="bgAccFollowNode1">
-    <dgm:scene3d>
-      <a:camera prst="orthographicFront"/>
-      <a:lightRig rig="threePt" dir="t"/>
-    </dgm:scene3d>
-    <dgm:sp3d/>
-    <dgm:txPr/>
-    <dgm:style>
-      <a:lnRef idx="2">
-        <a:scrgbClr r="0" g="0" b="0"/>
-      </a:lnRef>
-      <a:fillRef idx="1">
-        <a:scrgbClr r="0" g="0" b="0"/>
-      </a:fillRef>
-      <a:effectRef idx="0">
-        <a:scrgbClr r="0" g="0" b="0"/>
-      </a:effectRef>
-      <a:fontRef idx="minor"/>
-    </dgm:style>
-  </dgm:styleLbl>
-  <dgm:styleLbl name="fgAcc0">
-    <dgm:scene3d>
-      <a:camera prst="orthographicFront"/>
-      <a:lightRig rig="threePt" dir="t"/>
-    </dgm:scene3d>
-    <dgm:sp3d/>
-    <dgm:txPr/>
-    <dgm:style>
-      <a:lnRef idx="2">
-        <a:scrgbClr r="0" g="0" b="0"/>
-      </a:lnRef>
-      <a:fillRef idx="1">
-        <a:scrgbClr r="0" g="0" b="0"/>
-      </a:fillRef>
-      <a:effectRef idx="0">
-        <a:scrgbClr r="0" g="0" b="0"/>
-      </a:effectRef>
-      <a:fontRef idx="minor"/>
-    </dgm:style>
-  </dgm:styleLbl>
-  <dgm:styleLbl name="fgAcc2">
-    <dgm:scene3d>
-      <a:camera prst="orthographicFront"/>
-      <a:lightRig rig="threePt" dir="t"/>
-    </dgm:scene3d>
-    <dgm:sp3d/>
-    <dgm:txPr/>
-    <dgm:style>
-      <a:lnRef idx="2">
-        <a:scrgbClr r="0" g="0" b="0"/>
-      </a:lnRef>
-      <a:fillRef idx="1">
-        <a:scrgbClr r="0" g="0" b="0"/>
-      </a:fillRef>
-      <a:effectRef idx="0">
-        <a:scrgbClr r="0" g="0" b="0"/>
-      </a:effectRef>
-      <a:fontRef idx="minor"/>
-    </dgm:style>
-  </dgm:styleLbl>
-  <dgm:styleLbl name="fgAcc3">
-    <dgm:scene3d>
-      <a:camera prst="orthographicFront"/>
-      <a:lightRig rig="threePt" dir="t"/>
-    </dgm:scene3d>
-    <dgm:sp3d/>
-    <dgm:txPr/>
-    <dgm:style>
-      <a:lnRef idx="2">
-        <a:scrgbClr r="0" g="0" b="0"/>
-      </a:lnRef>
-      <a:fillRef idx="1">
-        <a:scrgbClr r="0" g="0" b="0"/>
-      </a:fillRef>
-      <a:effectRef idx="0">
-        <a:scrgbClr r="0" g="0" b="0"/>
-      </a:effectRef>
-      <a:fontRef idx="minor"/>
-    </dgm:style>
-  </dgm:styleLbl>
-  <dgm:styleLbl name="fgAcc4">
-    <dgm:scene3d>
-      <a:camera prst="orthographicFront"/>
-      <a:lightRig rig="threePt" dir="t"/>
-    </dgm:scene3d>
-    <dgm:sp3d/>
-    <dgm:txPr/>
-    <dgm:style>
-      <a:lnRef idx="2">
-        <a:scrgbClr r="0" g="0" b="0"/>
-      </a:lnRef>
-      <a:fillRef idx="1">
-        <a:scrgbClr r="0" g="0" b="0"/>
-      </a:fillRef>
-      <a:effectRef idx="0">
-        <a:scrgbClr r="0" g="0" b="0"/>
-      </a:effectRef>
-      <a:fontRef idx="minor"/>
-    </dgm:style>
-  </dgm:styleLbl>
-  <dgm:styleLbl name="bgShp">
-    <dgm:scene3d>
-      <a:camera prst="orthographicFront"/>
-      <a:lightRig rig="threePt" dir="t"/>
-    </dgm:scene3d>
-    <dgm:sp3d/>
-    <dgm:txPr/>
-    <dgm:style>
-      <a:lnRef idx="0">
-        <a:scrgbClr r="0" g="0" b="0"/>
-      </a:lnRef>
-      <a:fillRef idx="1">
-        <a:scrgbClr r="0" g="0" b="0"/>
-      </a:fillRef>
-      <a:effectRef idx="0">
-        <a:scrgbClr r="0" g="0" b="0"/>
-      </a:effectRef>
-      <a:fontRef idx="minor"/>
-    </dgm:style>
-  </dgm:styleLbl>
-  <dgm:styleLbl name="dkBgShp">
-    <dgm:scene3d>
-      <a:camera prst="orthographicFront"/>
-      <a:lightRig rig="threePt" dir="t"/>
-    </dgm:scene3d>
-    <dgm:sp3d/>
-    <dgm:txPr/>
-    <dgm:style>
-      <a:lnRef idx="0">
-        <a:scrgbClr r="0" g="0" b="0"/>
-      </a:lnRef>
-      <a:fillRef idx="1">
-        <a:scrgbClr r="0" g="0" b="0"/>
-      </a:fillRef>
-      <a:effectRef idx="0">
-        <a:scrgbClr r="0" g="0" b="0"/>
-      </a:effectRef>
-      <a:fontRef idx="minor"/>
-    </dgm:style>
-  </dgm:styleLbl>
-  <dgm:styleLbl name="trBgShp">
-    <dgm:scene3d>
-      <a:camera prst="orthographicFront"/>
-      <a:lightRig rig="threePt" dir="t"/>
-    </dgm:scene3d>
-    <dgm:sp3d/>
-    <dgm:txPr/>
-    <dgm:style>
-      <a:lnRef idx="0">
-        <a:scrgbClr r="0" g="0" b="0"/>
-      </a:lnRef>
-      <a:fillRef idx="1">
-        <a:scrgbClr r="0" g="0" b="0"/>
-      </a:fillRef>
-      <a:effectRef idx="0">
-        <a:scrgbClr r="0" g="0" b="0"/>
-      </a:effectRef>
-      <a:fontRef idx="minor"/>
-    </dgm:style>
-  </dgm:styleLbl>
-  <dgm:styleLbl name="fgShp">
-    <dgm:scene3d>
-      <a:camera prst="orthographicFront"/>
-      <a:lightRig rig="threePt" dir="t"/>
-    </dgm:scene3d>
-    <dgm:sp3d/>
-    <dgm:txPr/>
-    <dgm:style>
-      <a:lnRef idx="2">
-        <a:scrgbClr r="0" g="0" b="0"/>
-      </a:lnRef>
-      <a:fillRef idx="1">
-        <a:scrgbClr r="0" g="0" b="0"/>
-      </a:fillRef>
-      <a:effectRef idx="0">
-        <a:scrgbClr r="0" g="0" b="0"/>
-      </a:effectRef>
-      <a:fontRef idx="minor"/>
-    </dgm:style>
-  </dgm:styleLbl>
-  <dgm:styleLbl name="revTx">
-    <dgm:scene3d>
-      <a:camera prst="orthographicFront"/>
-      <a:lightRig rig="threePt" dir="t"/>
-    </dgm:scene3d>
-    <dgm:sp3d/>
-    <dgm:txPr/>
-    <dgm:style>
-      <a:lnRef idx="0">
-        <a:scrgbClr r="0" g="0" b="0"/>
-      </a:lnRef>
-      <a:fillRef idx="0">
-        <a:scrgbClr r="0" g="0" b="0"/>
-      </a:fillRef>
-      <a:effectRef idx="0">
-        <a:scrgbClr r="0" g="0" b="0"/>
-      </a:effectRef>
-      <a:fontRef idx="minor"/>
     </dgm:style>
   </dgm:styleLbl>
 </dgm:styleDef>
@@ -7086,17 +6983,10 @@
               <a:defRPr sz="1100"/>
             </a:lvl9pPr>
           </a:lstStyle>
-          <a:p>
-            <a:endParaRPr/>
-          </a:p>
+          <a:p/>
         </p:txBody>
       </p:sp>
     </p:spTree>
-    <p:extLst>
-      <p:ext uri="{BB962C8B-B14F-4D97-AF65-F5344CB8AC3E}">
-        <p14:creationId xmlns:p14="http://schemas.microsoft.com/office/powerpoint/2010/main" val="4064453994"/>
-      </p:ext>
-    </p:extLst>
   </p:cSld>
   <p:clrMap bg1="lt1" tx1="dk1" bg2="dk2" tx2="lt2" accent1="accent1" accent2="accent2" accent3="accent3" accent4="accent4" accent5="accent5" accent6="accent6" hlink="hlink" folHlink="folHlink"/>
   <p:notesStyle>
@@ -7124,15 +7014,15 @@
       <a:buClr>
         <a:srgbClr val="000000"/>
       </a:buClr>
-      <a:buFont typeface="Arial"/>
+      <a:buFont typeface="Arial" panose="020B0604020202090204"/>
       <a:defRPr sz="1400" b="0" i="0" u="none" strike="noStrike" cap="none">
         <a:solidFill>
           <a:srgbClr val="000000"/>
         </a:solidFill>
-        <a:latin typeface="Arial"/>
-        <a:ea typeface="Arial"/>
-        <a:cs typeface="Arial"/>
-        <a:sym typeface="Arial"/>
+        <a:latin typeface="Arial" panose="020B0604020202090204"/>
+        <a:ea typeface="Arial" panose="020B0604020202090204"/>
+        <a:cs typeface="Arial" panose="020B0604020202090204"/>
+        <a:sym typeface="Arial" panose="020B0604020202090204"/>
       </a:defRPr>
     </a:lvl1pPr>
     <a:lvl2pPr marR="0" lvl="1" algn="l" rtl="0">
@@ -7148,15 +7038,15 @@
       <a:buClr>
         <a:srgbClr val="000000"/>
       </a:buClr>
-      <a:buFont typeface="Arial"/>
+      <a:buFont typeface="Arial" panose="020B0604020202090204"/>
       <a:defRPr sz="1400" b="0" i="0" u="none" strike="noStrike" cap="none">
         <a:solidFill>
           <a:srgbClr val="000000"/>
         </a:solidFill>
-        <a:latin typeface="Arial"/>
-        <a:ea typeface="Arial"/>
-        <a:cs typeface="Arial"/>
-        <a:sym typeface="Arial"/>
+        <a:latin typeface="Arial" panose="020B0604020202090204"/>
+        <a:ea typeface="Arial" panose="020B0604020202090204"/>
+        <a:cs typeface="Arial" panose="020B0604020202090204"/>
+        <a:sym typeface="Arial" panose="020B0604020202090204"/>
       </a:defRPr>
     </a:lvl2pPr>
     <a:lvl3pPr marR="0" lvl="2" algn="l" rtl="0">
@@ -7172,15 +7062,15 @@
       <a:buClr>
         <a:srgbClr val="000000"/>
       </a:buClr>
-      <a:buFont typeface="Arial"/>
+      <a:buFont typeface="Arial" panose="020B0604020202090204"/>
       <a:defRPr sz="1400" b="0" i="0" u="none" strike="noStrike" cap="none">
         <a:solidFill>
           <a:srgbClr val="000000"/>
         </a:solidFill>
-        <a:latin typeface="Arial"/>
-        <a:ea typeface="Arial"/>
-        <a:cs typeface="Arial"/>
-        <a:sym typeface="Arial"/>
+        <a:latin typeface="Arial" panose="020B0604020202090204"/>
+        <a:ea typeface="Arial" panose="020B0604020202090204"/>
+        <a:cs typeface="Arial" panose="020B0604020202090204"/>
+        <a:sym typeface="Arial" panose="020B0604020202090204"/>
       </a:defRPr>
     </a:lvl3pPr>
     <a:lvl4pPr marR="0" lvl="3" algn="l" rtl="0">
@@ -7196,15 +7086,15 @@
       <a:buClr>
         <a:srgbClr val="000000"/>
       </a:buClr>
-      <a:buFont typeface="Arial"/>
+      <a:buFont typeface="Arial" panose="020B0604020202090204"/>
       <a:defRPr sz="1400" b="0" i="0" u="none" strike="noStrike" cap="none">
         <a:solidFill>
           <a:srgbClr val="000000"/>
         </a:solidFill>
-        <a:latin typeface="Arial"/>
-        <a:ea typeface="Arial"/>
-        <a:cs typeface="Arial"/>
-        <a:sym typeface="Arial"/>
+        <a:latin typeface="Arial" panose="020B0604020202090204"/>
+        <a:ea typeface="Arial" panose="020B0604020202090204"/>
+        <a:cs typeface="Arial" panose="020B0604020202090204"/>
+        <a:sym typeface="Arial" panose="020B0604020202090204"/>
       </a:defRPr>
     </a:lvl4pPr>
     <a:lvl5pPr marR="0" lvl="4" algn="l" rtl="0">
@@ -7220,15 +7110,15 @@
       <a:buClr>
         <a:srgbClr val="000000"/>
       </a:buClr>
-      <a:buFont typeface="Arial"/>
+      <a:buFont typeface="Arial" panose="020B0604020202090204"/>
       <a:defRPr sz="1400" b="0" i="0" u="none" strike="noStrike" cap="none">
         <a:solidFill>
           <a:srgbClr val="000000"/>
         </a:solidFill>
-        <a:latin typeface="Arial"/>
-        <a:ea typeface="Arial"/>
-        <a:cs typeface="Arial"/>
-        <a:sym typeface="Arial"/>
+        <a:latin typeface="Arial" panose="020B0604020202090204"/>
+        <a:ea typeface="Arial" panose="020B0604020202090204"/>
+        <a:cs typeface="Arial" panose="020B0604020202090204"/>
+        <a:sym typeface="Arial" panose="020B0604020202090204"/>
       </a:defRPr>
     </a:lvl5pPr>
     <a:lvl6pPr marR="0" lvl="5" algn="l" rtl="0">
@@ -7244,15 +7134,15 @@
       <a:buClr>
         <a:srgbClr val="000000"/>
       </a:buClr>
-      <a:buFont typeface="Arial"/>
+      <a:buFont typeface="Arial" panose="020B0604020202090204"/>
       <a:defRPr sz="1400" b="0" i="0" u="none" strike="noStrike" cap="none">
         <a:solidFill>
           <a:srgbClr val="000000"/>
         </a:solidFill>
-        <a:latin typeface="Arial"/>
-        <a:ea typeface="Arial"/>
-        <a:cs typeface="Arial"/>
-        <a:sym typeface="Arial"/>
+        <a:latin typeface="Arial" panose="020B0604020202090204"/>
+        <a:ea typeface="Arial" panose="020B0604020202090204"/>
+        <a:cs typeface="Arial" panose="020B0604020202090204"/>
+        <a:sym typeface="Arial" panose="020B0604020202090204"/>
       </a:defRPr>
     </a:lvl6pPr>
     <a:lvl7pPr marR="0" lvl="6" algn="l" rtl="0">
@@ -7268,15 +7158,15 @@
       <a:buClr>
         <a:srgbClr val="000000"/>
       </a:buClr>
-      <a:buFont typeface="Arial"/>
+      <a:buFont typeface="Arial" panose="020B0604020202090204"/>
       <a:defRPr sz="1400" b="0" i="0" u="none" strike="noStrike" cap="none">
         <a:solidFill>
           <a:srgbClr val="000000"/>
         </a:solidFill>
-        <a:latin typeface="Arial"/>
-        <a:ea typeface="Arial"/>
-        <a:cs typeface="Arial"/>
-        <a:sym typeface="Arial"/>
+        <a:latin typeface="Arial" panose="020B0604020202090204"/>
+        <a:ea typeface="Arial" panose="020B0604020202090204"/>
+        <a:cs typeface="Arial" panose="020B0604020202090204"/>
+        <a:sym typeface="Arial" panose="020B0604020202090204"/>
       </a:defRPr>
     </a:lvl7pPr>
     <a:lvl8pPr marR="0" lvl="7" algn="l" rtl="0">
@@ -7292,15 +7182,15 @@
       <a:buClr>
         <a:srgbClr val="000000"/>
       </a:buClr>
-      <a:buFont typeface="Arial"/>
+      <a:buFont typeface="Arial" panose="020B0604020202090204"/>
       <a:defRPr sz="1400" b="0" i="0" u="none" strike="noStrike" cap="none">
         <a:solidFill>
           <a:srgbClr val="000000"/>
         </a:solidFill>
-        <a:latin typeface="Arial"/>
-        <a:ea typeface="Arial"/>
-        <a:cs typeface="Arial"/>
-        <a:sym typeface="Arial"/>
+        <a:latin typeface="Arial" panose="020B0604020202090204"/>
+        <a:ea typeface="Arial" panose="020B0604020202090204"/>
+        <a:cs typeface="Arial" panose="020B0604020202090204"/>
+        <a:sym typeface="Arial" panose="020B0604020202090204"/>
       </a:defRPr>
     </a:lvl8pPr>
     <a:lvl9pPr marR="0" lvl="8" algn="l" rtl="0">
@@ -7316,15 +7206,15 @@
       <a:buClr>
         <a:srgbClr val="000000"/>
       </a:buClr>
-      <a:buFont typeface="Arial"/>
+      <a:buFont typeface="Arial" panose="020B0604020202090204"/>
       <a:defRPr sz="1400" b="0" i="0" u="none" strike="noStrike" cap="none">
         <a:solidFill>
           <a:srgbClr val="000000"/>
         </a:solidFill>
-        <a:latin typeface="Arial"/>
-        <a:ea typeface="Arial"/>
-        <a:cs typeface="Arial"/>
-        <a:sym typeface="Arial"/>
+        <a:latin typeface="Arial" panose="020B0604020202090204"/>
+        <a:ea typeface="Arial" panose="020B0604020202090204"/>
+        <a:cs typeface="Arial" panose="020B0604020202090204"/>
+        <a:sym typeface="Arial" panose="020B0604020202090204"/>
       </a:defRPr>
     </a:lvl9pPr>
   </p:notesStyle>
@@ -7332,7 +7222,7 @@
 </file>
 
 <file path=ppt/notesSlides/notesSlide1.xml><?xml version="1.0" encoding="utf-8"?>
-<p:notes xmlns:a="http://schemas.openxmlformats.org/drawingml/2006/main" xmlns:r="http://schemas.openxmlformats.org/officeDocument/2006/relationships" xmlns:p="http://schemas.openxmlformats.org/presentationml/2006/main" showMasterSp="0" showMasterPhAnim="0">
+<p:notes xmlns:a="http://schemas.openxmlformats.org/drawingml/2006/main" xmlns:r="http://schemas.openxmlformats.org/officeDocument/2006/relationships" xmlns:p="http://schemas.openxmlformats.org/presentationml/2006/main" showMasterPhAnim="0" showMasterSp="0">
   <p:cSld>
     <p:spTree>
       <p:nvGrpSpPr>
@@ -7423,16 +7313,10 @@
               </a:spcAft>
               <a:buNone/>
             </a:pPr>
-            <a:endParaRPr/>
           </a:p>
         </p:txBody>
       </p:sp>
     </p:spTree>
-    <p:extLst>
-      <p:ext uri="{BB962C8B-B14F-4D97-AF65-F5344CB8AC3E}">
-        <p14:creationId xmlns:p14="http://schemas.microsoft.com/office/powerpoint/2010/main" val="604161014"/>
-      </p:ext>
-    </p:extLst>
   </p:cSld>
   <p:clrMapOvr>
     <a:masterClrMapping/>
@@ -7441,7 +7325,7 @@
 </file>
 
 <file path=ppt/notesSlides/notesSlide2.xml><?xml version="1.0" encoding="utf-8"?>
-<p:notes xmlns:a="http://schemas.openxmlformats.org/drawingml/2006/main" xmlns:r="http://schemas.openxmlformats.org/officeDocument/2006/relationships" xmlns:p="http://schemas.openxmlformats.org/presentationml/2006/main" showMasterSp="0" showMasterPhAnim="0">
+<p:notes xmlns:a="http://schemas.openxmlformats.org/drawingml/2006/main" xmlns:r="http://schemas.openxmlformats.org/officeDocument/2006/relationships" xmlns:p="http://schemas.openxmlformats.org/presentationml/2006/main" showMasterPhAnim="0" showMasterSp="0">
   <p:cSld>
     <p:spTree>
       <p:nvGrpSpPr>
@@ -7532,16 +7416,10 @@
               </a:spcAft>
               <a:buNone/>
             </a:pPr>
-            <a:endParaRPr/>
           </a:p>
         </p:txBody>
       </p:sp>
     </p:spTree>
-    <p:extLst>
-      <p:ext uri="{BB962C8B-B14F-4D97-AF65-F5344CB8AC3E}">
-        <p14:creationId xmlns:p14="http://schemas.microsoft.com/office/powerpoint/2010/main" val="2790853762"/>
-      </p:ext>
-    </p:extLst>
   </p:cSld>
   <p:clrMapOvr>
     <a:masterClrMapping/>
@@ -7550,7 +7428,7 @@
 </file>
 
 <file path=ppt/notesSlides/notesSlide3.xml><?xml version="1.0" encoding="utf-8"?>
-<p:notes xmlns:a="http://schemas.openxmlformats.org/drawingml/2006/main" xmlns:r="http://schemas.openxmlformats.org/officeDocument/2006/relationships" xmlns:p="http://schemas.openxmlformats.org/presentationml/2006/main" showMasterSp="0" showMasterPhAnim="0">
+<p:notes xmlns:a="http://schemas.openxmlformats.org/drawingml/2006/main" xmlns:r="http://schemas.openxmlformats.org/officeDocument/2006/relationships" xmlns:p="http://schemas.openxmlformats.org/presentationml/2006/main" showMasterPhAnim="0" showMasterSp="0">
   <p:cSld>
     <p:spTree>
       <p:nvGrpSpPr>
@@ -7641,16 +7519,10 @@
               </a:spcAft>
               <a:buNone/>
             </a:pPr>
-            <a:endParaRPr/>
           </a:p>
         </p:txBody>
       </p:sp>
     </p:spTree>
-    <p:extLst>
-      <p:ext uri="{BB962C8B-B14F-4D97-AF65-F5344CB8AC3E}">
-        <p14:creationId xmlns:p14="http://schemas.microsoft.com/office/powerpoint/2010/main" val="3545135212"/>
-      </p:ext>
-    </p:extLst>
   </p:cSld>
   <p:clrMapOvr>
     <a:masterClrMapping/>
@@ -7712,11 +7584,6 @@
         </p:txBody>
       </p:sp>
     </p:spTree>
-    <p:extLst>
-      <p:ext uri="{BB962C8B-B14F-4D97-AF65-F5344CB8AC3E}">
-        <p14:creationId xmlns:p14="http://schemas.microsoft.com/office/powerpoint/2010/main" val="2257887283"/>
-      </p:ext>
-    </p:extLst>
   </p:cSld>
   <p:clrMapOvr>
     <a:masterClrMapping/>
@@ -7725,7 +7592,7 @@
 </file>
 
 <file path=ppt/notesSlides/notesSlide5.xml><?xml version="1.0" encoding="utf-8"?>
-<p:notes xmlns:a="http://schemas.openxmlformats.org/drawingml/2006/main" xmlns:r="http://schemas.openxmlformats.org/officeDocument/2006/relationships" xmlns:p="http://schemas.openxmlformats.org/presentationml/2006/main" showMasterSp="0" showMasterPhAnim="0">
+<p:notes xmlns:a="http://schemas.openxmlformats.org/drawingml/2006/main" xmlns:r="http://schemas.openxmlformats.org/officeDocument/2006/relationships" xmlns:p="http://schemas.openxmlformats.org/presentationml/2006/main" showMasterPhAnim="0" showMasterSp="0">
   <p:cSld>
     <p:spTree>
       <p:nvGrpSpPr>
@@ -7816,16 +7683,10 @@
               </a:spcAft>
               <a:buNone/>
             </a:pPr>
-            <a:endParaRPr/>
           </a:p>
         </p:txBody>
       </p:sp>
     </p:spTree>
-    <p:extLst>
-      <p:ext uri="{BB962C8B-B14F-4D97-AF65-F5344CB8AC3E}">
-        <p14:creationId xmlns:p14="http://schemas.microsoft.com/office/powerpoint/2010/main" val="275852969"/>
-      </p:ext>
-    </p:extLst>
   </p:cSld>
   <p:clrMapOvr>
     <a:masterClrMapping/>
@@ -7834,7 +7695,7 @@
 </file>
 
 <file path=ppt/notesSlides/notesSlide6.xml><?xml version="1.0" encoding="utf-8"?>
-<p:notes xmlns:a="http://schemas.openxmlformats.org/drawingml/2006/main" xmlns:r="http://schemas.openxmlformats.org/officeDocument/2006/relationships" xmlns:p="http://schemas.openxmlformats.org/presentationml/2006/main" showMasterSp="0" showMasterPhAnim="0">
+<p:notes xmlns:a="http://schemas.openxmlformats.org/drawingml/2006/main" xmlns:r="http://schemas.openxmlformats.org/officeDocument/2006/relationships" xmlns:p="http://schemas.openxmlformats.org/presentationml/2006/main" showMasterPhAnim="0" showMasterSp="0">
   <p:cSld>
     <p:spTree>
       <p:nvGrpSpPr>
@@ -7930,11 +7791,6 @@
         </p:txBody>
       </p:sp>
     </p:spTree>
-    <p:extLst>
-      <p:ext uri="{BB962C8B-B14F-4D97-AF65-F5344CB8AC3E}">
-        <p14:creationId xmlns:p14="http://schemas.microsoft.com/office/powerpoint/2010/main" val="3502938686"/>
-      </p:ext>
-    </p:extLst>
   </p:cSld>
   <p:clrMapOvr>
     <a:masterClrMapping/>
@@ -7943,7 +7799,7 @@
 </file>
 
 <file path=ppt/notesSlides/notesSlide7.xml><?xml version="1.0" encoding="utf-8"?>
-<p:notes xmlns:a="http://schemas.openxmlformats.org/drawingml/2006/main" xmlns:r="http://schemas.openxmlformats.org/officeDocument/2006/relationships" xmlns:p="http://schemas.openxmlformats.org/presentationml/2006/main" showMasterSp="0" showMasterPhAnim="0">
+<p:notes xmlns:a="http://schemas.openxmlformats.org/drawingml/2006/main" xmlns:r="http://schemas.openxmlformats.org/officeDocument/2006/relationships" xmlns:p="http://schemas.openxmlformats.org/presentationml/2006/main" showMasterPhAnim="0" showMasterSp="0">
   <p:cSld>
     <p:spTree>
       <p:nvGrpSpPr>
@@ -8034,16 +7890,10 @@
               </a:spcAft>
               <a:buNone/>
             </a:pPr>
-            <a:endParaRPr/>
           </a:p>
         </p:txBody>
       </p:sp>
     </p:spTree>
-    <p:extLst>
-      <p:ext uri="{BB962C8B-B14F-4D97-AF65-F5344CB8AC3E}">
-        <p14:creationId xmlns:p14="http://schemas.microsoft.com/office/powerpoint/2010/main" val="2425708195"/>
-      </p:ext>
-    </p:extLst>
   </p:cSld>
   <p:clrMapOvr>
     <a:masterClrMapping/>
@@ -8052,7 +7902,7 @@
 </file>
 
 <file path=ppt/notesSlides/notesSlide8.xml><?xml version="1.0" encoding="utf-8"?>
-<p:notes xmlns:a="http://schemas.openxmlformats.org/drawingml/2006/main" xmlns:r="http://schemas.openxmlformats.org/officeDocument/2006/relationships" xmlns:p="http://schemas.openxmlformats.org/presentationml/2006/main" showMasterSp="0" showMasterPhAnim="0">
+<p:notes xmlns:a="http://schemas.openxmlformats.org/drawingml/2006/main" xmlns:r="http://schemas.openxmlformats.org/officeDocument/2006/relationships" xmlns:p="http://schemas.openxmlformats.org/presentationml/2006/main" showMasterPhAnim="0" showMasterSp="0">
   <p:cSld>
     <p:spTree>
       <p:nvGrpSpPr>
@@ -8143,16 +7993,10 @@
               </a:spcAft>
               <a:buNone/>
             </a:pPr>
-            <a:endParaRPr/>
           </a:p>
         </p:txBody>
       </p:sp>
     </p:spTree>
-    <p:extLst>
-      <p:ext uri="{BB962C8B-B14F-4D97-AF65-F5344CB8AC3E}">
-        <p14:creationId xmlns:p14="http://schemas.microsoft.com/office/powerpoint/2010/main" val="179044757"/>
-      </p:ext>
-    </p:extLst>
   </p:cSld>
   <p:clrMapOvr>
     <a:masterClrMapping/>
@@ -8161,7 +8005,7 @@
 </file>
 
 <file path=ppt/notesSlides/notesSlide9.xml><?xml version="1.0" encoding="utf-8"?>
-<p:notes xmlns:a="http://schemas.openxmlformats.org/drawingml/2006/main" xmlns:r="http://schemas.openxmlformats.org/officeDocument/2006/relationships" xmlns:p="http://schemas.openxmlformats.org/presentationml/2006/main" showMasterSp="0" showMasterPhAnim="0">
+<p:notes xmlns:a="http://schemas.openxmlformats.org/drawingml/2006/main" xmlns:r="http://schemas.openxmlformats.org/officeDocument/2006/relationships" xmlns:p="http://schemas.openxmlformats.org/presentationml/2006/main" showMasterPhAnim="0" showMasterSp="0">
   <p:cSld>
     <p:spTree>
       <p:nvGrpSpPr>
@@ -8257,11 +8101,6 @@
         </p:txBody>
       </p:sp>
     </p:spTree>
-    <p:extLst>
-      <p:ext uri="{BB962C8B-B14F-4D97-AF65-F5344CB8AC3E}">
-        <p14:creationId xmlns:p14="http://schemas.microsoft.com/office/powerpoint/2010/main" val="2925139942"/>
-      </p:ext>
-    </p:extLst>
   </p:cSld>
   <p:clrMapOvr>
     <a:masterClrMapping/>
@@ -8270,7 +8109,7 @@
 </file>
 
 <file path=ppt/slideLayouts/slideLayout1.xml><?xml version="1.0" encoding="utf-8"?>
-<p:sldLayout xmlns:a="http://schemas.openxmlformats.org/drawingml/2006/main" xmlns:r="http://schemas.openxmlformats.org/officeDocument/2006/relationships" xmlns:p="http://schemas.openxmlformats.org/presentationml/2006/main" matchingName="Title slide" type="title">
+<p:sldLayout xmlns:a="http://schemas.openxmlformats.org/drawingml/2006/main" xmlns:r="http://schemas.openxmlformats.org/officeDocument/2006/relationships" xmlns:p="http://schemas.openxmlformats.org/presentationml/2006/main" type="title" matchingName="Title slide">
   <p:cSld name="TITLE">
     <p:spTree>
       <p:nvGrpSpPr>
@@ -8365,7 +8204,6 @@
               </a:spcAft>
               <a:buNone/>
             </a:pPr>
-            <a:endParaRPr/>
           </a:p>
         </p:txBody>
       </p:sp>
@@ -8426,7 +8264,6 @@
               </a:spcAft>
               <a:buNone/>
             </a:pPr>
-            <a:endParaRPr/>
           </a:p>
         </p:txBody>
       </p:sp>
@@ -8554,9 +8391,7 @@
               <a:defRPr sz="4800"/>
             </a:lvl9pPr>
           </a:lstStyle>
-          <a:p>
-            <a:endParaRPr/>
-          </a:p>
+          <a:p/>
         </p:txBody>
       </p:sp>
       <p:sp>
@@ -8773,9 +8608,7 @@
               </a:defRPr>
             </a:lvl9pPr>
           </a:lstStyle>
-          <a:p>
-            <a:endParaRPr/>
-          </a:p>
+          <a:p/>
         </p:txBody>
       </p:sp>
     </p:spTree>
@@ -8787,7 +8620,7 @@
 </file>
 
 <file path=ppt/slideLayouts/slideLayout2.xml><?xml version="1.0" encoding="utf-8"?>
-<p:sldLayout xmlns:a="http://schemas.openxmlformats.org/drawingml/2006/main" xmlns:r="http://schemas.openxmlformats.org/officeDocument/2006/relationships" xmlns:p="http://schemas.openxmlformats.org/presentationml/2006/main" matchingName="Title only" type="titleOnly">
+<p:sldLayout xmlns:a="http://schemas.openxmlformats.org/drawingml/2006/main" xmlns:r="http://schemas.openxmlformats.org/officeDocument/2006/relationships" xmlns:p="http://schemas.openxmlformats.org/presentationml/2006/main" type="titleOnly" matchingName="Title only">
   <p:cSld name="TITLE_ONLY">
     <p:spTree>
       <p:nvGrpSpPr>
@@ -8839,7 +8672,6 @@
               </a:spcAft>
               <a:buNone/>
             </a:pPr>
-            <a:endParaRPr/>
           </a:p>
         </p:txBody>
       </p:sp>
@@ -8967,9 +8799,7 @@
               <a:defRPr/>
             </a:lvl9pPr>
           </a:lstStyle>
-          <a:p>
-            <a:endParaRPr/>
-          </a:p>
+          <a:p/>
         </p:txBody>
       </p:sp>
     </p:spTree>
@@ -9033,7 +8863,6 @@
               </a:spcAft>
               <a:buNone/>
             </a:pPr>
-            <a:endParaRPr/>
           </a:p>
         </p:txBody>
       </p:sp>
@@ -9073,7 +8902,6 @@
               </a:spcAft>
               <a:buNone/>
             </a:pPr>
-            <a:endParaRPr/>
           </a:p>
         </p:txBody>
       </p:sp>
@@ -9113,7 +8941,6 @@
               </a:spcAft>
               <a:buNone/>
             </a:pPr>
-            <a:endParaRPr/>
           </a:p>
         </p:txBody>
       </p:sp>
@@ -9153,7 +8980,6 @@
               </a:spcAft>
               <a:buNone/>
             </a:pPr>
-            <a:endParaRPr/>
           </a:p>
         </p:txBody>
       </p:sp>
@@ -9281,9 +9107,7 @@
               <a:defRPr sz="4200"/>
             </a:lvl9pPr>
           </a:lstStyle>
-          <a:p>
-            <a:endParaRPr/>
-          </a:p>
+          <a:p/>
         </p:txBody>
       </p:sp>
       <p:sp>
@@ -9437,9 +9261,7 @@
               <a:defRPr sz="2100"/>
             </a:lvl9pPr>
           </a:lstStyle>
-          <a:p>
-            <a:endParaRPr/>
-          </a:p>
+          <a:p/>
         </p:txBody>
       </p:sp>
       <p:sp>
@@ -9566,9 +9388,7 @@
               <a:defRPr/>
             </a:lvl9pPr>
           </a:lstStyle>
-          <a:p>
-            <a:endParaRPr/>
-          </a:p>
+          <a:p/>
         </p:txBody>
       </p:sp>
     </p:spTree>
@@ -9580,7 +9400,7 @@
 </file>
 
 <file path=ppt/slideLayouts/slideLayout4.xml><?xml version="1.0" encoding="utf-8"?>
-<p:sldLayout xmlns:a="http://schemas.openxmlformats.org/drawingml/2006/main" xmlns:r="http://schemas.openxmlformats.org/officeDocument/2006/relationships" xmlns:p="http://schemas.openxmlformats.org/presentationml/2006/main" matchingName="Blank" type="blank">
+<p:sldLayout xmlns:a="http://schemas.openxmlformats.org/drawingml/2006/main" xmlns:r="http://schemas.openxmlformats.org/officeDocument/2006/relationships" xmlns:p="http://schemas.openxmlformats.org/presentationml/2006/main" type="blank" matchingName="Blank">
   <p:cSld name="BLANK">
     <p:spTree>
       <p:nvGrpSpPr>
@@ -9716,7 +9536,6 @@
               </a:spcAft>
               <a:buNone/>
             </a:pPr>
-            <a:endParaRPr/>
           </a:p>
         </p:txBody>
       </p:sp>
@@ -9835,9 +9654,7 @@
               <a:defRPr sz="3600"/>
             </a:lvl9pPr>
           </a:lstStyle>
-          <a:p>
-            <a:endParaRPr/>
-          </a:p>
+          <a:p/>
         </p:txBody>
       </p:sp>
       <p:sp>
@@ -9955,9 +9772,7 @@
               <a:defRPr sz="1400"/>
             </a:lvl9pPr>
           </a:lstStyle>
-          <a:p>
-            <a:endParaRPr/>
-          </a:p>
+          <a:p/>
         </p:txBody>
       </p:sp>
       <p:sp>
@@ -10860,9 +10675,7 @@
               </a:defRPr>
             </a:lvl9pPr>
           </a:lstStyle>
-          <a:p>
-            <a:endParaRPr/>
-          </a:p>
+          <a:p/>
         </p:txBody>
       </p:sp>
       <p:sp>
@@ -10980,9 +10793,7 @@
               <a:defRPr sz="1400"/>
             </a:lvl9pPr>
           </a:lstStyle>
-          <a:p>
-            <a:endParaRPr/>
-          </a:p>
+          <a:p/>
         </p:txBody>
       </p:sp>
       <p:sp>
@@ -11172,9 +10983,7 @@
               </a:defRPr>
             </a:lvl9pPr>
           </a:lstStyle>
-          <a:p>
-            <a:endParaRPr/>
-          </a:p>
+          <a:p/>
         </p:txBody>
       </p:sp>
       <p:sp>
@@ -11292,9 +11101,7 @@
               <a:defRPr sz="1400"/>
             </a:lvl9pPr>
           </a:lstStyle>
-          <a:p>
-            <a:endParaRPr/>
-          </a:p>
+          <a:p/>
         </p:txBody>
       </p:sp>
       <p:sp>
@@ -11484,9 +11291,7 @@
               </a:defRPr>
             </a:lvl9pPr>
           </a:lstStyle>
-          <a:p>
-            <a:endParaRPr/>
-          </a:p>
+          <a:p/>
         </p:txBody>
       </p:sp>
       <p:sp>
@@ -11604,9 +11409,7 @@
               <a:defRPr sz="1400"/>
             </a:lvl9pPr>
           </a:lstStyle>
-          <a:p>
-            <a:endParaRPr/>
-          </a:p>
+          <a:p/>
         </p:txBody>
       </p:sp>
       <p:sp>
@@ -11796,9 +11599,7 @@
               </a:defRPr>
             </a:lvl9pPr>
           </a:lstStyle>
-          <a:p>
-            <a:endParaRPr/>
-          </a:p>
+          <a:p/>
         </p:txBody>
       </p:sp>
     </p:spTree>
@@ -11811,7 +11612,7 @@
 
 <file path=ppt/slideMasters/slideMaster1.xml><?xml version="1.0" encoding="utf-8"?>
 <p:sldMaster xmlns:a="http://schemas.openxmlformats.org/drawingml/2006/main" xmlns:r="http://schemas.openxmlformats.org/officeDocument/2006/relationships" xmlns:p="http://schemas.openxmlformats.org/presentationml/2006/main">
-  <p:cSld name="simple-light-2">
+  <p:cSld>
     <p:bg>
       <p:bgPr>
         <a:solidFill>
@@ -12070,9 +11871,7 @@
               </a:defRPr>
             </a:lvl9pPr>
           </a:lstStyle>
-          <a:p>
-            <a:endParaRPr/>
-          </a:p>
+          <a:p/>
         </p:txBody>
       </p:sp>
       <p:sp>
@@ -12338,21 +12137,19 @@
               </a:defRPr>
             </a:lvl9pPr>
           </a:lstStyle>
-          <a:p>
-            <a:endParaRPr/>
-          </a:p>
+          <a:p/>
         </p:txBody>
       </p:sp>
     </p:spTree>
   </p:cSld>
   <p:clrMap bg1="lt1" tx1="dk1" bg2="dk2" tx2="lt2" accent1="accent1" accent2="accent2" accent3="accent3" accent4="accent4" accent5="accent5" accent6="accent6" hlink="hlink" folHlink="folHlink"/>
   <p:sldLayoutIdLst>
-    <p:sldLayoutId id="2147483648" r:id="rId1"/>
-    <p:sldLayoutId id="2147483653" r:id="rId2"/>
-    <p:sldLayoutId id="2147483657" r:id="rId3"/>
-    <p:sldLayoutId id="2147483660" r:id="rId4"/>
-    <p:sldLayoutId id="2147483661" r:id="rId5"/>
-    <p:sldLayoutId id="2147483662" r:id="rId6"/>
+    <p:sldLayoutId id="2147483649" r:id="rId1"/>
+    <p:sldLayoutId id="2147483650" r:id="rId2"/>
+    <p:sldLayoutId id="2147483651" r:id="rId3"/>
+    <p:sldLayoutId id="2147483652" r:id="rId4"/>
+    <p:sldLayoutId id="2147483653" r:id="rId5"/>
+    <p:sldLayoutId id="2147483654" r:id="rId6"/>
   </p:sldLayoutIdLst>
   <p:hf sldNum="0" hdr="0" ftr="0" dt="0"/>
   <p:txStyles>
@@ -12381,15 +12178,15 @@
         <a:buClr>
           <a:srgbClr val="000000"/>
         </a:buClr>
-        <a:buFont typeface="Arial"/>
+        <a:buFont typeface="Arial" panose="020B0604020202090204"/>
         <a:defRPr sz="1400" b="0" i="0" u="none" strike="noStrike" cap="none">
           <a:solidFill>
             <a:srgbClr val="000000"/>
           </a:solidFill>
-          <a:latin typeface="Arial"/>
-          <a:ea typeface="Arial"/>
-          <a:cs typeface="Arial"/>
-          <a:sym typeface="Arial"/>
+          <a:latin typeface="Arial" panose="020B0604020202090204"/>
+          <a:ea typeface="Arial" panose="020B0604020202090204"/>
+          <a:cs typeface="Arial" panose="020B0604020202090204"/>
+          <a:sym typeface="Arial" panose="020B0604020202090204"/>
         </a:defRPr>
       </a:lvl1pPr>
       <a:lvl2pPr marR="0" lvl="1" algn="l" rtl="0">
@@ -12405,15 +12202,15 @@
         <a:buClr>
           <a:srgbClr val="000000"/>
         </a:buClr>
-        <a:buFont typeface="Arial"/>
+        <a:buFont typeface="Arial" panose="020B0604020202090204"/>
         <a:defRPr sz="1400" b="0" i="0" u="none" strike="noStrike" cap="none">
           <a:solidFill>
             <a:srgbClr val="000000"/>
           </a:solidFill>
-          <a:latin typeface="Arial"/>
-          <a:ea typeface="Arial"/>
-          <a:cs typeface="Arial"/>
-          <a:sym typeface="Arial"/>
+          <a:latin typeface="Arial" panose="020B0604020202090204"/>
+          <a:ea typeface="Arial" panose="020B0604020202090204"/>
+          <a:cs typeface="Arial" panose="020B0604020202090204"/>
+          <a:sym typeface="Arial" panose="020B0604020202090204"/>
         </a:defRPr>
       </a:lvl2pPr>
       <a:lvl3pPr marR="0" lvl="2" algn="l" rtl="0">
@@ -12429,15 +12226,15 @@
         <a:buClr>
           <a:srgbClr val="000000"/>
         </a:buClr>
-        <a:buFont typeface="Arial"/>
+        <a:buFont typeface="Arial" panose="020B0604020202090204"/>
         <a:defRPr sz="1400" b="0" i="0" u="none" strike="noStrike" cap="none">
           <a:solidFill>
             <a:srgbClr val="000000"/>
           </a:solidFill>
-          <a:latin typeface="Arial"/>
-          <a:ea typeface="Arial"/>
-          <a:cs typeface="Arial"/>
-          <a:sym typeface="Arial"/>
+          <a:latin typeface="Arial" panose="020B0604020202090204"/>
+          <a:ea typeface="Arial" panose="020B0604020202090204"/>
+          <a:cs typeface="Arial" panose="020B0604020202090204"/>
+          <a:sym typeface="Arial" panose="020B0604020202090204"/>
         </a:defRPr>
       </a:lvl3pPr>
       <a:lvl4pPr marR="0" lvl="3" algn="l" rtl="0">
@@ -12453,15 +12250,15 @@
         <a:buClr>
           <a:srgbClr val="000000"/>
         </a:buClr>
-        <a:buFont typeface="Arial"/>
+        <a:buFont typeface="Arial" panose="020B0604020202090204"/>
         <a:defRPr sz="1400" b="0" i="0" u="none" strike="noStrike" cap="none">
           <a:solidFill>
             <a:srgbClr val="000000"/>
           </a:solidFill>
-          <a:latin typeface="Arial"/>
-          <a:ea typeface="Arial"/>
-          <a:cs typeface="Arial"/>
-          <a:sym typeface="Arial"/>
+          <a:latin typeface="Arial" panose="020B0604020202090204"/>
+          <a:ea typeface="Arial" panose="020B0604020202090204"/>
+          <a:cs typeface="Arial" panose="020B0604020202090204"/>
+          <a:sym typeface="Arial" panose="020B0604020202090204"/>
         </a:defRPr>
       </a:lvl4pPr>
       <a:lvl5pPr marR="0" lvl="4" algn="l" rtl="0">
@@ -12477,15 +12274,15 @@
         <a:buClr>
           <a:srgbClr val="000000"/>
         </a:buClr>
-        <a:buFont typeface="Arial"/>
+        <a:buFont typeface="Arial" panose="020B0604020202090204"/>
         <a:defRPr sz="1400" b="0" i="0" u="none" strike="noStrike" cap="none">
           <a:solidFill>
             <a:srgbClr val="000000"/>
           </a:solidFill>
-          <a:latin typeface="Arial"/>
-          <a:ea typeface="Arial"/>
-          <a:cs typeface="Arial"/>
-          <a:sym typeface="Arial"/>
+          <a:latin typeface="Arial" panose="020B0604020202090204"/>
+          <a:ea typeface="Arial" panose="020B0604020202090204"/>
+          <a:cs typeface="Arial" panose="020B0604020202090204"/>
+          <a:sym typeface="Arial" panose="020B0604020202090204"/>
         </a:defRPr>
       </a:lvl5pPr>
       <a:lvl6pPr marR="0" lvl="5" algn="l" rtl="0">
@@ -12501,15 +12298,15 @@
         <a:buClr>
           <a:srgbClr val="000000"/>
         </a:buClr>
-        <a:buFont typeface="Arial"/>
+        <a:buFont typeface="Arial" panose="020B0604020202090204"/>
         <a:defRPr sz="1400" b="0" i="0" u="none" strike="noStrike" cap="none">
           <a:solidFill>
             <a:srgbClr val="000000"/>
           </a:solidFill>
-          <a:latin typeface="Arial"/>
-          <a:ea typeface="Arial"/>
-          <a:cs typeface="Arial"/>
-          <a:sym typeface="Arial"/>
+          <a:latin typeface="Arial" panose="020B0604020202090204"/>
+          <a:ea typeface="Arial" panose="020B0604020202090204"/>
+          <a:cs typeface="Arial" panose="020B0604020202090204"/>
+          <a:sym typeface="Arial" panose="020B0604020202090204"/>
         </a:defRPr>
       </a:lvl6pPr>
       <a:lvl7pPr marR="0" lvl="6" algn="l" rtl="0">
@@ -12525,15 +12322,15 @@
         <a:buClr>
           <a:srgbClr val="000000"/>
         </a:buClr>
-        <a:buFont typeface="Arial"/>
+        <a:buFont typeface="Arial" panose="020B0604020202090204"/>
         <a:defRPr sz="1400" b="0" i="0" u="none" strike="noStrike" cap="none">
           <a:solidFill>
             <a:srgbClr val="000000"/>
           </a:solidFill>
-          <a:latin typeface="Arial"/>
-          <a:ea typeface="Arial"/>
-          <a:cs typeface="Arial"/>
-          <a:sym typeface="Arial"/>
+          <a:latin typeface="Arial" panose="020B0604020202090204"/>
+          <a:ea typeface="Arial" panose="020B0604020202090204"/>
+          <a:cs typeface="Arial" panose="020B0604020202090204"/>
+          <a:sym typeface="Arial" panose="020B0604020202090204"/>
         </a:defRPr>
       </a:lvl7pPr>
       <a:lvl8pPr marR="0" lvl="7" algn="l" rtl="0">
@@ -12549,15 +12346,15 @@
         <a:buClr>
           <a:srgbClr val="000000"/>
         </a:buClr>
-        <a:buFont typeface="Arial"/>
+        <a:buFont typeface="Arial" panose="020B0604020202090204"/>
         <a:defRPr sz="1400" b="0" i="0" u="none" strike="noStrike" cap="none">
           <a:solidFill>
             <a:srgbClr val="000000"/>
           </a:solidFill>
-          <a:latin typeface="Arial"/>
-          <a:ea typeface="Arial"/>
-          <a:cs typeface="Arial"/>
-          <a:sym typeface="Arial"/>
+          <a:latin typeface="Arial" panose="020B0604020202090204"/>
+          <a:ea typeface="Arial" panose="020B0604020202090204"/>
+          <a:cs typeface="Arial" panose="020B0604020202090204"/>
+          <a:sym typeface="Arial" panose="020B0604020202090204"/>
         </a:defRPr>
       </a:lvl8pPr>
       <a:lvl9pPr marR="0" lvl="8" algn="l" rtl="0">
@@ -12573,15 +12370,15 @@
         <a:buClr>
           <a:srgbClr val="000000"/>
         </a:buClr>
-        <a:buFont typeface="Arial"/>
+        <a:buFont typeface="Arial" panose="020B0604020202090204"/>
         <a:defRPr sz="1400" b="0" i="0" u="none" strike="noStrike" cap="none">
           <a:solidFill>
             <a:srgbClr val="000000"/>
           </a:solidFill>
-          <a:latin typeface="Arial"/>
-          <a:ea typeface="Arial"/>
-          <a:cs typeface="Arial"/>
-          <a:sym typeface="Arial"/>
+          <a:latin typeface="Arial" panose="020B0604020202090204"/>
+          <a:ea typeface="Arial" panose="020B0604020202090204"/>
+          <a:cs typeface="Arial" panose="020B0604020202090204"/>
+          <a:sym typeface="Arial" panose="020B0604020202090204"/>
         </a:defRPr>
       </a:lvl9pPr>
     </p:titleStyle>
@@ -12610,15 +12407,15 @@
         <a:buClr>
           <a:srgbClr val="000000"/>
         </a:buClr>
-        <a:buFont typeface="Arial"/>
+        <a:buFont typeface="Arial" panose="020B0604020202090204"/>
         <a:defRPr sz="1400" b="0" i="0" u="none" strike="noStrike" cap="none">
           <a:solidFill>
             <a:srgbClr val="000000"/>
           </a:solidFill>
-          <a:latin typeface="Arial"/>
-          <a:ea typeface="Arial"/>
-          <a:cs typeface="Arial"/>
-          <a:sym typeface="Arial"/>
+          <a:latin typeface="Arial" panose="020B0604020202090204"/>
+          <a:ea typeface="Arial" panose="020B0604020202090204"/>
+          <a:cs typeface="Arial" panose="020B0604020202090204"/>
+          <a:sym typeface="Arial" panose="020B0604020202090204"/>
         </a:defRPr>
       </a:lvl1pPr>
       <a:lvl2pPr marR="0" lvl="1" algn="l" rtl="0">
@@ -12634,15 +12431,15 @@
         <a:buClr>
           <a:srgbClr val="000000"/>
         </a:buClr>
-        <a:buFont typeface="Arial"/>
+        <a:buFont typeface="Arial" panose="020B0604020202090204"/>
         <a:defRPr sz="1400" b="0" i="0" u="none" strike="noStrike" cap="none">
           <a:solidFill>
             <a:srgbClr val="000000"/>
           </a:solidFill>
-          <a:latin typeface="Arial"/>
-          <a:ea typeface="Arial"/>
-          <a:cs typeface="Arial"/>
-          <a:sym typeface="Arial"/>
+          <a:latin typeface="Arial" panose="020B0604020202090204"/>
+          <a:ea typeface="Arial" panose="020B0604020202090204"/>
+          <a:cs typeface="Arial" panose="020B0604020202090204"/>
+          <a:sym typeface="Arial" panose="020B0604020202090204"/>
         </a:defRPr>
       </a:lvl2pPr>
       <a:lvl3pPr marR="0" lvl="2" algn="l" rtl="0">
@@ -12658,15 +12455,15 @@
         <a:buClr>
           <a:srgbClr val="000000"/>
         </a:buClr>
-        <a:buFont typeface="Arial"/>
+        <a:buFont typeface="Arial" panose="020B0604020202090204"/>
         <a:defRPr sz="1400" b="0" i="0" u="none" strike="noStrike" cap="none">
           <a:solidFill>
             <a:srgbClr val="000000"/>
           </a:solidFill>
-          <a:latin typeface="Arial"/>
-          <a:ea typeface="Arial"/>
-          <a:cs typeface="Arial"/>
-          <a:sym typeface="Arial"/>
+          <a:latin typeface="Arial" panose="020B0604020202090204"/>
+          <a:ea typeface="Arial" panose="020B0604020202090204"/>
+          <a:cs typeface="Arial" panose="020B0604020202090204"/>
+          <a:sym typeface="Arial" panose="020B0604020202090204"/>
         </a:defRPr>
       </a:lvl3pPr>
       <a:lvl4pPr marR="0" lvl="3" algn="l" rtl="0">
@@ -12682,15 +12479,15 @@
         <a:buClr>
           <a:srgbClr val="000000"/>
         </a:buClr>
-        <a:buFont typeface="Arial"/>
+        <a:buFont typeface="Arial" panose="020B0604020202090204"/>
         <a:defRPr sz="1400" b="0" i="0" u="none" strike="noStrike" cap="none">
           <a:solidFill>
             <a:srgbClr val="000000"/>
           </a:solidFill>
-          <a:latin typeface="Arial"/>
-          <a:ea typeface="Arial"/>
-          <a:cs typeface="Arial"/>
-          <a:sym typeface="Arial"/>
+          <a:latin typeface="Arial" panose="020B0604020202090204"/>
+          <a:ea typeface="Arial" panose="020B0604020202090204"/>
+          <a:cs typeface="Arial" panose="020B0604020202090204"/>
+          <a:sym typeface="Arial" panose="020B0604020202090204"/>
         </a:defRPr>
       </a:lvl4pPr>
       <a:lvl5pPr marR="0" lvl="4" algn="l" rtl="0">
@@ -12706,15 +12503,15 @@
         <a:buClr>
           <a:srgbClr val="000000"/>
         </a:buClr>
-        <a:buFont typeface="Arial"/>
+        <a:buFont typeface="Arial" panose="020B0604020202090204"/>
         <a:defRPr sz="1400" b="0" i="0" u="none" strike="noStrike" cap="none">
           <a:solidFill>
             <a:srgbClr val="000000"/>
           </a:solidFill>
-          <a:latin typeface="Arial"/>
-          <a:ea typeface="Arial"/>
-          <a:cs typeface="Arial"/>
-          <a:sym typeface="Arial"/>
+          <a:latin typeface="Arial" panose="020B0604020202090204"/>
+          <a:ea typeface="Arial" panose="020B0604020202090204"/>
+          <a:cs typeface="Arial" panose="020B0604020202090204"/>
+          <a:sym typeface="Arial" panose="020B0604020202090204"/>
         </a:defRPr>
       </a:lvl5pPr>
       <a:lvl6pPr marR="0" lvl="5" algn="l" rtl="0">
@@ -12730,15 +12527,15 @@
         <a:buClr>
           <a:srgbClr val="000000"/>
         </a:buClr>
-        <a:buFont typeface="Arial"/>
+        <a:buFont typeface="Arial" panose="020B0604020202090204"/>
         <a:defRPr sz="1400" b="0" i="0" u="none" strike="noStrike" cap="none">
           <a:solidFill>
             <a:srgbClr val="000000"/>
           </a:solidFill>
-          <a:latin typeface="Arial"/>
-          <a:ea typeface="Arial"/>
-          <a:cs typeface="Arial"/>
-          <a:sym typeface="Arial"/>
+          <a:latin typeface="Arial" panose="020B0604020202090204"/>
+          <a:ea typeface="Arial" panose="020B0604020202090204"/>
+          <a:cs typeface="Arial" panose="020B0604020202090204"/>
+          <a:sym typeface="Arial" panose="020B0604020202090204"/>
         </a:defRPr>
       </a:lvl6pPr>
       <a:lvl7pPr marR="0" lvl="6" algn="l" rtl="0">
@@ -12754,15 +12551,15 @@
         <a:buClr>
           <a:srgbClr val="000000"/>
         </a:buClr>
-        <a:buFont typeface="Arial"/>
+        <a:buFont typeface="Arial" panose="020B0604020202090204"/>
         <a:defRPr sz="1400" b="0" i="0" u="none" strike="noStrike" cap="none">
           <a:solidFill>
             <a:srgbClr val="000000"/>
           </a:solidFill>
-          <a:latin typeface="Arial"/>
-          <a:ea typeface="Arial"/>
-          <a:cs typeface="Arial"/>
-          <a:sym typeface="Arial"/>
+          <a:latin typeface="Arial" panose="020B0604020202090204"/>
+          <a:ea typeface="Arial" panose="020B0604020202090204"/>
+          <a:cs typeface="Arial" panose="020B0604020202090204"/>
+          <a:sym typeface="Arial" panose="020B0604020202090204"/>
         </a:defRPr>
       </a:lvl7pPr>
       <a:lvl8pPr marR="0" lvl="7" algn="l" rtl="0">
@@ -12778,15 +12575,15 @@
         <a:buClr>
           <a:srgbClr val="000000"/>
         </a:buClr>
-        <a:buFont typeface="Arial"/>
+        <a:buFont typeface="Arial" panose="020B0604020202090204"/>
         <a:defRPr sz="1400" b="0" i="0" u="none" strike="noStrike" cap="none">
           <a:solidFill>
             <a:srgbClr val="000000"/>
           </a:solidFill>
-          <a:latin typeface="Arial"/>
-          <a:ea typeface="Arial"/>
-          <a:cs typeface="Arial"/>
-          <a:sym typeface="Arial"/>
+          <a:latin typeface="Arial" panose="020B0604020202090204"/>
+          <a:ea typeface="Arial" panose="020B0604020202090204"/>
+          <a:cs typeface="Arial" panose="020B0604020202090204"/>
+          <a:sym typeface="Arial" panose="020B0604020202090204"/>
         </a:defRPr>
       </a:lvl8pPr>
       <a:lvl9pPr marR="0" lvl="8" algn="l" rtl="0">
@@ -12802,15 +12599,15 @@
         <a:buClr>
           <a:srgbClr val="000000"/>
         </a:buClr>
-        <a:buFont typeface="Arial"/>
+        <a:buFont typeface="Arial" panose="020B0604020202090204"/>
         <a:defRPr sz="1400" b="0" i="0" u="none" strike="noStrike" cap="none">
           <a:solidFill>
             <a:srgbClr val="000000"/>
           </a:solidFill>
-          <a:latin typeface="Arial"/>
-          <a:ea typeface="Arial"/>
-          <a:cs typeface="Arial"/>
-          <a:sym typeface="Arial"/>
+          <a:latin typeface="Arial" panose="020B0604020202090204"/>
+          <a:ea typeface="Arial" panose="020B0604020202090204"/>
+          <a:cs typeface="Arial" panose="020B0604020202090204"/>
+          <a:sym typeface="Arial" panose="020B0604020202090204"/>
         </a:defRPr>
       </a:lvl9pPr>
     </p:bodyStyle>
@@ -12839,15 +12636,15 @@
         <a:buClr>
           <a:srgbClr val="000000"/>
         </a:buClr>
-        <a:buFont typeface="Arial"/>
+        <a:buFont typeface="Arial" panose="020B0604020202090204"/>
         <a:defRPr sz="1400" b="0" i="0" u="none" strike="noStrike" cap="none">
           <a:solidFill>
             <a:srgbClr val="000000"/>
           </a:solidFill>
-          <a:latin typeface="Arial"/>
-          <a:ea typeface="Arial"/>
-          <a:cs typeface="Arial"/>
-          <a:sym typeface="Arial"/>
+          <a:latin typeface="Arial" panose="020B0604020202090204"/>
+          <a:ea typeface="Arial" panose="020B0604020202090204"/>
+          <a:cs typeface="Arial" panose="020B0604020202090204"/>
+          <a:sym typeface="Arial" panose="020B0604020202090204"/>
         </a:defRPr>
       </a:lvl1pPr>
       <a:lvl2pPr marR="0" lvl="1" algn="l" rtl="0">
@@ -12863,15 +12660,15 @@
         <a:buClr>
           <a:srgbClr val="000000"/>
         </a:buClr>
-        <a:buFont typeface="Arial"/>
+        <a:buFont typeface="Arial" panose="020B0604020202090204"/>
         <a:defRPr sz="1400" b="0" i="0" u="none" strike="noStrike" cap="none">
           <a:solidFill>
             <a:srgbClr val="000000"/>
           </a:solidFill>
-          <a:latin typeface="Arial"/>
-          <a:ea typeface="Arial"/>
-          <a:cs typeface="Arial"/>
-          <a:sym typeface="Arial"/>
+          <a:latin typeface="Arial" panose="020B0604020202090204"/>
+          <a:ea typeface="Arial" panose="020B0604020202090204"/>
+          <a:cs typeface="Arial" panose="020B0604020202090204"/>
+          <a:sym typeface="Arial" panose="020B0604020202090204"/>
         </a:defRPr>
       </a:lvl2pPr>
       <a:lvl3pPr marR="0" lvl="2" algn="l" rtl="0">
@@ -12887,15 +12684,15 @@
         <a:buClr>
           <a:srgbClr val="000000"/>
         </a:buClr>
-        <a:buFont typeface="Arial"/>
+        <a:buFont typeface="Arial" panose="020B0604020202090204"/>
         <a:defRPr sz="1400" b="0" i="0" u="none" strike="noStrike" cap="none">
           <a:solidFill>
             <a:srgbClr val="000000"/>
           </a:solidFill>
-          <a:latin typeface="Arial"/>
-          <a:ea typeface="Arial"/>
-          <a:cs typeface="Arial"/>
-          <a:sym typeface="Arial"/>
+          <a:latin typeface="Arial" panose="020B0604020202090204"/>
+          <a:ea typeface="Arial" panose="020B0604020202090204"/>
+          <a:cs typeface="Arial" panose="020B0604020202090204"/>
+          <a:sym typeface="Arial" panose="020B0604020202090204"/>
         </a:defRPr>
       </a:lvl3pPr>
       <a:lvl4pPr marR="0" lvl="3" algn="l" rtl="0">
@@ -12911,15 +12708,15 @@
         <a:buClr>
           <a:srgbClr val="000000"/>
         </a:buClr>
-        <a:buFont typeface="Arial"/>
+        <a:buFont typeface="Arial" panose="020B0604020202090204"/>
         <a:defRPr sz="1400" b="0" i="0" u="none" strike="noStrike" cap="none">
           <a:solidFill>
             <a:srgbClr val="000000"/>
           </a:solidFill>
-          <a:latin typeface="Arial"/>
-          <a:ea typeface="Arial"/>
-          <a:cs typeface="Arial"/>
-          <a:sym typeface="Arial"/>
+          <a:latin typeface="Arial" panose="020B0604020202090204"/>
+          <a:ea typeface="Arial" panose="020B0604020202090204"/>
+          <a:cs typeface="Arial" panose="020B0604020202090204"/>
+          <a:sym typeface="Arial" panose="020B0604020202090204"/>
         </a:defRPr>
       </a:lvl4pPr>
       <a:lvl5pPr marR="0" lvl="4" algn="l" rtl="0">
@@ -12935,15 +12732,15 @@
         <a:buClr>
           <a:srgbClr val="000000"/>
         </a:buClr>
-        <a:buFont typeface="Arial"/>
+        <a:buFont typeface="Arial" panose="020B0604020202090204"/>
         <a:defRPr sz="1400" b="0" i="0" u="none" strike="noStrike" cap="none">
           <a:solidFill>
             <a:srgbClr val="000000"/>
           </a:solidFill>
-          <a:latin typeface="Arial"/>
-          <a:ea typeface="Arial"/>
-          <a:cs typeface="Arial"/>
-          <a:sym typeface="Arial"/>
+          <a:latin typeface="Arial" panose="020B0604020202090204"/>
+          <a:ea typeface="Arial" panose="020B0604020202090204"/>
+          <a:cs typeface="Arial" panose="020B0604020202090204"/>
+          <a:sym typeface="Arial" panose="020B0604020202090204"/>
         </a:defRPr>
       </a:lvl5pPr>
       <a:lvl6pPr marR="0" lvl="5" algn="l" rtl="0">
@@ -12959,15 +12756,15 @@
         <a:buClr>
           <a:srgbClr val="000000"/>
         </a:buClr>
-        <a:buFont typeface="Arial"/>
+        <a:buFont typeface="Arial" panose="020B0604020202090204"/>
         <a:defRPr sz="1400" b="0" i="0" u="none" strike="noStrike" cap="none">
           <a:solidFill>
             <a:srgbClr val="000000"/>
           </a:solidFill>
-          <a:latin typeface="Arial"/>
-          <a:ea typeface="Arial"/>
-          <a:cs typeface="Arial"/>
-          <a:sym typeface="Arial"/>
+          <a:latin typeface="Arial" panose="020B0604020202090204"/>
+          <a:ea typeface="Arial" panose="020B0604020202090204"/>
+          <a:cs typeface="Arial" panose="020B0604020202090204"/>
+          <a:sym typeface="Arial" panose="020B0604020202090204"/>
         </a:defRPr>
       </a:lvl6pPr>
       <a:lvl7pPr marR="0" lvl="6" algn="l" rtl="0">
@@ -12983,15 +12780,15 @@
         <a:buClr>
           <a:srgbClr val="000000"/>
         </a:buClr>
-        <a:buFont typeface="Arial"/>
+        <a:buFont typeface="Arial" panose="020B0604020202090204"/>
         <a:defRPr sz="1400" b="0" i="0" u="none" strike="noStrike" cap="none">
           <a:solidFill>
             <a:srgbClr val="000000"/>
           </a:solidFill>
-          <a:latin typeface="Arial"/>
-          <a:ea typeface="Arial"/>
-          <a:cs typeface="Arial"/>
-          <a:sym typeface="Arial"/>
+          <a:latin typeface="Arial" panose="020B0604020202090204"/>
+          <a:ea typeface="Arial" panose="020B0604020202090204"/>
+          <a:cs typeface="Arial" panose="020B0604020202090204"/>
+          <a:sym typeface="Arial" panose="020B0604020202090204"/>
         </a:defRPr>
       </a:lvl7pPr>
       <a:lvl8pPr marR="0" lvl="7" algn="l" rtl="0">
@@ -13007,15 +12804,15 @@
         <a:buClr>
           <a:srgbClr val="000000"/>
         </a:buClr>
-        <a:buFont typeface="Arial"/>
+        <a:buFont typeface="Arial" panose="020B0604020202090204"/>
         <a:defRPr sz="1400" b="0" i="0" u="none" strike="noStrike" cap="none">
           <a:solidFill>
             <a:srgbClr val="000000"/>
           </a:solidFill>
-          <a:latin typeface="Arial"/>
-          <a:ea typeface="Arial"/>
-          <a:cs typeface="Arial"/>
-          <a:sym typeface="Arial"/>
+          <a:latin typeface="Arial" panose="020B0604020202090204"/>
+          <a:ea typeface="Arial" panose="020B0604020202090204"/>
+          <a:cs typeface="Arial" panose="020B0604020202090204"/>
+          <a:sym typeface="Arial" panose="020B0604020202090204"/>
         </a:defRPr>
       </a:lvl8pPr>
       <a:lvl9pPr marR="0" lvl="8" algn="l" rtl="0">
@@ -13031,15 +12828,15 @@
         <a:buClr>
           <a:srgbClr val="000000"/>
         </a:buClr>
-        <a:buFont typeface="Arial"/>
+        <a:buFont typeface="Arial" panose="020B0604020202090204"/>
         <a:defRPr sz="1400" b="0" i="0" u="none" strike="noStrike" cap="none">
           <a:solidFill>
             <a:srgbClr val="000000"/>
           </a:solidFill>
-          <a:latin typeface="Arial"/>
-          <a:ea typeface="Arial"/>
-          <a:cs typeface="Arial"/>
-          <a:sym typeface="Arial"/>
+          <a:latin typeface="Arial" panose="020B0604020202090204"/>
+          <a:ea typeface="Arial" panose="020B0604020202090204"/>
+          <a:cs typeface="Arial" panose="020B0604020202090204"/>
+          <a:sym typeface="Arial" panose="020B0604020202090204"/>
         </a:defRPr>
       </a:lvl9pPr>
     </p:otherStyle>
@@ -13164,7 +12961,6 @@
               </a:spcAft>
               <a:buNone/>
             </a:pPr>
-            <a:endParaRPr/>
           </a:p>
         </p:txBody>
       </p:sp>
@@ -13260,7 +13056,6 @@
               </a:spcAft>
               <a:buNone/>
             </a:pPr>
-            <a:endParaRPr/>
           </a:p>
         </p:txBody>
       </p:sp>
@@ -13305,7 +13100,7 @@
                 </a:solidFill>
                 <a:effectLst/>
                 <a:ea typeface="Calibri" panose="020F0502020204030204" pitchFamily="34" charset="0"/>
-                <a:cs typeface="Arial" panose="020B0604020202020204" pitchFamily="34" charset="0"/>
+                <a:cs typeface="Arial" panose="020B0604020202090204" pitchFamily="34" charset="0"/>
               </a:rPr>
               <a:t>IDENTIFYING DOG BREEDS BASED ON VISUAL VARIATIONS IN APPEARANCE, USING CONVOLUTION NEURAL NETWORKS &amp; TRANSFER LEARNING</a:t>
             </a:r>
@@ -13329,8 +13124,8 @@
         </p:nvSpPr>
         <p:spPr>
           <a:xfrm>
-            <a:off x="5430045" y="4157682"/>
-            <a:ext cx="3114300" cy="756000"/>
+            <a:off x="3413125" y="244475"/>
+            <a:ext cx="1417320" cy="363855"/>
           </a:xfrm>
           <a:prstGeom prst="rect">
             <a:avLst/>
@@ -13441,7 +13236,6 @@
                 </a:spcAft>
                 <a:buNone/>
               </a:pPr>
-              <a:endParaRPr/>
             </a:p>
           </p:txBody>
         </p:sp>
@@ -13495,7 +13289,6 @@
                   </a:spcAft>
                   <a:buNone/>
                 </a:pPr>
-                <a:endParaRPr/>
               </a:p>
             </p:txBody>
           </p:sp>
@@ -13535,7 +13328,6 @@
                   </a:spcAft>
                   <a:buNone/>
                 </a:pPr>
-                <a:endParaRPr/>
               </a:p>
             </p:txBody>
           </p:sp>
@@ -13685,7 +13477,6 @@
                 </a:spcAft>
                 <a:buNone/>
               </a:pPr>
-              <a:endParaRPr/>
             </a:p>
           </p:txBody>
         </p:sp>
@@ -13785,7 +13576,6 @@
                 </a:spcAft>
                 <a:buNone/>
               </a:pPr>
-              <a:endParaRPr/>
             </a:p>
           </p:txBody>
         </p:sp>
@@ -14639,7 +14429,6 @@
                   </a:spcAft>
                   <a:buNone/>
                 </a:pPr>
-                <a:endParaRPr/>
               </a:p>
             </p:txBody>
           </p:sp>
@@ -15493,7 +15282,6 @@
                     </a:spcAft>
                     <a:buNone/>
                   </a:pPr>
-                  <a:endParaRPr/>
                 </a:p>
               </p:txBody>
             </p:sp>
@@ -15570,7 +15358,6 @@
                     </a:spcAft>
                     <a:buNone/>
                   </a:pPr>
-                  <a:endParaRPr/>
                 </a:p>
               </p:txBody>
             </p:sp>
@@ -16411,7 +16198,6 @@
                   </a:spcAft>
                   <a:buNone/>
                 </a:pPr>
-                <a:endParaRPr/>
               </a:p>
             </p:txBody>
           </p:sp>
@@ -17233,7 +17019,6 @@
                   </a:spcAft>
                   <a:buNone/>
                 </a:pPr>
-                <a:endParaRPr/>
               </a:p>
             </p:txBody>
           </p:sp>
@@ -18055,7 +17840,6 @@
                   </a:spcAft>
                   <a:buNone/>
                 </a:pPr>
-                <a:endParaRPr/>
               </a:p>
             </p:txBody>
           </p:sp>
@@ -18877,7 +18661,6 @@
                   </a:spcAft>
                   <a:buNone/>
                 </a:pPr>
-                <a:endParaRPr/>
               </a:p>
             </p:txBody>
           </p:sp>
@@ -19731,7 +19514,6 @@
                     </a:spcAft>
                     <a:buNone/>
                   </a:pPr>
-                  <a:endParaRPr/>
                 </a:p>
               </p:txBody>
             </p:sp>
@@ -19808,7 +19590,6 @@
                     </a:spcAft>
                     <a:buNone/>
                   </a:pPr>
-                  <a:endParaRPr/>
                 </a:p>
               </p:txBody>
             </p:sp>
@@ -20663,7 +20444,6 @@
                     </a:spcAft>
                     <a:buNone/>
                   </a:pPr>
-                  <a:endParaRPr/>
                 </a:p>
               </p:txBody>
             </p:sp>
@@ -20740,7 +20520,6 @@
                     </a:spcAft>
                     <a:buNone/>
                   </a:pPr>
-                  <a:endParaRPr/>
                 </a:p>
               </p:txBody>
             </p:sp>
@@ -21563,7 +21342,6 @@
                   </a:spcAft>
                   <a:buNone/>
                 </a:pPr>
-                <a:endParaRPr/>
               </a:p>
             </p:txBody>
           </p:sp>
@@ -22385,7 +22163,6 @@
                   </a:spcAft>
                   <a:buNone/>
                 </a:pPr>
-                <a:endParaRPr/>
               </a:p>
             </p:txBody>
           </p:sp>
@@ -23225,7 +23002,6 @@
                   </a:spcAft>
                   <a:buNone/>
                 </a:pPr>
-                <a:endParaRPr/>
               </a:p>
             </p:txBody>
           </p:sp>
@@ -24079,7 +23855,6 @@
                     </a:spcAft>
                     <a:buNone/>
                   </a:pPr>
-                  <a:endParaRPr/>
                 </a:p>
               </p:txBody>
             </p:sp>
@@ -24156,7 +23931,6 @@
                     </a:spcAft>
                     <a:buNone/>
                   </a:pPr>
-                  <a:endParaRPr/>
                 </a:p>
               </p:txBody>
             </p:sp>
@@ -24979,7 +24753,6 @@
                   </a:spcAft>
                   <a:buNone/>
                 </a:pPr>
-                <a:endParaRPr/>
               </a:p>
             </p:txBody>
           </p:sp>
@@ -25819,7 +25592,6 @@
                   </a:spcAft>
                   <a:buNone/>
                 </a:pPr>
-                <a:endParaRPr/>
               </a:p>
             </p:txBody>
           </p:sp>
@@ -26641,7 +26413,6 @@
                   </a:spcAft>
                   <a:buNone/>
                 </a:pPr>
-                <a:endParaRPr/>
               </a:p>
             </p:txBody>
           </p:sp>
@@ -27481,7 +27252,6 @@
                   </a:spcAft>
                   <a:buNone/>
                 </a:pPr>
-                <a:endParaRPr/>
               </a:p>
             </p:txBody>
           </p:sp>
@@ -28321,7 +28091,6 @@
                   </a:spcAft>
                   <a:buNone/>
                 </a:pPr>
-                <a:endParaRPr/>
               </a:p>
             </p:txBody>
           </p:sp>
@@ -29143,7 +28912,6 @@
                   </a:spcAft>
                   <a:buNone/>
                 </a:pPr>
-                <a:endParaRPr/>
               </a:p>
             </p:txBody>
           </p:sp>
@@ -29965,7 +29733,6 @@
                   </a:spcAft>
                   <a:buNone/>
                 </a:pPr>
-                <a:endParaRPr/>
               </a:p>
             </p:txBody>
           </p:sp>
@@ -30042,7 +29809,6 @@
                 </a:spcAft>
                 <a:buNone/>
               </a:pPr>
-              <a:endParaRPr/>
             </a:p>
           </p:txBody>
         </p:sp>
@@ -30103,7 +29869,6 @@
                 </a:spcAft>
                 <a:buNone/>
               </a:pPr>
-              <a:endParaRPr/>
             </a:p>
           </p:txBody>
         </p:sp>
@@ -30164,7 +29929,6 @@
                 </a:spcAft>
                 <a:buNone/>
               </a:pPr>
-              <a:endParaRPr/>
             </a:p>
           </p:txBody>
         </p:sp>
@@ -30196,13 +29960,7 @@
       </p:grpSpPr>
       <p:sp>
         <p:nvSpPr>
-          <p:cNvPr id="2" name="Title 1">
-            <a:extLst>
-              <a:ext uri="{FF2B5EF4-FFF2-40B4-BE49-F238E27FC236}">
-                <a16:creationId xmlns:a16="http://schemas.microsoft.com/office/drawing/2014/main" id="{129C5778-39C9-4BE7-8DAD-8350E0EE1788}"/>
-              </a:ext>
-            </a:extLst>
-          </p:cNvPr>
+          <p:cNvPr id="2" name="Title 1"/>
           <p:cNvSpPr>
             <a:spLocks noGrp="1"/>
           </p:cNvSpPr>
@@ -30216,7 +29974,7 @@
           <a:lstStyle/>
           <a:p>
             <a:r>
-              <a:rPr lang="en" dirty="0"/>
+              <a:rPr lang="en-GB" dirty="0"/>
               <a:t>METHODOLOGY (3/3)</a:t>
             </a:r>
             <a:endParaRPr lang="en-US" dirty="0"/>
@@ -30225,20 +29983,14 @@
       </p:sp>
       <p:pic>
         <p:nvPicPr>
-          <p:cNvPr id="1026" name="Picture 2" descr="MobileNetV2 architecture">
-            <a:extLst>
-              <a:ext uri="{FF2B5EF4-FFF2-40B4-BE49-F238E27FC236}">
-                <a16:creationId xmlns:a16="http://schemas.microsoft.com/office/drawing/2014/main" id="{6FE3C208-8B03-4E0D-BD87-904911447609}"/>
-              </a:ext>
-            </a:extLst>
-          </p:cNvPr>
+          <p:cNvPr id="1026" name="Picture 2" descr="MobileNetV2 architecture"/>
           <p:cNvPicPr>
             <a:picLocks noChangeAspect="1" noChangeArrowheads="1"/>
           </p:cNvPicPr>
           <p:nvPr/>
         </p:nvPicPr>
         <p:blipFill rotWithShape="1">
-          <a:blip r:embed="rId2">
+          <a:blip r:embed="rId1">
             <a:extLst>
               <a:ext uri="{28A0092B-C50C-407E-A947-70E740481C1C}">
                 <a14:useLocalDpi xmlns:a14="http://schemas.microsoft.com/office/drawing/2010/main" val="0"/>
@@ -30246,7 +29998,9 @@
             </a:extLst>
           </a:blip>
           <a:srcRect b="8734"/>
-          <a:stretch/>
+          <a:stretch>
+            <a:fillRect/>
+          </a:stretch>
         </p:blipFill>
         <p:spPr bwMode="auto">
           <a:xfrm>
@@ -30270,13 +30024,7 @@
       </p:pic>
       <p:sp>
         <p:nvSpPr>
-          <p:cNvPr id="5" name="Rectangle 4">
-            <a:extLst>
-              <a:ext uri="{FF2B5EF4-FFF2-40B4-BE49-F238E27FC236}">
-                <a16:creationId xmlns:a16="http://schemas.microsoft.com/office/drawing/2014/main" id="{75A7600C-F505-4C55-8257-A74E495D894B}"/>
-              </a:ext>
-            </a:extLst>
-          </p:cNvPr>
+          <p:cNvPr id="5" name="Rectangle 4"/>
           <p:cNvSpPr/>
           <p:nvPr/>
         </p:nvSpPr>
@@ -30328,18 +30076,18 @@
               </a:rPr>
               <a:t>is based on an inverted residual structure where the residual connections are between the bottleneck layers. The intermediate expansion layer uses lightweight depth wise convolutions to filter features as a source of non-linearity. As a whole, the architecture of MobileNetV2 contains the initial fully convolution layer with 32 filters, followed by 19 residual bottleneck layers</a:t>
             </a:r>
+            <a:endParaRPr lang="en-US" dirty="0">
+              <a:solidFill>
+                <a:schemeClr val="tx1"/>
+              </a:solidFill>
+              <a:latin typeface="Raleway"/>
+            </a:endParaRPr>
           </a:p>
         </p:txBody>
       </p:sp>
       <p:sp>
         <p:nvSpPr>
-          <p:cNvPr id="6" name="TextBox 5">
-            <a:extLst>
-              <a:ext uri="{FF2B5EF4-FFF2-40B4-BE49-F238E27FC236}">
-                <a16:creationId xmlns:a16="http://schemas.microsoft.com/office/drawing/2014/main" id="{0241B0DD-6A10-4547-B456-2901E29E915A}"/>
-              </a:ext>
-            </a:extLst>
-          </p:cNvPr>
+          <p:cNvPr id="6" name="TextBox 5"/>
           <p:cNvSpPr txBox="1"/>
           <p:nvPr/>
         </p:nvSpPr>
@@ -30368,11 +30116,6 @@
         </p:txBody>
       </p:sp>
     </p:spTree>
-    <p:extLst>
-      <p:ext uri="{BB962C8B-B14F-4D97-AF65-F5344CB8AC3E}">
-        <p14:creationId xmlns:p14="http://schemas.microsoft.com/office/powerpoint/2010/main" val="3402929593"/>
-      </p:ext>
-    </p:extLst>
   </p:cSld>
   <p:clrMapOvr>
     <a:masterClrMapping/>
@@ -30432,7 +30175,7 @@
               <a:buNone/>
             </a:pPr>
             <a:r>
-              <a:rPr lang="en" dirty="0"/>
+              <a:rPr lang="en-GB" dirty="0"/>
               <a:t>RESULT </a:t>
             </a:r>
             <a:endParaRPr dirty="0"/>
@@ -30441,23 +30184,11 @@
       </p:sp>
       <p:graphicFrame>
         <p:nvGraphicFramePr>
-          <p:cNvPr id="6" name="Table 5">
-            <a:extLst>
-              <a:ext uri="{FF2B5EF4-FFF2-40B4-BE49-F238E27FC236}">
-                <a16:creationId xmlns:a16="http://schemas.microsoft.com/office/drawing/2014/main" id="{860EAA19-EBEB-44B8-BDC2-DBD2455DE753}"/>
-              </a:ext>
-            </a:extLst>
-          </p:cNvPr>
+          <p:cNvPr id="6" name="Table 5"/>
           <p:cNvGraphicFramePr>
             <a:graphicFrameLocks noGrp="1"/>
           </p:cNvGraphicFramePr>
-          <p:nvPr>
-            <p:extLst>
-              <p:ext uri="{D42A27DB-BD31-4B8C-83A1-F6EECF244321}">
-                <p14:modId xmlns:p14="http://schemas.microsoft.com/office/powerpoint/2010/main" val="3734791067"/>
-              </p:ext>
-            </p:extLst>
-          </p:nvPr>
+          <p:nvPr/>
         </p:nvGraphicFramePr>
         <p:xfrm>
           <a:off x="1174043" y="1146585"/>
@@ -30470,55 +30201,13 @@
                 <a:tableStyleId>{56DDF0AA-CD8E-4FC4-A695-1598D2A5F316}</a:tableStyleId>
               </a:tblPr>
               <a:tblGrid>
-                <a:gridCol w="751297">
-                  <a:extLst>
-                    <a:ext uri="{9D8B030D-6E8A-4147-A177-3AD203B41FA5}">
-                      <a16:colId xmlns:a16="http://schemas.microsoft.com/office/drawing/2014/main" val="1687786805"/>
-                    </a:ext>
-                  </a:extLst>
-                </a:gridCol>
-                <a:gridCol w="1770579">
-                  <a:extLst>
-                    <a:ext uri="{9D8B030D-6E8A-4147-A177-3AD203B41FA5}">
-                      <a16:colId xmlns:a16="http://schemas.microsoft.com/office/drawing/2014/main" val="2530979000"/>
-                    </a:ext>
-                  </a:extLst>
-                </a:gridCol>
-                <a:gridCol w="1207495">
-                  <a:extLst>
-                    <a:ext uri="{9D8B030D-6E8A-4147-A177-3AD203B41FA5}">
-                      <a16:colId xmlns:a16="http://schemas.microsoft.com/office/drawing/2014/main" val="2084102118"/>
-                    </a:ext>
-                  </a:extLst>
-                </a:gridCol>
-                <a:gridCol w="882966">
-                  <a:extLst>
-                    <a:ext uri="{9D8B030D-6E8A-4147-A177-3AD203B41FA5}">
-                      <a16:colId xmlns:a16="http://schemas.microsoft.com/office/drawing/2014/main" val="3186112557"/>
-                    </a:ext>
-                  </a:extLst>
-                </a:gridCol>
-                <a:gridCol w="882966">
-                  <a:extLst>
-                    <a:ext uri="{9D8B030D-6E8A-4147-A177-3AD203B41FA5}">
-                      <a16:colId xmlns:a16="http://schemas.microsoft.com/office/drawing/2014/main" val="2645375176"/>
-                    </a:ext>
-                  </a:extLst>
-                </a:gridCol>
-                <a:gridCol w="897682">
-                  <a:extLst>
-                    <a:ext uri="{9D8B030D-6E8A-4147-A177-3AD203B41FA5}">
-                      <a16:colId xmlns:a16="http://schemas.microsoft.com/office/drawing/2014/main" val="2493126334"/>
-                    </a:ext>
-                  </a:extLst>
-                </a:gridCol>
-                <a:gridCol w="594840">
-                  <a:extLst>
-                    <a:ext uri="{9D8B030D-6E8A-4147-A177-3AD203B41FA5}">
-                      <a16:colId xmlns:a16="http://schemas.microsoft.com/office/drawing/2014/main" val="3188824558"/>
-                    </a:ext>
-                  </a:extLst>
-                </a:gridCol>
+                <a:gridCol w="751297"/>
+                <a:gridCol w="1770579"/>
+                <a:gridCol w="1207495"/>
+                <a:gridCol w="882966"/>
+                <a:gridCol w="882966"/>
+                <a:gridCol w="897682"/>
+                <a:gridCol w="594840"/>
               </a:tblGrid>
               <a:tr h="356832">
                 <a:tc>
@@ -30542,7 +30231,7 @@
                       </a:r>
                       <a:endParaRPr lang="en-IN" sz="800">
                         <a:effectLst/>
-                        <a:latin typeface="Arial" panose="020B0604020202020204" pitchFamily="34" charset="0"/>
+                        <a:latin typeface="Arial" panose="020B0604020202090204" pitchFamily="34" charset="0"/>
                         <a:ea typeface="Calibri" panose="020F0502020204030204" pitchFamily="34" charset="0"/>
                       </a:endParaRPr>
                     </a:p>
@@ -30570,7 +30259,7 @@
                       </a:r>
                       <a:endParaRPr lang="en-IN" sz="800">
                         <a:effectLst/>
-                        <a:latin typeface="Arial" panose="020B0604020202020204" pitchFamily="34" charset="0"/>
+                        <a:latin typeface="Arial" panose="020B0604020202090204" pitchFamily="34" charset="0"/>
                         <a:ea typeface="Calibri" panose="020F0502020204030204" pitchFamily="34" charset="0"/>
                       </a:endParaRPr>
                     </a:p>
@@ -30609,7 +30298,7 @@
                       </a:r>
                       <a:endParaRPr lang="en-IN" sz="800">
                         <a:effectLst/>
-                        <a:latin typeface="Arial" panose="020B0604020202020204" pitchFamily="34" charset="0"/>
+                        <a:latin typeface="Arial" panose="020B0604020202090204" pitchFamily="34" charset="0"/>
                         <a:ea typeface="Calibri" panose="020F0502020204030204" pitchFamily="34" charset="0"/>
                       </a:endParaRPr>
                     </a:p>
@@ -30648,7 +30337,7 @@
                       </a:r>
                       <a:endParaRPr lang="en-IN" sz="800">
                         <a:effectLst/>
-                        <a:latin typeface="Arial" panose="020B0604020202020204" pitchFamily="34" charset="0"/>
+                        <a:latin typeface="Arial" panose="020B0604020202090204" pitchFamily="34" charset="0"/>
                         <a:ea typeface="Calibri" panose="020F0502020204030204" pitchFamily="34" charset="0"/>
                       </a:endParaRPr>
                     </a:p>
@@ -30687,7 +30376,7 @@
                       </a:r>
                       <a:endParaRPr lang="en-IN" sz="800">
                         <a:effectLst/>
-                        <a:latin typeface="Arial" panose="020B0604020202020204" pitchFamily="34" charset="0"/>
+                        <a:latin typeface="Arial" panose="020B0604020202090204" pitchFamily="34" charset="0"/>
                         <a:ea typeface="Calibri" panose="020F0502020204030204" pitchFamily="34" charset="0"/>
                       </a:endParaRPr>
                     </a:p>
@@ -30726,7 +30415,7 @@
                       </a:r>
                       <a:endParaRPr lang="en-IN" sz="800">
                         <a:effectLst/>
-                        <a:latin typeface="Arial" panose="020B0604020202020204" pitchFamily="34" charset="0"/>
+                        <a:latin typeface="Arial" panose="020B0604020202090204" pitchFamily="34" charset="0"/>
                         <a:ea typeface="Calibri" panose="020F0502020204030204" pitchFamily="34" charset="0"/>
                       </a:endParaRPr>
                     </a:p>
@@ -30765,18 +30454,13 @@
                       </a:r>
                       <a:endParaRPr lang="en-IN" sz="800">
                         <a:effectLst/>
-                        <a:latin typeface="Arial" panose="020B0604020202020204" pitchFamily="34" charset="0"/>
+                        <a:latin typeface="Arial" panose="020B0604020202090204" pitchFamily="34" charset="0"/>
                         <a:ea typeface="Calibri" panose="020F0502020204030204" pitchFamily="34" charset="0"/>
                       </a:endParaRPr>
                     </a:p>
                   </a:txBody>
                   <a:tcPr marL="47837" marR="47837" marT="0" marB="0" anchor="ctr"/>
                 </a:tc>
-                <a:extLst>
-                  <a:ext uri="{0D108BD9-81ED-4DB2-BD59-A6C34878D82A}">
-                    <a16:rowId xmlns:a16="http://schemas.microsoft.com/office/drawing/2014/main" val="25453671"/>
-                  </a:ext>
-                </a:extLst>
               </a:tr>
               <a:tr h="234580">
                 <a:tc>
@@ -30800,7 +30484,7 @@
                       </a:r>
                       <a:endParaRPr lang="en-IN" sz="800">
                         <a:effectLst/>
-                        <a:latin typeface="Arial" panose="020B0604020202020204" pitchFamily="34" charset="0"/>
+                        <a:latin typeface="Arial" panose="020B0604020202090204" pitchFamily="34" charset="0"/>
                         <a:ea typeface="Calibri" panose="020F0502020204030204" pitchFamily="34" charset="0"/>
                       </a:endParaRPr>
                     </a:p>
@@ -30828,7 +30512,7 @@
                       </a:r>
                       <a:endParaRPr lang="en-IN" sz="800">
                         <a:effectLst/>
-                        <a:latin typeface="Arial" panose="020B0604020202020204" pitchFamily="34" charset="0"/>
+                        <a:latin typeface="Arial" panose="020B0604020202090204" pitchFamily="34" charset="0"/>
                         <a:ea typeface="Calibri" panose="020F0502020204030204" pitchFamily="34" charset="0"/>
                       </a:endParaRPr>
                     </a:p>
@@ -30856,7 +30540,7 @@
                       </a:r>
                       <a:endParaRPr lang="en-IN" sz="800">
                         <a:effectLst/>
-                        <a:latin typeface="Arial" panose="020B0604020202020204" pitchFamily="34" charset="0"/>
+                        <a:latin typeface="Arial" panose="020B0604020202090204" pitchFamily="34" charset="0"/>
                         <a:ea typeface="Calibri" panose="020F0502020204030204" pitchFamily="34" charset="0"/>
                       </a:endParaRPr>
                     </a:p>
@@ -30884,7 +30568,7 @@
                       </a:r>
                       <a:endParaRPr lang="en-IN" sz="800">
                         <a:effectLst/>
-                        <a:latin typeface="Arial" panose="020B0604020202020204" pitchFamily="34" charset="0"/>
+                        <a:latin typeface="Arial" panose="020B0604020202090204" pitchFamily="34" charset="0"/>
                         <a:ea typeface="Calibri" panose="020F0502020204030204" pitchFamily="34" charset="0"/>
                       </a:endParaRPr>
                     </a:p>
@@ -30912,7 +30596,7 @@
                       </a:r>
                       <a:endParaRPr lang="en-IN" sz="800">
                         <a:effectLst/>
-                        <a:latin typeface="Arial" panose="020B0604020202020204" pitchFamily="34" charset="0"/>
+                        <a:latin typeface="Arial" panose="020B0604020202090204" pitchFamily="34" charset="0"/>
                         <a:ea typeface="Calibri" panose="020F0502020204030204" pitchFamily="34" charset="0"/>
                       </a:endParaRPr>
                     </a:p>
@@ -30940,7 +30624,7 @@
                       </a:r>
                       <a:endParaRPr lang="en-IN" sz="800">
                         <a:effectLst/>
-                        <a:latin typeface="Arial" panose="020B0604020202020204" pitchFamily="34" charset="0"/>
+                        <a:latin typeface="Arial" panose="020B0604020202090204" pitchFamily="34" charset="0"/>
                         <a:ea typeface="Calibri" panose="020F0502020204030204" pitchFamily="34" charset="0"/>
                       </a:endParaRPr>
                     </a:p>
@@ -30968,18 +30652,13 @@
                       </a:r>
                       <a:endParaRPr lang="en-IN" sz="800">
                         <a:effectLst/>
-                        <a:latin typeface="Arial" panose="020B0604020202020204" pitchFamily="34" charset="0"/>
+                        <a:latin typeface="Arial" panose="020B0604020202090204" pitchFamily="34" charset="0"/>
                         <a:ea typeface="Calibri" panose="020F0502020204030204" pitchFamily="34" charset="0"/>
                       </a:endParaRPr>
                     </a:p>
                   </a:txBody>
                   <a:tcPr marL="47837" marR="47837" marT="0" marB="0" anchor="ctr"/>
                 </a:tc>
-                <a:extLst>
-                  <a:ext uri="{0D108BD9-81ED-4DB2-BD59-A6C34878D82A}">
-                    <a16:rowId xmlns:a16="http://schemas.microsoft.com/office/drawing/2014/main" val="2696350339"/>
-                  </a:ext>
-                </a:extLst>
               </a:tr>
               <a:tr h="234580">
                 <a:tc>
@@ -31003,7 +30682,7 @@
                       </a:r>
                       <a:endParaRPr lang="en-IN" sz="800">
                         <a:effectLst/>
-                        <a:latin typeface="Arial" panose="020B0604020202020204" pitchFamily="34" charset="0"/>
+                        <a:latin typeface="Arial" panose="020B0604020202090204" pitchFamily="34" charset="0"/>
                         <a:ea typeface="Calibri" panose="020F0502020204030204" pitchFamily="34" charset="0"/>
                       </a:endParaRPr>
                     </a:p>
@@ -31031,7 +30710,7 @@
                       </a:r>
                       <a:endParaRPr lang="en-IN" sz="800">
                         <a:effectLst/>
-                        <a:latin typeface="Arial" panose="020B0604020202020204" pitchFamily="34" charset="0"/>
+                        <a:latin typeface="Arial" panose="020B0604020202090204" pitchFamily="34" charset="0"/>
                         <a:ea typeface="Calibri" panose="020F0502020204030204" pitchFamily="34" charset="0"/>
                       </a:endParaRPr>
                     </a:p>
@@ -31059,7 +30738,7 @@
                       </a:r>
                       <a:endParaRPr lang="en-IN" sz="800">
                         <a:effectLst/>
-                        <a:latin typeface="Arial" panose="020B0604020202020204" pitchFamily="34" charset="0"/>
+                        <a:latin typeface="Arial" panose="020B0604020202090204" pitchFamily="34" charset="0"/>
                         <a:ea typeface="Calibri" panose="020F0502020204030204" pitchFamily="34" charset="0"/>
                       </a:endParaRPr>
                     </a:p>
@@ -31087,7 +30766,7 @@
                       </a:r>
                       <a:endParaRPr lang="en-IN" sz="800">
                         <a:effectLst/>
-                        <a:latin typeface="Arial" panose="020B0604020202020204" pitchFamily="34" charset="0"/>
+                        <a:latin typeface="Arial" panose="020B0604020202090204" pitchFamily="34" charset="0"/>
                         <a:ea typeface="Calibri" panose="020F0502020204030204" pitchFamily="34" charset="0"/>
                       </a:endParaRPr>
                     </a:p>
@@ -31115,7 +30794,7 @@
                       </a:r>
                       <a:endParaRPr lang="en-IN" sz="800">
                         <a:effectLst/>
-                        <a:latin typeface="Arial" panose="020B0604020202020204" pitchFamily="34" charset="0"/>
+                        <a:latin typeface="Arial" panose="020B0604020202090204" pitchFamily="34" charset="0"/>
                         <a:ea typeface="Calibri" panose="020F0502020204030204" pitchFamily="34" charset="0"/>
                       </a:endParaRPr>
                     </a:p>
@@ -31143,7 +30822,7 @@
                       </a:r>
                       <a:endParaRPr lang="en-IN" sz="800">
                         <a:effectLst/>
-                        <a:latin typeface="Arial" panose="020B0604020202020204" pitchFamily="34" charset="0"/>
+                        <a:latin typeface="Arial" panose="020B0604020202090204" pitchFamily="34" charset="0"/>
                         <a:ea typeface="Calibri" panose="020F0502020204030204" pitchFamily="34" charset="0"/>
                       </a:endParaRPr>
                     </a:p>
@@ -31171,18 +30850,13 @@
                       </a:r>
                       <a:endParaRPr lang="en-IN" sz="800">
                         <a:effectLst/>
-                        <a:latin typeface="Arial" panose="020B0604020202020204" pitchFamily="34" charset="0"/>
+                        <a:latin typeface="Arial" panose="020B0604020202090204" pitchFamily="34" charset="0"/>
                         <a:ea typeface="Calibri" panose="020F0502020204030204" pitchFamily="34" charset="0"/>
                       </a:endParaRPr>
                     </a:p>
                   </a:txBody>
                   <a:tcPr marL="47837" marR="47837" marT="0" marB="0" anchor="ctr"/>
                 </a:tc>
-                <a:extLst>
-                  <a:ext uri="{0D108BD9-81ED-4DB2-BD59-A6C34878D82A}">
-                    <a16:rowId xmlns:a16="http://schemas.microsoft.com/office/drawing/2014/main" val="1385419756"/>
-                  </a:ext>
-                </a:extLst>
               </a:tr>
               <a:tr h="234580">
                 <a:tc>
@@ -31206,7 +30880,7 @@
                       </a:r>
                       <a:endParaRPr lang="en-IN" sz="800">
                         <a:effectLst/>
-                        <a:latin typeface="Arial" panose="020B0604020202020204" pitchFamily="34" charset="0"/>
+                        <a:latin typeface="Arial" panose="020B0604020202090204" pitchFamily="34" charset="0"/>
                         <a:ea typeface="Calibri" panose="020F0502020204030204" pitchFamily="34" charset="0"/>
                       </a:endParaRPr>
                     </a:p>
@@ -31234,7 +30908,7 @@
                       </a:r>
                       <a:endParaRPr lang="en-IN" sz="800">
                         <a:effectLst/>
-                        <a:latin typeface="Arial" panose="020B0604020202020204" pitchFamily="34" charset="0"/>
+                        <a:latin typeface="Arial" panose="020B0604020202090204" pitchFamily="34" charset="0"/>
                         <a:ea typeface="Calibri" panose="020F0502020204030204" pitchFamily="34" charset="0"/>
                       </a:endParaRPr>
                     </a:p>
@@ -31262,7 +30936,7 @@
                       </a:r>
                       <a:endParaRPr lang="en-IN" sz="800">
                         <a:effectLst/>
-                        <a:latin typeface="Arial" panose="020B0604020202020204" pitchFamily="34" charset="0"/>
+                        <a:latin typeface="Arial" panose="020B0604020202090204" pitchFamily="34" charset="0"/>
                         <a:ea typeface="Calibri" panose="020F0502020204030204" pitchFamily="34" charset="0"/>
                       </a:endParaRPr>
                     </a:p>
@@ -31290,7 +30964,7 @@
                       </a:r>
                       <a:endParaRPr lang="en-IN" sz="800">
                         <a:effectLst/>
-                        <a:latin typeface="Arial" panose="020B0604020202020204" pitchFamily="34" charset="0"/>
+                        <a:latin typeface="Arial" panose="020B0604020202090204" pitchFamily="34" charset="0"/>
                         <a:ea typeface="Calibri" panose="020F0502020204030204" pitchFamily="34" charset="0"/>
                       </a:endParaRPr>
                     </a:p>
@@ -31318,7 +30992,7 @@
                       </a:r>
                       <a:endParaRPr lang="en-IN" sz="800">
                         <a:effectLst/>
-                        <a:latin typeface="Arial" panose="020B0604020202020204" pitchFamily="34" charset="0"/>
+                        <a:latin typeface="Arial" panose="020B0604020202090204" pitchFamily="34" charset="0"/>
                         <a:ea typeface="Calibri" panose="020F0502020204030204" pitchFamily="34" charset="0"/>
                       </a:endParaRPr>
                     </a:p>
@@ -31346,7 +31020,7 @@
                       </a:r>
                       <a:endParaRPr lang="en-IN" sz="800">
                         <a:effectLst/>
-                        <a:latin typeface="Arial" panose="020B0604020202020204" pitchFamily="34" charset="0"/>
+                        <a:latin typeface="Arial" panose="020B0604020202090204" pitchFamily="34" charset="0"/>
                         <a:ea typeface="Calibri" panose="020F0502020204030204" pitchFamily="34" charset="0"/>
                       </a:endParaRPr>
                     </a:p>
@@ -31374,18 +31048,13 @@
                       </a:r>
                       <a:endParaRPr lang="en-IN" sz="800" dirty="0">
                         <a:effectLst/>
-                        <a:latin typeface="Arial" panose="020B0604020202020204" pitchFamily="34" charset="0"/>
+                        <a:latin typeface="Arial" panose="020B0604020202090204" pitchFamily="34" charset="0"/>
                         <a:ea typeface="Calibri" panose="020F0502020204030204" pitchFamily="34" charset="0"/>
                       </a:endParaRPr>
                     </a:p>
                   </a:txBody>
                   <a:tcPr marL="47837" marR="47837" marT="0" marB="0" anchor="ctr"/>
                 </a:tc>
-                <a:extLst>
-                  <a:ext uri="{0D108BD9-81ED-4DB2-BD59-A6C34878D82A}">
-                    <a16:rowId xmlns:a16="http://schemas.microsoft.com/office/drawing/2014/main" val="2184832544"/>
-                  </a:ext>
-                </a:extLst>
               </a:tr>
               <a:tr h="234580">
                 <a:tc>
@@ -31409,7 +31078,7 @@
                       </a:r>
                       <a:endParaRPr lang="en-IN" sz="800">
                         <a:effectLst/>
-                        <a:latin typeface="Arial" panose="020B0604020202020204" pitchFamily="34" charset="0"/>
+                        <a:latin typeface="Arial" panose="020B0604020202090204" pitchFamily="34" charset="0"/>
                         <a:ea typeface="Calibri" panose="020F0502020204030204" pitchFamily="34" charset="0"/>
                       </a:endParaRPr>
                     </a:p>
@@ -31437,7 +31106,7 @@
                       </a:r>
                       <a:endParaRPr lang="en-IN" sz="800">
                         <a:effectLst/>
-                        <a:latin typeface="Arial" panose="020B0604020202020204" pitchFamily="34" charset="0"/>
+                        <a:latin typeface="Arial" panose="020B0604020202090204" pitchFamily="34" charset="0"/>
                         <a:ea typeface="Calibri" panose="020F0502020204030204" pitchFamily="34" charset="0"/>
                       </a:endParaRPr>
                     </a:p>
@@ -31465,7 +31134,7 @@
                       </a:r>
                       <a:endParaRPr lang="en-IN" sz="800">
                         <a:effectLst/>
-                        <a:latin typeface="Arial" panose="020B0604020202020204" pitchFamily="34" charset="0"/>
+                        <a:latin typeface="Arial" panose="020B0604020202090204" pitchFamily="34" charset="0"/>
                         <a:ea typeface="Calibri" panose="020F0502020204030204" pitchFamily="34" charset="0"/>
                       </a:endParaRPr>
                     </a:p>
@@ -31493,7 +31162,7 @@
                       </a:r>
                       <a:endParaRPr lang="en-IN" sz="800">
                         <a:effectLst/>
-                        <a:latin typeface="Arial" panose="020B0604020202020204" pitchFamily="34" charset="0"/>
+                        <a:latin typeface="Arial" panose="020B0604020202090204" pitchFamily="34" charset="0"/>
                         <a:ea typeface="Calibri" panose="020F0502020204030204" pitchFamily="34" charset="0"/>
                       </a:endParaRPr>
                     </a:p>
@@ -31521,7 +31190,7 @@
                       </a:r>
                       <a:endParaRPr lang="en-IN" sz="800">
                         <a:effectLst/>
-                        <a:latin typeface="Arial" panose="020B0604020202020204" pitchFamily="34" charset="0"/>
+                        <a:latin typeface="Arial" panose="020B0604020202090204" pitchFamily="34" charset="0"/>
                         <a:ea typeface="Calibri" panose="020F0502020204030204" pitchFamily="34" charset="0"/>
                       </a:endParaRPr>
                     </a:p>
@@ -31549,7 +31218,7 @@
                       </a:r>
                       <a:endParaRPr lang="en-IN" sz="800">
                         <a:effectLst/>
-                        <a:latin typeface="Arial" panose="020B0604020202020204" pitchFamily="34" charset="0"/>
+                        <a:latin typeface="Arial" panose="020B0604020202090204" pitchFamily="34" charset="0"/>
                         <a:ea typeface="Calibri" panose="020F0502020204030204" pitchFamily="34" charset="0"/>
                       </a:endParaRPr>
                     </a:p>
@@ -31577,18 +31246,13 @@
                       </a:r>
                       <a:endParaRPr lang="en-IN" sz="800">
                         <a:effectLst/>
-                        <a:latin typeface="Arial" panose="020B0604020202020204" pitchFamily="34" charset="0"/>
+                        <a:latin typeface="Arial" panose="020B0604020202090204" pitchFamily="34" charset="0"/>
                         <a:ea typeface="Calibri" panose="020F0502020204030204" pitchFamily="34" charset="0"/>
                       </a:endParaRPr>
                     </a:p>
                   </a:txBody>
                   <a:tcPr marL="47837" marR="47837" marT="0" marB="0" anchor="ctr"/>
                 </a:tc>
-                <a:extLst>
-                  <a:ext uri="{0D108BD9-81ED-4DB2-BD59-A6C34878D82A}">
-                    <a16:rowId xmlns:a16="http://schemas.microsoft.com/office/drawing/2014/main" val="2685020017"/>
-                  </a:ext>
-                </a:extLst>
               </a:tr>
               <a:tr h="234580">
                 <a:tc>
@@ -31612,7 +31276,7 @@
                       </a:r>
                       <a:endParaRPr lang="en-IN" sz="800">
                         <a:effectLst/>
-                        <a:latin typeface="Arial" panose="020B0604020202020204" pitchFamily="34" charset="0"/>
+                        <a:latin typeface="Arial" panose="020B0604020202090204" pitchFamily="34" charset="0"/>
                         <a:ea typeface="Calibri" panose="020F0502020204030204" pitchFamily="34" charset="0"/>
                       </a:endParaRPr>
                     </a:p>
@@ -31640,7 +31304,7 @@
                       </a:r>
                       <a:endParaRPr lang="en-IN" sz="800">
                         <a:effectLst/>
-                        <a:latin typeface="Arial" panose="020B0604020202020204" pitchFamily="34" charset="0"/>
+                        <a:latin typeface="Arial" panose="020B0604020202090204" pitchFamily="34" charset="0"/>
                         <a:ea typeface="Calibri" panose="020F0502020204030204" pitchFamily="34" charset="0"/>
                       </a:endParaRPr>
                     </a:p>
@@ -31668,7 +31332,7 @@
                       </a:r>
                       <a:endParaRPr lang="en-IN" sz="800">
                         <a:effectLst/>
-                        <a:latin typeface="Arial" panose="020B0604020202020204" pitchFamily="34" charset="0"/>
+                        <a:latin typeface="Arial" panose="020B0604020202090204" pitchFamily="34" charset="0"/>
                         <a:ea typeface="Calibri" panose="020F0502020204030204" pitchFamily="34" charset="0"/>
                       </a:endParaRPr>
                     </a:p>
@@ -31696,7 +31360,7 @@
                       </a:r>
                       <a:endParaRPr lang="en-IN" sz="800">
                         <a:effectLst/>
-                        <a:latin typeface="Arial" panose="020B0604020202020204" pitchFamily="34" charset="0"/>
+                        <a:latin typeface="Arial" panose="020B0604020202090204" pitchFamily="34" charset="0"/>
                         <a:ea typeface="Calibri" panose="020F0502020204030204" pitchFamily="34" charset="0"/>
                       </a:endParaRPr>
                     </a:p>
@@ -31724,7 +31388,7 @@
                       </a:r>
                       <a:endParaRPr lang="en-IN" sz="800">
                         <a:effectLst/>
-                        <a:latin typeface="Arial" panose="020B0604020202020204" pitchFamily="34" charset="0"/>
+                        <a:latin typeface="Arial" panose="020B0604020202090204" pitchFamily="34" charset="0"/>
                         <a:ea typeface="Calibri" panose="020F0502020204030204" pitchFamily="34" charset="0"/>
                       </a:endParaRPr>
                     </a:p>
@@ -31752,7 +31416,7 @@
                       </a:r>
                       <a:endParaRPr lang="en-IN" sz="800">
                         <a:effectLst/>
-                        <a:latin typeface="Arial" panose="020B0604020202020204" pitchFamily="34" charset="0"/>
+                        <a:latin typeface="Arial" panose="020B0604020202090204" pitchFamily="34" charset="0"/>
                         <a:ea typeface="Calibri" panose="020F0502020204030204" pitchFamily="34" charset="0"/>
                       </a:endParaRPr>
                     </a:p>
@@ -31780,18 +31444,13 @@
                       </a:r>
                       <a:endParaRPr lang="en-IN" sz="800">
                         <a:effectLst/>
-                        <a:latin typeface="Arial" panose="020B0604020202020204" pitchFamily="34" charset="0"/>
+                        <a:latin typeface="Arial" panose="020B0604020202090204" pitchFamily="34" charset="0"/>
                         <a:ea typeface="Calibri" panose="020F0502020204030204" pitchFamily="34" charset="0"/>
                       </a:endParaRPr>
                     </a:p>
                   </a:txBody>
                   <a:tcPr marL="47837" marR="47837" marT="0" marB="0" anchor="ctr"/>
                 </a:tc>
-                <a:extLst>
-                  <a:ext uri="{0D108BD9-81ED-4DB2-BD59-A6C34878D82A}">
-                    <a16:rowId xmlns:a16="http://schemas.microsoft.com/office/drawing/2014/main" val="1026423856"/>
-                  </a:ext>
-                </a:extLst>
               </a:tr>
               <a:tr h="234580">
                 <a:tc>
@@ -31815,7 +31474,7 @@
                       </a:r>
                       <a:endParaRPr lang="en-IN" sz="800">
                         <a:effectLst/>
-                        <a:latin typeface="Arial" panose="020B0604020202020204" pitchFamily="34" charset="0"/>
+                        <a:latin typeface="Arial" panose="020B0604020202090204" pitchFamily="34" charset="0"/>
                         <a:ea typeface="Calibri" panose="020F0502020204030204" pitchFamily="34" charset="0"/>
                       </a:endParaRPr>
                     </a:p>
@@ -31843,7 +31502,7 @@
                       </a:r>
                       <a:endParaRPr lang="en-IN" sz="800">
                         <a:effectLst/>
-                        <a:latin typeface="Arial" panose="020B0604020202020204" pitchFamily="34" charset="0"/>
+                        <a:latin typeface="Arial" panose="020B0604020202090204" pitchFamily="34" charset="0"/>
                         <a:ea typeface="Calibri" panose="020F0502020204030204" pitchFamily="34" charset="0"/>
                       </a:endParaRPr>
                     </a:p>
@@ -31871,7 +31530,7 @@
                       </a:r>
                       <a:endParaRPr lang="en-IN" sz="800">
                         <a:effectLst/>
-                        <a:latin typeface="Arial" panose="020B0604020202020204" pitchFamily="34" charset="0"/>
+                        <a:latin typeface="Arial" panose="020B0604020202090204" pitchFamily="34" charset="0"/>
                         <a:ea typeface="Calibri" panose="020F0502020204030204" pitchFamily="34" charset="0"/>
                       </a:endParaRPr>
                     </a:p>
@@ -31899,7 +31558,7 @@
                       </a:r>
                       <a:endParaRPr lang="en-IN" sz="800">
                         <a:effectLst/>
-                        <a:latin typeface="Arial" panose="020B0604020202020204" pitchFamily="34" charset="0"/>
+                        <a:latin typeface="Arial" panose="020B0604020202090204" pitchFamily="34" charset="0"/>
                         <a:ea typeface="Calibri" panose="020F0502020204030204" pitchFamily="34" charset="0"/>
                       </a:endParaRPr>
                     </a:p>
@@ -31927,7 +31586,7 @@
                       </a:r>
                       <a:endParaRPr lang="en-IN" sz="800">
                         <a:effectLst/>
-                        <a:latin typeface="Arial" panose="020B0604020202020204" pitchFamily="34" charset="0"/>
+                        <a:latin typeface="Arial" panose="020B0604020202090204" pitchFamily="34" charset="0"/>
                         <a:ea typeface="Calibri" panose="020F0502020204030204" pitchFamily="34" charset="0"/>
                       </a:endParaRPr>
                     </a:p>
@@ -31955,7 +31614,7 @@
                       </a:r>
                       <a:endParaRPr lang="en-IN" sz="800">
                         <a:effectLst/>
-                        <a:latin typeface="Arial" panose="020B0604020202020204" pitchFamily="34" charset="0"/>
+                        <a:latin typeface="Arial" panose="020B0604020202090204" pitchFamily="34" charset="0"/>
                         <a:ea typeface="Calibri" panose="020F0502020204030204" pitchFamily="34" charset="0"/>
                       </a:endParaRPr>
                     </a:p>
@@ -31983,18 +31642,13 @@
                       </a:r>
                       <a:endParaRPr lang="en-IN" sz="800">
                         <a:effectLst/>
-                        <a:latin typeface="Arial" panose="020B0604020202020204" pitchFamily="34" charset="0"/>
+                        <a:latin typeface="Arial" panose="020B0604020202090204" pitchFamily="34" charset="0"/>
                         <a:ea typeface="Calibri" panose="020F0502020204030204" pitchFamily="34" charset="0"/>
                       </a:endParaRPr>
                     </a:p>
                   </a:txBody>
                   <a:tcPr marL="47837" marR="47837" marT="0" marB="0" anchor="ctr"/>
                 </a:tc>
-                <a:extLst>
-                  <a:ext uri="{0D108BD9-81ED-4DB2-BD59-A6C34878D82A}">
-                    <a16:rowId xmlns:a16="http://schemas.microsoft.com/office/drawing/2014/main" val="383911822"/>
-                  </a:ext>
-                </a:extLst>
               </a:tr>
               <a:tr h="234580">
                 <a:tc>
@@ -32018,7 +31672,7 @@
                       </a:r>
                       <a:endParaRPr lang="en-IN" sz="800">
                         <a:effectLst/>
-                        <a:latin typeface="Arial" panose="020B0604020202020204" pitchFamily="34" charset="0"/>
+                        <a:latin typeface="Arial" panose="020B0604020202090204" pitchFamily="34" charset="0"/>
                         <a:ea typeface="Calibri" panose="020F0502020204030204" pitchFamily="34" charset="0"/>
                       </a:endParaRPr>
                     </a:p>
@@ -32046,7 +31700,7 @@
                       </a:r>
                       <a:endParaRPr lang="en-IN" sz="800">
                         <a:effectLst/>
-                        <a:latin typeface="Arial" panose="020B0604020202020204" pitchFamily="34" charset="0"/>
+                        <a:latin typeface="Arial" panose="020B0604020202090204" pitchFamily="34" charset="0"/>
                         <a:ea typeface="Calibri" panose="020F0502020204030204" pitchFamily="34" charset="0"/>
                       </a:endParaRPr>
                     </a:p>
@@ -32074,7 +31728,7 @@
                       </a:r>
                       <a:endParaRPr lang="en-IN" sz="800">
                         <a:effectLst/>
-                        <a:latin typeface="Arial" panose="020B0604020202020204" pitchFamily="34" charset="0"/>
+                        <a:latin typeface="Arial" panose="020B0604020202090204" pitchFamily="34" charset="0"/>
                         <a:ea typeface="Calibri" panose="020F0502020204030204" pitchFamily="34" charset="0"/>
                       </a:endParaRPr>
                     </a:p>
@@ -32102,7 +31756,7 @@
                       </a:r>
                       <a:endParaRPr lang="en-IN" sz="800">
                         <a:effectLst/>
-                        <a:latin typeface="Arial" panose="020B0604020202020204" pitchFamily="34" charset="0"/>
+                        <a:latin typeface="Arial" panose="020B0604020202090204" pitchFamily="34" charset="0"/>
                         <a:ea typeface="Calibri" panose="020F0502020204030204" pitchFamily="34" charset="0"/>
                       </a:endParaRPr>
                     </a:p>
@@ -32130,7 +31784,7 @@
                       </a:r>
                       <a:endParaRPr lang="en-IN" sz="800">
                         <a:effectLst/>
-                        <a:latin typeface="Arial" panose="020B0604020202020204" pitchFamily="34" charset="0"/>
+                        <a:latin typeface="Arial" panose="020B0604020202090204" pitchFamily="34" charset="0"/>
                         <a:ea typeface="Calibri" panose="020F0502020204030204" pitchFamily="34" charset="0"/>
                       </a:endParaRPr>
                     </a:p>
@@ -32158,7 +31812,7 @@
                       </a:r>
                       <a:endParaRPr lang="en-IN" sz="800">
                         <a:effectLst/>
-                        <a:latin typeface="Arial" panose="020B0604020202020204" pitchFamily="34" charset="0"/>
+                        <a:latin typeface="Arial" panose="020B0604020202090204" pitchFamily="34" charset="0"/>
                         <a:ea typeface="Calibri" panose="020F0502020204030204" pitchFamily="34" charset="0"/>
                       </a:endParaRPr>
                     </a:p>
@@ -32186,18 +31840,13 @@
                       </a:r>
                       <a:endParaRPr lang="en-IN" sz="800">
                         <a:effectLst/>
-                        <a:latin typeface="Arial" panose="020B0604020202020204" pitchFamily="34" charset="0"/>
+                        <a:latin typeface="Arial" panose="020B0604020202090204" pitchFamily="34" charset="0"/>
                         <a:ea typeface="Calibri" panose="020F0502020204030204" pitchFamily="34" charset="0"/>
                       </a:endParaRPr>
                     </a:p>
                   </a:txBody>
                   <a:tcPr marL="47837" marR="47837" marT="0" marB="0" anchor="ctr"/>
                 </a:tc>
-                <a:extLst>
-                  <a:ext uri="{0D108BD9-81ED-4DB2-BD59-A6C34878D82A}">
-                    <a16:rowId xmlns:a16="http://schemas.microsoft.com/office/drawing/2014/main" val="3192980875"/>
-                  </a:ext>
-                </a:extLst>
               </a:tr>
               <a:tr h="234580">
                 <a:tc>
@@ -32221,7 +31870,7 @@
                       </a:r>
                       <a:endParaRPr lang="en-IN" sz="800">
                         <a:effectLst/>
-                        <a:latin typeface="Arial" panose="020B0604020202020204" pitchFamily="34" charset="0"/>
+                        <a:latin typeface="Arial" panose="020B0604020202090204" pitchFamily="34" charset="0"/>
                         <a:ea typeface="Calibri" panose="020F0502020204030204" pitchFamily="34" charset="0"/>
                       </a:endParaRPr>
                     </a:p>
@@ -32249,7 +31898,7 @@
                       </a:r>
                       <a:endParaRPr lang="en-IN" sz="800">
                         <a:effectLst/>
-                        <a:latin typeface="Arial" panose="020B0604020202020204" pitchFamily="34" charset="0"/>
+                        <a:latin typeface="Arial" panose="020B0604020202090204" pitchFamily="34" charset="0"/>
                         <a:ea typeface="Calibri" panose="020F0502020204030204" pitchFamily="34" charset="0"/>
                       </a:endParaRPr>
                     </a:p>
@@ -32277,7 +31926,7 @@
                       </a:r>
                       <a:endParaRPr lang="en-IN" sz="800">
                         <a:effectLst/>
-                        <a:latin typeface="Arial" panose="020B0604020202020204" pitchFamily="34" charset="0"/>
+                        <a:latin typeface="Arial" panose="020B0604020202090204" pitchFamily="34" charset="0"/>
                         <a:ea typeface="Calibri" panose="020F0502020204030204" pitchFamily="34" charset="0"/>
                       </a:endParaRPr>
                     </a:p>
@@ -32305,7 +31954,7 @@
                       </a:r>
                       <a:endParaRPr lang="en-IN" sz="800">
                         <a:effectLst/>
-                        <a:latin typeface="Arial" panose="020B0604020202020204" pitchFamily="34" charset="0"/>
+                        <a:latin typeface="Arial" panose="020B0604020202090204" pitchFamily="34" charset="0"/>
                         <a:ea typeface="Calibri" panose="020F0502020204030204" pitchFamily="34" charset="0"/>
                       </a:endParaRPr>
                     </a:p>
@@ -32333,7 +31982,7 @@
                       </a:r>
                       <a:endParaRPr lang="en-IN" sz="800">
                         <a:effectLst/>
-                        <a:latin typeface="Arial" panose="020B0604020202020204" pitchFamily="34" charset="0"/>
+                        <a:latin typeface="Arial" panose="020B0604020202090204" pitchFamily="34" charset="0"/>
                         <a:ea typeface="Calibri" panose="020F0502020204030204" pitchFamily="34" charset="0"/>
                       </a:endParaRPr>
                     </a:p>
@@ -32361,7 +32010,7 @@
                       </a:r>
                       <a:endParaRPr lang="en-IN" sz="800">
                         <a:effectLst/>
-                        <a:latin typeface="Arial" panose="020B0604020202020204" pitchFamily="34" charset="0"/>
+                        <a:latin typeface="Arial" panose="020B0604020202090204" pitchFamily="34" charset="0"/>
                         <a:ea typeface="Calibri" panose="020F0502020204030204" pitchFamily="34" charset="0"/>
                       </a:endParaRPr>
                     </a:p>
@@ -32389,18 +32038,13 @@
                       </a:r>
                       <a:endParaRPr lang="en-IN" sz="800">
                         <a:effectLst/>
-                        <a:latin typeface="Arial" panose="020B0604020202020204" pitchFamily="34" charset="0"/>
+                        <a:latin typeface="Arial" panose="020B0604020202090204" pitchFamily="34" charset="0"/>
                         <a:ea typeface="Calibri" panose="020F0502020204030204" pitchFamily="34" charset="0"/>
                       </a:endParaRPr>
                     </a:p>
                   </a:txBody>
                   <a:tcPr marL="47837" marR="47837" marT="0" marB="0" anchor="ctr"/>
                 </a:tc>
-                <a:extLst>
-                  <a:ext uri="{0D108BD9-81ED-4DB2-BD59-A6C34878D82A}">
-                    <a16:rowId xmlns:a16="http://schemas.microsoft.com/office/drawing/2014/main" val="1210677101"/>
-                  </a:ext>
-                </a:extLst>
               </a:tr>
               <a:tr h="234580">
                 <a:tc>
@@ -32424,7 +32068,7 @@
                       </a:r>
                       <a:endParaRPr lang="en-IN" sz="800">
                         <a:effectLst/>
-                        <a:latin typeface="Arial" panose="020B0604020202020204" pitchFamily="34" charset="0"/>
+                        <a:latin typeface="Arial" panose="020B0604020202090204" pitchFamily="34" charset="0"/>
                         <a:ea typeface="Calibri" panose="020F0502020204030204" pitchFamily="34" charset="0"/>
                       </a:endParaRPr>
                     </a:p>
@@ -32452,7 +32096,7 @@
                       </a:r>
                       <a:endParaRPr lang="en-IN" sz="800" dirty="0">
                         <a:effectLst/>
-                        <a:latin typeface="Arial" panose="020B0604020202020204" pitchFamily="34" charset="0"/>
+                        <a:latin typeface="Arial" panose="020B0604020202090204" pitchFamily="34" charset="0"/>
                         <a:ea typeface="Calibri" panose="020F0502020204030204" pitchFamily="34" charset="0"/>
                       </a:endParaRPr>
                     </a:p>
@@ -32480,7 +32124,7 @@
                       </a:r>
                       <a:endParaRPr lang="en-IN" sz="800">
                         <a:effectLst/>
-                        <a:latin typeface="Arial" panose="020B0604020202020204" pitchFamily="34" charset="0"/>
+                        <a:latin typeface="Arial" panose="020B0604020202090204" pitchFamily="34" charset="0"/>
                         <a:ea typeface="Calibri" panose="020F0502020204030204" pitchFamily="34" charset="0"/>
                       </a:endParaRPr>
                     </a:p>
@@ -32508,7 +32152,7 @@
                       </a:r>
                       <a:endParaRPr lang="en-IN" sz="800">
                         <a:effectLst/>
-                        <a:latin typeface="Arial" panose="020B0604020202020204" pitchFamily="34" charset="0"/>
+                        <a:latin typeface="Arial" panose="020B0604020202090204" pitchFamily="34" charset="0"/>
                         <a:ea typeface="Calibri" panose="020F0502020204030204" pitchFamily="34" charset="0"/>
                       </a:endParaRPr>
                     </a:p>
@@ -32536,7 +32180,7 @@
                       </a:r>
                       <a:endParaRPr lang="en-IN" sz="800">
                         <a:effectLst/>
-                        <a:latin typeface="Arial" panose="020B0604020202020204" pitchFamily="34" charset="0"/>
+                        <a:latin typeface="Arial" panose="020B0604020202090204" pitchFamily="34" charset="0"/>
                         <a:ea typeface="Calibri" panose="020F0502020204030204" pitchFamily="34" charset="0"/>
                       </a:endParaRPr>
                     </a:p>
@@ -32564,7 +32208,7 @@
                       </a:r>
                       <a:endParaRPr lang="en-IN" sz="800">
                         <a:effectLst/>
-                        <a:latin typeface="Arial" panose="020B0604020202020204" pitchFamily="34" charset="0"/>
+                        <a:latin typeface="Arial" panose="020B0604020202090204" pitchFamily="34" charset="0"/>
                         <a:ea typeface="Calibri" panose="020F0502020204030204" pitchFamily="34" charset="0"/>
                       </a:endParaRPr>
                     </a:p>
@@ -32592,18 +32236,13 @@
                       </a:r>
                       <a:endParaRPr lang="en-IN" sz="800">
                         <a:effectLst/>
-                        <a:latin typeface="Arial" panose="020B0604020202020204" pitchFamily="34" charset="0"/>
+                        <a:latin typeface="Arial" panose="020B0604020202090204" pitchFamily="34" charset="0"/>
                         <a:ea typeface="Calibri" panose="020F0502020204030204" pitchFamily="34" charset="0"/>
                       </a:endParaRPr>
                     </a:p>
                   </a:txBody>
                   <a:tcPr marL="47837" marR="47837" marT="0" marB="0" anchor="ctr"/>
                 </a:tc>
-                <a:extLst>
-                  <a:ext uri="{0D108BD9-81ED-4DB2-BD59-A6C34878D82A}">
-                    <a16:rowId xmlns:a16="http://schemas.microsoft.com/office/drawing/2014/main" val="1933473436"/>
-                  </a:ext>
-                </a:extLst>
               </a:tr>
               <a:tr h="234580">
                 <a:tc>
@@ -32627,7 +32266,7 @@
                       </a:r>
                       <a:endParaRPr lang="en-IN" sz="800">
                         <a:effectLst/>
-                        <a:latin typeface="Arial" panose="020B0604020202020204" pitchFamily="34" charset="0"/>
+                        <a:latin typeface="Arial" panose="020B0604020202090204" pitchFamily="34" charset="0"/>
                         <a:ea typeface="Calibri" panose="020F0502020204030204" pitchFamily="34" charset="0"/>
                       </a:endParaRPr>
                     </a:p>
@@ -32655,7 +32294,7 @@
                       </a:r>
                       <a:endParaRPr lang="en-IN" sz="800" dirty="0">
                         <a:effectLst/>
-                        <a:latin typeface="Arial" panose="020B0604020202020204" pitchFamily="34" charset="0"/>
+                        <a:latin typeface="Arial" panose="020B0604020202090204" pitchFamily="34" charset="0"/>
                         <a:ea typeface="Calibri" panose="020F0502020204030204" pitchFamily="34" charset="0"/>
                       </a:endParaRPr>
                     </a:p>
@@ -32683,7 +32322,7 @@
                       </a:r>
                       <a:endParaRPr lang="en-IN" sz="800">
                         <a:effectLst/>
-                        <a:latin typeface="Arial" panose="020B0604020202020204" pitchFamily="34" charset="0"/>
+                        <a:latin typeface="Arial" panose="020B0604020202090204" pitchFamily="34" charset="0"/>
                         <a:ea typeface="Calibri" panose="020F0502020204030204" pitchFamily="34" charset="0"/>
                       </a:endParaRPr>
                     </a:p>
@@ -32711,7 +32350,7 @@
                       </a:r>
                       <a:endParaRPr lang="en-IN" sz="800">
                         <a:effectLst/>
-                        <a:latin typeface="Arial" panose="020B0604020202020204" pitchFamily="34" charset="0"/>
+                        <a:latin typeface="Arial" panose="020B0604020202090204" pitchFamily="34" charset="0"/>
                         <a:ea typeface="Calibri" panose="020F0502020204030204" pitchFamily="34" charset="0"/>
                       </a:endParaRPr>
                     </a:p>
@@ -32739,7 +32378,7 @@
                       </a:r>
                       <a:endParaRPr lang="en-IN" sz="800">
                         <a:effectLst/>
-                        <a:latin typeface="Arial" panose="020B0604020202020204" pitchFamily="34" charset="0"/>
+                        <a:latin typeface="Arial" panose="020B0604020202090204" pitchFamily="34" charset="0"/>
                         <a:ea typeface="Calibri" panose="020F0502020204030204" pitchFamily="34" charset="0"/>
                       </a:endParaRPr>
                     </a:p>
@@ -32767,7 +32406,7 @@
                       </a:r>
                       <a:endParaRPr lang="en-IN" sz="800">
                         <a:effectLst/>
-                        <a:latin typeface="Arial" panose="020B0604020202020204" pitchFamily="34" charset="0"/>
+                        <a:latin typeface="Arial" panose="020B0604020202090204" pitchFamily="34" charset="0"/>
                         <a:ea typeface="Calibri" panose="020F0502020204030204" pitchFamily="34" charset="0"/>
                       </a:endParaRPr>
                     </a:p>
@@ -32795,18 +32434,13 @@
                       </a:r>
                       <a:endParaRPr lang="en-IN" sz="800">
                         <a:effectLst/>
-                        <a:latin typeface="Arial" panose="020B0604020202020204" pitchFamily="34" charset="0"/>
+                        <a:latin typeface="Arial" panose="020B0604020202090204" pitchFamily="34" charset="0"/>
                         <a:ea typeface="Calibri" panose="020F0502020204030204" pitchFamily="34" charset="0"/>
                       </a:endParaRPr>
                     </a:p>
                   </a:txBody>
                   <a:tcPr marL="47837" marR="47837" marT="0" marB="0" anchor="ctr"/>
                 </a:tc>
-                <a:extLst>
-                  <a:ext uri="{0D108BD9-81ED-4DB2-BD59-A6C34878D82A}">
-                    <a16:rowId xmlns:a16="http://schemas.microsoft.com/office/drawing/2014/main" val="1190971288"/>
-                  </a:ext>
-                </a:extLst>
               </a:tr>
               <a:tr h="356832">
                 <a:tc>
@@ -32830,7 +32464,7 @@
                       </a:r>
                       <a:endParaRPr lang="en-IN" sz="800">
                         <a:effectLst/>
-                        <a:latin typeface="Arial" panose="020B0604020202020204" pitchFamily="34" charset="0"/>
+                        <a:latin typeface="Arial" panose="020B0604020202090204" pitchFamily="34" charset="0"/>
                         <a:ea typeface="Calibri" panose="020F0502020204030204" pitchFamily="34" charset="0"/>
                       </a:endParaRPr>
                     </a:p>
@@ -32858,7 +32492,7 @@
                       </a:r>
                       <a:endParaRPr lang="en-IN" sz="800" dirty="0">
                         <a:effectLst/>
-                        <a:latin typeface="Arial" panose="020B0604020202020204" pitchFamily="34" charset="0"/>
+                        <a:latin typeface="Arial" panose="020B0604020202090204" pitchFamily="34" charset="0"/>
                         <a:ea typeface="Calibri" panose="020F0502020204030204" pitchFamily="34" charset="0"/>
                       </a:endParaRPr>
                     </a:p>
@@ -32886,7 +32520,7 @@
                       </a:r>
                       <a:endParaRPr lang="en-IN" sz="800">
                         <a:effectLst/>
-                        <a:latin typeface="Arial" panose="020B0604020202020204" pitchFamily="34" charset="0"/>
+                        <a:latin typeface="Arial" panose="020B0604020202090204" pitchFamily="34" charset="0"/>
                         <a:ea typeface="Calibri" panose="020F0502020204030204" pitchFamily="34" charset="0"/>
                       </a:endParaRPr>
                     </a:p>
@@ -32914,7 +32548,7 @@
                       </a:r>
                       <a:endParaRPr lang="en-IN" sz="800">
                         <a:effectLst/>
-                        <a:latin typeface="Arial" panose="020B0604020202020204" pitchFamily="34" charset="0"/>
+                        <a:latin typeface="Arial" panose="020B0604020202090204" pitchFamily="34" charset="0"/>
                         <a:ea typeface="Calibri" panose="020F0502020204030204" pitchFamily="34" charset="0"/>
                       </a:endParaRPr>
                     </a:p>
@@ -32942,7 +32576,7 @@
                       </a:r>
                       <a:endParaRPr lang="en-IN" sz="800">
                         <a:effectLst/>
-                        <a:latin typeface="Arial" panose="020B0604020202020204" pitchFamily="34" charset="0"/>
+                        <a:latin typeface="Arial" panose="020B0604020202090204" pitchFamily="34" charset="0"/>
                         <a:ea typeface="Calibri" panose="020F0502020204030204" pitchFamily="34" charset="0"/>
                       </a:endParaRPr>
                     </a:p>
@@ -32970,7 +32604,7 @@
                       </a:r>
                       <a:endParaRPr lang="en-IN" sz="800">
                         <a:effectLst/>
-                        <a:latin typeface="Arial" panose="020B0604020202020204" pitchFamily="34" charset="0"/>
+                        <a:latin typeface="Arial" panose="020B0604020202090204" pitchFamily="34" charset="0"/>
                         <a:ea typeface="Calibri" panose="020F0502020204030204" pitchFamily="34" charset="0"/>
                       </a:endParaRPr>
                     </a:p>
@@ -32998,18 +32632,13 @@
                       </a:r>
                       <a:endParaRPr lang="en-IN" sz="800">
                         <a:effectLst/>
-                        <a:latin typeface="Arial" panose="020B0604020202020204" pitchFamily="34" charset="0"/>
+                        <a:latin typeface="Arial" panose="020B0604020202090204" pitchFamily="34" charset="0"/>
                         <a:ea typeface="Calibri" panose="020F0502020204030204" pitchFamily="34" charset="0"/>
                       </a:endParaRPr>
                     </a:p>
                   </a:txBody>
                   <a:tcPr marL="47837" marR="47837" marT="0" marB="0" anchor="ctr"/>
                 </a:tc>
-                <a:extLst>
-                  <a:ext uri="{0D108BD9-81ED-4DB2-BD59-A6C34878D82A}">
-                    <a16:rowId xmlns:a16="http://schemas.microsoft.com/office/drawing/2014/main" val="2260468179"/>
-                  </a:ext>
-                </a:extLst>
               </a:tr>
               <a:tr h="356832">
                 <a:tc>
@@ -33033,7 +32662,7 @@
                       </a:r>
                       <a:endParaRPr lang="en-IN" sz="800">
                         <a:effectLst/>
-                        <a:latin typeface="Arial" panose="020B0604020202020204" pitchFamily="34" charset="0"/>
+                        <a:latin typeface="Arial" panose="020B0604020202090204" pitchFamily="34" charset="0"/>
                         <a:ea typeface="Calibri" panose="020F0502020204030204" pitchFamily="34" charset="0"/>
                       </a:endParaRPr>
                     </a:p>
@@ -33061,7 +32690,7 @@
                       </a:r>
                       <a:endParaRPr lang="en-IN" sz="800" dirty="0">
                         <a:effectLst/>
-                        <a:latin typeface="Arial" panose="020B0604020202020204" pitchFamily="34" charset="0"/>
+                        <a:latin typeface="Arial" panose="020B0604020202090204" pitchFamily="34" charset="0"/>
                         <a:ea typeface="Calibri" panose="020F0502020204030204" pitchFamily="34" charset="0"/>
                       </a:endParaRPr>
                     </a:p>
@@ -33089,7 +32718,7 @@
                       </a:r>
                       <a:endParaRPr lang="en-IN" sz="800">
                         <a:effectLst/>
-                        <a:latin typeface="Arial" panose="020B0604020202020204" pitchFamily="34" charset="0"/>
+                        <a:latin typeface="Arial" panose="020B0604020202090204" pitchFamily="34" charset="0"/>
                         <a:ea typeface="Calibri" panose="020F0502020204030204" pitchFamily="34" charset="0"/>
                       </a:endParaRPr>
                     </a:p>
@@ -33117,7 +32746,7 @@
                       </a:r>
                       <a:endParaRPr lang="en-IN" sz="800">
                         <a:effectLst/>
-                        <a:latin typeface="Arial" panose="020B0604020202020204" pitchFamily="34" charset="0"/>
+                        <a:latin typeface="Arial" panose="020B0604020202090204" pitchFamily="34" charset="0"/>
                         <a:ea typeface="Calibri" panose="020F0502020204030204" pitchFamily="34" charset="0"/>
                       </a:endParaRPr>
                     </a:p>
@@ -33145,7 +32774,7 @@
                       </a:r>
                       <a:endParaRPr lang="en-IN" sz="800">
                         <a:effectLst/>
-                        <a:latin typeface="Arial" panose="020B0604020202020204" pitchFamily="34" charset="0"/>
+                        <a:latin typeface="Arial" panose="020B0604020202090204" pitchFamily="34" charset="0"/>
                         <a:ea typeface="Calibri" panose="020F0502020204030204" pitchFamily="34" charset="0"/>
                       </a:endParaRPr>
                     </a:p>
@@ -33173,7 +32802,7 @@
                       </a:r>
                       <a:endParaRPr lang="en-IN" sz="800">
                         <a:effectLst/>
-                        <a:latin typeface="Arial" panose="020B0604020202020204" pitchFamily="34" charset="0"/>
+                        <a:latin typeface="Arial" panose="020B0604020202090204" pitchFamily="34" charset="0"/>
                         <a:ea typeface="Calibri" panose="020F0502020204030204" pitchFamily="34" charset="0"/>
                       </a:endParaRPr>
                     </a:p>
@@ -33201,29 +32830,19 @@
                       </a:r>
                       <a:endParaRPr lang="en-IN" sz="800" dirty="0">
                         <a:effectLst/>
-                        <a:latin typeface="Arial" panose="020B0604020202020204" pitchFamily="34" charset="0"/>
+                        <a:latin typeface="Arial" panose="020B0604020202090204" pitchFamily="34" charset="0"/>
                         <a:ea typeface="Calibri" panose="020F0502020204030204" pitchFamily="34" charset="0"/>
                       </a:endParaRPr>
                     </a:p>
                   </a:txBody>
                   <a:tcPr marL="47837" marR="47837" marT="0" marB="0" anchor="ctr"/>
                 </a:tc>
-                <a:extLst>
-                  <a:ext uri="{0D108BD9-81ED-4DB2-BD59-A6C34878D82A}">
-                    <a16:rowId xmlns:a16="http://schemas.microsoft.com/office/drawing/2014/main" val="568832535"/>
-                  </a:ext>
-                </a:extLst>
               </a:tr>
             </a:tbl>
           </a:graphicData>
         </a:graphic>
       </p:graphicFrame>
     </p:spTree>
-    <p:extLst>
-      <p:ext uri="{BB962C8B-B14F-4D97-AF65-F5344CB8AC3E}">
-        <p14:creationId xmlns:p14="http://schemas.microsoft.com/office/powerpoint/2010/main" val="2336191574"/>
-      </p:ext>
-    </p:extLst>
   </p:cSld>
   <p:clrMapOvr>
     <a:masterClrMapping/>
@@ -33250,13 +32869,7 @@
       </p:grpSpPr>
       <p:sp>
         <p:nvSpPr>
-          <p:cNvPr id="3" name="Google Shape;834;p47">
-            <a:extLst>
-              <a:ext uri="{FF2B5EF4-FFF2-40B4-BE49-F238E27FC236}">
-                <a16:creationId xmlns:a16="http://schemas.microsoft.com/office/drawing/2014/main" id="{59C6AB63-9590-4893-89D1-545F3E630A8F}"/>
-              </a:ext>
-            </a:extLst>
-          </p:cNvPr>
+          <p:cNvPr id="3" name="Google Shape;834;p47"/>
           <p:cNvSpPr txBox="1">
             <a:spLocks noGrp="1"/>
           </p:cNvSpPr>
@@ -33289,7 +32902,7 @@
               <a:buNone/>
             </a:pPr>
             <a:r>
-              <a:rPr lang="en" sz="6000" dirty="0"/>
+              <a:rPr lang="en-GB" sz="6000" dirty="0"/>
               <a:t>THANKS</a:t>
             </a:r>
             <a:endParaRPr sz="6000" dirty="0"/>
@@ -33298,13 +32911,7 @@
       </p:sp>
       <p:grpSp>
         <p:nvGrpSpPr>
-          <p:cNvPr id="4" name="Google Shape;816;p47">
-            <a:extLst>
-              <a:ext uri="{FF2B5EF4-FFF2-40B4-BE49-F238E27FC236}">
-                <a16:creationId xmlns:a16="http://schemas.microsoft.com/office/drawing/2014/main" id="{7BE0C794-1F15-4762-BCD8-A6DEA7673A39}"/>
-              </a:ext>
-            </a:extLst>
-          </p:cNvPr>
+          <p:cNvPr id="4" name="Google Shape;816;p47"/>
           <p:cNvGrpSpPr/>
           <p:nvPr/>
         </p:nvGrpSpPr>
@@ -33318,13 +32925,7 @@
         </p:grpSpPr>
         <p:grpSp>
           <p:nvGrpSpPr>
-            <p:cNvPr id="5" name="Google Shape;817;p47">
-              <a:extLst>
-                <a:ext uri="{FF2B5EF4-FFF2-40B4-BE49-F238E27FC236}">
-                  <a16:creationId xmlns:a16="http://schemas.microsoft.com/office/drawing/2014/main" id="{E7D22F86-51C5-49FA-8B77-0C124F45C3E9}"/>
-                </a:ext>
-              </a:extLst>
-            </p:cNvPr>
+            <p:cNvPr id="5" name="Google Shape;817;p47"/>
             <p:cNvGrpSpPr/>
             <p:nvPr/>
           </p:nvGrpSpPr>
@@ -33338,13 +32939,7 @@
           </p:grpSpPr>
           <p:sp>
             <p:nvSpPr>
-              <p:cNvPr id="20" name="Google Shape;818;p47">
-                <a:extLst>
-                  <a:ext uri="{FF2B5EF4-FFF2-40B4-BE49-F238E27FC236}">
-                    <a16:creationId xmlns:a16="http://schemas.microsoft.com/office/drawing/2014/main" id="{B822053E-7A98-4DBA-8735-267A39600725}"/>
-                  </a:ext>
-                </a:extLst>
-              </p:cNvPr>
+              <p:cNvPr id="20" name="Google Shape;818;p47"/>
               <p:cNvSpPr/>
               <p:nvPr/>
             </p:nvSpPr>
@@ -34178,19 +33773,12 @@
                   </a:spcAft>
                   <a:buNone/>
                 </a:pPr>
-                <a:endParaRPr/>
               </a:p>
             </p:txBody>
           </p:sp>
           <p:sp>
             <p:nvSpPr>
-              <p:cNvPr id="21" name="Google Shape;819;p47">
-                <a:extLst>
-                  <a:ext uri="{FF2B5EF4-FFF2-40B4-BE49-F238E27FC236}">
-                    <a16:creationId xmlns:a16="http://schemas.microsoft.com/office/drawing/2014/main" id="{41CE7DF1-D20A-4670-8BC2-F649854CA8B0}"/>
-                  </a:ext>
-                </a:extLst>
-              </p:cNvPr>
+              <p:cNvPr id="21" name="Google Shape;819;p47"/>
               <p:cNvSpPr/>
               <p:nvPr/>
             </p:nvSpPr>
@@ -34261,20 +33849,13 @@
                   </a:spcAft>
                   <a:buNone/>
                 </a:pPr>
-                <a:endParaRPr/>
               </a:p>
             </p:txBody>
           </p:sp>
         </p:grpSp>
         <p:sp>
           <p:nvSpPr>
-            <p:cNvPr id="6" name="Google Shape;820;p47">
-              <a:extLst>
-                <a:ext uri="{FF2B5EF4-FFF2-40B4-BE49-F238E27FC236}">
-                  <a16:creationId xmlns:a16="http://schemas.microsoft.com/office/drawing/2014/main" id="{96438D81-D5D5-4943-ABB9-5351E6C184AC}"/>
-                </a:ext>
-              </a:extLst>
-            </p:cNvPr>
+            <p:cNvPr id="6" name="Google Shape;820;p47"/>
             <p:cNvSpPr/>
             <p:nvPr/>
           </p:nvSpPr>
@@ -35074,19 +34655,12 @@
                 </a:spcAft>
                 <a:buNone/>
               </a:pPr>
-              <a:endParaRPr/>
             </a:p>
           </p:txBody>
         </p:sp>
         <p:sp>
           <p:nvSpPr>
-            <p:cNvPr id="7" name="Google Shape;821;p47">
-              <a:extLst>
-                <a:ext uri="{FF2B5EF4-FFF2-40B4-BE49-F238E27FC236}">
-                  <a16:creationId xmlns:a16="http://schemas.microsoft.com/office/drawing/2014/main" id="{D3E0E897-FF52-4ADC-AE09-FDD47BDD65CE}"/>
-                </a:ext>
-              </a:extLst>
-            </p:cNvPr>
+            <p:cNvPr id="7" name="Google Shape;821;p47"/>
             <p:cNvSpPr/>
             <p:nvPr/>
           </p:nvSpPr>
@@ -35214,19 +34788,12 @@
                 </a:spcAft>
                 <a:buNone/>
               </a:pPr>
-              <a:endParaRPr/>
             </a:p>
           </p:txBody>
         </p:sp>
         <p:sp>
           <p:nvSpPr>
-            <p:cNvPr id="8" name="Google Shape;822;p47">
-              <a:extLst>
-                <a:ext uri="{FF2B5EF4-FFF2-40B4-BE49-F238E27FC236}">
-                  <a16:creationId xmlns:a16="http://schemas.microsoft.com/office/drawing/2014/main" id="{DF9A95CA-F6FE-4F7F-8138-406038D38054}"/>
-                </a:ext>
-              </a:extLst>
-            </p:cNvPr>
+            <p:cNvPr id="8" name="Google Shape;822;p47"/>
             <p:cNvSpPr/>
             <p:nvPr/>
           </p:nvSpPr>
@@ -35971,19 +35538,12 @@
                 </a:spcAft>
                 <a:buNone/>
               </a:pPr>
-              <a:endParaRPr/>
             </a:p>
           </p:txBody>
         </p:sp>
         <p:grpSp>
           <p:nvGrpSpPr>
-            <p:cNvPr id="9" name="Google Shape;823;p47">
-              <a:extLst>
-                <a:ext uri="{FF2B5EF4-FFF2-40B4-BE49-F238E27FC236}">
-                  <a16:creationId xmlns:a16="http://schemas.microsoft.com/office/drawing/2014/main" id="{3E03A6CE-FAA3-4D78-A7E3-E9A98D1C85FB}"/>
-                </a:ext>
-              </a:extLst>
-            </p:cNvPr>
+            <p:cNvPr id="9" name="Google Shape;823;p47"/>
             <p:cNvGrpSpPr/>
             <p:nvPr/>
           </p:nvGrpSpPr>
@@ -35997,13 +35557,7 @@
           </p:grpSpPr>
           <p:sp>
             <p:nvSpPr>
-              <p:cNvPr id="18" name="Google Shape;824;p47">
-                <a:extLst>
-                  <a:ext uri="{FF2B5EF4-FFF2-40B4-BE49-F238E27FC236}">
-                    <a16:creationId xmlns:a16="http://schemas.microsoft.com/office/drawing/2014/main" id="{0116245C-8615-4D39-90AE-CD94253A1925}"/>
-                  </a:ext>
-                </a:extLst>
-              </p:cNvPr>
+              <p:cNvPr id="18" name="Google Shape;824;p47"/>
               <p:cNvSpPr/>
               <p:nvPr/>
             </p:nvSpPr>
@@ -36765,19 +36319,12 @@
                   </a:spcAft>
                   <a:buNone/>
                 </a:pPr>
-                <a:endParaRPr/>
               </a:p>
             </p:txBody>
           </p:sp>
           <p:sp>
             <p:nvSpPr>
-              <p:cNvPr id="19" name="Google Shape;825;p47">
-                <a:extLst>
-                  <a:ext uri="{FF2B5EF4-FFF2-40B4-BE49-F238E27FC236}">
-                    <a16:creationId xmlns:a16="http://schemas.microsoft.com/office/drawing/2014/main" id="{ECD7DDDF-B58C-453E-A124-8EB3A866F37F}"/>
-                  </a:ext>
-                </a:extLst>
-              </p:cNvPr>
+              <p:cNvPr id="19" name="Google Shape;825;p47"/>
               <p:cNvSpPr/>
               <p:nvPr/>
             </p:nvSpPr>
@@ -36843,20 +36390,13 @@
                   </a:spcAft>
                   <a:buNone/>
                 </a:pPr>
-                <a:endParaRPr/>
               </a:p>
             </p:txBody>
           </p:sp>
         </p:grpSp>
         <p:grpSp>
           <p:nvGrpSpPr>
-            <p:cNvPr id="10" name="Google Shape;826;p47">
-              <a:extLst>
-                <a:ext uri="{FF2B5EF4-FFF2-40B4-BE49-F238E27FC236}">
-                  <a16:creationId xmlns:a16="http://schemas.microsoft.com/office/drawing/2014/main" id="{CD1F2C85-B6DD-45D0-A616-32E79C168289}"/>
-                </a:ext>
-              </a:extLst>
-            </p:cNvPr>
+            <p:cNvPr id="10" name="Google Shape;826;p47"/>
             <p:cNvGrpSpPr/>
             <p:nvPr/>
           </p:nvGrpSpPr>
@@ -36870,13 +36410,7 @@
           </p:grpSpPr>
           <p:sp>
             <p:nvSpPr>
-              <p:cNvPr id="16" name="Google Shape;827;p47">
-                <a:extLst>
-                  <a:ext uri="{FF2B5EF4-FFF2-40B4-BE49-F238E27FC236}">
-                    <a16:creationId xmlns:a16="http://schemas.microsoft.com/office/drawing/2014/main" id="{ECE14EAC-E179-4BB1-8C05-6C5FAE08AD35}"/>
-                  </a:ext>
-                </a:extLst>
-              </p:cNvPr>
+              <p:cNvPr id="16" name="Google Shape;827;p47"/>
               <p:cNvSpPr/>
               <p:nvPr/>
             </p:nvSpPr>
@@ -37710,19 +37244,12 @@
                   </a:spcAft>
                   <a:buNone/>
                 </a:pPr>
-                <a:endParaRPr/>
               </a:p>
             </p:txBody>
           </p:sp>
           <p:sp>
             <p:nvSpPr>
-              <p:cNvPr id="17" name="Google Shape;828;p47">
-                <a:extLst>
-                  <a:ext uri="{FF2B5EF4-FFF2-40B4-BE49-F238E27FC236}">
-                    <a16:creationId xmlns:a16="http://schemas.microsoft.com/office/drawing/2014/main" id="{3CD63BFE-722A-4791-890B-C9FD8E9DA2B3}"/>
-                  </a:ext>
-                </a:extLst>
-              </p:cNvPr>
+              <p:cNvPr id="17" name="Google Shape;828;p47"/>
               <p:cNvSpPr/>
               <p:nvPr/>
             </p:nvSpPr>
@@ -37793,20 +37320,13 @@
                   </a:spcAft>
                   <a:buNone/>
                 </a:pPr>
-                <a:endParaRPr/>
               </a:p>
             </p:txBody>
           </p:sp>
         </p:grpSp>
         <p:grpSp>
           <p:nvGrpSpPr>
-            <p:cNvPr id="11" name="Google Shape;829;p47">
-              <a:extLst>
-                <a:ext uri="{FF2B5EF4-FFF2-40B4-BE49-F238E27FC236}">
-                  <a16:creationId xmlns:a16="http://schemas.microsoft.com/office/drawing/2014/main" id="{BD37EBF3-9723-48CF-BF33-96127EA4EF85}"/>
-                </a:ext>
-              </a:extLst>
-            </p:cNvPr>
+            <p:cNvPr id="11" name="Google Shape;829;p47"/>
             <p:cNvGrpSpPr/>
             <p:nvPr/>
           </p:nvGrpSpPr>
@@ -37820,13 +37340,7 @@
           </p:grpSpPr>
           <p:sp>
             <p:nvSpPr>
-              <p:cNvPr id="12" name="Google Shape;830;p47">
-                <a:extLst>
-                  <a:ext uri="{FF2B5EF4-FFF2-40B4-BE49-F238E27FC236}">
-                    <a16:creationId xmlns:a16="http://schemas.microsoft.com/office/drawing/2014/main" id="{34EC7949-957A-4CC1-AE46-7A0F8BDCA3D0}"/>
-                  </a:ext>
-                </a:extLst>
-              </p:cNvPr>
+              <p:cNvPr id="12" name="Google Shape;830;p47"/>
               <p:cNvSpPr/>
               <p:nvPr/>
             </p:nvSpPr>
@@ -37892,19 +37406,12 @@
                   </a:spcAft>
                   <a:buNone/>
                 </a:pPr>
-                <a:endParaRPr/>
               </a:p>
             </p:txBody>
           </p:sp>
           <p:grpSp>
             <p:nvGrpSpPr>
-              <p:cNvPr id="13" name="Google Shape;831;p47">
-                <a:extLst>
-                  <a:ext uri="{FF2B5EF4-FFF2-40B4-BE49-F238E27FC236}">
-                    <a16:creationId xmlns:a16="http://schemas.microsoft.com/office/drawing/2014/main" id="{92B0FE54-8D9C-4925-A14F-4F534550E705}"/>
-                  </a:ext>
-                </a:extLst>
-              </p:cNvPr>
+              <p:cNvPr id="13" name="Google Shape;831;p47"/>
               <p:cNvGrpSpPr/>
               <p:nvPr/>
             </p:nvGrpSpPr>
@@ -37918,13 +37425,7 @@
             </p:grpSpPr>
             <p:sp>
               <p:nvSpPr>
-                <p:cNvPr id="14" name="Google Shape;832;p47">
-                  <a:extLst>
-                    <a:ext uri="{FF2B5EF4-FFF2-40B4-BE49-F238E27FC236}">
-                      <a16:creationId xmlns:a16="http://schemas.microsoft.com/office/drawing/2014/main" id="{20616B9D-CCFA-4312-9384-AD70C39497AC}"/>
-                    </a:ext>
-                  </a:extLst>
-                </p:cNvPr>
+                <p:cNvPr id="14" name="Google Shape;832;p47"/>
                 <p:cNvSpPr/>
                 <p:nvPr/>
               </p:nvSpPr>
@@ -37958,19 +37459,12 @@
                     </a:spcAft>
                     <a:buNone/>
                   </a:pPr>
-                  <a:endParaRPr/>
                 </a:p>
               </p:txBody>
             </p:sp>
             <p:sp>
               <p:nvSpPr>
-                <p:cNvPr id="15" name="Google Shape;833;p47">
-                  <a:extLst>
-                    <a:ext uri="{FF2B5EF4-FFF2-40B4-BE49-F238E27FC236}">
-                      <a16:creationId xmlns:a16="http://schemas.microsoft.com/office/drawing/2014/main" id="{366E1BF7-E3E1-46E0-BEDE-B1E01B24FD9D}"/>
-                    </a:ext>
-                  </a:extLst>
-                </p:cNvPr>
+                <p:cNvPr id="15" name="Google Shape;833;p47"/>
                 <p:cNvSpPr/>
                 <p:nvPr/>
               </p:nvSpPr>
@@ -38004,7 +37498,6 @@
                     </a:spcAft>
                     <a:buNone/>
                   </a:pPr>
-                  <a:endParaRPr/>
                 </a:p>
               </p:txBody>
             </p:sp>
@@ -38012,11 +37505,6 @@
         </p:grpSp>
       </p:grpSp>
     </p:spTree>
-    <p:extLst>
-      <p:ext uri="{BB962C8B-B14F-4D97-AF65-F5344CB8AC3E}">
-        <p14:creationId xmlns:p14="http://schemas.microsoft.com/office/powerpoint/2010/main" val="4021311669"/>
-      </p:ext>
-    </p:extLst>
   </p:cSld>
   <p:clrMapOvr>
     <a:masterClrMapping/>
@@ -38098,7 +37586,6 @@
               </a:spcAft>
               <a:buNone/>
             </a:pPr>
-            <a:endParaRPr/>
           </a:p>
         </p:txBody>
       </p:sp>
@@ -38159,7 +37646,6 @@
               </a:spcAft>
               <a:buNone/>
             </a:pPr>
-            <a:endParaRPr/>
           </a:p>
         </p:txBody>
       </p:sp>
@@ -38220,7 +37706,6 @@
               </a:spcAft>
               <a:buNone/>
             </a:pPr>
-            <a:endParaRPr/>
           </a:p>
         </p:txBody>
       </p:sp>
@@ -38281,7 +37766,6 @@
               </a:spcAft>
               <a:buNone/>
             </a:pPr>
-            <a:endParaRPr/>
           </a:p>
         </p:txBody>
       </p:sp>
@@ -38320,7 +37804,7 @@
               <a:buNone/>
             </a:pPr>
             <a:r>
-              <a:rPr lang="en" dirty="0"/>
+              <a:rPr lang="en-GB" dirty="0"/>
               <a:t>TABLE OF CONTENTS</a:t>
             </a:r>
             <a:endParaRPr dirty="0"/>
@@ -38362,10 +37846,10 @@
               <a:buNone/>
             </a:pPr>
             <a:r>
-              <a:rPr lang="en"/>
+              <a:rPr lang="en-GB"/>
               <a:t>01</a:t>
             </a:r>
-            <a:endParaRPr/>
+            <a:endParaRPr lang="en-GB"/>
           </a:p>
         </p:txBody>
       </p:sp>
@@ -38404,10 +37888,10 @@
               <a:buNone/>
             </a:pPr>
             <a:r>
-              <a:rPr lang="en"/>
+              <a:rPr lang="en-GB"/>
               <a:t>02</a:t>
             </a:r>
-            <a:endParaRPr/>
+            <a:endParaRPr lang="en-GB"/>
           </a:p>
         </p:txBody>
       </p:sp>
@@ -38446,10 +37930,10 @@
               <a:buNone/>
             </a:pPr>
             <a:r>
-              <a:rPr lang="en"/>
+              <a:rPr lang="en-GB"/>
               <a:t>03</a:t>
             </a:r>
-            <a:endParaRPr/>
+            <a:endParaRPr lang="en-GB"/>
           </a:p>
         </p:txBody>
       </p:sp>
@@ -38488,10 +37972,10 @@
               <a:buNone/>
             </a:pPr>
             <a:r>
-              <a:rPr lang="en"/>
+              <a:rPr lang="en-GB"/>
               <a:t>04</a:t>
             </a:r>
-            <a:endParaRPr/>
+            <a:endParaRPr lang="en-GB"/>
           </a:p>
         </p:txBody>
       </p:sp>
@@ -38530,7 +38014,7 @@
               <a:buNone/>
             </a:pPr>
             <a:r>
-              <a:rPr lang="en" dirty="0"/>
+              <a:rPr lang="en-GB" dirty="0"/>
               <a:t>PROBLEM STATEMENT</a:t>
             </a:r>
             <a:endParaRPr sz="1600" dirty="0"/>
@@ -38572,7 +38056,7 @@
               <a:buNone/>
             </a:pPr>
             <a:r>
-              <a:rPr lang="en" dirty="0"/>
+              <a:rPr lang="en-GB" dirty="0"/>
               <a:t>DATA</a:t>
             </a:r>
             <a:endParaRPr sz="1600" dirty="0"/>
@@ -38614,7 +38098,7 @@
               <a:buNone/>
             </a:pPr>
             <a:r>
-              <a:rPr lang="en" dirty="0"/>
+              <a:rPr lang="en-GB" dirty="0"/>
               <a:t>METHODOLOGY</a:t>
             </a:r>
             <a:endParaRPr sz="1600" dirty="0"/>
@@ -38656,7 +38140,7 @@
               <a:buNone/>
             </a:pPr>
             <a:r>
-              <a:rPr lang="en" dirty="0"/>
+              <a:rPr lang="en-GB" dirty="0"/>
               <a:t>RESULT</a:t>
             </a:r>
             <a:endParaRPr sz="1600" dirty="0"/>
@@ -38723,7 +38207,7 @@
               <a:buNone/>
             </a:pPr>
             <a:r>
-              <a:rPr lang="en" dirty="0"/>
+              <a:rPr lang="en-GB" dirty="0"/>
               <a:t>PROBLEM STATEMENT</a:t>
             </a:r>
             <a:endParaRPr dirty="0"/>
@@ -38753,7 +38237,7 @@
           <a:lstStyle/>
           <a:p>
             <a:pPr marL="285750" indent="-285750">
-              <a:buFont typeface="Arial" panose="020B0604020202020204" pitchFamily="34" charset="0"/>
+              <a:buFont typeface="Arial" panose="020B0604020202090204" pitchFamily="34" charset="0"/>
               <a:buChar char="•"/>
             </a:pPr>
             <a:r>
@@ -38762,10 +38246,13 @@
               </a:rPr>
               <a:t>The main objective of this capstone project is to be able to identify the breed a dog belongs to based on the visual differences in appearance observed between different dog breeds. To add to this, the large number of different possible dog breeds only complicates this challenge.</a:t>
             </a:r>
+            <a:endParaRPr lang="en-IN" dirty="0">
+              <a:latin typeface="Raleway"/>
+            </a:endParaRPr>
           </a:p>
           <a:p>
             <a:pPr marL="285750" indent="-285750">
-              <a:buFont typeface="Arial" panose="020B0604020202020204" pitchFamily="34" charset="0"/>
+              <a:buFont typeface="Arial" panose="020B0604020202090204" pitchFamily="34" charset="0"/>
               <a:buChar char="•"/>
             </a:pPr>
             <a:endParaRPr lang="en-IN" dirty="0">
@@ -38774,7 +38261,7 @@
           </a:p>
           <a:p>
             <a:pPr marL="285750" indent="-285750">
-              <a:buFont typeface="Arial" panose="020B0604020202020204" pitchFamily="34" charset="0"/>
+              <a:buFont typeface="Arial" panose="020B0604020202090204" pitchFamily="34" charset="0"/>
               <a:buChar char="•"/>
             </a:pPr>
             <a:r>
@@ -38783,6 +38270,9 @@
               </a:rPr>
               <a:t>The task is to leverage computer vision capabilities to successfully identify the breed of a dog, from around 120 breeds, based on the subtle visual differences.</a:t>
             </a:r>
+            <a:endParaRPr lang="en-IN" dirty="0">
+              <a:latin typeface="Raleway"/>
+            </a:endParaRPr>
           </a:p>
           <a:p>
             <a:endParaRPr lang="en-IN" dirty="0">
@@ -38793,20 +38283,14 @@
       </p:sp>
       <p:pic>
         <p:nvPicPr>
-          <p:cNvPr id="1026" name="Picture 2" descr="Dog Breed Identifier with CNN. In Hong Kong, it is very normal to see… | by  Nico Leung | Medium">
-            <a:extLst>
-              <a:ext uri="{FF2B5EF4-FFF2-40B4-BE49-F238E27FC236}">
-                <a16:creationId xmlns:a16="http://schemas.microsoft.com/office/drawing/2014/main" id="{BA74A5BA-4B85-4FD4-AF5D-6FA418C787C6}"/>
-              </a:ext>
-            </a:extLst>
-          </p:cNvPr>
+          <p:cNvPr id="1026" name="Picture 2" descr="Dog Breed Identifier with CNN. In Hong Kong, it is very normal to see… | by  Nico Leung | Medium"/>
           <p:cNvPicPr>
             <a:picLocks noChangeAspect="1" noChangeArrowheads="1"/>
           </p:cNvPicPr>
           <p:nvPr/>
         </p:nvPicPr>
         <p:blipFill>
-          <a:blip r:embed="rId3">
+          <a:blip r:embed="rId1">
             <a:extLst>
               <a:ext uri="{28A0092B-C50C-407E-A947-70E740481C1C}">
                 <a14:useLocalDpi xmlns:a14="http://schemas.microsoft.com/office/drawing/2010/main" val="0"/>
@@ -38852,19 +38336,13 @@
       </p:pic>
       <p:sp>
         <p:nvSpPr>
-          <p:cNvPr id="3" name="Speech Bubble: Rectangle with Corners Rounded 2">
-            <a:extLst>
-              <a:ext uri="{FF2B5EF4-FFF2-40B4-BE49-F238E27FC236}">
-                <a16:creationId xmlns:a16="http://schemas.microsoft.com/office/drawing/2014/main" id="{AD7DE637-1694-4FDA-B0FB-C562245C9C3F}"/>
-              </a:ext>
-            </a:extLst>
-          </p:cNvPr>
+          <p:cNvPr id="3" name="Speech Bubble: Rectangle with Corners Rounded 2"/>
           <p:cNvSpPr/>
           <p:nvPr/>
         </p:nvSpPr>
         <p:spPr>
           <a:xfrm>
-            <a:off x="4890977" y="2739912"/>
+            <a:off x="4890977" y="3035822"/>
             <a:ext cx="1715386" cy="714802"/>
           </a:xfrm>
           <a:prstGeom prst="wedgeRoundRectCallout">
@@ -38913,11 +38391,6 @@
         </p:txBody>
       </p:sp>
     </p:spTree>
-    <p:extLst>
-      <p:ext uri="{BB962C8B-B14F-4D97-AF65-F5344CB8AC3E}">
-        <p14:creationId xmlns:p14="http://schemas.microsoft.com/office/powerpoint/2010/main" val="1206448269"/>
-      </p:ext>
-    </p:extLst>
   </p:cSld>
   <p:clrMapOvr>
     <a:masterClrMapping/>
@@ -38944,13 +38417,7 @@
       </p:grpSpPr>
       <p:sp>
         <p:nvSpPr>
-          <p:cNvPr id="2" name="Title 1">
-            <a:extLst>
-              <a:ext uri="{FF2B5EF4-FFF2-40B4-BE49-F238E27FC236}">
-                <a16:creationId xmlns:a16="http://schemas.microsoft.com/office/drawing/2014/main" id="{6E4AA603-DA03-469D-921B-F16DE00C992E}"/>
-              </a:ext>
-            </a:extLst>
-          </p:cNvPr>
+          <p:cNvPr id="2" name="Title 1"/>
           <p:cNvSpPr>
             <a:spLocks noGrp="1"/>
           </p:cNvSpPr>
@@ -38973,21 +38440,9 @@
       </p:sp>
       <p:graphicFrame>
         <p:nvGraphicFramePr>
-          <p:cNvPr id="4" name="Diagram 3">
-            <a:extLst>
-              <a:ext uri="{FF2B5EF4-FFF2-40B4-BE49-F238E27FC236}">
-                <a16:creationId xmlns:a16="http://schemas.microsoft.com/office/drawing/2014/main" id="{9140BD83-AC21-4A8E-A4F1-3B90FF0BAF79}"/>
-              </a:ext>
-            </a:extLst>
-          </p:cNvPr>
+          <p:cNvPr id="4" name="Diagram 3"/>
           <p:cNvGraphicFramePr/>
-          <p:nvPr>
-            <p:extLst>
-              <p:ext uri="{D42A27DB-BD31-4B8C-83A1-F6EECF244321}">
-                <p14:modId xmlns:p14="http://schemas.microsoft.com/office/powerpoint/2010/main" val="1803421621"/>
-              </p:ext>
-            </p:extLst>
-          </p:nvPr>
+          <p:nvPr/>
         </p:nvGraphicFramePr>
         <p:xfrm>
           <a:off x="524932" y="1320800"/>
@@ -38995,16 +38450,11 @@
         </p:xfrm>
         <a:graphic>
           <a:graphicData uri="http://schemas.openxmlformats.org/drawingml/2006/diagram">
-            <dgm:relIds xmlns:dgm="http://schemas.openxmlformats.org/drawingml/2006/diagram" xmlns:r="http://schemas.openxmlformats.org/officeDocument/2006/relationships" r:dm="rId3" r:lo="rId4" r:qs="rId5" r:cs="rId6"/>
+            <dgm:relIds xmlns:dgm="http://schemas.openxmlformats.org/drawingml/2006/diagram" xmlns:r="http://schemas.openxmlformats.org/officeDocument/2006/relationships" r:dm="rId1" r:lo="rId2" r:qs="rId3" r:cs="rId4"/>
           </a:graphicData>
         </a:graphic>
       </p:graphicFrame>
     </p:spTree>
-    <p:extLst>
-      <p:ext uri="{BB962C8B-B14F-4D97-AF65-F5344CB8AC3E}">
-        <p14:creationId xmlns:p14="http://schemas.microsoft.com/office/powerpoint/2010/main" val="3856584164"/>
-      </p:ext>
-    </p:extLst>
   </p:cSld>
   <p:clrMapOvr>
     <a:masterClrMapping/>
@@ -39064,7 +38514,7 @@
               <a:buNone/>
             </a:pPr>
             <a:r>
-              <a:rPr lang="en" dirty="0"/>
+              <a:rPr lang="en-GB" dirty="0"/>
               <a:t>DATA (1/2)</a:t>
             </a:r>
             <a:endParaRPr dirty="0"/>
@@ -39100,7 +38550,7 @@
               <a:spcAft>
                 <a:spcPts val="600"/>
               </a:spcAft>
-              <a:buFont typeface="Arial" panose="020B0604020202020204" pitchFamily="34" charset="0"/>
+              <a:buFont typeface="Arial" panose="020B0604020202090204" pitchFamily="34" charset="0"/>
               <a:buChar char="•"/>
             </a:pPr>
             <a:r>
@@ -39131,6 +38581,7 @@
               <a:rPr lang="en-US" dirty="0"/>
               <a:t> Yao and Li Fei-Fei. The dataset comprises of 20580 images of dogs, across 120 breeds, split between training &amp; testing datasets.</a:t>
             </a:r>
+            <a:endParaRPr lang="en-US" dirty="0"/>
           </a:p>
           <a:p>
             <a:pPr marL="285750" indent="-285750" algn="just">
@@ -39140,13 +38591,14 @@
               <a:spcAft>
                 <a:spcPts val="600"/>
               </a:spcAft>
-              <a:buFont typeface="Arial" panose="020B0604020202020204" pitchFamily="34" charset="0"/>
+              <a:buFont typeface="Arial" panose="020B0604020202090204" pitchFamily="34" charset="0"/>
               <a:buChar char="•"/>
             </a:pPr>
             <a:r>
               <a:rPr lang="en-US" dirty="0"/>
               <a:t>The actual data was hosted by Kaggle as part of it’s Playground Prediction Competition hosted in 2017, and is divided in the below format:</a:t>
             </a:r>
+            <a:endParaRPr lang="en-US" dirty="0"/>
           </a:p>
           <a:p>
             <a:pPr marL="285750" lvl="2" indent="-285750" algn="just">
@@ -39163,6 +38615,7 @@
               <a:rPr lang="en-US" sz="1100" dirty="0"/>
               <a:t>train.zip - the training set, comprised of images of different dog, belonging to one of 120 breeds. Each image had a file name that is its unique id. </a:t>
             </a:r>
+            <a:endParaRPr lang="en-US" sz="1100" dirty="0"/>
           </a:p>
           <a:p>
             <a:pPr marL="285750" lvl="2" indent="-285750" algn="just">
@@ -39179,6 +38632,7 @@
               <a:rPr lang="en-US" sz="1100" dirty="0"/>
               <a:t>test.zip – the testing set, where the model is expected to predict the probability of the image belonging to one of the 120 breeds</a:t>
             </a:r>
+            <a:endParaRPr lang="en-US" sz="1100" dirty="0"/>
           </a:p>
           <a:p>
             <a:pPr marL="285750" lvl="2" indent="-285750" algn="just">
@@ -39195,6 +38649,7 @@
               <a:rPr lang="en-US" sz="1100" dirty="0"/>
               <a:t>sample_submission.csv - a sample submission file in the correct format</a:t>
             </a:r>
+            <a:endParaRPr lang="en-US" sz="1100" dirty="0"/>
           </a:p>
           <a:p>
             <a:pPr marL="285750" lvl="2" indent="-285750" algn="just">
@@ -39211,10 +38666,11 @@
               <a:rPr lang="en-US" sz="1100" dirty="0"/>
               <a:t>labels.csv - mapped the breeds, for the images in the train set, with the corresponding image id.</a:t>
             </a:r>
+            <a:endParaRPr lang="en-US" sz="1100" dirty="0"/>
           </a:p>
           <a:p>
             <a:pPr marL="285750" lvl="2" indent="-285750" algn="just">
-              <a:buFont typeface="Arial" panose="020B0604020202020204" pitchFamily="34" charset="0"/>
+              <a:buFont typeface="Arial" panose="020B0604020202090204" pitchFamily="34" charset="0"/>
               <a:buChar char="•"/>
             </a:pPr>
             <a:endParaRPr lang="en-GB" dirty="0"/>
@@ -39226,11 +38682,6 @@
         </p:txBody>
       </p:sp>
     </p:spTree>
-    <p:extLst>
-      <p:ext uri="{BB962C8B-B14F-4D97-AF65-F5344CB8AC3E}">
-        <p14:creationId xmlns:p14="http://schemas.microsoft.com/office/powerpoint/2010/main" val="3179842822"/>
-      </p:ext>
-    </p:extLst>
   </p:cSld>
   <p:clrMapOvr>
     <a:masterClrMapping/>
@@ -39290,7 +38741,7 @@
               <a:buNone/>
             </a:pPr>
             <a:r>
-              <a:rPr lang="en" dirty="0"/>
+              <a:rPr lang="en-GB" dirty="0"/>
               <a:t>DATA (2/2)</a:t>
             </a:r>
             <a:endParaRPr dirty="0"/>
@@ -39328,49 +38779,49 @@
             </a:pPr>
             <a:r>
               <a:rPr lang="en-US" sz="900" i="1" dirty="0">
-                <a:latin typeface="Arial" panose="020B0604020202020204" pitchFamily="34" charset="0"/>
+                <a:latin typeface="Arial" panose="020B0604020202090204" pitchFamily="34" charset="0"/>
                 <a:ea typeface="Calibri" panose="020F0502020204030204" pitchFamily="34" charset="0"/>
-                <a:cs typeface="Times New Roman" panose="02020603050405020304" pitchFamily="18" charset="0"/>
+                <a:cs typeface="Times New Roman" panose="02020503050405090304" pitchFamily="18" charset="0"/>
               </a:rPr>
               <a:t>Sample Images from the dataset, showing the 3 versions of image extracted: grayscale with 128X128, color (</a:t>
             </a:r>
             <a:r>
               <a:rPr lang="en-US" sz="900" i="1" dirty="0" err="1">
-                <a:latin typeface="Arial" panose="020B0604020202020204" pitchFamily="34" charset="0"/>
+                <a:latin typeface="Arial" panose="020B0604020202090204" pitchFamily="34" charset="0"/>
                 <a:ea typeface="Calibri" panose="020F0502020204030204" pitchFamily="34" charset="0"/>
-                <a:cs typeface="Times New Roman" panose="02020603050405020304" pitchFamily="18" charset="0"/>
+                <a:cs typeface="Times New Roman" panose="02020503050405090304" pitchFamily="18" charset="0"/>
               </a:rPr>
               <a:t>bgr</a:t>
             </a:r>
             <a:r>
               <a:rPr lang="en-US" sz="900" i="1" dirty="0">
-                <a:latin typeface="Arial" panose="020B0604020202020204" pitchFamily="34" charset="0"/>
+                <a:latin typeface="Arial" panose="020B0604020202090204" pitchFamily="34" charset="0"/>
                 <a:ea typeface="Calibri" panose="020F0502020204030204" pitchFamily="34" charset="0"/>
-                <a:cs typeface="Times New Roman" panose="02020603050405020304" pitchFamily="18" charset="0"/>
+                <a:cs typeface="Times New Roman" panose="02020503050405090304" pitchFamily="18" charset="0"/>
               </a:rPr>
               <a:t>) with 128X128 &amp; color (</a:t>
             </a:r>
             <a:r>
               <a:rPr lang="en-US" sz="900" i="1" dirty="0" err="1">
-                <a:latin typeface="Arial" panose="020B0604020202020204" pitchFamily="34" charset="0"/>
+                <a:latin typeface="Arial" panose="020B0604020202090204" pitchFamily="34" charset="0"/>
                 <a:ea typeface="Calibri" panose="020F0502020204030204" pitchFamily="34" charset="0"/>
-                <a:cs typeface="Times New Roman" panose="02020603050405020304" pitchFamily="18" charset="0"/>
+                <a:cs typeface="Times New Roman" panose="02020503050405090304" pitchFamily="18" charset="0"/>
               </a:rPr>
               <a:t>bgr</a:t>
             </a:r>
             <a:r>
               <a:rPr lang="en-US" sz="900" i="1" dirty="0">
-                <a:latin typeface="Arial" panose="020B0604020202020204" pitchFamily="34" charset="0"/>
+                <a:latin typeface="Arial" panose="020B0604020202090204" pitchFamily="34" charset="0"/>
                 <a:ea typeface="Calibri" panose="020F0502020204030204" pitchFamily="34" charset="0"/>
-                <a:cs typeface="Times New Roman" panose="02020603050405020304" pitchFamily="18" charset="0"/>
+                <a:cs typeface="Times New Roman" panose="02020503050405090304" pitchFamily="18" charset="0"/>
               </a:rPr>
               <a:t>) with 224X224</a:t>
             </a:r>
             <a:endParaRPr lang="en-IN" sz="900" dirty="0">
               <a:effectLst/>
-              <a:latin typeface="Arial" panose="020B0604020202020204" pitchFamily="34" charset="0"/>
+              <a:latin typeface="Arial" panose="020B0604020202090204" pitchFamily="34" charset="0"/>
               <a:ea typeface="Calibri" panose="020F0502020204030204" pitchFamily="34" charset="0"/>
-              <a:cs typeface="Times New Roman" panose="02020603050405020304" pitchFamily="18" charset="0"/>
+              <a:cs typeface="Times New Roman" panose="02020503050405090304" pitchFamily="18" charset="0"/>
             </a:endParaRPr>
           </a:p>
         </p:txBody>
@@ -39398,72 +38849,71 @@
           <a:lstStyle/>
           <a:p>
             <a:pPr marL="285750" indent="-285750" algn="just">
-              <a:buFont typeface="Arial" panose="020B0604020202020204" pitchFamily="34" charset="0"/>
+              <a:buFont typeface="Arial" panose="020B0604020202090204" pitchFamily="34" charset="0"/>
               <a:buChar char="•"/>
             </a:pPr>
             <a:r>
               <a:rPr lang="en-IN" dirty="0"/>
               <a:t>For our capstone, we used only the train.zip file, as the images in test.zip were not annotated.</a:t>
             </a:r>
+            <a:endParaRPr lang="en-IN" dirty="0"/>
           </a:p>
           <a:p>
             <a:pPr marL="285750" indent="-285750" algn="just">
-              <a:buFont typeface="Arial" panose="020B0604020202020204" pitchFamily="34" charset="0"/>
+              <a:buFont typeface="Arial" panose="020B0604020202090204" pitchFamily="34" charset="0"/>
               <a:buChar char="•"/>
             </a:pPr>
             <a:r>
               <a:rPr lang="en-IN" dirty="0"/>
               <a:t>There were around 10222 images in the train.zip file, spread across 120 different classes (or breeds).</a:t>
             </a:r>
+            <a:endParaRPr lang="en-IN" dirty="0"/>
           </a:p>
           <a:p>
             <a:pPr marL="285750" indent="-285750" algn="just">
-              <a:buFont typeface="Arial" panose="020B0604020202020204" pitchFamily="34" charset="0"/>
+              <a:buFont typeface="Arial" panose="020B0604020202090204" pitchFamily="34" charset="0"/>
               <a:buChar char="•"/>
             </a:pPr>
             <a:r>
               <a:rPr lang="en-IN" dirty="0"/>
               <a:t>The labels.csv was used to tag each of these 10222 images to a particular class/dog breed</a:t>
             </a:r>
+            <a:endParaRPr lang="en-IN" dirty="0"/>
           </a:p>
           <a:p>
             <a:pPr marL="285750" indent="-285750" algn="just">
-              <a:buFont typeface="Arial" panose="020B0604020202020204" pitchFamily="34" charset="0"/>
+              <a:buFont typeface="Arial" panose="020B0604020202090204" pitchFamily="34" charset="0"/>
               <a:buChar char="•"/>
             </a:pPr>
             <a:r>
               <a:rPr lang="en-IN" dirty="0"/>
               <a:t>We split these 10222 images into training &amp; validation sets in the ratio of 80:20 or 90:10, taking mostly 10k images due to memory constraint.</a:t>
             </a:r>
+            <a:endParaRPr lang="en-IN" dirty="0"/>
           </a:p>
           <a:p>
             <a:pPr marL="285750" indent="-285750" algn="just">
-              <a:buFont typeface="Arial" panose="020B0604020202020204" pitchFamily="34" charset="0"/>
+              <a:buFont typeface="Arial" panose="020B0604020202090204" pitchFamily="34" charset="0"/>
               <a:buChar char="•"/>
             </a:pPr>
             <a:r>
               <a:rPr lang="en-IN" dirty="0"/>
               <a:t>These images were further extracted either in grayscale, or colour. For the former, the images were in size 128X128, while for the latter it was either 128X128 or 224X224.</a:t>
             </a:r>
+            <a:endParaRPr lang="en-IN" dirty="0"/>
           </a:p>
         </p:txBody>
       </p:sp>
       <p:pic>
         <p:nvPicPr>
-          <p:cNvPr id="1026" name="Picture 2">
-            <a:extLst>
-              <a:ext uri="{FF2B5EF4-FFF2-40B4-BE49-F238E27FC236}">
-                <a16:creationId xmlns:a16="http://schemas.microsoft.com/office/drawing/2014/main" id="{3E8E0B89-958E-49C4-8D43-A0EDE5943E5B}"/>
-              </a:ext>
-            </a:extLst>
-          </p:cNvPr>
+          <p:cNvPr id="1026" name="Picture 2"/>
           <p:cNvPicPr>
             <a:picLocks noChangeAspect="1" noChangeArrowheads="1"/>
           </p:cNvPicPr>
           <p:nvPr/>
         </p:nvPicPr>
         <p:blipFill>
-          <a:blip r:embed="rId3">
+          <a:blip r:embed="rId1">
             <a:extLst>
               <a:ext uri="{28A0092B-C50C-407E-A947-70E740481C1C}">
                 <a14:useLocalDpi xmlns:a14="http://schemas.microsoft.com/office/drawing/2010/main" val="0"/>
@@ -39497,20 +38947,14 @@
       </p:pic>
       <p:pic>
         <p:nvPicPr>
-          <p:cNvPr id="1028" name="Picture 4">
-            <a:extLst>
-              <a:ext uri="{FF2B5EF4-FFF2-40B4-BE49-F238E27FC236}">
-                <a16:creationId xmlns:a16="http://schemas.microsoft.com/office/drawing/2014/main" id="{7D8CAF5A-A165-4B04-8EC2-D26DE5C32375}"/>
-              </a:ext>
-            </a:extLst>
-          </p:cNvPr>
+          <p:cNvPr id="1028" name="Picture 4"/>
           <p:cNvPicPr>
             <a:picLocks noChangeAspect="1" noChangeArrowheads="1"/>
           </p:cNvPicPr>
           <p:nvPr/>
         </p:nvPicPr>
         <p:blipFill>
-          <a:blip r:embed="rId4">
+          <a:blip r:embed="rId2">
             <a:extLst>
               <a:ext uri="{28A0092B-C50C-407E-A947-70E740481C1C}">
                 <a14:useLocalDpi xmlns:a14="http://schemas.microsoft.com/office/drawing/2010/main" val="0"/>
@@ -39544,20 +38988,14 @@
       </p:pic>
       <p:pic>
         <p:nvPicPr>
-          <p:cNvPr id="1030" name="Picture 6">
-            <a:extLst>
-              <a:ext uri="{FF2B5EF4-FFF2-40B4-BE49-F238E27FC236}">
-                <a16:creationId xmlns:a16="http://schemas.microsoft.com/office/drawing/2014/main" id="{506FBC7A-9CB2-4EEC-B8F7-A05B139B3ECB}"/>
-              </a:ext>
-            </a:extLst>
-          </p:cNvPr>
+          <p:cNvPr id="1030" name="Picture 6"/>
           <p:cNvPicPr>
             <a:picLocks noChangeAspect="1" noChangeArrowheads="1"/>
           </p:cNvPicPr>
           <p:nvPr/>
         </p:nvPicPr>
         <p:blipFill>
-          <a:blip r:embed="rId5">
+          <a:blip r:embed="rId3">
             <a:extLst>
               <a:ext uri="{28A0092B-C50C-407E-A947-70E740481C1C}">
                 <a14:useLocalDpi xmlns:a14="http://schemas.microsoft.com/office/drawing/2010/main" val="0"/>
@@ -39590,11 +39028,6 @@
         </p:spPr>
       </p:pic>
     </p:spTree>
-    <p:extLst>
-      <p:ext uri="{BB962C8B-B14F-4D97-AF65-F5344CB8AC3E}">
-        <p14:creationId xmlns:p14="http://schemas.microsoft.com/office/powerpoint/2010/main" val="1163455220"/>
-      </p:ext>
-    </p:extLst>
   </p:cSld>
   <p:clrMapOvr>
     <a:masterClrMapping/>
@@ -39621,13 +39054,7 @@
       </p:grpSpPr>
       <p:sp>
         <p:nvSpPr>
-          <p:cNvPr id="2" name="Title 1">
-            <a:extLst>
-              <a:ext uri="{FF2B5EF4-FFF2-40B4-BE49-F238E27FC236}">
-                <a16:creationId xmlns:a16="http://schemas.microsoft.com/office/drawing/2014/main" id="{DE4AB972-4B36-43FC-9E16-65A57A5B8E92}"/>
-              </a:ext>
-            </a:extLst>
-          </p:cNvPr>
+          <p:cNvPr id="2" name="Title 1"/>
           <p:cNvSpPr>
             <a:spLocks noGrp="1"/>
           </p:cNvSpPr>
@@ -39650,18 +39077,12 @@
       </p:sp>
       <p:pic>
         <p:nvPicPr>
-          <p:cNvPr id="3" name="Picture 2">
-            <a:extLst>
-              <a:ext uri="{FF2B5EF4-FFF2-40B4-BE49-F238E27FC236}">
-                <a16:creationId xmlns:a16="http://schemas.microsoft.com/office/drawing/2014/main" id="{1ED788FD-C7E9-4F15-8EE6-50057B5350F8}"/>
-              </a:ext>
-            </a:extLst>
-          </p:cNvPr>
+          <p:cNvPr id="3" name="Picture 2"/>
           <p:cNvPicPr/>
           <p:nvPr/>
         </p:nvPicPr>
         <p:blipFill>
-          <a:blip r:embed="rId2"/>
+          <a:blip r:embed="rId1"/>
           <a:stretch>
             <a:fillRect/>
           </a:stretch>
@@ -39678,18 +39099,12 @@
       </p:pic>
       <p:pic>
         <p:nvPicPr>
-          <p:cNvPr id="5" name="Picture 4">
-            <a:extLst>
-              <a:ext uri="{FF2B5EF4-FFF2-40B4-BE49-F238E27FC236}">
-                <a16:creationId xmlns:a16="http://schemas.microsoft.com/office/drawing/2014/main" id="{FC10BB24-12B8-4159-A918-7CE1729C9A98}"/>
-              </a:ext>
-            </a:extLst>
-          </p:cNvPr>
+          <p:cNvPr id="5" name="Picture 4"/>
           <p:cNvPicPr/>
           <p:nvPr/>
         </p:nvPicPr>
         <p:blipFill>
-          <a:blip r:embed="rId3"/>
+          <a:blip r:embed="rId2"/>
           <a:stretch>
             <a:fillRect/>
           </a:stretch>
@@ -39706,13 +39121,7 @@
       </p:pic>
       <p:sp>
         <p:nvSpPr>
-          <p:cNvPr id="6" name="Speech Bubble: Rectangle with Corners Rounded 5">
-            <a:extLst>
-              <a:ext uri="{FF2B5EF4-FFF2-40B4-BE49-F238E27FC236}">
-                <a16:creationId xmlns:a16="http://schemas.microsoft.com/office/drawing/2014/main" id="{C5BC9DCF-08A4-4DFD-9D7F-481C3A8FC818}"/>
-              </a:ext>
-            </a:extLst>
-          </p:cNvPr>
+          <p:cNvPr id="6" name="Speech Bubble: Rectangle with Corners Rounded 5"/>
           <p:cNvSpPr/>
           <p:nvPr/>
         </p:nvSpPr>
@@ -39767,11 +39176,6 @@
         </p:txBody>
       </p:sp>
     </p:spTree>
-    <p:extLst>
-      <p:ext uri="{BB962C8B-B14F-4D97-AF65-F5344CB8AC3E}">
-        <p14:creationId xmlns:p14="http://schemas.microsoft.com/office/powerpoint/2010/main" val="433819210"/>
-      </p:ext>
-    </p:extLst>
   </p:cSld>
   <p:clrMapOvr>
     <a:masterClrMapping/>
@@ -39831,7 +39235,7 @@
               <a:buNone/>
             </a:pPr>
             <a:r>
-              <a:rPr lang="en" dirty="0"/>
+              <a:rPr lang="en-GB" dirty="0"/>
               <a:t>METHODOLOGY (1/3)</a:t>
             </a:r>
             <a:endParaRPr dirty="0"/>
@@ -39861,23 +39265,25 @@
           <a:lstStyle/>
           <a:p>
             <a:pPr marL="285750" indent="-285750">
-              <a:buFont typeface="Arial" panose="020B0604020202020204" pitchFamily="34" charset="0"/>
+              <a:buFont typeface="Arial" panose="020B0604020202090204" pitchFamily="34" charset="0"/>
               <a:buChar char="•"/>
             </a:pPr>
             <a:r>
               <a:rPr lang="en-IN" dirty="0"/>
               <a:t>Evaluated multiple models, both drawn from scratch, as well as using Transfer Learning.</a:t>
             </a:r>
+            <a:endParaRPr lang="en-IN" dirty="0"/>
           </a:p>
           <a:p>
             <a:pPr marL="285750" indent="-285750">
-              <a:buFont typeface="Arial" panose="020B0604020202020204" pitchFamily="34" charset="0"/>
+              <a:buFont typeface="Arial" panose="020B0604020202090204" pitchFamily="34" charset="0"/>
               <a:buChar char="•"/>
             </a:pPr>
             <a:r>
               <a:rPr lang="en-IN" dirty="0"/>
               <a:t>Used models with &amp; without Image Augmentation.</a:t>
             </a:r>
+            <a:endParaRPr lang="en-IN" dirty="0"/>
           </a:p>
           <a:p>
             <a:endParaRPr lang="en-IN" b="1" dirty="0"/>
@@ -39890,40 +39296,44 @@
               <a:rPr lang="en-IN" b="1" dirty="0"/>
               <a:t>Models:</a:t>
             </a:r>
+            <a:endParaRPr lang="en-IN" b="1" dirty="0"/>
           </a:p>
           <a:p>
             <a:pPr marL="285750" indent="-285750">
-              <a:buFont typeface="Arial" panose="020B0604020202020204" pitchFamily="34" charset="0"/>
+              <a:buFont typeface="Arial" panose="020B0604020202090204" pitchFamily="34" charset="0"/>
               <a:buChar char="•"/>
             </a:pPr>
             <a:r>
               <a:rPr lang="en-IN" dirty="0"/>
               <a:t>Custom models trained on 128X128 grayscale images with &amp; without Image Augmentation</a:t>
             </a:r>
+            <a:endParaRPr lang="en-IN" dirty="0"/>
           </a:p>
           <a:p>
             <a:pPr marL="285750" indent="-285750">
-              <a:buFont typeface="Arial" panose="020B0604020202020204" pitchFamily="34" charset="0"/>
+              <a:buFont typeface="Arial" panose="020B0604020202090204" pitchFamily="34" charset="0"/>
               <a:buChar char="•"/>
             </a:pPr>
             <a:r>
               <a:rPr lang="en-IN" dirty="0"/>
               <a:t>VGG-16 models with &amp; without pre-trained weights, trained on 128X128 colour (BGR) images with &amp; without Image Augmentation</a:t>
             </a:r>
+            <a:endParaRPr lang="en-IN" dirty="0"/>
           </a:p>
           <a:p>
             <a:pPr marL="285750" indent="-285750">
-              <a:buFont typeface="Arial" panose="020B0604020202020204" pitchFamily="34" charset="0"/>
+              <a:buFont typeface="Arial" panose="020B0604020202090204" pitchFamily="34" charset="0"/>
               <a:buChar char="•"/>
             </a:pPr>
             <a:r>
               <a:rPr lang="en-IN" dirty="0"/>
               <a:t>Pre-trained Resnet50 models, trained on 224X224 colour (BGR) images with &amp; without Image Augmentation. Model was also trained keeping the hidden layers as trainable.</a:t>
             </a:r>
+            <a:endParaRPr lang="en-IN" dirty="0"/>
           </a:p>
           <a:p>
             <a:pPr marL="285750" indent="-285750">
-              <a:buFont typeface="Arial" panose="020B0604020202020204" pitchFamily="34" charset="0"/>
+              <a:buFont typeface="Arial" panose="020B0604020202090204" pitchFamily="34" charset="0"/>
               <a:buChar char="•"/>
             </a:pPr>
             <a:r>
@@ -39938,10 +39348,11 @@
               <a:rPr lang="en-IN" dirty="0"/>
               <a:t> models, trained on 224X224 colour (BGR) images with &amp; without Image Augmentation.</a:t>
             </a:r>
+            <a:endParaRPr lang="en-IN" dirty="0"/>
           </a:p>
           <a:p>
             <a:pPr marL="285750" indent="-285750">
-              <a:buFont typeface="Arial" panose="020B0604020202020204" pitchFamily="34" charset="0"/>
+              <a:buFont typeface="Arial" panose="020B0604020202090204" pitchFamily="34" charset="0"/>
               <a:buChar char="•"/>
             </a:pPr>
             <a:r>
@@ -39956,37 +39367,39 @@
               <a:rPr lang="en-IN" dirty="0"/>
               <a:t> models, trained on 224X224 colour (BGR) images with &amp; without Image Augmentation, on a larger training set of 9k images &amp; 1k validation images.</a:t>
             </a:r>
+            <a:endParaRPr lang="en-IN" dirty="0"/>
           </a:p>
           <a:p>
             <a:pPr marL="285750" indent="-285750">
-              <a:buFont typeface="Arial" panose="020B0604020202020204" pitchFamily="34" charset="0"/>
+              <a:buFont typeface="Arial" panose="020B0604020202090204" pitchFamily="34" charset="0"/>
               <a:buChar char="•"/>
             </a:pPr>
             <a:r>
               <a:rPr lang="en-IN" dirty="0"/>
               <a:t>Used ROC-AUC &amp; Top-5 Accuracy as the evaluation metrices.</a:t>
             </a:r>
+            <a:endParaRPr lang="en-IN" dirty="0"/>
           </a:p>
           <a:p>
             <a:endParaRPr lang="en-IN" dirty="0"/>
           </a:p>
           <a:p>
             <a:pPr marL="285750" indent="-285750">
-              <a:buFont typeface="Arial" panose="020B0604020202020204" pitchFamily="34" charset="0"/>
+              <a:buFont typeface="Arial" panose="020B0604020202090204" pitchFamily="34" charset="0"/>
               <a:buChar char="•"/>
             </a:pPr>
             <a:endParaRPr lang="en-IN" dirty="0"/>
           </a:p>
           <a:p>
             <a:pPr marL="285750" indent="-285750">
-              <a:buFont typeface="Arial" panose="020B0604020202020204" pitchFamily="34" charset="0"/>
+              <a:buFont typeface="Arial" panose="020B0604020202090204" pitchFamily="34" charset="0"/>
               <a:buChar char="•"/>
             </a:pPr>
             <a:endParaRPr lang="en-IN" dirty="0"/>
           </a:p>
           <a:p>
             <a:pPr marL="285750" indent="-285750">
-              <a:buFont typeface="Arial" panose="020B0604020202020204" pitchFamily="34" charset="0"/>
+              <a:buFont typeface="Arial" panose="020B0604020202090204" pitchFamily="34" charset="0"/>
               <a:buChar char="•"/>
             </a:pPr>
             <a:endParaRPr lang="en-IN" dirty="0"/>
@@ -39994,11 +39407,6 @@
         </p:txBody>
       </p:sp>
     </p:spTree>
-    <p:extLst>
-      <p:ext uri="{BB962C8B-B14F-4D97-AF65-F5344CB8AC3E}">
-        <p14:creationId xmlns:p14="http://schemas.microsoft.com/office/powerpoint/2010/main" val="1195099895"/>
-      </p:ext>
-    </p:extLst>
   </p:cSld>
   <p:clrMapOvr>
     <a:masterClrMapping/>
@@ -40058,7 +39466,7 @@
               <a:buNone/>
             </a:pPr>
             <a:r>
-              <a:rPr lang="en" dirty="0"/>
+              <a:rPr lang="en-GB" dirty="0"/>
               <a:t>METHODOLOGY (2/3)</a:t>
             </a:r>
             <a:endParaRPr dirty="0"/>
@@ -40091,26 +39499,15 @@
               <a:rPr lang="en-IN" b="1" u="sng" dirty="0"/>
               <a:t>Approach</a:t>
             </a:r>
+            <a:endParaRPr lang="en-IN" b="1" u="sng" dirty="0"/>
           </a:p>
         </p:txBody>
       </p:sp>
       <p:graphicFrame>
         <p:nvGraphicFramePr>
-          <p:cNvPr id="2" name="Diagram 1">
-            <a:extLst>
-              <a:ext uri="{FF2B5EF4-FFF2-40B4-BE49-F238E27FC236}">
-                <a16:creationId xmlns:a16="http://schemas.microsoft.com/office/drawing/2014/main" id="{7BAE65FF-5557-4F26-A8AE-D11523CD8DDE}"/>
-              </a:ext>
-            </a:extLst>
-          </p:cNvPr>
+          <p:cNvPr id="2" name="Diagram 1"/>
           <p:cNvGraphicFramePr/>
-          <p:nvPr>
-            <p:extLst>
-              <p:ext uri="{D42A27DB-BD31-4B8C-83A1-F6EECF244321}">
-                <p14:modId xmlns:p14="http://schemas.microsoft.com/office/powerpoint/2010/main" val="3267301948"/>
-              </p:ext>
-            </p:extLst>
-          </p:nvPr>
+          <p:nvPr/>
         </p:nvGraphicFramePr>
         <p:xfrm>
           <a:off x="1034902" y="1535149"/>
@@ -40118,16 +39515,11 @@
         </p:xfrm>
         <a:graphic>
           <a:graphicData uri="http://schemas.openxmlformats.org/drawingml/2006/diagram">
-            <dgm:relIds xmlns:dgm="http://schemas.openxmlformats.org/drawingml/2006/diagram" xmlns:r="http://schemas.openxmlformats.org/officeDocument/2006/relationships" r:dm="rId3" r:lo="rId4" r:qs="rId5" r:cs="rId6"/>
+            <dgm:relIds xmlns:dgm="http://schemas.openxmlformats.org/drawingml/2006/diagram" xmlns:r="http://schemas.openxmlformats.org/officeDocument/2006/relationships" r:dm="rId1" r:lo="rId2" r:qs="rId3" r:cs="rId4"/>
           </a:graphicData>
         </a:graphic>
       </p:graphicFrame>
     </p:spTree>
-    <p:extLst>
-      <p:ext uri="{BB962C8B-B14F-4D97-AF65-F5344CB8AC3E}">
-        <p14:creationId xmlns:p14="http://schemas.microsoft.com/office/powerpoint/2010/main" val="1295606740"/>
-      </p:ext>
-    </p:extLst>
   </p:cSld>
   <p:clrMapOvr>
     <a:masterClrMapping/>
@@ -40411,8 +39803,11 @@
       </a:bgFillStyleLst>
     </a:fmtScheme>
   </a:themeElements>
-  <a:objectDefaults/>
-  <a:extraClrSchemeLst/>
+  <a:extLst>
+    <a:ext uri="{05A4C25C-085E-4340-85A3-A5531E510DB2}">
+      <thm15:themeFamily xmlns:thm15="http://schemas.microsoft.com/office/thememl/2012/main" name="Office Theme" id="{62F939B6-93AF-4DB8-9C6B-D6C7DFDC589F}" vid="{4A3C46E8-61CC-4603-A589-7422A47A8E4A}"/>
+    </a:ext>
+  </a:extLst>
 </a:theme>
 </file>
 
@@ -40692,7 +40087,10 @@
       </a:bgFillStyleLst>
     </a:fmtScheme>
   </a:themeElements>
-  <a:objectDefaults/>
-  <a:extraClrSchemeLst/>
+  <a:extLst>
+    <a:ext uri="{05A4C25C-085E-4340-85A3-A5531E510DB2}">
+      <thm15:themeFamily xmlns:thm15="http://schemas.microsoft.com/office/thememl/2012/main" name="Office Theme" id="{62F939B6-93AF-4DB8-9C6B-D6C7DFDC589F}" vid="{4A3C46E8-61CC-4603-A589-7422A47A8E4A}"/>
+    </a:ext>
+  </a:extLst>
 </a:theme>
 </file>